--- a/Selenium/Specflow/Specflow.pptx
+++ b/Selenium/Specflow/Specflow.pptx
@@ -5,10 +5,10 @@
     <p:sldMasterId id="2147483648" r:id="rId4"/>
   </p:sldMasterIdLst>
   <p:notesMasterIdLst>
-    <p:notesMasterId r:id="rId21"/>
+    <p:notesMasterId r:id="rId22"/>
   </p:notesMasterIdLst>
   <p:handoutMasterIdLst>
-    <p:handoutMasterId r:id="rId22"/>
+    <p:handoutMasterId r:id="rId23"/>
   </p:handoutMasterIdLst>
   <p:sldIdLst>
     <p:sldId id="256" r:id="rId5"/>
@@ -26,7 +26,8 @@
     <p:sldId id="293" r:id="rId17"/>
     <p:sldId id="296" r:id="rId18"/>
     <p:sldId id="297" r:id="rId19"/>
-    <p:sldId id="269" r:id="rId20"/>
+    <p:sldId id="299" r:id="rId20"/>
+    <p:sldId id="269" r:id="rId21"/>
   </p:sldIdLst>
   <p:sldSz cx="12192000" cy="6858000"/>
   <p:notesSz cx="6858000" cy="9144000"/>
@@ -174,7 +175,7 @@
           <p:cNvPr id="2" name="Header Placeholder 1">
             <a:extLst>
               <a:ext uri="{FF2B5EF4-FFF2-40B4-BE49-F238E27FC236}">
-                <a16:creationId xmlns:a16="http://schemas.microsoft.com/office/drawing/2014/main" id="{E62FF6B6-4F8A-40F7-B5F4-FC3996824D73}"/>
+                <a16:creationId xmlns:a16="http://schemas.microsoft.com/office/drawing/2014/main" xmlns="" id="{E62FF6B6-4F8A-40F7-B5F4-FC3996824D73}"/>
               </a:ext>
             </a:extLst>
           </p:cNvPr>
@@ -211,7 +212,7 @@
           <p:cNvPr id="3" name="Date Placeholder 2">
             <a:extLst>
               <a:ext uri="{FF2B5EF4-FFF2-40B4-BE49-F238E27FC236}">
-                <a16:creationId xmlns:a16="http://schemas.microsoft.com/office/drawing/2014/main" id="{8910A999-F365-48DF-976A-0517FE045440}"/>
+                <a16:creationId xmlns:a16="http://schemas.microsoft.com/office/drawing/2014/main" xmlns="" id="{8910A999-F365-48DF-976A-0517FE045440}"/>
               </a:ext>
             </a:extLst>
           </p:cNvPr>
@@ -241,7 +242,7 @@
           <a:p>
             <a:fld id="{1CA5457B-CDAE-4DEB-AEC8-C82DE2312E37}" type="datetimeFigureOut">
               <a:rPr lang="en-US" smtClean="0"/>
-              <a:t>6/3/2019</a:t>
+              <a:t>6/19/2019</a:t>
             </a:fld>
             <a:endParaRPr lang="en-US" dirty="0"/>
           </a:p>
@@ -252,7 +253,7 @@
           <p:cNvPr id="4" name="Footer Placeholder 3">
             <a:extLst>
               <a:ext uri="{FF2B5EF4-FFF2-40B4-BE49-F238E27FC236}">
-                <a16:creationId xmlns:a16="http://schemas.microsoft.com/office/drawing/2014/main" id="{F8735C90-ADBF-4B9E-BE88-E1C8F83EB4D2}"/>
+                <a16:creationId xmlns:a16="http://schemas.microsoft.com/office/drawing/2014/main" xmlns="" id="{F8735C90-ADBF-4B9E-BE88-E1C8F83EB4D2}"/>
               </a:ext>
             </a:extLst>
           </p:cNvPr>
@@ -289,7 +290,7 @@
           <p:cNvPr id="5" name="Slide Number Placeholder 4">
             <a:extLst>
               <a:ext uri="{FF2B5EF4-FFF2-40B4-BE49-F238E27FC236}">
-                <a16:creationId xmlns:a16="http://schemas.microsoft.com/office/drawing/2014/main" id="{82506A01-6D0A-45EF-A584-05A3361D66F7}"/>
+                <a16:creationId xmlns:a16="http://schemas.microsoft.com/office/drawing/2014/main" xmlns="" id="{82506A01-6D0A-45EF-A584-05A3361D66F7}"/>
               </a:ext>
             </a:extLst>
           </p:cNvPr>
@@ -418,7 +419,7 @@
           <a:p>
             <a:fld id="{090B78EA-28CE-41D8-9043-90E391E5F567}" type="datetimeFigureOut">
               <a:rPr lang="en-US" noProof="0" smtClean="0"/>
-              <a:t>6/3/2019</a:t>
+              <a:t>6/19/2019</a:t>
             </a:fld>
             <a:endParaRPr lang="en-US" noProof="0" dirty="0"/>
           </a:p>
@@ -707,7 +708,7 @@
           <p:cNvPr id="21" name="Rectangle 20">
             <a:extLst>
               <a:ext uri="{FF2B5EF4-FFF2-40B4-BE49-F238E27FC236}">
-                <a16:creationId xmlns:a16="http://schemas.microsoft.com/office/drawing/2014/main" id="{6E739168-A5E8-443A-B392-7AD4CF8977AD}"/>
+                <a16:creationId xmlns:a16="http://schemas.microsoft.com/office/drawing/2014/main" xmlns="" id="{6E739168-A5E8-443A-B392-7AD4CF8977AD}"/>
               </a:ext>
             </a:extLst>
           </p:cNvPr>
@@ -759,7 +760,7 @@
           <p:cNvPr id="7" name="Group 6">
             <a:extLst>
               <a:ext uri="{FF2B5EF4-FFF2-40B4-BE49-F238E27FC236}">
-                <a16:creationId xmlns:a16="http://schemas.microsoft.com/office/drawing/2014/main" id="{4CA15AFD-4983-47DD-9ED0-D3B27E5A096F}"/>
+                <a16:creationId xmlns:a16="http://schemas.microsoft.com/office/drawing/2014/main" xmlns="" id="{4CA15AFD-4983-47DD-9ED0-D3B27E5A096F}"/>
               </a:ext>
             </a:extLst>
           </p:cNvPr>
@@ -779,7 +780,7 @@
             <p:cNvPr id="8" name="Group 7">
               <a:extLst>
                 <a:ext uri="{FF2B5EF4-FFF2-40B4-BE49-F238E27FC236}">
-                  <a16:creationId xmlns:a16="http://schemas.microsoft.com/office/drawing/2014/main" id="{2222D5E2-E9B4-4180-98B8-4E514C9ADB28}"/>
+                  <a16:creationId xmlns:a16="http://schemas.microsoft.com/office/drawing/2014/main" xmlns="" id="{2222D5E2-E9B4-4180-98B8-4E514C9ADB28}"/>
                 </a:ext>
               </a:extLst>
             </p:cNvPr>
@@ -799,7 +800,7 @@
               <p:cNvPr id="15" name="Freeform: Shape 14">
                 <a:extLst>
                   <a:ext uri="{FF2B5EF4-FFF2-40B4-BE49-F238E27FC236}">
-                    <a16:creationId xmlns:a16="http://schemas.microsoft.com/office/drawing/2014/main" id="{41E10E1E-5268-4F03-BA64-07E19DE26739}"/>
+                    <a16:creationId xmlns:a16="http://schemas.microsoft.com/office/drawing/2014/main" xmlns="" id="{41E10E1E-5268-4F03-BA64-07E19DE26739}"/>
                   </a:ext>
                 </a:extLst>
               </p:cNvPr>
@@ -936,7 +937,7 @@
               <p:cNvPr id="16" name="Freeform: Shape 15">
                 <a:extLst>
                   <a:ext uri="{FF2B5EF4-FFF2-40B4-BE49-F238E27FC236}">
-                    <a16:creationId xmlns:a16="http://schemas.microsoft.com/office/drawing/2014/main" id="{B989C45D-BDFF-418F-BE79-03FF70015770}"/>
+                    <a16:creationId xmlns:a16="http://schemas.microsoft.com/office/drawing/2014/main" xmlns="" id="{B989C45D-BDFF-418F-BE79-03FF70015770}"/>
                   </a:ext>
                 </a:extLst>
               </p:cNvPr>
@@ -1100,7 +1101,7 @@
               <p:cNvPr id="17" name="Right Triangle 16">
                 <a:extLst>
                   <a:ext uri="{FF2B5EF4-FFF2-40B4-BE49-F238E27FC236}">
-                    <a16:creationId xmlns:a16="http://schemas.microsoft.com/office/drawing/2014/main" id="{8DCD5806-2A2F-4ABF-8057-245681C498E6}"/>
+                    <a16:creationId xmlns:a16="http://schemas.microsoft.com/office/drawing/2014/main" xmlns="" id="{8DCD5806-2A2F-4ABF-8057-245681C498E6}"/>
                   </a:ext>
                 </a:extLst>
               </p:cNvPr>
@@ -1154,7 +1155,7 @@
               <p:cNvPr id="18" name="Right Triangle 17">
                 <a:extLst>
                   <a:ext uri="{FF2B5EF4-FFF2-40B4-BE49-F238E27FC236}">
-                    <a16:creationId xmlns:a16="http://schemas.microsoft.com/office/drawing/2014/main" id="{3A93038F-E9E4-4FFD-B3DF-28DB7C2C1490}"/>
+                    <a16:creationId xmlns:a16="http://schemas.microsoft.com/office/drawing/2014/main" xmlns="" id="{3A93038F-E9E4-4FFD-B3DF-28DB7C2C1490}"/>
                   </a:ext>
                 </a:extLst>
               </p:cNvPr>
@@ -1211,7 +1212,7 @@
               <p:cNvPr id="19" name="Right Triangle 18">
                 <a:extLst>
                   <a:ext uri="{FF2B5EF4-FFF2-40B4-BE49-F238E27FC236}">
-                    <a16:creationId xmlns:a16="http://schemas.microsoft.com/office/drawing/2014/main" id="{5DEA1E02-BBD0-4AE3-AF22-433B90272178}"/>
+                    <a16:creationId xmlns:a16="http://schemas.microsoft.com/office/drawing/2014/main" xmlns="" id="{5DEA1E02-BBD0-4AE3-AF22-433B90272178}"/>
                   </a:ext>
                 </a:extLst>
               </p:cNvPr>
@@ -1265,7 +1266,7 @@
               <p:cNvPr id="20" name="Freeform: Shape 19">
                 <a:extLst>
                   <a:ext uri="{FF2B5EF4-FFF2-40B4-BE49-F238E27FC236}">
-                    <a16:creationId xmlns:a16="http://schemas.microsoft.com/office/drawing/2014/main" id="{0027A677-9ACB-4264-B148-4806678FB83F}"/>
+                    <a16:creationId xmlns:a16="http://schemas.microsoft.com/office/drawing/2014/main" xmlns="" id="{0027A677-9ACB-4264-B148-4806678FB83F}"/>
                   </a:ext>
                 </a:extLst>
               </p:cNvPr>
@@ -1428,7 +1429,7 @@
             <p:cNvPr id="9" name="Freeform: Shape 12">
               <a:extLst>
                 <a:ext uri="{FF2B5EF4-FFF2-40B4-BE49-F238E27FC236}">
-                  <a16:creationId xmlns:a16="http://schemas.microsoft.com/office/drawing/2014/main" id="{E3AAB79D-382D-4A95-965E-526B6A681DA7}"/>
+                  <a16:creationId xmlns:a16="http://schemas.microsoft.com/office/drawing/2014/main" xmlns="" id="{E3AAB79D-382D-4A95-965E-526B6A681DA7}"/>
                 </a:ext>
               </a:extLst>
             </p:cNvPr>
@@ -1518,7 +1519,7 @@
             <p:cNvPr id="10" name="Freeform: Shape 9">
               <a:extLst>
                 <a:ext uri="{FF2B5EF4-FFF2-40B4-BE49-F238E27FC236}">
-                  <a16:creationId xmlns:a16="http://schemas.microsoft.com/office/drawing/2014/main" id="{C0A22127-2B4A-4B15-B0A9-F019A30347A1}"/>
+                  <a16:creationId xmlns:a16="http://schemas.microsoft.com/office/drawing/2014/main" xmlns="" id="{C0A22127-2B4A-4B15-B0A9-F019A30347A1}"/>
                 </a:ext>
               </a:extLst>
             </p:cNvPr>
@@ -1621,7 +1622,7 @@
             <p:cNvPr id="11" name="Freeform: Shape 12">
               <a:extLst>
                 <a:ext uri="{FF2B5EF4-FFF2-40B4-BE49-F238E27FC236}">
-                  <a16:creationId xmlns:a16="http://schemas.microsoft.com/office/drawing/2014/main" id="{F04D9FDC-1B67-4254-9535-CD32E81F0C3E}"/>
+                  <a16:creationId xmlns:a16="http://schemas.microsoft.com/office/drawing/2014/main" xmlns="" id="{F04D9FDC-1B67-4254-9535-CD32E81F0C3E}"/>
                 </a:ext>
               </a:extLst>
             </p:cNvPr>
@@ -1719,7 +1720,7 @@
             <p:cNvPr id="12" name="Group 11">
               <a:extLst>
                 <a:ext uri="{FF2B5EF4-FFF2-40B4-BE49-F238E27FC236}">
-                  <a16:creationId xmlns:a16="http://schemas.microsoft.com/office/drawing/2014/main" id="{0A86C4EA-4CF8-4531-845D-4FCB1E2F7422}"/>
+                  <a16:creationId xmlns:a16="http://schemas.microsoft.com/office/drawing/2014/main" xmlns="" id="{0A86C4EA-4CF8-4531-845D-4FCB1E2F7422}"/>
                 </a:ext>
               </a:extLst>
             </p:cNvPr>
@@ -1739,7 +1740,7 @@
               <p:cNvPr id="13" name="Freeform: Shape 12">
                 <a:extLst>
                   <a:ext uri="{FF2B5EF4-FFF2-40B4-BE49-F238E27FC236}">
-                    <a16:creationId xmlns:a16="http://schemas.microsoft.com/office/drawing/2014/main" id="{1101B195-C112-4D20-8D19-4D22479B150D}"/>
+                    <a16:creationId xmlns:a16="http://schemas.microsoft.com/office/drawing/2014/main" xmlns="" id="{1101B195-C112-4D20-8D19-4D22479B150D}"/>
                   </a:ext>
                 </a:extLst>
               </p:cNvPr>
@@ -1829,7 +1830,7 @@
               <p:cNvPr id="14" name="Freeform: Shape 12">
                 <a:extLst>
                   <a:ext uri="{FF2B5EF4-FFF2-40B4-BE49-F238E27FC236}">
-                    <a16:creationId xmlns:a16="http://schemas.microsoft.com/office/drawing/2014/main" id="{CA755F1F-9955-4CBB-8F34-F7801CA44CE7}"/>
+                    <a16:creationId xmlns:a16="http://schemas.microsoft.com/office/drawing/2014/main" xmlns="" id="{CA755F1F-9955-4CBB-8F34-F7801CA44CE7}"/>
                   </a:ext>
                 </a:extLst>
               </p:cNvPr>
@@ -1929,7 +1930,7 @@
           <p:cNvPr id="2" name="Title 1">
             <a:extLst>
               <a:ext uri="{FF2B5EF4-FFF2-40B4-BE49-F238E27FC236}">
-                <a16:creationId xmlns:a16="http://schemas.microsoft.com/office/drawing/2014/main" id="{9E597736-C478-4C26-9BAF-205FE31E977C}"/>
+                <a16:creationId xmlns:a16="http://schemas.microsoft.com/office/drawing/2014/main" xmlns="" id="{9E597736-C478-4C26-9BAF-205FE31E977C}"/>
               </a:ext>
             </a:extLst>
           </p:cNvPr>
@@ -1976,7 +1977,7 @@
           <p:cNvPr id="3" name="Subtitle 2">
             <a:extLst>
               <a:ext uri="{FF2B5EF4-FFF2-40B4-BE49-F238E27FC236}">
-                <a16:creationId xmlns:a16="http://schemas.microsoft.com/office/drawing/2014/main" id="{C3D2DEF0-A0B0-4CFE-B67D-A9D75E2368DC}"/>
+                <a16:creationId xmlns:a16="http://schemas.microsoft.com/office/drawing/2014/main" xmlns="" id="{C3D2DEF0-A0B0-4CFE-B67D-A9D75E2368DC}"/>
               </a:ext>
             </a:extLst>
           </p:cNvPr>
@@ -2061,7 +2062,7 @@
           <p:cNvPr id="11" name="Rectangle 10">
             <a:extLst>
               <a:ext uri="{FF2B5EF4-FFF2-40B4-BE49-F238E27FC236}">
-                <a16:creationId xmlns:a16="http://schemas.microsoft.com/office/drawing/2014/main" id="{EB3E033F-4449-40FA-BC85-BD2712D313DD}"/>
+                <a16:creationId xmlns:a16="http://schemas.microsoft.com/office/drawing/2014/main" xmlns="" id="{EB3E033F-4449-40FA-BC85-BD2712D313DD}"/>
               </a:ext>
             </a:extLst>
           </p:cNvPr>
@@ -2115,7 +2116,7 @@
           <p:cNvPr id="10" name="Freeform: Shape 9">
             <a:extLst>
               <a:ext uri="{FF2B5EF4-FFF2-40B4-BE49-F238E27FC236}">
-                <a16:creationId xmlns:a16="http://schemas.microsoft.com/office/drawing/2014/main" id="{63D26743-0505-444C-80B3-E88EE87DF72B}"/>
+                <a16:creationId xmlns:a16="http://schemas.microsoft.com/office/drawing/2014/main" xmlns="" id="{63D26743-0505-444C-80B3-E88EE87DF72B}"/>
               </a:ext>
             </a:extLst>
           </p:cNvPr>
@@ -2238,7 +2239,7 @@
           <p:cNvPr id="18" name="Freeform: Shape 17">
             <a:extLst>
               <a:ext uri="{FF2B5EF4-FFF2-40B4-BE49-F238E27FC236}">
-                <a16:creationId xmlns:a16="http://schemas.microsoft.com/office/drawing/2014/main" id="{E37145E9-AC61-47D5-9288-8789940F81B6}"/>
+                <a16:creationId xmlns:a16="http://schemas.microsoft.com/office/drawing/2014/main" xmlns="" id="{E37145E9-AC61-47D5-9288-8789940F81B6}"/>
               </a:ext>
             </a:extLst>
           </p:cNvPr>
@@ -2390,7 +2391,7 @@
           <p:cNvPr id="12" name="Freeform: Shape 11">
             <a:extLst>
               <a:ext uri="{FF2B5EF4-FFF2-40B4-BE49-F238E27FC236}">
-                <a16:creationId xmlns:a16="http://schemas.microsoft.com/office/drawing/2014/main" id="{A5E2B3ED-9A49-40A7-B8A3-62595FE513F9}"/>
+                <a16:creationId xmlns:a16="http://schemas.microsoft.com/office/drawing/2014/main" xmlns="" id="{A5E2B3ED-9A49-40A7-B8A3-62595FE513F9}"/>
               </a:ext>
             </a:extLst>
           </p:cNvPr>
@@ -2540,7 +2541,7 @@
           <p:cNvPr id="8" name="Freeform: Shape 7">
             <a:extLst>
               <a:ext uri="{FF2B5EF4-FFF2-40B4-BE49-F238E27FC236}">
-                <a16:creationId xmlns:a16="http://schemas.microsoft.com/office/drawing/2014/main" id="{1599AF7E-3E34-4597-AA72-9373A7FDB020}"/>
+                <a16:creationId xmlns:a16="http://schemas.microsoft.com/office/drawing/2014/main" xmlns="" id="{1599AF7E-3E34-4597-AA72-9373A7FDB020}"/>
               </a:ext>
             </a:extLst>
           </p:cNvPr>
@@ -2686,7 +2687,7 @@
           <p:cNvPr id="2" name="Title 1">
             <a:extLst>
               <a:ext uri="{FF2B5EF4-FFF2-40B4-BE49-F238E27FC236}">
-                <a16:creationId xmlns:a16="http://schemas.microsoft.com/office/drawing/2014/main" id="{4A2DF563-7FAC-46B3-B24C-7E45CD89DA2B}"/>
+                <a16:creationId xmlns:a16="http://schemas.microsoft.com/office/drawing/2014/main" xmlns="" id="{4A2DF563-7FAC-46B3-B24C-7E45CD89DA2B}"/>
               </a:ext>
             </a:extLst>
           </p:cNvPr>
@@ -2731,7 +2732,7 @@
           <p:cNvPr id="15" name="Group 14">
             <a:extLst>
               <a:ext uri="{FF2B5EF4-FFF2-40B4-BE49-F238E27FC236}">
-                <a16:creationId xmlns:a16="http://schemas.microsoft.com/office/drawing/2014/main" id="{7732E1E7-45E3-4264-8F26-66758696DD1E}"/>
+                <a16:creationId xmlns:a16="http://schemas.microsoft.com/office/drawing/2014/main" xmlns="" id="{7732E1E7-45E3-4264-8F26-66758696DD1E}"/>
               </a:ext>
             </a:extLst>
           </p:cNvPr>
@@ -2751,7 +2752,7 @@
             <p:cNvPr id="16" name="Freeform: Shape 15">
               <a:extLst>
                 <a:ext uri="{FF2B5EF4-FFF2-40B4-BE49-F238E27FC236}">
-                  <a16:creationId xmlns:a16="http://schemas.microsoft.com/office/drawing/2014/main" id="{2E3DF883-8093-49FA-81E1-E5D77F086A25}"/>
+                  <a16:creationId xmlns:a16="http://schemas.microsoft.com/office/drawing/2014/main" xmlns="" id="{2E3DF883-8093-49FA-81E1-E5D77F086A25}"/>
                 </a:ext>
               </a:extLst>
             </p:cNvPr>
@@ -2841,7 +2842,7 @@
             <p:cNvPr id="17" name="Freeform: Shape 16">
               <a:extLst>
                 <a:ext uri="{FF2B5EF4-FFF2-40B4-BE49-F238E27FC236}">
-                  <a16:creationId xmlns:a16="http://schemas.microsoft.com/office/drawing/2014/main" id="{18944C90-37E5-4BBE-89FF-060627168050}"/>
+                  <a16:creationId xmlns:a16="http://schemas.microsoft.com/office/drawing/2014/main" xmlns="" id="{18944C90-37E5-4BBE-89FF-060627168050}"/>
                 </a:ext>
               </a:extLst>
             </p:cNvPr>
@@ -2940,7 +2941,7 @@
           <p:cNvPr id="6" name="Group 5">
             <a:extLst>
               <a:ext uri="{FF2B5EF4-FFF2-40B4-BE49-F238E27FC236}">
-                <a16:creationId xmlns:a16="http://schemas.microsoft.com/office/drawing/2014/main" id="{D9EBF8BB-A805-4DDB-B459-082F99815B95}"/>
+                <a16:creationId xmlns:a16="http://schemas.microsoft.com/office/drawing/2014/main" xmlns="" id="{D9EBF8BB-A805-4DDB-B459-082F99815B95}"/>
               </a:ext>
             </a:extLst>
           </p:cNvPr>
@@ -2960,7 +2961,7 @@
             <p:cNvPr id="19" name="Rectangle: Single Corner Snipped 18">
               <a:extLst>
                 <a:ext uri="{FF2B5EF4-FFF2-40B4-BE49-F238E27FC236}">
-                  <a16:creationId xmlns:a16="http://schemas.microsoft.com/office/drawing/2014/main" id="{5D638788-DD47-45E7-939A-FA108A818173}"/>
+                  <a16:creationId xmlns:a16="http://schemas.microsoft.com/office/drawing/2014/main" xmlns="" id="{5D638788-DD47-45E7-939A-FA108A818173}"/>
                 </a:ext>
               </a:extLst>
             </p:cNvPr>
@@ -3026,7 +3027,7 @@
             <p:cNvPr id="3" name="Rectangle: Single Corner Snipped 2">
               <a:extLst>
                 <a:ext uri="{FF2B5EF4-FFF2-40B4-BE49-F238E27FC236}">
-                  <a16:creationId xmlns:a16="http://schemas.microsoft.com/office/drawing/2014/main" id="{74BDECEF-EEFE-4332-B3B2-BDE4F82C10FC}"/>
+                  <a16:creationId xmlns:a16="http://schemas.microsoft.com/office/drawing/2014/main" xmlns="" id="{74BDECEF-EEFE-4332-B3B2-BDE4F82C10FC}"/>
                 </a:ext>
               </a:extLst>
             </p:cNvPr>
@@ -3083,7 +3084,7 @@
           <p:cNvPr id="24" name="Freeform: Shape 23">
             <a:extLst>
               <a:ext uri="{FF2B5EF4-FFF2-40B4-BE49-F238E27FC236}">
-                <a16:creationId xmlns:a16="http://schemas.microsoft.com/office/drawing/2014/main" id="{18103E00-7E4A-44CD-81AC-06433CAE1110}"/>
+                <a16:creationId xmlns:a16="http://schemas.microsoft.com/office/drawing/2014/main" xmlns="" id="{18103E00-7E4A-44CD-81AC-06433CAE1110}"/>
               </a:ext>
             </a:extLst>
           </p:cNvPr>
@@ -3178,7 +3179,7 @@
           <p:cNvPr id="5" name="Slide Number Placeholder 4">
             <a:extLst>
               <a:ext uri="{FF2B5EF4-FFF2-40B4-BE49-F238E27FC236}">
-                <a16:creationId xmlns:a16="http://schemas.microsoft.com/office/drawing/2014/main" id="{87B51822-97FF-47A7-8E4E-A0F79B4EB237}"/>
+                <a16:creationId xmlns:a16="http://schemas.microsoft.com/office/drawing/2014/main" xmlns="" id="{87B51822-97FF-47A7-8E4E-A0F79B4EB237}"/>
               </a:ext>
             </a:extLst>
           </p:cNvPr>
@@ -3222,7 +3223,7 @@
           <p:cNvPr id="20" name="Content Placeholder 2">
             <a:extLst>
               <a:ext uri="{FF2B5EF4-FFF2-40B4-BE49-F238E27FC236}">
-                <a16:creationId xmlns:a16="http://schemas.microsoft.com/office/drawing/2014/main" id="{FE796BFF-6E5F-4DE7-B193-F501FC094D63}"/>
+                <a16:creationId xmlns:a16="http://schemas.microsoft.com/office/drawing/2014/main" xmlns="" id="{FE796BFF-6E5F-4DE7-B193-F501FC094D63}"/>
               </a:ext>
             </a:extLst>
           </p:cNvPr>
@@ -3332,7 +3333,7 @@
           <p:cNvPr id="21" name="Content Placeholder 3">
             <a:extLst>
               <a:ext uri="{FF2B5EF4-FFF2-40B4-BE49-F238E27FC236}">
-                <a16:creationId xmlns:a16="http://schemas.microsoft.com/office/drawing/2014/main" id="{78622754-CA4D-4C27-A37F-B26E7B4C9CA2}"/>
+                <a16:creationId xmlns:a16="http://schemas.microsoft.com/office/drawing/2014/main" xmlns="" id="{78622754-CA4D-4C27-A37F-B26E7B4C9CA2}"/>
               </a:ext>
             </a:extLst>
           </p:cNvPr>
@@ -3470,7 +3471,7 @@
           <p:cNvPr id="11" name="Rectangle 10">
             <a:extLst>
               <a:ext uri="{FF2B5EF4-FFF2-40B4-BE49-F238E27FC236}">
-                <a16:creationId xmlns:a16="http://schemas.microsoft.com/office/drawing/2014/main" id="{EB3E033F-4449-40FA-BC85-BD2712D313DD}"/>
+                <a16:creationId xmlns:a16="http://schemas.microsoft.com/office/drawing/2014/main" xmlns="" id="{EB3E033F-4449-40FA-BC85-BD2712D313DD}"/>
               </a:ext>
             </a:extLst>
           </p:cNvPr>
@@ -3524,7 +3525,7 @@
           <p:cNvPr id="10" name="Freeform: Shape 9">
             <a:extLst>
               <a:ext uri="{FF2B5EF4-FFF2-40B4-BE49-F238E27FC236}">
-                <a16:creationId xmlns:a16="http://schemas.microsoft.com/office/drawing/2014/main" id="{63D26743-0505-444C-80B3-E88EE87DF72B}"/>
+                <a16:creationId xmlns:a16="http://schemas.microsoft.com/office/drawing/2014/main" xmlns="" id="{63D26743-0505-444C-80B3-E88EE87DF72B}"/>
               </a:ext>
             </a:extLst>
           </p:cNvPr>
@@ -3647,7 +3648,7 @@
           <p:cNvPr id="18" name="Freeform: Shape 17">
             <a:extLst>
               <a:ext uri="{FF2B5EF4-FFF2-40B4-BE49-F238E27FC236}">
-                <a16:creationId xmlns:a16="http://schemas.microsoft.com/office/drawing/2014/main" id="{E37145E9-AC61-47D5-9288-8789940F81B6}"/>
+                <a16:creationId xmlns:a16="http://schemas.microsoft.com/office/drawing/2014/main" xmlns="" id="{E37145E9-AC61-47D5-9288-8789940F81B6}"/>
               </a:ext>
             </a:extLst>
           </p:cNvPr>
@@ -3799,7 +3800,7 @@
           <p:cNvPr id="12" name="Freeform: Shape 11">
             <a:extLst>
               <a:ext uri="{FF2B5EF4-FFF2-40B4-BE49-F238E27FC236}">
-                <a16:creationId xmlns:a16="http://schemas.microsoft.com/office/drawing/2014/main" id="{A5E2B3ED-9A49-40A7-B8A3-62595FE513F9}"/>
+                <a16:creationId xmlns:a16="http://schemas.microsoft.com/office/drawing/2014/main" xmlns="" id="{A5E2B3ED-9A49-40A7-B8A3-62595FE513F9}"/>
               </a:ext>
             </a:extLst>
           </p:cNvPr>
@@ -3949,7 +3950,7 @@
           <p:cNvPr id="8" name="Freeform: Shape 7">
             <a:extLst>
               <a:ext uri="{FF2B5EF4-FFF2-40B4-BE49-F238E27FC236}">
-                <a16:creationId xmlns:a16="http://schemas.microsoft.com/office/drawing/2014/main" id="{1599AF7E-3E34-4597-AA72-9373A7FDB020}"/>
+                <a16:creationId xmlns:a16="http://schemas.microsoft.com/office/drawing/2014/main" xmlns="" id="{1599AF7E-3E34-4597-AA72-9373A7FDB020}"/>
               </a:ext>
             </a:extLst>
           </p:cNvPr>
@@ -4095,7 +4096,7 @@
           <p:cNvPr id="2" name="Title 1">
             <a:extLst>
               <a:ext uri="{FF2B5EF4-FFF2-40B4-BE49-F238E27FC236}">
-                <a16:creationId xmlns:a16="http://schemas.microsoft.com/office/drawing/2014/main" id="{4A2DF563-7FAC-46B3-B24C-7E45CD89DA2B}"/>
+                <a16:creationId xmlns:a16="http://schemas.microsoft.com/office/drawing/2014/main" xmlns="" id="{4A2DF563-7FAC-46B3-B24C-7E45CD89DA2B}"/>
               </a:ext>
             </a:extLst>
           </p:cNvPr>
@@ -4140,7 +4141,7 @@
           <p:cNvPr id="15" name="Group 14">
             <a:extLst>
               <a:ext uri="{FF2B5EF4-FFF2-40B4-BE49-F238E27FC236}">
-                <a16:creationId xmlns:a16="http://schemas.microsoft.com/office/drawing/2014/main" id="{7732E1E7-45E3-4264-8F26-66758696DD1E}"/>
+                <a16:creationId xmlns:a16="http://schemas.microsoft.com/office/drawing/2014/main" xmlns="" id="{7732E1E7-45E3-4264-8F26-66758696DD1E}"/>
               </a:ext>
             </a:extLst>
           </p:cNvPr>
@@ -4160,7 +4161,7 @@
             <p:cNvPr id="16" name="Freeform: Shape 15">
               <a:extLst>
                 <a:ext uri="{FF2B5EF4-FFF2-40B4-BE49-F238E27FC236}">
-                  <a16:creationId xmlns:a16="http://schemas.microsoft.com/office/drawing/2014/main" id="{2E3DF883-8093-49FA-81E1-E5D77F086A25}"/>
+                  <a16:creationId xmlns:a16="http://schemas.microsoft.com/office/drawing/2014/main" xmlns="" id="{2E3DF883-8093-49FA-81E1-E5D77F086A25}"/>
                 </a:ext>
               </a:extLst>
             </p:cNvPr>
@@ -4250,7 +4251,7 @@
             <p:cNvPr id="17" name="Freeform: Shape 16">
               <a:extLst>
                 <a:ext uri="{FF2B5EF4-FFF2-40B4-BE49-F238E27FC236}">
-                  <a16:creationId xmlns:a16="http://schemas.microsoft.com/office/drawing/2014/main" id="{18944C90-37E5-4BBE-89FF-060627168050}"/>
+                  <a16:creationId xmlns:a16="http://schemas.microsoft.com/office/drawing/2014/main" xmlns="" id="{18944C90-37E5-4BBE-89FF-060627168050}"/>
                 </a:ext>
               </a:extLst>
             </p:cNvPr>
@@ -4349,7 +4350,7 @@
           <p:cNvPr id="6" name="Group 5">
             <a:extLst>
               <a:ext uri="{FF2B5EF4-FFF2-40B4-BE49-F238E27FC236}">
-                <a16:creationId xmlns:a16="http://schemas.microsoft.com/office/drawing/2014/main" id="{D9EBF8BB-A805-4DDB-B459-082F99815B95}"/>
+                <a16:creationId xmlns:a16="http://schemas.microsoft.com/office/drawing/2014/main" xmlns="" id="{D9EBF8BB-A805-4DDB-B459-082F99815B95}"/>
               </a:ext>
             </a:extLst>
           </p:cNvPr>
@@ -4369,7 +4370,7 @@
             <p:cNvPr id="19" name="Rectangle: Single Corner Snipped 18">
               <a:extLst>
                 <a:ext uri="{FF2B5EF4-FFF2-40B4-BE49-F238E27FC236}">
-                  <a16:creationId xmlns:a16="http://schemas.microsoft.com/office/drawing/2014/main" id="{5D638788-DD47-45E7-939A-FA108A818173}"/>
+                  <a16:creationId xmlns:a16="http://schemas.microsoft.com/office/drawing/2014/main" xmlns="" id="{5D638788-DD47-45E7-939A-FA108A818173}"/>
                 </a:ext>
               </a:extLst>
             </p:cNvPr>
@@ -4430,7 +4431,7 @@
             <p:cNvPr id="3" name="Rectangle: Single Corner Snipped 2">
               <a:extLst>
                 <a:ext uri="{FF2B5EF4-FFF2-40B4-BE49-F238E27FC236}">
-                  <a16:creationId xmlns:a16="http://schemas.microsoft.com/office/drawing/2014/main" id="{74BDECEF-EEFE-4332-B3B2-BDE4F82C10FC}"/>
+                  <a16:creationId xmlns:a16="http://schemas.microsoft.com/office/drawing/2014/main" xmlns="" id="{74BDECEF-EEFE-4332-B3B2-BDE4F82C10FC}"/>
                 </a:ext>
               </a:extLst>
             </p:cNvPr>
@@ -4487,7 +4488,7 @@
           <p:cNvPr id="20" name="Picture Placeholder 8">
             <a:extLst>
               <a:ext uri="{FF2B5EF4-FFF2-40B4-BE49-F238E27FC236}">
-                <a16:creationId xmlns:a16="http://schemas.microsoft.com/office/drawing/2014/main" id="{6D00E6B4-1CBE-404E-B943-5F1832320C1C}"/>
+                <a16:creationId xmlns:a16="http://schemas.microsoft.com/office/drawing/2014/main" xmlns="" id="{6D00E6B4-1CBE-404E-B943-5F1832320C1C}"/>
               </a:ext>
             </a:extLst>
           </p:cNvPr>
@@ -4550,7 +4551,7 @@
           <p:cNvPr id="21" name="Picture Placeholder 8">
             <a:extLst>
               <a:ext uri="{FF2B5EF4-FFF2-40B4-BE49-F238E27FC236}">
-                <a16:creationId xmlns:a16="http://schemas.microsoft.com/office/drawing/2014/main" id="{7CD59BFD-62BE-4E33-92A5-B84A2A9A8D3B}"/>
+                <a16:creationId xmlns:a16="http://schemas.microsoft.com/office/drawing/2014/main" xmlns="" id="{7CD59BFD-62BE-4E33-92A5-B84A2A9A8D3B}"/>
               </a:ext>
             </a:extLst>
           </p:cNvPr>
@@ -4613,7 +4614,7 @@
           <p:cNvPr id="22" name="Picture Placeholder 8">
             <a:extLst>
               <a:ext uri="{FF2B5EF4-FFF2-40B4-BE49-F238E27FC236}">
-                <a16:creationId xmlns:a16="http://schemas.microsoft.com/office/drawing/2014/main" id="{60DC5978-55B8-421D-91B4-29F8210A7B2C}"/>
+                <a16:creationId xmlns:a16="http://schemas.microsoft.com/office/drawing/2014/main" xmlns="" id="{60DC5978-55B8-421D-91B4-29F8210A7B2C}"/>
               </a:ext>
             </a:extLst>
           </p:cNvPr>
@@ -4676,7 +4677,7 @@
           <p:cNvPr id="23" name="Picture Placeholder 8">
             <a:extLst>
               <a:ext uri="{FF2B5EF4-FFF2-40B4-BE49-F238E27FC236}">
-                <a16:creationId xmlns:a16="http://schemas.microsoft.com/office/drawing/2014/main" id="{BE3FB8C3-2C7E-4C59-8BD5-53FA2772DB56}"/>
+                <a16:creationId xmlns:a16="http://schemas.microsoft.com/office/drawing/2014/main" xmlns="" id="{BE3FB8C3-2C7E-4C59-8BD5-53FA2772DB56}"/>
               </a:ext>
             </a:extLst>
           </p:cNvPr>
@@ -4739,7 +4740,7 @@
           <p:cNvPr id="24" name="Picture Placeholder 8">
             <a:extLst>
               <a:ext uri="{FF2B5EF4-FFF2-40B4-BE49-F238E27FC236}">
-                <a16:creationId xmlns:a16="http://schemas.microsoft.com/office/drawing/2014/main" id="{FD8FA9DA-C36B-4889-B88F-28B5829E53E2}"/>
+                <a16:creationId xmlns:a16="http://schemas.microsoft.com/office/drawing/2014/main" xmlns="" id="{FD8FA9DA-C36B-4889-B88F-28B5829E53E2}"/>
               </a:ext>
             </a:extLst>
           </p:cNvPr>
@@ -4802,7 +4803,7 @@
           <p:cNvPr id="26" name="Text Placeholder 22">
             <a:extLst>
               <a:ext uri="{FF2B5EF4-FFF2-40B4-BE49-F238E27FC236}">
-                <a16:creationId xmlns:a16="http://schemas.microsoft.com/office/drawing/2014/main" id="{2A19101D-7C37-42BF-8167-5391EA65EC3A}"/>
+                <a16:creationId xmlns:a16="http://schemas.microsoft.com/office/drawing/2014/main" xmlns="" id="{2A19101D-7C37-42BF-8167-5391EA65EC3A}"/>
               </a:ext>
             </a:extLst>
           </p:cNvPr>
@@ -4912,7 +4913,7 @@
           <p:cNvPr id="27" name="Text Placeholder 22">
             <a:extLst>
               <a:ext uri="{FF2B5EF4-FFF2-40B4-BE49-F238E27FC236}">
-                <a16:creationId xmlns:a16="http://schemas.microsoft.com/office/drawing/2014/main" id="{05F72315-51A9-431C-B80A-45E4FB1D6BD6}"/>
+                <a16:creationId xmlns:a16="http://schemas.microsoft.com/office/drawing/2014/main" xmlns="" id="{05F72315-51A9-431C-B80A-45E4FB1D6BD6}"/>
               </a:ext>
             </a:extLst>
           </p:cNvPr>
@@ -5022,7 +5023,7 @@
           <p:cNvPr id="28" name="Text Placeholder 22">
             <a:extLst>
               <a:ext uri="{FF2B5EF4-FFF2-40B4-BE49-F238E27FC236}">
-                <a16:creationId xmlns:a16="http://schemas.microsoft.com/office/drawing/2014/main" id="{883D1F0C-34F1-46E1-B178-E4AB82B14631}"/>
+                <a16:creationId xmlns:a16="http://schemas.microsoft.com/office/drawing/2014/main" xmlns="" id="{883D1F0C-34F1-46E1-B178-E4AB82B14631}"/>
               </a:ext>
             </a:extLst>
           </p:cNvPr>
@@ -5132,7 +5133,7 @@
           <p:cNvPr id="29" name="Text Placeholder 22">
             <a:extLst>
               <a:ext uri="{FF2B5EF4-FFF2-40B4-BE49-F238E27FC236}">
-                <a16:creationId xmlns:a16="http://schemas.microsoft.com/office/drawing/2014/main" id="{7202A849-DF14-40E7-B38D-1185F72603EC}"/>
+                <a16:creationId xmlns:a16="http://schemas.microsoft.com/office/drawing/2014/main" xmlns="" id="{7202A849-DF14-40E7-B38D-1185F72603EC}"/>
               </a:ext>
             </a:extLst>
           </p:cNvPr>
@@ -5242,7 +5243,7 @@
           <p:cNvPr id="30" name="Text Placeholder 22">
             <a:extLst>
               <a:ext uri="{FF2B5EF4-FFF2-40B4-BE49-F238E27FC236}">
-                <a16:creationId xmlns:a16="http://schemas.microsoft.com/office/drawing/2014/main" id="{CCFC1ADF-AC11-4CCD-AC2D-478B6FFEA5EA}"/>
+                <a16:creationId xmlns:a16="http://schemas.microsoft.com/office/drawing/2014/main" xmlns="" id="{CCFC1ADF-AC11-4CCD-AC2D-478B6FFEA5EA}"/>
               </a:ext>
             </a:extLst>
           </p:cNvPr>
@@ -5352,7 +5353,7 @@
           <p:cNvPr id="7" name="Straight Connector 6">
             <a:extLst>
               <a:ext uri="{FF2B5EF4-FFF2-40B4-BE49-F238E27FC236}">
-                <a16:creationId xmlns:a16="http://schemas.microsoft.com/office/drawing/2014/main" id="{2B4CB326-DA0E-488E-B236-7017E8438FBB}"/>
+                <a16:creationId xmlns:a16="http://schemas.microsoft.com/office/drawing/2014/main" xmlns="" id="{2B4CB326-DA0E-488E-B236-7017E8438FBB}"/>
               </a:ext>
             </a:extLst>
           </p:cNvPr>
@@ -5393,7 +5394,7 @@
           <p:cNvPr id="31" name="Straight Connector 30">
             <a:extLst>
               <a:ext uri="{FF2B5EF4-FFF2-40B4-BE49-F238E27FC236}">
-                <a16:creationId xmlns:a16="http://schemas.microsoft.com/office/drawing/2014/main" id="{9366B533-7212-4A36-9CE2-D6302E721F8F}"/>
+                <a16:creationId xmlns:a16="http://schemas.microsoft.com/office/drawing/2014/main" xmlns="" id="{9366B533-7212-4A36-9CE2-D6302E721F8F}"/>
               </a:ext>
             </a:extLst>
           </p:cNvPr>
@@ -5434,7 +5435,7 @@
           <p:cNvPr id="32" name="Straight Connector 31">
             <a:extLst>
               <a:ext uri="{FF2B5EF4-FFF2-40B4-BE49-F238E27FC236}">
-                <a16:creationId xmlns:a16="http://schemas.microsoft.com/office/drawing/2014/main" id="{AD7474CD-E230-4E14-8274-5E20F673F401}"/>
+                <a16:creationId xmlns:a16="http://schemas.microsoft.com/office/drawing/2014/main" xmlns="" id="{AD7474CD-E230-4E14-8274-5E20F673F401}"/>
               </a:ext>
             </a:extLst>
           </p:cNvPr>
@@ -5475,7 +5476,7 @@
           <p:cNvPr id="33" name="Straight Connector 32">
             <a:extLst>
               <a:ext uri="{FF2B5EF4-FFF2-40B4-BE49-F238E27FC236}">
-                <a16:creationId xmlns:a16="http://schemas.microsoft.com/office/drawing/2014/main" id="{6BF71FCE-6F39-4D2F-82BE-7D9F1D2ED59F}"/>
+                <a16:creationId xmlns:a16="http://schemas.microsoft.com/office/drawing/2014/main" xmlns="" id="{6BF71FCE-6F39-4D2F-82BE-7D9F1D2ED59F}"/>
               </a:ext>
             </a:extLst>
           </p:cNvPr>
@@ -5516,7 +5517,7 @@
           <p:cNvPr id="34" name="Straight Connector 33">
             <a:extLst>
               <a:ext uri="{FF2B5EF4-FFF2-40B4-BE49-F238E27FC236}">
-                <a16:creationId xmlns:a16="http://schemas.microsoft.com/office/drawing/2014/main" id="{AE97AC7A-17D9-4F42-9DD0-94FE4FC6BF19}"/>
+                <a16:creationId xmlns:a16="http://schemas.microsoft.com/office/drawing/2014/main" xmlns="" id="{AE97AC7A-17D9-4F42-9DD0-94FE4FC6BF19}"/>
               </a:ext>
             </a:extLst>
           </p:cNvPr>
@@ -5557,7 +5558,7 @@
           <p:cNvPr id="35" name="Freeform: Shape 34">
             <a:extLst>
               <a:ext uri="{FF2B5EF4-FFF2-40B4-BE49-F238E27FC236}">
-                <a16:creationId xmlns:a16="http://schemas.microsoft.com/office/drawing/2014/main" id="{62EEBF51-DCAD-4335-85E9-52801031A1BF}"/>
+                <a16:creationId xmlns:a16="http://schemas.microsoft.com/office/drawing/2014/main" xmlns="" id="{62EEBF51-DCAD-4335-85E9-52801031A1BF}"/>
               </a:ext>
             </a:extLst>
           </p:cNvPr>
@@ -5652,7 +5653,7 @@
           <p:cNvPr id="5" name="Slide Number Placeholder 4">
             <a:extLst>
               <a:ext uri="{FF2B5EF4-FFF2-40B4-BE49-F238E27FC236}">
-                <a16:creationId xmlns:a16="http://schemas.microsoft.com/office/drawing/2014/main" id="{87B51822-97FF-47A7-8E4E-A0F79B4EB237}"/>
+                <a16:creationId xmlns:a16="http://schemas.microsoft.com/office/drawing/2014/main" xmlns="" id="{87B51822-97FF-47A7-8E4E-A0F79B4EB237}"/>
               </a:ext>
             </a:extLst>
           </p:cNvPr>
@@ -5734,7 +5735,7 @@
           <p:cNvPr id="11" name="Rectangle 10">
             <a:extLst>
               <a:ext uri="{FF2B5EF4-FFF2-40B4-BE49-F238E27FC236}">
-                <a16:creationId xmlns:a16="http://schemas.microsoft.com/office/drawing/2014/main" id="{EB3E033F-4449-40FA-BC85-BD2712D313DD}"/>
+                <a16:creationId xmlns:a16="http://schemas.microsoft.com/office/drawing/2014/main" xmlns="" id="{EB3E033F-4449-40FA-BC85-BD2712D313DD}"/>
               </a:ext>
             </a:extLst>
           </p:cNvPr>
@@ -5788,7 +5789,7 @@
           <p:cNvPr id="10" name="Freeform: Shape 9">
             <a:extLst>
               <a:ext uri="{FF2B5EF4-FFF2-40B4-BE49-F238E27FC236}">
-                <a16:creationId xmlns:a16="http://schemas.microsoft.com/office/drawing/2014/main" id="{63D26743-0505-444C-80B3-E88EE87DF72B}"/>
+                <a16:creationId xmlns:a16="http://schemas.microsoft.com/office/drawing/2014/main" xmlns="" id="{63D26743-0505-444C-80B3-E88EE87DF72B}"/>
               </a:ext>
             </a:extLst>
           </p:cNvPr>
@@ -5911,7 +5912,7 @@
           <p:cNvPr id="18" name="Freeform: Shape 17">
             <a:extLst>
               <a:ext uri="{FF2B5EF4-FFF2-40B4-BE49-F238E27FC236}">
-                <a16:creationId xmlns:a16="http://schemas.microsoft.com/office/drawing/2014/main" id="{E37145E9-AC61-47D5-9288-8789940F81B6}"/>
+                <a16:creationId xmlns:a16="http://schemas.microsoft.com/office/drawing/2014/main" xmlns="" id="{E37145E9-AC61-47D5-9288-8789940F81B6}"/>
               </a:ext>
             </a:extLst>
           </p:cNvPr>
@@ -6063,7 +6064,7 @@
           <p:cNvPr id="12" name="Freeform: Shape 11">
             <a:extLst>
               <a:ext uri="{FF2B5EF4-FFF2-40B4-BE49-F238E27FC236}">
-                <a16:creationId xmlns:a16="http://schemas.microsoft.com/office/drawing/2014/main" id="{A5E2B3ED-9A49-40A7-B8A3-62595FE513F9}"/>
+                <a16:creationId xmlns:a16="http://schemas.microsoft.com/office/drawing/2014/main" xmlns="" id="{A5E2B3ED-9A49-40A7-B8A3-62595FE513F9}"/>
               </a:ext>
             </a:extLst>
           </p:cNvPr>
@@ -6213,7 +6214,7 @@
           <p:cNvPr id="8" name="Freeform: Shape 7">
             <a:extLst>
               <a:ext uri="{FF2B5EF4-FFF2-40B4-BE49-F238E27FC236}">
-                <a16:creationId xmlns:a16="http://schemas.microsoft.com/office/drawing/2014/main" id="{1599AF7E-3E34-4597-AA72-9373A7FDB020}"/>
+                <a16:creationId xmlns:a16="http://schemas.microsoft.com/office/drawing/2014/main" xmlns="" id="{1599AF7E-3E34-4597-AA72-9373A7FDB020}"/>
               </a:ext>
             </a:extLst>
           </p:cNvPr>
@@ -6359,7 +6360,7 @@
           <p:cNvPr id="2" name="Title 1">
             <a:extLst>
               <a:ext uri="{FF2B5EF4-FFF2-40B4-BE49-F238E27FC236}">
-                <a16:creationId xmlns:a16="http://schemas.microsoft.com/office/drawing/2014/main" id="{4A2DF563-7FAC-46B3-B24C-7E45CD89DA2B}"/>
+                <a16:creationId xmlns:a16="http://schemas.microsoft.com/office/drawing/2014/main" xmlns="" id="{4A2DF563-7FAC-46B3-B24C-7E45CD89DA2B}"/>
               </a:ext>
             </a:extLst>
           </p:cNvPr>
@@ -6404,7 +6405,7 @@
           <p:cNvPr id="15" name="Group 14">
             <a:extLst>
               <a:ext uri="{FF2B5EF4-FFF2-40B4-BE49-F238E27FC236}">
-                <a16:creationId xmlns:a16="http://schemas.microsoft.com/office/drawing/2014/main" id="{7732E1E7-45E3-4264-8F26-66758696DD1E}"/>
+                <a16:creationId xmlns:a16="http://schemas.microsoft.com/office/drawing/2014/main" xmlns="" id="{7732E1E7-45E3-4264-8F26-66758696DD1E}"/>
               </a:ext>
             </a:extLst>
           </p:cNvPr>
@@ -6424,7 +6425,7 @@
             <p:cNvPr id="16" name="Freeform: Shape 15">
               <a:extLst>
                 <a:ext uri="{FF2B5EF4-FFF2-40B4-BE49-F238E27FC236}">
-                  <a16:creationId xmlns:a16="http://schemas.microsoft.com/office/drawing/2014/main" id="{2E3DF883-8093-49FA-81E1-E5D77F086A25}"/>
+                  <a16:creationId xmlns:a16="http://schemas.microsoft.com/office/drawing/2014/main" xmlns="" id="{2E3DF883-8093-49FA-81E1-E5D77F086A25}"/>
                 </a:ext>
               </a:extLst>
             </p:cNvPr>
@@ -6514,7 +6515,7 @@
             <p:cNvPr id="17" name="Freeform: Shape 16">
               <a:extLst>
                 <a:ext uri="{FF2B5EF4-FFF2-40B4-BE49-F238E27FC236}">
-                  <a16:creationId xmlns:a16="http://schemas.microsoft.com/office/drawing/2014/main" id="{18944C90-37E5-4BBE-89FF-060627168050}"/>
+                  <a16:creationId xmlns:a16="http://schemas.microsoft.com/office/drawing/2014/main" xmlns="" id="{18944C90-37E5-4BBE-89FF-060627168050}"/>
                 </a:ext>
               </a:extLst>
             </p:cNvPr>
@@ -6613,7 +6614,7 @@
           <p:cNvPr id="6" name="Group 5">
             <a:extLst>
               <a:ext uri="{FF2B5EF4-FFF2-40B4-BE49-F238E27FC236}">
-                <a16:creationId xmlns:a16="http://schemas.microsoft.com/office/drawing/2014/main" id="{D9EBF8BB-A805-4DDB-B459-082F99815B95}"/>
+                <a16:creationId xmlns:a16="http://schemas.microsoft.com/office/drawing/2014/main" xmlns="" id="{D9EBF8BB-A805-4DDB-B459-082F99815B95}"/>
               </a:ext>
             </a:extLst>
           </p:cNvPr>
@@ -6633,7 +6634,7 @@
             <p:cNvPr id="19" name="Rectangle: Single Corner Snipped 18">
               <a:extLst>
                 <a:ext uri="{FF2B5EF4-FFF2-40B4-BE49-F238E27FC236}">
-                  <a16:creationId xmlns:a16="http://schemas.microsoft.com/office/drawing/2014/main" id="{5D638788-DD47-45E7-939A-FA108A818173}"/>
+                  <a16:creationId xmlns:a16="http://schemas.microsoft.com/office/drawing/2014/main" xmlns="" id="{5D638788-DD47-45E7-939A-FA108A818173}"/>
                 </a:ext>
               </a:extLst>
             </p:cNvPr>
@@ -6694,7 +6695,7 @@
             <p:cNvPr id="3" name="Rectangle: Single Corner Snipped 2">
               <a:extLst>
                 <a:ext uri="{FF2B5EF4-FFF2-40B4-BE49-F238E27FC236}">
-                  <a16:creationId xmlns:a16="http://schemas.microsoft.com/office/drawing/2014/main" id="{74BDECEF-EEFE-4332-B3B2-BDE4F82C10FC}"/>
+                  <a16:creationId xmlns:a16="http://schemas.microsoft.com/office/drawing/2014/main" xmlns="" id="{74BDECEF-EEFE-4332-B3B2-BDE4F82C10FC}"/>
                 </a:ext>
               </a:extLst>
             </p:cNvPr>
@@ -6751,7 +6752,7 @@
           <p:cNvPr id="26" name="Text Placeholder 22">
             <a:extLst>
               <a:ext uri="{FF2B5EF4-FFF2-40B4-BE49-F238E27FC236}">
-                <a16:creationId xmlns:a16="http://schemas.microsoft.com/office/drawing/2014/main" id="{2A19101D-7C37-42BF-8167-5391EA65EC3A}"/>
+                <a16:creationId xmlns:a16="http://schemas.microsoft.com/office/drawing/2014/main" xmlns="" id="{2A19101D-7C37-42BF-8167-5391EA65EC3A}"/>
               </a:ext>
             </a:extLst>
           </p:cNvPr>
@@ -6861,7 +6862,7 @@
           <p:cNvPr id="35" name="Freeform: Shape 34">
             <a:extLst>
               <a:ext uri="{FF2B5EF4-FFF2-40B4-BE49-F238E27FC236}">
-                <a16:creationId xmlns:a16="http://schemas.microsoft.com/office/drawing/2014/main" id="{62EEBF51-DCAD-4335-85E9-52801031A1BF}"/>
+                <a16:creationId xmlns:a16="http://schemas.microsoft.com/office/drawing/2014/main" xmlns="" id="{62EEBF51-DCAD-4335-85E9-52801031A1BF}"/>
               </a:ext>
             </a:extLst>
           </p:cNvPr>
@@ -6956,7 +6957,7 @@
           <p:cNvPr id="5" name="Slide Number Placeholder 4">
             <a:extLst>
               <a:ext uri="{FF2B5EF4-FFF2-40B4-BE49-F238E27FC236}">
-                <a16:creationId xmlns:a16="http://schemas.microsoft.com/office/drawing/2014/main" id="{87B51822-97FF-47A7-8E4E-A0F79B4EB237}"/>
+                <a16:creationId xmlns:a16="http://schemas.microsoft.com/office/drawing/2014/main" xmlns="" id="{87B51822-97FF-47A7-8E4E-A0F79B4EB237}"/>
               </a:ext>
             </a:extLst>
           </p:cNvPr>
@@ -7000,7 +7001,7 @@
           <p:cNvPr id="13" name="Picture Placeholder 12">
             <a:extLst>
               <a:ext uri="{FF2B5EF4-FFF2-40B4-BE49-F238E27FC236}">
-                <a16:creationId xmlns:a16="http://schemas.microsoft.com/office/drawing/2014/main" id="{231B97CF-FD24-4932-8459-893B1AC73D33}"/>
+                <a16:creationId xmlns:a16="http://schemas.microsoft.com/office/drawing/2014/main" xmlns="" id="{231B97CF-FD24-4932-8459-893B1AC73D33}"/>
               </a:ext>
             </a:extLst>
           </p:cNvPr>
@@ -7045,7 +7046,7 @@
           <p:cNvPr id="36" name="Text Placeholder 22">
             <a:extLst>
               <a:ext uri="{FF2B5EF4-FFF2-40B4-BE49-F238E27FC236}">
-                <a16:creationId xmlns:a16="http://schemas.microsoft.com/office/drawing/2014/main" id="{642D3CE0-C3B4-4F3F-A650-AB452B3AD4BA}"/>
+                <a16:creationId xmlns:a16="http://schemas.microsoft.com/office/drawing/2014/main" xmlns="" id="{642D3CE0-C3B4-4F3F-A650-AB452B3AD4BA}"/>
               </a:ext>
             </a:extLst>
           </p:cNvPr>
@@ -7155,7 +7156,7 @@
           <p:cNvPr id="37" name="Text Placeholder 22">
             <a:extLst>
               <a:ext uri="{FF2B5EF4-FFF2-40B4-BE49-F238E27FC236}">
-                <a16:creationId xmlns:a16="http://schemas.microsoft.com/office/drawing/2014/main" id="{DBED2BB0-CDAD-40EE-8B35-C66DF45EE29D}"/>
+                <a16:creationId xmlns:a16="http://schemas.microsoft.com/office/drawing/2014/main" xmlns="" id="{DBED2BB0-CDAD-40EE-8B35-C66DF45EE29D}"/>
               </a:ext>
             </a:extLst>
           </p:cNvPr>
@@ -7303,7 +7304,7 @@
           <p:cNvPr id="11" name="Rectangle 10">
             <a:extLst>
               <a:ext uri="{FF2B5EF4-FFF2-40B4-BE49-F238E27FC236}">
-                <a16:creationId xmlns:a16="http://schemas.microsoft.com/office/drawing/2014/main" id="{EB3E033F-4449-40FA-BC85-BD2712D313DD}"/>
+                <a16:creationId xmlns:a16="http://schemas.microsoft.com/office/drawing/2014/main" xmlns="" id="{EB3E033F-4449-40FA-BC85-BD2712D313DD}"/>
               </a:ext>
             </a:extLst>
           </p:cNvPr>
@@ -7357,7 +7358,7 @@
           <p:cNvPr id="10" name="Freeform: Shape 9">
             <a:extLst>
               <a:ext uri="{FF2B5EF4-FFF2-40B4-BE49-F238E27FC236}">
-                <a16:creationId xmlns:a16="http://schemas.microsoft.com/office/drawing/2014/main" id="{63D26743-0505-444C-80B3-E88EE87DF72B}"/>
+                <a16:creationId xmlns:a16="http://schemas.microsoft.com/office/drawing/2014/main" xmlns="" id="{63D26743-0505-444C-80B3-E88EE87DF72B}"/>
               </a:ext>
             </a:extLst>
           </p:cNvPr>
@@ -7480,7 +7481,7 @@
           <p:cNvPr id="18" name="Freeform: Shape 17">
             <a:extLst>
               <a:ext uri="{FF2B5EF4-FFF2-40B4-BE49-F238E27FC236}">
-                <a16:creationId xmlns:a16="http://schemas.microsoft.com/office/drawing/2014/main" id="{E37145E9-AC61-47D5-9288-8789940F81B6}"/>
+                <a16:creationId xmlns:a16="http://schemas.microsoft.com/office/drawing/2014/main" xmlns="" id="{E37145E9-AC61-47D5-9288-8789940F81B6}"/>
               </a:ext>
             </a:extLst>
           </p:cNvPr>
@@ -7632,7 +7633,7 @@
           <p:cNvPr id="12" name="Freeform: Shape 11">
             <a:extLst>
               <a:ext uri="{FF2B5EF4-FFF2-40B4-BE49-F238E27FC236}">
-                <a16:creationId xmlns:a16="http://schemas.microsoft.com/office/drawing/2014/main" id="{A5E2B3ED-9A49-40A7-B8A3-62595FE513F9}"/>
+                <a16:creationId xmlns:a16="http://schemas.microsoft.com/office/drawing/2014/main" xmlns="" id="{A5E2B3ED-9A49-40A7-B8A3-62595FE513F9}"/>
               </a:ext>
             </a:extLst>
           </p:cNvPr>
@@ -7782,7 +7783,7 @@
           <p:cNvPr id="8" name="Freeform: Shape 7">
             <a:extLst>
               <a:ext uri="{FF2B5EF4-FFF2-40B4-BE49-F238E27FC236}">
-                <a16:creationId xmlns:a16="http://schemas.microsoft.com/office/drawing/2014/main" id="{1599AF7E-3E34-4597-AA72-9373A7FDB020}"/>
+                <a16:creationId xmlns:a16="http://schemas.microsoft.com/office/drawing/2014/main" xmlns="" id="{1599AF7E-3E34-4597-AA72-9373A7FDB020}"/>
               </a:ext>
             </a:extLst>
           </p:cNvPr>
@@ -7928,7 +7929,7 @@
           <p:cNvPr id="2" name="Title 1">
             <a:extLst>
               <a:ext uri="{FF2B5EF4-FFF2-40B4-BE49-F238E27FC236}">
-                <a16:creationId xmlns:a16="http://schemas.microsoft.com/office/drawing/2014/main" id="{4A2DF563-7FAC-46B3-B24C-7E45CD89DA2B}"/>
+                <a16:creationId xmlns:a16="http://schemas.microsoft.com/office/drawing/2014/main" xmlns="" id="{4A2DF563-7FAC-46B3-B24C-7E45CD89DA2B}"/>
               </a:ext>
             </a:extLst>
           </p:cNvPr>
@@ -7973,7 +7974,7 @@
           <p:cNvPr id="15" name="Group 14">
             <a:extLst>
               <a:ext uri="{FF2B5EF4-FFF2-40B4-BE49-F238E27FC236}">
-                <a16:creationId xmlns:a16="http://schemas.microsoft.com/office/drawing/2014/main" id="{7732E1E7-45E3-4264-8F26-66758696DD1E}"/>
+                <a16:creationId xmlns:a16="http://schemas.microsoft.com/office/drawing/2014/main" xmlns="" id="{7732E1E7-45E3-4264-8F26-66758696DD1E}"/>
               </a:ext>
             </a:extLst>
           </p:cNvPr>
@@ -7993,7 +7994,7 @@
             <p:cNvPr id="16" name="Freeform: Shape 15">
               <a:extLst>
                 <a:ext uri="{FF2B5EF4-FFF2-40B4-BE49-F238E27FC236}">
-                  <a16:creationId xmlns:a16="http://schemas.microsoft.com/office/drawing/2014/main" id="{2E3DF883-8093-49FA-81E1-E5D77F086A25}"/>
+                  <a16:creationId xmlns:a16="http://schemas.microsoft.com/office/drawing/2014/main" xmlns="" id="{2E3DF883-8093-49FA-81E1-E5D77F086A25}"/>
                 </a:ext>
               </a:extLst>
             </p:cNvPr>
@@ -8083,7 +8084,7 @@
             <p:cNvPr id="17" name="Freeform: Shape 16">
               <a:extLst>
                 <a:ext uri="{FF2B5EF4-FFF2-40B4-BE49-F238E27FC236}">
-                  <a16:creationId xmlns:a16="http://schemas.microsoft.com/office/drawing/2014/main" id="{18944C90-37E5-4BBE-89FF-060627168050}"/>
+                  <a16:creationId xmlns:a16="http://schemas.microsoft.com/office/drawing/2014/main" xmlns="" id="{18944C90-37E5-4BBE-89FF-060627168050}"/>
                 </a:ext>
               </a:extLst>
             </p:cNvPr>
@@ -8182,7 +8183,7 @@
           <p:cNvPr id="6" name="Group 5">
             <a:extLst>
               <a:ext uri="{FF2B5EF4-FFF2-40B4-BE49-F238E27FC236}">
-                <a16:creationId xmlns:a16="http://schemas.microsoft.com/office/drawing/2014/main" id="{D9EBF8BB-A805-4DDB-B459-082F99815B95}"/>
+                <a16:creationId xmlns:a16="http://schemas.microsoft.com/office/drawing/2014/main" xmlns="" id="{D9EBF8BB-A805-4DDB-B459-082F99815B95}"/>
               </a:ext>
             </a:extLst>
           </p:cNvPr>
@@ -8202,7 +8203,7 @@
             <p:cNvPr id="19" name="Rectangle: Single Corner Snipped 18">
               <a:extLst>
                 <a:ext uri="{FF2B5EF4-FFF2-40B4-BE49-F238E27FC236}">
-                  <a16:creationId xmlns:a16="http://schemas.microsoft.com/office/drawing/2014/main" id="{5D638788-DD47-45E7-939A-FA108A818173}"/>
+                  <a16:creationId xmlns:a16="http://schemas.microsoft.com/office/drawing/2014/main" xmlns="" id="{5D638788-DD47-45E7-939A-FA108A818173}"/>
                 </a:ext>
               </a:extLst>
             </p:cNvPr>
@@ -8263,7 +8264,7 @@
             <p:cNvPr id="3" name="Rectangle: Single Corner Snipped 2">
               <a:extLst>
                 <a:ext uri="{FF2B5EF4-FFF2-40B4-BE49-F238E27FC236}">
-                  <a16:creationId xmlns:a16="http://schemas.microsoft.com/office/drawing/2014/main" id="{74BDECEF-EEFE-4332-B3B2-BDE4F82C10FC}"/>
+                  <a16:creationId xmlns:a16="http://schemas.microsoft.com/office/drawing/2014/main" xmlns="" id="{74BDECEF-EEFE-4332-B3B2-BDE4F82C10FC}"/>
                 </a:ext>
               </a:extLst>
             </p:cNvPr>
@@ -8320,7 +8321,7 @@
           <p:cNvPr id="26" name="Text Placeholder 22">
             <a:extLst>
               <a:ext uri="{FF2B5EF4-FFF2-40B4-BE49-F238E27FC236}">
-                <a16:creationId xmlns:a16="http://schemas.microsoft.com/office/drawing/2014/main" id="{2A19101D-7C37-42BF-8167-5391EA65EC3A}"/>
+                <a16:creationId xmlns:a16="http://schemas.microsoft.com/office/drawing/2014/main" xmlns="" id="{2A19101D-7C37-42BF-8167-5391EA65EC3A}"/>
               </a:ext>
             </a:extLst>
           </p:cNvPr>
@@ -8430,7 +8431,7 @@
           <p:cNvPr id="35" name="Freeform: Shape 34">
             <a:extLst>
               <a:ext uri="{FF2B5EF4-FFF2-40B4-BE49-F238E27FC236}">
-                <a16:creationId xmlns:a16="http://schemas.microsoft.com/office/drawing/2014/main" id="{62EEBF51-DCAD-4335-85E9-52801031A1BF}"/>
+                <a16:creationId xmlns:a16="http://schemas.microsoft.com/office/drawing/2014/main" xmlns="" id="{62EEBF51-DCAD-4335-85E9-52801031A1BF}"/>
               </a:ext>
             </a:extLst>
           </p:cNvPr>
@@ -8525,7 +8526,7 @@
           <p:cNvPr id="5" name="Slide Number Placeholder 4">
             <a:extLst>
               <a:ext uri="{FF2B5EF4-FFF2-40B4-BE49-F238E27FC236}">
-                <a16:creationId xmlns:a16="http://schemas.microsoft.com/office/drawing/2014/main" id="{87B51822-97FF-47A7-8E4E-A0F79B4EB237}"/>
+                <a16:creationId xmlns:a16="http://schemas.microsoft.com/office/drawing/2014/main" xmlns="" id="{87B51822-97FF-47A7-8E4E-A0F79B4EB237}"/>
               </a:ext>
             </a:extLst>
           </p:cNvPr>
@@ -8569,7 +8570,7 @@
           <p:cNvPr id="13" name="Picture Placeholder 12">
             <a:extLst>
               <a:ext uri="{FF2B5EF4-FFF2-40B4-BE49-F238E27FC236}">
-                <a16:creationId xmlns:a16="http://schemas.microsoft.com/office/drawing/2014/main" id="{231B97CF-FD24-4932-8459-893B1AC73D33}"/>
+                <a16:creationId xmlns:a16="http://schemas.microsoft.com/office/drawing/2014/main" xmlns="" id="{231B97CF-FD24-4932-8459-893B1AC73D33}"/>
               </a:ext>
             </a:extLst>
           </p:cNvPr>
@@ -8652,7 +8653,7 @@
           <p:cNvPr id="11" name="Rectangle 10">
             <a:extLst>
               <a:ext uri="{FF2B5EF4-FFF2-40B4-BE49-F238E27FC236}">
-                <a16:creationId xmlns:a16="http://schemas.microsoft.com/office/drawing/2014/main" id="{EB3E033F-4449-40FA-BC85-BD2712D313DD}"/>
+                <a16:creationId xmlns:a16="http://schemas.microsoft.com/office/drawing/2014/main" xmlns="" id="{EB3E033F-4449-40FA-BC85-BD2712D313DD}"/>
               </a:ext>
             </a:extLst>
           </p:cNvPr>
@@ -8706,7 +8707,7 @@
           <p:cNvPr id="10" name="Freeform: Shape 9">
             <a:extLst>
               <a:ext uri="{FF2B5EF4-FFF2-40B4-BE49-F238E27FC236}">
-                <a16:creationId xmlns:a16="http://schemas.microsoft.com/office/drawing/2014/main" id="{63D26743-0505-444C-80B3-E88EE87DF72B}"/>
+                <a16:creationId xmlns:a16="http://schemas.microsoft.com/office/drawing/2014/main" xmlns="" id="{63D26743-0505-444C-80B3-E88EE87DF72B}"/>
               </a:ext>
             </a:extLst>
           </p:cNvPr>
@@ -8829,7 +8830,7 @@
           <p:cNvPr id="18" name="Freeform: Shape 17">
             <a:extLst>
               <a:ext uri="{FF2B5EF4-FFF2-40B4-BE49-F238E27FC236}">
-                <a16:creationId xmlns:a16="http://schemas.microsoft.com/office/drawing/2014/main" id="{E37145E9-AC61-47D5-9288-8789940F81B6}"/>
+                <a16:creationId xmlns:a16="http://schemas.microsoft.com/office/drawing/2014/main" xmlns="" id="{E37145E9-AC61-47D5-9288-8789940F81B6}"/>
               </a:ext>
             </a:extLst>
           </p:cNvPr>
@@ -8981,7 +8982,7 @@
           <p:cNvPr id="12" name="Freeform: Shape 11">
             <a:extLst>
               <a:ext uri="{FF2B5EF4-FFF2-40B4-BE49-F238E27FC236}">
-                <a16:creationId xmlns:a16="http://schemas.microsoft.com/office/drawing/2014/main" id="{A5E2B3ED-9A49-40A7-B8A3-62595FE513F9}"/>
+                <a16:creationId xmlns:a16="http://schemas.microsoft.com/office/drawing/2014/main" xmlns="" id="{A5E2B3ED-9A49-40A7-B8A3-62595FE513F9}"/>
               </a:ext>
             </a:extLst>
           </p:cNvPr>
@@ -9131,7 +9132,7 @@
           <p:cNvPr id="8" name="Freeform: Shape 7">
             <a:extLst>
               <a:ext uri="{FF2B5EF4-FFF2-40B4-BE49-F238E27FC236}">
-                <a16:creationId xmlns:a16="http://schemas.microsoft.com/office/drawing/2014/main" id="{1599AF7E-3E34-4597-AA72-9373A7FDB020}"/>
+                <a16:creationId xmlns:a16="http://schemas.microsoft.com/office/drawing/2014/main" xmlns="" id="{1599AF7E-3E34-4597-AA72-9373A7FDB020}"/>
               </a:ext>
             </a:extLst>
           </p:cNvPr>
@@ -9277,7 +9278,7 @@
           <p:cNvPr id="2" name="Title 1">
             <a:extLst>
               <a:ext uri="{FF2B5EF4-FFF2-40B4-BE49-F238E27FC236}">
-                <a16:creationId xmlns:a16="http://schemas.microsoft.com/office/drawing/2014/main" id="{4A2DF563-7FAC-46B3-B24C-7E45CD89DA2B}"/>
+                <a16:creationId xmlns:a16="http://schemas.microsoft.com/office/drawing/2014/main" xmlns="" id="{4A2DF563-7FAC-46B3-B24C-7E45CD89DA2B}"/>
               </a:ext>
             </a:extLst>
           </p:cNvPr>
@@ -9322,7 +9323,7 @@
           <p:cNvPr id="15" name="Group 14">
             <a:extLst>
               <a:ext uri="{FF2B5EF4-FFF2-40B4-BE49-F238E27FC236}">
-                <a16:creationId xmlns:a16="http://schemas.microsoft.com/office/drawing/2014/main" id="{7732E1E7-45E3-4264-8F26-66758696DD1E}"/>
+                <a16:creationId xmlns:a16="http://schemas.microsoft.com/office/drawing/2014/main" xmlns="" id="{7732E1E7-45E3-4264-8F26-66758696DD1E}"/>
               </a:ext>
             </a:extLst>
           </p:cNvPr>
@@ -9342,7 +9343,7 @@
             <p:cNvPr id="16" name="Freeform: Shape 15">
               <a:extLst>
                 <a:ext uri="{FF2B5EF4-FFF2-40B4-BE49-F238E27FC236}">
-                  <a16:creationId xmlns:a16="http://schemas.microsoft.com/office/drawing/2014/main" id="{2E3DF883-8093-49FA-81E1-E5D77F086A25}"/>
+                  <a16:creationId xmlns:a16="http://schemas.microsoft.com/office/drawing/2014/main" xmlns="" id="{2E3DF883-8093-49FA-81E1-E5D77F086A25}"/>
                 </a:ext>
               </a:extLst>
             </p:cNvPr>
@@ -9432,7 +9433,7 @@
             <p:cNvPr id="17" name="Freeform: Shape 16">
               <a:extLst>
                 <a:ext uri="{FF2B5EF4-FFF2-40B4-BE49-F238E27FC236}">
-                  <a16:creationId xmlns:a16="http://schemas.microsoft.com/office/drawing/2014/main" id="{18944C90-37E5-4BBE-89FF-060627168050}"/>
+                  <a16:creationId xmlns:a16="http://schemas.microsoft.com/office/drawing/2014/main" xmlns="" id="{18944C90-37E5-4BBE-89FF-060627168050}"/>
                 </a:ext>
               </a:extLst>
             </p:cNvPr>
@@ -9531,7 +9532,7 @@
           <p:cNvPr id="6" name="Group 5">
             <a:extLst>
               <a:ext uri="{FF2B5EF4-FFF2-40B4-BE49-F238E27FC236}">
-                <a16:creationId xmlns:a16="http://schemas.microsoft.com/office/drawing/2014/main" id="{D9EBF8BB-A805-4DDB-B459-082F99815B95}"/>
+                <a16:creationId xmlns:a16="http://schemas.microsoft.com/office/drawing/2014/main" xmlns="" id="{D9EBF8BB-A805-4DDB-B459-082F99815B95}"/>
               </a:ext>
             </a:extLst>
           </p:cNvPr>
@@ -9551,7 +9552,7 @@
             <p:cNvPr id="19" name="Rectangle: Single Corner Snipped 18">
               <a:extLst>
                 <a:ext uri="{FF2B5EF4-FFF2-40B4-BE49-F238E27FC236}">
-                  <a16:creationId xmlns:a16="http://schemas.microsoft.com/office/drawing/2014/main" id="{5D638788-DD47-45E7-939A-FA108A818173}"/>
+                  <a16:creationId xmlns:a16="http://schemas.microsoft.com/office/drawing/2014/main" xmlns="" id="{5D638788-DD47-45E7-939A-FA108A818173}"/>
                 </a:ext>
               </a:extLst>
             </p:cNvPr>
@@ -9612,7 +9613,7 @@
             <p:cNvPr id="3" name="Rectangle: Single Corner Snipped 2">
               <a:extLst>
                 <a:ext uri="{FF2B5EF4-FFF2-40B4-BE49-F238E27FC236}">
-                  <a16:creationId xmlns:a16="http://schemas.microsoft.com/office/drawing/2014/main" id="{74BDECEF-EEFE-4332-B3B2-BDE4F82C10FC}"/>
+                  <a16:creationId xmlns:a16="http://schemas.microsoft.com/office/drawing/2014/main" xmlns="" id="{74BDECEF-EEFE-4332-B3B2-BDE4F82C10FC}"/>
                 </a:ext>
               </a:extLst>
             </p:cNvPr>
@@ -9669,7 +9670,7 @@
           <p:cNvPr id="35" name="Freeform: Shape 34">
             <a:extLst>
               <a:ext uri="{FF2B5EF4-FFF2-40B4-BE49-F238E27FC236}">
-                <a16:creationId xmlns:a16="http://schemas.microsoft.com/office/drawing/2014/main" id="{62EEBF51-DCAD-4335-85E9-52801031A1BF}"/>
+                <a16:creationId xmlns:a16="http://schemas.microsoft.com/office/drawing/2014/main" xmlns="" id="{62EEBF51-DCAD-4335-85E9-52801031A1BF}"/>
               </a:ext>
             </a:extLst>
           </p:cNvPr>
@@ -9764,7 +9765,7 @@
           <p:cNvPr id="5" name="Slide Number Placeholder 4">
             <a:extLst>
               <a:ext uri="{FF2B5EF4-FFF2-40B4-BE49-F238E27FC236}">
-                <a16:creationId xmlns:a16="http://schemas.microsoft.com/office/drawing/2014/main" id="{87B51822-97FF-47A7-8E4E-A0F79B4EB237}"/>
+                <a16:creationId xmlns:a16="http://schemas.microsoft.com/office/drawing/2014/main" xmlns="" id="{87B51822-97FF-47A7-8E4E-A0F79B4EB237}"/>
               </a:ext>
             </a:extLst>
           </p:cNvPr>
@@ -9808,7 +9809,7 @@
           <p:cNvPr id="20" name="Picture Placeholder 2">
             <a:extLst>
               <a:ext uri="{FF2B5EF4-FFF2-40B4-BE49-F238E27FC236}">
-                <a16:creationId xmlns:a16="http://schemas.microsoft.com/office/drawing/2014/main" id="{30B3A574-7940-4E35-857E-5CA35A5910E5}"/>
+                <a16:creationId xmlns:a16="http://schemas.microsoft.com/office/drawing/2014/main" xmlns="" id="{30B3A574-7940-4E35-857E-5CA35A5910E5}"/>
               </a:ext>
             </a:extLst>
           </p:cNvPr>
@@ -9885,7 +9886,7 @@
           <p:cNvPr id="21" name="Text Placeholder 3">
             <a:extLst>
               <a:ext uri="{FF2B5EF4-FFF2-40B4-BE49-F238E27FC236}">
-                <a16:creationId xmlns:a16="http://schemas.microsoft.com/office/drawing/2014/main" id="{912B51EA-3E6F-4BF6-BE48-62128AF32B85}"/>
+                <a16:creationId xmlns:a16="http://schemas.microsoft.com/office/drawing/2014/main" xmlns="" id="{912B51EA-3E6F-4BF6-BE48-62128AF32B85}"/>
               </a:ext>
             </a:extLst>
           </p:cNvPr>
@@ -9999,7 +10000,7 @@
           <p:cNvPr id="11" name="Rectangle 10">
             <a:extLst>
               <a:ext uri="{FF2B5EF4-FFF2-40B4-BE49-F238E27FC236}">
-                <a16:creationId xmlns:a16="http://schemas.microsoft.com/office/drawing/2014/main" id="{EB3E033F-4449-40FA-BC85-BD2712D313DD}"/>
+                <a16:creationId xmlns:a16="http://schemas.microsoft.com/office/drawing/2014/main" xmlns="" id="{EB3E033F-4449-40FA-BC85-BD2712D313DD}"/>
               </a:ext>
             </a:extLst>
           </p:cNvPr>
@@ -10053,7 +10054,7 @@
           <p:cNvPr id="10" name="Freeform: Shape 9">
             <a:extLst>
               <a:ext uri="{FF2B5EF4-FFF2-40B4-BE49-F238E27FC236}">
-                <a16:creationId xmlns:a16="http://schemas.microsoft.com/office/drawing/2014/main" id="{63D26743-0505-444C-80B3-E88EE87DF72B}"/>
+                <a16:creationId xmlns:a16="http://schemas.microsoft.com/office/drawing/2014/main" xmlns="" id="{63D26743-0505-444C-80B3-E88EE87DF72B}"/>
               </a:ext>
             </a:extLst>
           </p:cNvPr>
@@ -10176,7 +10177,7 @@
           <p:cNvPr id="18" name="Freeform: Shape 17">
             <a:extLst>
               <a:ext uri="{FF2B5EF4-FFF2-40B4-BE49-F238E27FC236}">
-                <a16:creationId xmlns:a16="http://schemas.microsoft.com/office/drawing/2014/main" id="{E37145E9-AC61-47D5-9288-8789940F81B6}"/>
+                <a16:creationId xmlns:a16="http://schemas.microsoft.com/office/drawing/2014/main" xmlns="" id="{E37145E9-AC61-47D5-9288-8789940F81B6}"/>
               </a:ext>
             </a:extLst>
           </p:cNvPr>
@@ -10328,7 +10329,7 @@
           <p:cNvPr id="12" name="Freeform: Shape 11">
             <a:extLst>
               <a:ext uri="{FF2B5EF4-FFF2-40B4-BE49-F238E27FC236}">
-                <a16:creationId xmlns:a16="http://schemas.microsoft.com/office/drawing/2014/main" id="{A5E2B3ED-9A49-40A7-B8A3-62595FE513F9}"/>
+                <a16:creationId xmlns:a16="http://schemas.microsoft.com/office/drawing/2014/main" xmlns="" id="{A5E2B3ED-9A49-40A7-B8A3-62595FE513F9}"/>
               </a:ext>
             </a:extLst>
           </p:cNvPr>
@@ -10478,7 +10479,7 @@
           <p:cNvPr id="8" name="Freeform: Shape 7">
             <a:extLst>
               <a:ext uri="{FF2B5EF4-FFF2-40B4-BE49-F238E27FC236}">
-                <a16:creationId xmlns:a16="http://schemas.microsoft.com/office/drawing/2014/main" id="{1599AF7E-3E34-4597-AA72-9373A7FDB020}"/>
+                <a16:creationId xmlns:a16="http://schemas.microsoft.com/office/drawing/2014/main" xmlns="" id="{1599AF7E-3E34-4597-AA72-9373A7FDB020}"/>
               </a:ext>
             </a:extLst>
           </p:cNvPr>
@@ -10624,7 +10625,7 @@
           <p:cNvPr id="2" name="Title 1">
             <a:extLst>
               <a:ext uri="{FF2B5EF4-FFF2-40B4-BE49-F238E27FC236}">
-                <a16:creationId xmlns:a16="http://schemas.microsoft.com/office/drawing/2014/main" id="{4A2DF563-7FAC-46B3-B24C-7E45CD89DA2B}"/>
+                <a16:creationId xmlns:a16="http://schemas.microsoft.com/office/drawing/2014/main" xmlns="" id="{4A2DF563-7FAC-46B3-B24C-7E45CD89DA2B}"/>
               </a:ext>
             </a:extLst>
           </p:cNvPr>
@@ -10669,7 +10670,7 @@
           <p:cNvPr id="15" name="Group 14">
             <a:extLst>
               <a:ext uri="{FF2B5EF4-FFF2-40B4-BE49-F238E27FC236}">
-                <a16:creationId xmlns:a16="http://schemas.microsoft.com/office/drawing/2014/main" id="{7732E1E7-45E3-4264-8F26-66758696DD1E}"/>
+                <a16:creationId xmlns:a16="http://schemas.microsoft.com/office/drawing/2014/main" xmlns="" id="{7732E1E7-45E3-4264-8F26-66758696DD1E}"/>
               </a:ext>
             </a:extLst>
           </p:cNvPr>
@@ -10689,7 +10690,7 @@
             <p:cNvPr id="16" name="Freeform: Shape 15">
               <a:extLst>
                 <a:ext uri="{FF2B5EF4-FFF2-40B4-BE49-F238E27FC236}">
-                  <a16:creationId xmlns:a16="http://schemas.microsoft.com/office/drawing/2014/main" id="{2E3DF883-8093-49FA-81E1-E5D77F086A25}"/>
+                  <a16:creationId xmlns:a16="http://schemas.microsoft.com/office/drawing/2014/main" xmlns="" id="{2E3DF883-8093-49FA-81E1-E5D77F086A25}"/>
                 </a:ext>
               </a:extLst>
             </p:cNvPr>
@@ -10779,7 +10780,7 @@
             <p:cNvPr id="17" name="Freeform: Shape 16">
               <a:extLst>
                 <a:ext uri="{FF2B5EF4-FFF2-40B4-BE49-F238E27FC236}">
-                  <a16:creationId xmlns:a16="http://schemas.microsoft.com/office/drawing/2014/main" id="{18944C90-37E5-4BBE-89FF-060627168050}"/>
+                  <a16:creationId xmlns:a16="http://schemas.microsoft.com/office/drawing/2014/main" xmlns="" id="{18944C90-37E5-4BBE-89FF-060627168050}"/>
                 </a:ext>
               </a:extLst>
             </p:cNvPr>
@@ -10878,7 +10879,7 @@
           <p:cNvPr id="6" name="Group 5">
             <a:extLst>
               <a:ext uri="{FF2B5EF4-FFF2-40B4-BE49-F238E27FC236}">
-                <a16:creationId xmlns:a16="http://schemas.microsoft.com/office/drawing/2014/main" id="{D9EBF8BB-A805-4DDB-B459-082F99815B95}"/>
+                <a16:creationId xmlns:a16="http://schemas.microsoft.com/office/drawing/2014/main" xmlns="" id="{D9EBF8BB-A805-4DDB-B459-082F99815B95}"/>
               </a:ext>
             </a:extLst>
           </p:cNvPr>
@@ -10898,7 +10899,7 @@
             <p:cNvPr id="19" name="Rectangle: Single Corner Snipped 18">
               <a:extLst>
                 <a:ext uri="{FF2B5EF4-FFF2-40B4-BE49-F238E27FC236}">
-                  <a16:creationId xmlns:a16="http://schemas.microsoft.com/office/drawing/2014/main" id="{5D638788-DD47-45E7-939A-FA108A818173}"/>
+                  <a16:creationId xmlns:a16="http://schemas.microsoft.com/office/drawing/2014/main" xmlns="" id="{5D638788-DD47-45E7-939A-FA108A818173}"/>
                 </a:ext>
               </a:extLst>
             </p:cNvPr>
@@ -10959,7 +10960,7 @@
             <p:cNvPr id="3" name="Rectangle: Single Corner Snipped 2">
               <a:extLst>
                 <a:ext uri="{FF2B5EF4-FFF2-40B4-BE49-F238E27FC236}">
-                  <a16:creationId xmlns:a16="http://schemas.microsoft.com/office/drawing/2014/main" id="{74BDECEF-EEFE-4332-B3B2-BDE4F82C10FC}"/>
+                  <a16:creationId xmlns:a16="http://schemas.microsoft.com/office/drawing/2014/main" xmlns="" id="{74BDECEF-EEFE-4332-B3B2-BDE4F82C10FC}"/>
                 </a:ext>
               </a:extLst>
             </p:cNvPr>
@@ -11016,7 +11017,7 @@
           <p:cNvPr id="35" name="Freeform: Shape 34">
             <a:extLst>
               <a:ext uri="{FF2B5EF4-FFF2-40B4-BE49-F238E27FC236}">
-                <a16:creationId xmlns:a16="http://schemas.microsoft.com/office/drawing/2014/main" id="{62EEBF51-DCAD-4335-85E9-52801031A1BF}"/>
+                <a16:creationId xmlns:a16="http://schemas.microsoft.com/office/drawing/2014/main" xmlns="" id="{62EEBF51-DCAD-4335-85E9-52801031A1BF}"/>
               </a:ext>
             </a:extLst>
           </p:cNvPr>
@@ -11111,7 +11112,7 @@
           <p:cNvPr id="5" name="Slide Number Placeholder 4">
             <a:extLst>
               <a:ext uri="{FF2B5EF4-FFF2-40B4-BE49-F238E27FC236}">
-                <a16:creationId xmlns:a16="http://schemas.microsoft.com/office/drawing/2014/main" id="{87B51822-97FF-47A7-8E4E-A0F79B4EB237}"/>
+                <a16:creationId xmlns:a16="http://schemas.microsoft.com/office/drawing/2014/main" xmlns="" id="{87B51822-97FF-47A7-8E4E-A0F79B4EB237}"/>
               </a:ext>
             </a:extLst>
           </p:cNvPr>
@@ -11155,7 +11156,7 @@
           <p:cNvPr id="21" name="Text Placeholder 3">
             <a:extLst>
               <a:ext uri="{FF2B5EF4-FFF2-40B4-BE49-F238E27FC236}">
-                <a16:creationId xmlns:a16="http://schemas.microsoft.com/office/drawing/2014/main" id="{912B51EA-3E6F-4BF6-BE48-62128AF32B85}"/>
+                <a16:creationId xmlns:a16="http://schemas.microsoft.com/office/drawing/2014/main" xmlns="" id="{912B51EA-3E6F-4BF6-BE48-62128AF32B85}"/>
               </a:ext>
             </a:extLst>
           </p:cNvPr>
@@ -11231,7 +11232,7 @@
           <p:cNvPr id="22" name="Content Placeholder 2">
             <a:extLst>
               <a:ext uri="{FF2B5EF4-FFF2-40B4-BE49-F238E27FC236}">
-                <a16:creationId xmlns:a16="http://schemas.microsoft.com/office/drawing/2014/main" id="{A015C605-1D30-48BC-A0D6-3B11AF56CC53}"/>
+                <a16:creationId xmlns:a16="http://schemas.microsoft.com/office/drawing/2014/main" xmlns="" id="{A015C605-1D30-48BC-A0D6-3B11AF56CC53}"/>
               </a:ext>
             </a:extLst>
           </p:cNvPr>
@@ -11373,7 +11374,7 @@
           <p:cNvPr id="18" name="Rectangle 17">
             <a:extLst>
               <a:ext uri="{FF2B5EF4-FFF2-40B4-BE49-F238E27FC236}">
-                <a16:creationId xmlns:a16="http://schemas.microsoft.com/office/drawing/2014/main" id="{D4494CD2-CCDD-0248-96F8-741002C44255}"/>
+                <a16:creationId xmlns:a16="http://schemas.microsoft.com/office/drawing/2014/main" xmlns="" id="{D4494CD2-CCDD-0248-96F8-741002C44255}"/>
               </a:ext>
             </a:extLst>
           </p:cNvPr>
@@ -11427,7 +11428,7 @@
           <p:cNvPr id="19" name="Freeform: Shape 9">
             <a:extLst>
               <a:ext uri="{FF2B5EF4-FFF2-40B4-BE49-F238E27FC236}">
-                <a16:creationId xmlns:a16="http://schemas.microsoft.com/office/drawing/2014/main" id="{07077B00-C1EE-7241-B441-7814F92A7EDF}"/>
+                <a16:creationId xmlns:a16="http://schemas.microsoft.com/office/drawing/2014/main" xmlns="" id="{07077B00-C1EE-7241-B441-7814F92A7EDF}"/>
               </a:ext>
             </a:extLst>
           </p:cNvPr>
@@ -11550,7 +11551,7 @@
           <p:cNvPr id="20" name="Freeform: Shape 17">
             <a:extLst>
               <a:ext uri="{FF2B5EF4-FFF2-40B4-BE49-F238E27FC236}">
-                <a16:creationId xmlns:a16="http://schemas.microsoft.com/office/drawing/2014/main" id="{3A1AEBC4-637E-F64C-9192-69AC4BB26D0C}"/>
+                <a16:creationId xmlns:a16="http://schemas.microsoft.com/office/drawing/2014/main" xmlns="" id="{3A1AEBC4-637E-F64C-9192-69AC4BB26D0C}"/>
               </a:ext>
             </a:extLst>
           </p:cNvPr>
@@ -11702,7 +11703,7 @@
           <p:cNvPr id="21" name="Freeform: Shape 11">
             <a:extLst>
               <a:ext uri="{FF2B5EF4-FFF2-40B4-BE49-F238E27FC236}">
-                <a16:creationId xmlns:a16="http://schemas.microsoft.com/office/drawing/2014/main" id="{669A7039-C54C-8E46-9A8B-DDB2547D989C}"/>
+                <a16:creationId xmlns:a16="http://schemas.microsoft.com/office/drawing/2014/main" xmlns="" id="{669A7039-C54C-8E46-9A8B-DDB2547D989C}"/>
               </a:ext>
             </a:extLst>
           </p:cNvPr>
@@ -11852,7 +11853,7 @@
           <p:cNvPr id="22" name="Freeform: Shape 7">
             <a:extLst>
               <a:ext uri="{FF2B5EF4-FFF2-40B4-BE49-F238E27FC236}">
-                <a16:creationId xmlns:a16="http://schemas.microsoft.com/office/drawing/2014/main" id="{4F173B32-87BB-9A40-8C91-4C1EED2B7ABF}"/>
+                <a16:creationId xmlns:a16="http://schemas.microsoft.com/office/drawing/2014/main" xmlns="" id="{4F173B32-87BB-9A40-8C91-4C1EED2B7ABF}"/>
               </a:ext>
             </a:extLst>
           </p:cNvPr>
@@ -11998,7 +11999,7 @@
           <p:cNvPr id="24" name="Group 23">
             <a:extLst>
               <a:ext uri="{FF2B5EF4-FFF2-40B4-BE49-F238E27FC236}">
-                <a16:creationId xmlns:a16="http://schemas.microsoft.com/office/drawing/2014/main" id="{4AC87F4E-12B5-1B42-AFD2-4DB39B7645C9}"/>
+                <a16:creationId xmlns:a16="http://schemas.microsoft.com/office/drawing/2014/main" xmlns="" id="{4AC87F4E-12B5-1B42-AFD2-4DB39B7645C9}"/>
               </a:ext>
             </a:extLst>
           </p:cNvPr>
@@ -12018,7 +12019,7 @@
             <p:cNvPr id="25" name="Freeform: Shape 15">
               <a:extLst>
                 <a:ext uri="{FF2B5EF4-FFF2-40B4-BE49-F238E27FC236}">
-                  <a16:creationId xmlns:a16="http://schemas.microsoft.com/office/drawing/2014/main" id="{03DD8765-59DF-A045-ADB5-E39FAEE153A0}"/>
+                  <a16:creationId xmlns:a16="http://schemas.microsoft.com/office/drawing/2014/main" xmlns="" id="{03DD8765-59DF-A045-ADB5-E39FAEE153A0}"/>
                 </a:ext>
               </a:extLst>
             </p:cNvPr>
@@ -12108,7 +12109,7 @@
             <p:cNvPr id="26" name="Freeform: Shape 16">
               <a:extLst>
                 <a:ext uri="{FF2B5EF4-FFF2-40B4-BE49-F238E27FC236}">
-                  <a16:creationId xmlns:a16="http://schemas.microsoft.com/office/drawing/2014/main" id="{B34B796C-A407-7B4D-B4F0-E58A44FE8DB4}"/>
+                  <a16:creationId xmlns:a16="http://schemas.microsoft.com/office/drawing/2014/main" xmlns="" id="{B34B796C-A407-7B4D-B4F0-E58A44FE8DB4}"/>
                 </a:ext>
               </a:extLst>
             </p:cNvPr>
@@ -12207,7 +12208,7 @@
           <p:cNvPr id="30" name="Freeform: Shape 23">
             <a:extLst>
               <a:ext uri="{FF2B5EF4-FFF2-40B4-BE49-F238E27FC236}">
-                <a16:creationId xmlns:a16="http://schemas.microsoft.com/office/drawing/2014/main" id="{CBE3FDC9-67CB-FA42-B127-A36BFF4678BB}"/>
+                <a16:creationId xmlns:a16="http://schemas.microsoft.com/office/drawing/2014/main" xmlns="" id="{CBE3FDC9-67CB-FA42-B127-A36BFF4678BB}"/>
               </a:ext>
             </a:extLst>
           </p:cNvPr>
@@ -12302,7 +12303,7 @@
           <p:cNvPr id="31" name="Slide Number Placeholder 4">
             <a:extLst>
               <a:ext uri="{FF2B5EF4-FFF2-40B4-BE49-F238E27FC236}">
-                <a16:creationId xmlns:a16="http://schemas.microsoft.com/office/drawing/2014/main" id="{1E902BFF-CA8F-D745-A819-A7BB38B30ED9}"/>
+                <a16:creationId xmlns:a16="http://schemas.microsoft.com/office/drawing/2014/main" xmlns="" id="{1E902BFF-CA8F-D745-A819-A7BB38B30ED9}"/>
               </a:ext>
             </a:extLst>
           </p:cNvPr>
@@ -12376,7 +12377,7 @@
           <p:cNvPr id="21" name="Rectangle 20">
             <a:extLst>
               <a:ext uri="{FF2B5EF4-FFF2-40B4-BE49-F238E27FC236}">
-                <a16:creationId xmlns:a16="http://schemas.microsoft.com/office/drawing/2014/main" id="{6E739168-A5E8-443A-B392-7AD4CF8977AD}"/>
+                <a16:creationId xmlns:a16="http://schemas.microsoft.com/office/drawing/2014/main" xmlns="" id="{6E739168-A5E8-443A-B392-7AD4CF8977AD}"/>
               </a:ext>
             </a:extLst>
           </p:cNvPr>
@@ -12428,7 +12429,7 @@
           <p:cNvPr id="15" name="Freeform: Shape 14">
             <a:extLst>
               <a:ext uri="{FF2B5EF4-FFF2-40B4-BE49-F238E27FC236}">
-                <a16:creationId xmlns:a16="http://schemas.microsoft.com/office/drawing/2014/main" id="{41E10E1E-5268-4F03-BA64-07E19DE26739}"/>
+                <a16:creationId xmlns:a16="http://schemas.microsoft.com/office/drawing/2014/main" xmlns="" id="{41E10E1E-5268-4F03-BA64-07E19DE26739}"/>
               </a:ext>
             </a:extLst>
           </p:cNvPr>
@@ -12565,7 +12566,7 @@
           <p:cNvPr id="16" name="Freeform: Shape 15">
             <a:extLst>
               <a:ext uri="{FF2B5EF4-FFF2-40B4-BE49-F238E27FC236}">
-                <a16:creationId xmlns:a16="http://schemas.microsoft.com/office/drawing/2014/main" id="{B989C45D-BDFF-418F-BE79-03FF70015770}"/>
+                <a16:creationId xmlns:a16="http://schemas.microsoft.com/office/drawing/2014/main" xmlns="" id="{B989C45D-BDFF-418F-BE79-03FF70015770}"/>
               </a:ext>
             </a:extLst>
           </p:cNvPr>
@@ -12729,7 +12730,7 @@
           <p:cNvPr id="20" name="Freeform: Shape 19">
             <a:extLst>
               <a:ext uri="{FF2B5EF4-FFF2-40B4-BE49-F238E27FC236}">
-                <a16:creationId xmlns:a16="http://schemas.microsoft.com/office/drawing/2014/main" id="{0027A677-9ACB-4264-B148-4806678FB83F}"/>
+                <a16:creationId xmlns:a16="http://schemas.microsoft.com/office/drawing/2014/main" xmlns="" id="{0027A677-9ACB-4264-B148-4806678FB83F}"/>
               </a:ext>
             </a:extLst>
           </p:cNvPr>
@@ -12891,7 +12892,7 @@
           <p:cNvPr id="6" name="Group 5">
             <a:extLst>
               <a:ext uri="{FF2B5EF4-FFF2-40B4-BE49-F238E27FC236}">
-                <a16:creationId xmlns:a16="http://schemas.microsoft.com/office/drawing/2014/main" id="{EA7FF9D7-8545-4547-AC77-A0421EEB9B99}"/>
+                <a16:creationId xmlns:a16="http://schemas.microsoft.com/office/drawing/2014/main" xmlns="" id="{EA7FF9D7-8545-4547-AC77-A0421EEB9B99}"/>
               </a:ext>
             </a:extLst>
           </p:cNvPr>
@@ -12911,7 +12912,7 @@
             <p:cNvPr id="17" name="Right Triangle 16">
               <a:extLst>
                 <a:ext uri="{FF2B5EF4-FFF2-40B4-BE49-F238E27FC236}">
-                  <a16:creationId xmlns:a16="http://schemas.microsoft.com/office/drawing/2014/main" id="{8DCD5806-2A2F-4ABF-8057-245681C498E6}"/>
+                  <a16:creationId xmlns:a16="http://schemas.microsoft.com/office/drawing/2014/main" xmlns="" id="{8DCD5806-2A2F-4ABF-8057-245681C498E6}"/>
                 </a:ext>
               </a:extLst>
             </p:cNvPr>
@@ -12965,7 +12966,7 @@
             <p:cNvPr id="18" name="Right Triangle 17">
               <a:extLst>
                 <a:ext uri="{FF2B5EF4-FFF2-40B4-BE49-F238E27FC236}">
-                  <a16:creationId xmlns:a16="http://schemas.microsoft.com/office/drawing/2014/main" id="{3A93038F-E9E4-4FFD-B3DF-28DB7C2C1490}"/>
+                  <a16:creationId xmlns:a16="http://schemas.microsoft.com/office/drawing/2014/main" xmlns="" id="{3A93038F-E9E4-4FFD-B3DF-28DB7C2C1490}"/>
                 </a:ext>
               </a:extLst>
             </p:cNvPr>
@@ -13022,7 +13023,7 @@
             <p:cNvPr id="19" name="Right Triangle 18">
               <a:extLst>
                 <a:ext uri="{FF2B5EF4-FFF2-40B4-BE49-F238E27FC236}">
-                  <a16:creationId xmlns:a16="http://schemas.microsoft.com/office/drawing/2014/main" id="{5DEA1E02-BBD0-4AE3-AF22-433B90272178}"/>
+                  <a16:creationId xmlns:a16="http://schemas.microsoft.com/office/drawing/2014/main" xmlns="" id="{5DEA1E02-BBD0-4AE3-AF22-433B90272178}"/>
                 </a:ext>
               </a:extLst>
             </p:cNvPr>
@@ -13077,7 +13078,7 @@
           <p:cNvPr id="2" name="Title 1">
             <a:extLst>
               <a:ext uri="{FF2B5EF4-FFF2-40B4-BE49-F238E27FC236}">
-                <a16:creationId xmlns:a16="http://schemas.microsoft.com/office/drawing/2014/main" id="{9E597736-C478-4C26-9BAF-205FE31E977C}"/>
+                <a16:creationId xmlns:a16="http://schemas.microsoft.com/office/drawing/2014/main" xmlns="" id="{9E597736-C478-4C26-9BAF-205FE31E977C}"/>
               </a:ext>
             </a:extLst>
           </p:cNvPr>
@@ -13154,7 +13155,7 @@
           <p:cNvPr id="21" name="Rectangle 20">
             <a:extLst>
               <a:ext uri="{FF2B5EF4-FFF2-40B4-BE49-F238E27FC236}">
-                <a16:creationId xmlns:a16="http://schemas.microsoft.com/office/drawing/2014/main" id="{6E739168-A5E8-443A-B392-7AD4CF8977AD}"/>
+                <a16:creationId xmlns:a16="http://schemas.microsoft.com/office/drawing/2014/main" xmlns="" id="{6E739168-A5E8-443A-B392-7AD4CF8977AD}"/>
               </a:ext>
             </a:extLst>
           </p:cNvPr>
@@ -13206,7 +13207,7 @@
           <p:cNvPr id="15" name="Freeform: Shape 14">
             <a:extLst>
               <a:ext uri="{FF2B5EF4-FFF2-40B4-BE49-F238E27FC236}">
-                <a16:creationId xmlns:a16="http://schemas.microsoft.com/office/drawing/2014/main" id="{41E10E1E-5268-4F03-BA64-07E19DE26739}"/>
+                <a16:creationId xmlns:a16="http://schemas.microsoft.com/office/drawing/2014/main" xmlns="" id="{41E10E1E-5268-4F03-BA64-07E19DE26739}"/>
               </a:ext>
             </a:extLst>
           </p:cNvPr>
@@ -13343,7 +13344,7 @@
           <p:cNvPr id="16" name="Freeform: Shape 15">
             <a:extLst>
               <a:ext uri="{FF2B5EF4-FFF2-40B4-BE49-F238E27FC236}">
-                <a16:creationId xmlns:a16="http://schemas.microsoft.com/office/drawing/2014/main" id="{B989C45D-BDFF-418F-BE79-03FF70015770}"/>
+                <a16:creationId xmlns:a16="http://schemas.microsoft.com/office/drawing/2014/main" xmlns="" id="{B989C45D-BDFF-418F-BE79-03FF70015770}"/>
               </a:ext>
             </a:extLst>
           </p:cNvPr>
@@ -13507,7 +13508,7 @@
           <p:cNvPr id="20" name="Freeform: Shape 19">
             <a:extLst>
               <a:ext uri="{FF2B5EF4-FFF2-40B4-BE49-F238E27FC236}">
-                <a16:creationId xmlns:a16="http://schemas.microsoft.com/office/drawing/2014/main" id="{0027A677-9ACB-4264-B148-4806678FB83F}"/>
+                <a16:creationId xmlns:a16="http://schemas.microsoft.com/office/drawing/2014/main" xmlns="" id="{0027A677-9ACB-4264-B148-4806678FB83F}"/>
               </a:ext>
             </a:extLst>
           </p:cNvPr>
@@ -13669,7 +13670,7 @@
           <p:cNvPr id="2" name="Title 1">
             <a:extLst>
               <a:ext uri="{FF2B5EF4-FFF2-40B4-BE49-F238E27FC236}">
-                <a16:creationId xmlns:a16="http://schemas.microsoft.com/office/drawing/2014/main" id="{9E597736-C478-4C26-9BAF-205FE31E977C}"/>
+                <a16:creationId xmlns:a16="http://schemas.microsoft.com/office/drawing/2014/main" xmlns="" id="{9E597736-C478-4C26-9BAF-205FE31E977C}"/>
               </a:ext>
             </a:extLst>
           </p:cNvPr>
@@ -13716,7 +13717,7 @@
           <p:cNvPr id="35" name="Freeform: Shape 34">
             <a:extLst>
               <a:ext uri="{FF2B5EF4-FFF2-40B4-BE49-F238E27FC236}">
-                <a16:creationId xmlns:a16="http://schemas.microsoft.com/office/drawing/2014/main" id="{C024DCDB-C6BF-455E-AAB8-EAF9DAB302A1}"/>
+                <a16:creationId xmlns:a16="http://schemas.microsoft.com/office/drawing/2014/main" xmlns="" id="{C024DCDB-C6BF-455E-AAB8-EAF9DAB302A1}"/>
               </a:ext>
             </a:extLst>
           </p:cNvPr>
@@ -13824,7 +13825,7 @@
           <p:cNvPr id="32" name="Freeform: Shape 31">
             <a:extLst>
               <a:ext uri="{FF2B5EF4-FFF2-40B4-BE49-F238E27FC236}">
-                <a16:creationId xmlns:a16="http://schemas.microsoft.com/office/drawing/2014/main" id="{26AFB47A-5D51-4F9C-B01B-977CE5E3C093}"/>
+                <a16:creationId xmlns:a16="http://schemas.microsoft.com/office/drawing/2014/main" xmlns="" id="{26AFB47A-5D51-4F9C-B01B-977CE5E3C093}"/>
               </a:ext>
             </a:extLst>
           </p:cNvPr>
@@ -13940,7 +13941,7 @@
           <p:cNvPr id="30" name="Freeform: Shape 29">
             <a:extLst>
               <a:ext uri="{FF2B5EF4-FFF2-40B4-BE49-F238E27FC236}">
-                <a16:creationId xmlns:a16="http://schemas.microsoft.com/office/drawing/2014/main" id="{6997A4FF-7390-4173-8ACD-6CF7145AACEC}"/>
+                <a16:creationId xmlns:a16="http://schemas.microsoft.com/office/drawing/2014/main" xmlns="" id="{6997A4FF-7390-4173-8ACD-6CF7145AACEC}"/>
               </a:ext>
             </a:extLst>
           </p:cNvPr>
@@ -14079,7 +14080,7 @@
           <p:cNvPr id="7" name="Rectangle 6">
             <a:extLst>
               <a:ext uri="{FF2B5EF4-FFF2-40B4-BE49-F238E27FC236}">
-                <a16:creationId xmlns:a16="http://schemas.microsoft.com/office/drawing/2014/main" id="{B2838D16-809E-4EB1-8C0C-0E63D8139112}"/>
+                <a16:creationId xmlns:a16="http://schemas.microsoft.com/office/drawing/2014/main" xmlns="" id="{B2838D16-809E-4EB1-8C0C-0E63D8139112}"/>
               </a:ext>
             </a:extLst>
           </p:cNvPr>
@@ -14131,7 +14132,7 @@
           <p:cNvPr id="8" name="Freeform: Shape 7">
             <a:extLst>
               <a:ext uri="{FF2B5EF4-FFF2-40B4-BE49-F238E27FC236}">
-                <a16:creationId xmlns:a16="http://schemas.microsoft.com/office/drawing/2014/main" id="{01FEB333-94B4-4E53-9019-D584810903BB}"/>
+                <a16:creationId xmlns:a16="http://schemas.microsoft.com/office/drawing/2014/main" xmlns="" id="{01FEB333-94B4-4E53-9019-D584810903BB}"/>
               </a:ext>
             </a:extLst>
           </p:cNvPr>
@@ -14252,7 +14253,7 @@
           <p:cNvPr id="9" name="Freeform: Shape 8">
             <a:extLst>
               <a:ext uri="{FF2B5EF4-FFF2-40B4-BE49-F238E27FC236}">
-                <a16:creationId xmlns:a16="http://schemas.microsoft.com/office/drawing/2014/main" id="{A59B9489-0CD9-4DB7-AC82-6E7867F91403}"/>
+                <a16:creationId xmlns:a16="http://schemas.microsoft.com/office/drawing/2014/main" xmlns="" id="{A59B9489-0CD9-4DB7-AC82-6E7867F91403}"/>
               </a:ext>
             </a:extLst>
           </p:cNvPr>
@@ -14392,7 +14393,7 @@
           <p:cNvPr id="10" name="Right Triangle 9">
             <a:extLst>
               <a:ext uri="{FF2B5EF4-FFF2-40B4-BE49-F238E27FC236}">
-                <a16:creationId xmlns:a16="http://schemas.microsoft.com/office/drawing/2014/main" id="{A55D1C76-C591-4FA5-9780-87AB6B37C0FA}"/>
+                <a16:creationId xmlns:a16="http://schemas.microsoft.com/office/drawing/2014/main" xmlns="" id="{A55D1C76-C591-4FA5-9780-87AB6B37C0FA}"/>
               </a:ext>
             </a:extLst>
           </p:cNvPr>
@@ -14446,7 +14447,7 @@
           <p:cNvPr id="11" name="Freeform: Shape 10">
             <a:extLst>
               <a:ext uri="{FF2B5EF4-FFF2-40B4-BE49-F238E27FC236}">
-                <a16:creationId xmlns:a16="http://schemas.microsoft.com/office/drawing/2014/main" id="{A7DC1D12-670F-4235-8791-FA8C2B330871}"/>
+                <a16:creationId xmlns:a16="http://schemas.microsoft.com/office/drawing/2014/main" xmlns="" id="{A7DC1D12-670F-4235-8791-FA8C2B330871}"/>
               </a:ext>
             </a:extLst>
           </p:cNvPr>
@@ -14592,7 +14593,7 @@
           <p:cNvPr id="12" name="Freeform: Shape 11">
             <a:extLst>
               <a:ext uri="{FF2B5EF4-FFF2-40B4-BE49-F238E27FC236}">
-                <a16:creationId xmlns:a16="http://schemas.microsoft.com/office/drawing/2014/main" id="{859569CF-FDAC-47C4-A0F5-296F7117C398}"/>
+                <a16:creationId xmlns:a16="http://schemas.microsoft.com/office/drawing/2014/main" xmlns="" id="{859569CF-FDAC-47C4-A0F5-296F7117C398}"/>
               </a:ext>
             </a:extLst>
           </p:cNvPr>
@@ -14692,7 +14693,7 @@
           <p:cNvPr id="13" name="Freeform: Shape 12">
             <a:extLst>
               <a:ext uri="{FF2B5EF4-FFF2-40B4-BE49-F238E27FC236}">
-                <a16:creationId xmlns:a16="http://schemas.microsoft.com/office/drawing/2014/main" id="{D68D0C72-2B2C-4C85-A091-157853C71784}"/>
+                <a16:creationId xmlns:a16="http://schemas.microsoft.com/office/drawing/2014/main" xmlns="" id="{D68D0C72-2B2C-4C85-A091-157853C71784}"/>
               </a:ext>
             </a:extLst>
           </p:cNvPr>
@@ -14800,7 +14801,7 @@
           <p:cNvPr id="14" name="Freeform: Shape 13">
             <a:extLst>
               <a:ext uri="{FF2B5EF4-FFF2-40B4-BE49-F238E27FC236}">
-                <a16:creationId xmlns:a16="http://schemas.microsoft.com/office/drawing/2014/main" id="{8E25334A-5FE3-4DDA-8D32-4796CCFCAA74}"/>
+                <a16:creationId xmlns:a16="http://schemas.microsoft.com/office/drawing/2014/main" xmlns="" id="{8E25334A-5FE3-4DDA-8D32-4796CCFCAA74}"/>
               </a:ext>
             </a:extLst>
           </p:cNvPr>
@@ -14892,7 +14893,7 @@
           <p:cNvPr id="15" name="Freeform: Shape 14">
             <a:extLst>
               <a:ext uri="{FF2B5EF4-FFF2-40B4-BE49-F238E27FC236}">
-                <a16:creationId xmlns:a16="http://schemas.microsoft.com/office/drawing/2014/main" id="{18818DF1-D7FD-4C0F-875D-7A07E8F75C06}"/>
+                <a16:creationId xmlns:a16="http://schemas.microsoft.com/office/drawing/2014/main" xmlns="" id="{18818DF1-D7FD-4C0F-875D-7A07E8F75C06}"/>
               </a:ext>
             </a:extLst>
           </p:cNvPr>
@@ -14992,7 +14993,7 @@
           <p:cNvPr id="16" name="Group 15">
             <a:extLst>
               <a:ext uri="{FF2B5EF4-FFF2-40B4-BE49-F238E27FC236}">
-                <a16:creationId xmlns:a16="http://schemas.microsoft.com/office/drawing/2014/main" id="{8F9BB384-9E14-4CEA-82C1-21837229D3EF}"/>
+                <a16:creationId xmlns:a16="http://schemas.microsoft.com/office/drawing/2014/main" xmlns="" id="{8F9BB384-9E14-4CEA-82C1-21837229D3EF}"/>
               </a:ext>
             </a:extLst>
           </p:cNvPr>
@@ -15012,7 +15013,7 @@
             <p:cNvPr id="17" name="Freeform: Shape 16">
               <a:extLst>
                 <a:ext uri="{FF2B5EF4-FFF2-40B4-BE49-F238E27FC236}">
-                  <a16:creationId xmlns:a16="http://schemas.microsoft.com/office/drawing/2014/main" id="{0862A81A-959D-4EAB-90ED-DB20759BB397}"/>
+                  <a16:creationId xmlns:a16="http://schemas.microsoft.com/office/drawing/2014/main" xmlns="" id="{0862A81A-959D-4EAB-90ED-DB20759BB397}"/>
                 </a:ext>
               </a:extLst>
             </p:cNvPr>
@@ -15102,7 +15103,7 @@
             <p:cNvPr id="18" name="Freeform: Shape 17">
               <a:extLst>
                 <a:ext uri="{FF2B5EF4-FFF2-40B4-BE49-F238E27FC236}">
-                  <a16:creationId xmlns:a16="http://schemas.microsoft.com/office/drawing/2014/main" id="{AAB9E28C-9422-42BD-AECE-29B44B5D63E2}"/>
+                  <a16:creationId xmlns:a16="http://schemas.microsoft.com/office/drawing/2014/main" xmlns="" id="{AAB9E28C-9422-42BD-AECE-29B44B5D63E2}"/>
                 </a:ext>
               </a:extLst>
             </p:cNvPr>
@@ -15201,7 +15202,7 @@
           <p:cNvPr id="19" name="Group 18">
             <a:extLst>
               <a:ext uri="{FF2B5EF4-FFF2-40B4-BE49-F238E27FC236}">
-                <a16:creationId xmlns:a16="http://schemas.microsoft.com/office/drawing/2014/main" id="{2772239B-C46D-4458-BB4B-DDB12FAB0172}"/>
+                <a16:creationId xmlns:a16="http://schemas.microsoft.com/office/drawing/2014/main" xmlns="" id="{2772239B-C46D-4458-BB4B-DDB12FAB0172}"/>
               </a:ext>
             </a:extLst>
           </p:cNvPr>
@@ -15221,7 +15222,7 @@
             <p:cNvPr id="20" name="Freeform: Shape 19">
               <a:extLst>
                 <a:ext uri="{FF2B5EF4-FFF2-40B4-BE49-F238E27FC236}">
-                  <a16:creationId xmlns:a16="http://schemas.microsoft.com/office/drawing/2014/main" id="{3C8A2A1A-1FB9-4CA1-B74E-B293187E51AA}"/>
+                  <a16:creationId xmlns:a16="http://schemas.microsoft.com/office/drawing/2014/main" xmlns="" id="{3C8A2A1A-1FB9-4CA1-B74E-B293187E51AA}"/>
                 </a:ext>
               </a:extLst>
             </p:cNvPr>
@@ -15311,7 +15312,7 @@
             <p:cNvPr id="21" name="Freeform: Shape 20">
               <a:extLst>
                 <a:ext uri="{FF2B5EF4-FFF2-40B4-BE49-F238E27FC236}">
-                  <a16:creationId xmlns:a16="http://schemas.microsoft.com/office/drawing/2014/main" id="{DF2B18BA-6B43-40FA-A23B-D894D6AB468B}"/>
+                  <a16:creationId xmlns:a16="http://schemas.microsoft.com/office/drawing/2014/main" xmlns="" id="{DF2B18BA-6B43-40FA-A23B-D894D6AB468B}"/>
                 </a:ext>
               </a:extLst>
             </p:cNvPr>
@@ -15410,7 +15411,7 @@
           <p:cNvPr id="3" name="Text Placeholder 2">
             <a:extLst>
               <a:ext uri="{FF2B5EF4-FFF2-40B4-BE49-F238E27FC236}">
-                <a16:creationId xmlns:a16="http://schemas.microsoft.com/office/drawing/2014/main" id="{5E194264-A3F5-42E2-9A63-DCCED0457E1B}"/>
+                <a16:creationId xmlns:a16="http://schemas.microsoft.com/office/drawing/2014/main" xmlns="" id="{5E194264-A3F5-42E2-9A63-DCCED0457E1B}"/>
               </a:ext>
             </a:extLst>
           </p:cNvPr>
@@ -15460,7 +15461,7 @@
           <p:cNvPr id="22" name="Slide Number Placeholder 4">
             <a:extLst>
               <a:ext uri="{FF2B5EF4-FFF2-40B4-BE49-F238E27FC236}">
-                <a16:creationId xmlns:a16="http://schemas.microsoft.com/office/drawing/2014/main" id="{0F332671-6296-47C8-BF26-B2D962F5D03D}"/>
+                <a16:creationId xmlns:a16="http://schemas.microsoft.com/office/drawing/2014/main" xmlns="" id="{0F332671-6296-47C8-BF26-B2D962F5D03D}"/>
               </a:ext>
             </a:extLst>
           </p:cNvPr>
@@ -15504,7 +15505,7 @@
           <p:cNvPr id="23" name="Title 1">
             <a:extLst>
               <a:ext uri="{FF2B5EF4-FFF2-40B4-BE49-F238E27FC236}">
-                <a16:creationId xmlns:a16="http://schemas.microsoft.com/office/drawing/2014/main" id="{7772A652-7229-2B42-B87B-298C31D6F0CB}"/>
+                <a16:creationId xmlns:a16="http://schemas.microsoft.com/office/drawing/2014/main" xmlns="" id="{7772A652-7229-2B42-B87B-298C31D6F0CB}"/>
               </a:ext>
             </a:extLst>
           </p:cNvPr>
@@ -15579,7 +15580,7 @@
           <p:cNvPr id="22" name="Rectangle 21">
             <a:extLst>
               <a:ext uri="{FF2B5EF4-FFF2-40B4-BE49-F238E27FC236}">
-                <a16:creationId xmlns:a16="http://schemas.microsoft.com/office/drawing/2014/main" id="{2CDBB6E5-B91E-4946-9390-E8693855103A}"/>
+                <a16:creationId xmlns:a16="http://schemas.microsoft.com/office/drawing/2014/main" xmlns="" id="{2CDBB6E5-B91E-4946-9390-E8693855103A}"/>
               </a:ext>
             </a:extLst>
           </p:cNvPr>
@@ -15633,7 +15634,7 @@
           <p:cNvPr id="34" name="Freeform: Shape 33">
             <a:extLst>
               <a:ext uri="{FF2B5EF4-FFF2-40B4-BE49-F238E27FC236}">
-                <a16:creationId xmlns:a16="http://schemas.microsoft.com/office/drawing/2014/main" id="{0C3CC1C9-1FA0-4FE4-8984-4A8B3728D674}"/>
+                <a16:creationId xmlns:a16="http://schemas.microsoft.com/office/drawing/2014/main" xmlns="" id="{0C3CC1C9-1FA0-4FE4-8984-4A8B3728D674}"/>
               </a:ext>
             </a:extLst>
           </p:cNvPr>
@@ -15778,7 +15779,7 @@
           <p:cNvPr id="24" name="Freeform: Shape 23">
             <a:extLst>
               <a:ext uri="{FF2B5EF4-FFF2-40B4-BE49-F238E27FC236}">
-                <a16:creationId xmlns:a16="http://schemas.microsoft.com/office/drawing/2014/main" id="{8E049265-431E-48DE-B7F7-4959930171DC}"/>
+                <a16:creationId xmlns:a16="http://schemas.microsoft.com/office/drawing/2014/main" xmlns="" id="{8E049265-431E-48DE-B7F7-4959930171DC}"/>
               </a:ext>
             </a:extLst>
           </p:cNvPr>
@@ -15918,7 +15919,7 @@
           <p:cNvPr id="25" name="Freeform: Shape 24">
             <a:extLst>
               <a:ext uri="{FF2B5EF4-FFF2-40B4-BE49-F238E27FC236}">
-                <a16:creationId xmlns:a16="http://schemas.microsoft.com/office/drawing/2014/main" id="{173E5F2D-1F8E-4DCC-857F-932C6C6539BB}"/>
+                <a16:creationId xmlns:a16="http://schemas.microsoft.com/office/drawing/2014/main" xmlns="" id="{173E5F2D-1F8E-4DCC-857F-932C6C6539BB}"/>
               </a:ext>
             </a:extLst>
           </p:cNvPr>
@@ -16064,7 +16065,7 @@
           <p:cNvPr id="26" name="Group 25">
             <a:extLst>
               <a:ext uri="{FF2B5EF4-FFF2-40B4-BE49-F238E27FC236}">
-                <a16:creationId xmlns:a16="http://schemas.microsoft.com/office/drawing/2014/main" id="{E9318B2B-E019-4078-9EF0-C9D6281AE31B}"/>
+                <a16:creationId xmlns:a16="http://schemas.microsoft.com/office/drawing/2014/main" xmlns="" id="{E9318B2B-E019-4078-9EF0-C9D6281AE31B}"/>
               </a:ext>
             </a:extLst>
           </p:cNvPr>
@@ -16084,7 +16085,7 @@
             <p:cNvPr id="27" name="Freeform: Shape 26">
               <a:extLst>
                 <a:ext uri="{FF2B5EF4-FFF2-40B4-BE49-F238E27FC236}">
-                  <a16:creationId xmlns:a16="http://schemas.microsoft.com/office/drawing/2014/main" id="{D3E625C0-9656-421F-861F-67C8F93362ED}"/>
+                  <a16:creationId xmlns:a16="http://schemas.microsoft.com/office/drawing/2014/main" xmlns="" id="{D3E625C0-9656-421F-861F-67C8F93362ED}"/>
                 </a:ext>
               </a:extLst>
             </p:cNvPr>
@@ -16184,7 +16185,7 @@
             <p:cNvPr id="28" name="Freeform: Shape 27">
               <a:extLst>
                 <a:ext uri="{FF2B5EF4-FFF2-40B4-BE49-F238E27FC236}">
-                  <a16:creationId xmlns:a16="http://schemas.microsoft.com/office/drawing/2014/main" id="{49F8E490-C6E3-4D00-866F-CD85DD88996E}"/>
+                  <a16:creationId xmlns:a16="http://schemas.microsoft.com/office/drawing/2014/main" xmlns="" id="{49F8E490-C6E3-4D00-866F-CD85DD88996E}"/>
                 </a:ext>
               </a:extLst>
             </p:cNvPr>
@@ -16293,7 +16294,7 @@
           <p:cNvPr id="29" name="Freeform: Shape 28">
             <a:extLst>
               <a:ext uri="{FF2B5EF4-FFF2-40B4-BE49-F238E27FC236}">
-                <a16:creationId xmlns:a16="http://schemas.microsoft.com/office/drawing/2014/main" id="{EE8F5B31-1523-46AE-9455-C33DFC1BDDE0}"/>
+                <a16:creationId xmlns:a16="http://schemas.microsoft.com/office/drawing/2014/main" xmlns="" id="{EE8F5B31-1523-46AE-9455-C33DFC1BDDE0}"/>
               </a:ext>
             </a:extLst>
           </p:cNvPr>
@@ -16385,7 +16386,7 @@
           <p:cNvPr id="30" name="Freeform: Shape 29">
             <a:extLst>
               <a:ext uri="{FF2B5EF4-FFF2-40B4-BE49-F238E27FC236}">
-                <a16:creationId xmlns:a16="http://schemas.microsoft.com/office/drawing/2014/main" id="{5D17048F-C2E1-4775-BC32-50BD6219F89D}"/>
+                <a16:creationId xmlns:a16="http://schemas.microsoft.com/office/drawing/2014/main" xmlns="" id="{5D17048F-C2E1-4775-BC32-50BD6219F89D}"/>
               </a:ext>
             </a:extLst>
           </p:cNvPr>
@@ -16485,7 +16486,7 @@
           <p:cNvPr id="31" name="Group 30">
             <a:extLst>
               <a:ext uri="{FF2B5EF4-FFF2-40B4-BE49-F238E27FC236}">
-                <a16:creationId xmlns:a16="http://schemas.microsoft.com/office/drawing/2014/main" id="{EAB002AA-4848-49C8-A834-036F860C79A3}"/>
+                <a16:creationId xmlns:a16="http://schemas.microsoft.com/office/drawing/2014/main" xmlns="" id="{EAB002AA-4848-49C8-A834-036F860C79A3}"/>
               </a:ext>
             </a:extLst>
           </p:cNvPr>
@@ -16505,7 +16506,7 @@
             <p:cNvPr id="32" name="Freeform: Shape 31">
               <a:extLst>
                 <a:ext uri="{FF2B5EF4-FFF2-40B4-BE49-F238E27FC236}">
-                  <a16:creationId xmlns:a16="http://schemas.microsoft.com/office/drawing/2014/main" id="{14B187A8-7F8D-469D-A03B-4F835A5746DE}"/>
+                  <a16:creationId xmlns:a16="http://schemas.microsoft.com/office/drawing/2014/main" xmlns="" id="{14B187A8-7F8D-469D-A03B-4F835A5746DE}"/>
                 </a:ext>
               </a:extLst>
             </p:cNvPr>
@@ -16595,7 +16596,7 @@
             <p:cNvPr id="33" name="Freeform: Shape 32">
               <a:extLst>
                 <a:ext uri="{FF2B5EF4-FFF2-40B4-BE49-F238E27FC236}">
-                  <a16:creationId xmlns:a16="http://schemas.microsoft.com/office/drawing/2014/main" id="{03D871D1-A11A-48FB-82A8-8D61AB5CB85C}"/>
+                  <a16:creationId xmlns:a16="http://schemas.microsoft.com/office/drawing/2014/main" xmlns="" id="{03D871D1-A11A-48FB-82A8-8D61AB5CB85C}"/>
                 </a:ext>
               </a:extLst>
             </p:cNvPr>
@@ -16694,7 +16695,7 @@
           <p:cNvPr id="2" name="Title 1">
             <a:extLst>
               <a:ext uri="{FF2B5EF4-FFF2-40B4-BE49-F238E27FC236}">
-                <a16:creationId xmlns:a16="http://schemas.microsoft.com/office/drawing/2014/main" id="{42374B20-3E42-44AF-BEF1-8AB33067395C}"/>
+                <a16:creationId xmlns:a16="http://schemas.microsoft.com/office/drawing/2014/main" xmlns="" id="{42374B20-3E42-44AF-BEF1-8AB33067395C}"/>
               </a:ext>
             </a:extLst>
           </p:cNvPr>
@@ -16739,7 +16740,7 @@
           <p:cNvPr id="3" name="Text Placeholder 2">
             <a:extLst>
               <a:ext uri="{FF2B5EF4-FFF2-40B4-BE49-F238E27FC236}">
-                <a16:creationId xmlns:a16="http://schemas.microsoft.com/office/drawing/2014/main" id="{5E194264-A3F5-42E2-9A63-DCCED0457E1B}"/>
+                <a16:creationId xmlns:a16="http://schemas.microsoft.com/office/drawing/2014/main" xmlns="" id="{5E194264-A3F5-42E2-9A63-DCCED0457E1B}"/>
               </a:ext>
             </a:extLst>
           </p:cNvPr>
@@ -16789,7 +16790,7 @@
           <p:cNvPr id="35" name="Slide Number Placeholder 4">
             <a:extLst>
               <a:ext uri="{FF2B5EF4-FFF2-40B4-BE49-F238E27FC236}">
-                <a16:creationId xmlns:a16="http://schemas.microsoft.com/office/drawing/2014/main" id="{6F73F836-940E-4B65-A29C-D0869263C935}"/>
+                <a16:creationId xmlns:a16="http://schemas.microsoft.com/office/drawing/2014/main" xmlns="" id="{6F73F836-940E-4B65-A29C-D0869263C935}"/>
               </a:ext>
             </a:extLst>
           </p:cNvPr>
@@ -16863,7 +16864,7 @@
           <p:cNvPr id="22" name="Rectangle 21">
             <a:extLst>
               <a:ext uri="{FF2B5EF4-FFF2-40B4-BE49-F238E27FC236}">
-                <a16:creationId xmlns:a16="http://schemas.microsoft.com/office/drawing/2014/main" id="{2CDBB6E5-B91E-4946-9390-E8693855103A}"/>
+                <a16:creationId xmlns:a16="http://schemas.microsoft.com/office/drawing/2014/main" xmlns="" id="{2CDBB6E5-B91E-4946-9390-E8693855103A}"/>
               </a:ext>
             </a:extLst>
           </p:cNvPr>
@@ -16917,7 +16918,7 @@
           <p:cNvPr id="34" name="Freeform: Shape 33">
             <a:extLst>
               <a:ext uri="{FF2B5EF4-FFF2-40B4-BE49-F238E27FC236}">
-                <a16:creationId xmlns:a16="http://schemas.microsoft.com/office/drawing/2014/main" id="{0C3CC1C9-1FA0-4FE4-8984-4A8B3728D674}"/>
+                <a16:creationId xmlns:a16="http://schemas.microsoft.com/office/drawing/2014/main" xmlns="" id="{0C3CC1C9-1FA0-4FE4-8984-4A8B3728D674}"/>
               </a:ext>
             </a:extLst>
           </p:cNvPr>
@@ -17062,7 +17063,7 @@
           <p:cNvPr id="24" name="Freeform: Shape 23">
             <a:extLst>
               <a:ext uri="{FF2B5EF4-FFF2-40B4-BE49-F238E27FC236}">
-                <a16:creationId xmlns:a16="http://schemas.microsoft.com/office/drawing/2014/main" id="{8E049265-431E-48DE-B7F7-4959930171DC}"/>
+                <a16:creationId xmlns:a16="http://schemas.microsoft.com/office/drawing/2014/main" xmlns="" id="{8E049265-431E-48DE-B7F7-4959930171DC}"/>
               </a:ext>
             </a:extLst>
           </p:cNvPr>
@@ -17202,7 +17203,7 @@
           <p:cNvPr id="25" name="Freeform: Shape 24">
             <a:extLst>
               <a:ext uri="{FF2B5EF4-FFF2-40B4-BE49-F238E27FC236}">
-                <a16:creationId xmlns:a16="http://schemas.microsoft.com/office/drawing/2014/main" id="{173E5F2D-1F8E-4DCC-857F-932C6C6539BB}"/>
+                <a16:creationId xmlns:a16="http://schemas.microsoft.com/office/drawing/2014/main" xmlns="" id="{173E5F2D-1F8E-4DCC-857F-932C6C6539BB}"/>
               </a:ext>
             </a:extLst>
           </p:cNvPr>
@@ -17348,7 +17349,7 @@
           <p:cNvPr id="4" name="Oval 3">
             <a:extLst>
               <a:ext uri="{FF2B5EF4-FFF2-40B4-BE49-F238E27FC236}">
-                <a16:creationId xmlns:a16="http://schemas.microsoft.com/office/drawing/2014/main" id="{ECB4C115-EFF9-405C-98BE-F4077B9730D0}"/>
+                <a16:creationId xmlns:a16="http://schemas.microsoft.com/office/drawing/2014/main" xmlns="" id="{ECB4C115-EFF9-405C-98BE-F4077B9730D0}"/>
               </a:ext>
             </a:extLst>
           </p:cNvPr>
@@ -17406,7 +17407,7 @@
           <p:cNvPr id="18" name="Title 1">
             <a:extLst>
               <a:ext uri="{FF2B5EF4-FFF2-40B4-BE49-F238E27FC236}">
-                <a16:creationId xmlns:a16="http://schemas.microsoft.com/office/drawing/2014/main" id="{C9A300DD-BB54-44ED-A7E4-01CD41EC930F}"/>
+                <a16:creationId xmlns:a16="http://schemas.microsoft.com/office/drawing/2014/main" xmlns="" id="{C9A300DD-BB54-44ED-A7E4-01CD41EC930F}"/>
               </a:ext>
             </a:extLst>
           </p:cNvPr>
@@ -17469,7 +17470,7 @@
           <p:cNvPr id="2" name="Title 1">
             <a:extLst>
               <a:ext uri="{FF2B5EF4-FFF2-40B4-BE49-F238E27FC236}">
-                <a16:creationId xmlns:a16="http://schemas.microsoft.com/office/drawing/2014/main" id="{42374B20-3E42-44AF-BEF1-8AB33067395C}"/>
+                <a16:creationId xmlns:a16="http://schemas.microsoft.com/office/drawing/2014/main" xmlns="" id="{42374B20-3E42-44AF-BEF1-8AB33067395C}"/>
               </a:ext>
             </a:extLst>
           </p:cNvPr>
@@ -17517,7 +17518,7 @@
           <p:cNvPr id="19" name="Slide Number Placeholder 4">
             <a:extLst>
               <a:ext uri="{FF2B5EF4-FFF2-40B4-BE49-F238E27FC236}">
-                <a16:creationId xmlns:a16="http://schemas.microsoft.com/office/drawing/2014/main" id="{A4E6C1FF-5925-42B3-B7F9-0A0031BDAD30}"/>
+                <a16:creationId xmlns:a16="http://schemas.microsoft.com/office/drawing/2014/main" xmlns="" id="{A4E6C1FF-5925-42B3-B7F9-0A0031BDAD30}"/>
               </a:ext>
             </a:extLst>
           </p:cNvPr>
@@ -17599,7 +17600,7 @@
           <p:cNvPr id="11" name="Rectangle 10">
             <a:extLst>
               <a:ext uri="{FF2B5EF4-FFF2-40B4-BE49-F238E27FC236}">
-                <a16:creationId xmlns:a16="http://schemas.microsoft.com/office/drawing/2014/main" id="{EB3E033F-4449-40FA-BC85-BD2712D313DD}"/>
+                <a16:creationId xmlns:a16="http://schemas.microsoft.com/office/drawing/2014/main" xmlns="" id="{EB3E033F-4449-40FA-BC85-BD2712D313DD}"/>
               </a:ext>
             </a:extLst>
           </p:cNvPr>
@@ -17653,7 +17654,7 @@
           <p:cNvPr id="10" name="Freeform: Shape 9">
             <a:extLst>
               <a:ext uri="{FF2B5EF4-FFF2-40B4-BE49-F238E27FC236}">
-                <a16:creationId xmlns:a16="http://schemas.microsoft.com/office/drawing/2014/main" id="{63D26743-0505-444C-80B3-E88EE87DF72B}"/>
+                <a16:creationId xmlns:a16="http://schemas.microsoft.com/office/drawing/2014/main" xmlns="" id="{63D26743-0505-444C-80B3-E88EE87DF72B}"/>
               </a:ext>
             </a:extLst>
           </p:cNvPr>
@@ -17776,7 +17777,7 @@
           <p:cNvPr id="8" name="Freeform: Shape 7">
             <a:extLst>
               <a:ext uri="{FF2B5EF4-FFF2-40B4-BE49-F238E27FC236}">
-                <a16:creationId xmlns:a16="http://schemas.microsoft.com/office/drawing/2014/main" id="{1599AF7E-3E34-4597-AA72-9373A7FDB020}"/>
+                <a16:creationId xmlns:a16="http://schemas.microsoft.com/office/drawing/2014/main" xmlns="" id="{1599AF7E-3E34-4597-AA72-9373A7FDB020}"/>
               </a:ext>
             </a:extLst>
           </p:cNvPr>
@@ -17922,7 +17923,7 @@
           <p:cNvPr id="2" name="Title 1">
             <a:extLst>
               <a:ext uri="{FF2B5EF4-FFF2-40B4-BE49-F238E27FC236}">
-                <a16:creationId xmlns:a16="http://schemas.microsoft.com/office/drawing/2014/main" id="{4A2DF563-7FAC-46B3-B24C-7E45CD89DA2B}"/>
+                <a16:creationId xmlns:a16="http://schemas.microsoft.com/office/drawing/2014/main" xmlns="" id="{4A2DF563-7FAC-46B3-B24C-7E45CD89DA2B}"/>
               </a:ext>
             </a:extLst>
           </p:cNvPr>
@@ -17967,7 +17968,7 @@
           <p:cNvPr id="5" name="Slide Number Placeholder 4">
             <a:extLst>
               <a:ext uri="{FF2B5EF4-FFF2-40B4-BE49-F238E27FC236}">
-                <a16:creationId xmlns:a16="http://schemas.microsoft.com/office/drawing/2014/main" id="{87B51822-97FF-47A7-8E4E-A0F79B4EB237}"/>
+                <a16:creationId xmlns:a16="http://schemas.microsoft.com/office/drawing/2014/main" xmlns="" id="{87B51822-97FF-47A7-8E4E-A0F79B4EB237}"/>
               </a:ext>
             </a:extLst>
           </p:cNvPr>
@@ -18011,7 +18012,7 @@
           <p:cNvPr id="15" name="Group 14">
             <a:extLst>
               <a:ext uri="{FF2B5EF4-FFF2-40B4-BE49-F238E27FC236}">
-                <a16:creationId xmlns:a16="http://schemas.microsoft.com/office/drawing/2014/main" id="{7732E1E7-45E3-4264-8F26-66758696DD1E}"/>
+                <a16:creationId xmlns:a16="http://schemas.microsoft.com/office/drawing/2014/main" xmlns="" id="{7732E1E7-45E3-4264-8F26-66758696DD1E}"/>
               </a:ext>
             </a:extLst>
           </p:cNvPr>
@@ -18031,7 +18032,7 @@
             <p:cNvPr id="16" name="Freeform: Shape 15">
               <a:extLst>
                 <a:ext uri="{FF2B5EF4-FFF2-40B4-BE49-F238E27FC236}">
-                  <a16:creationId xmlns:a16="http://schemas.microsoft.com/office/drawing/2014/main" id="{2E3DF883-8093-49FA-81E1-E5D77F086A25}"/>
+                  <a16:creationId xmlns:a16="http://schemas.microsoft.com/office/drawing/2014/main" xmlns="" id="{2E3DF883-8093-49FA-81E1-E5D77F086A25}"/>
                 </a:ext>
               </a:extLst>
             </p:cNvPr>
@@ -18121,7 +18122,7 @@
             <p:cNvPr id="17" name="Freeform: Shape 16">
               <a:extLst>
                 <a:ext uri="{FF2B5EF4-FFF2-40B4-BE49-F238E27FC236}">
-                  <a16:creationId xmlns:a16="http://schemas.microsoft.com/office/drawing/2014/main" id="{18944C90-37E5-4BBE-89FF-060627168050}"/>
+                  <a16:creationId xmlns:a16="http://schemas.microsoft.com/office/drawing/2014/main" xmlns="" id="{18944C90-37E5-4BBE-89FF-060627168050}"/>
                 </a:ext>
               </a:extLst>
             </p:cNvPr>
@@ -18220,7 +18221,7 @@
           <p:cNvPr id="23" name="Text Placeholder 22">
             <a:extLst>
               <a:ext uri="{FF2B5EF4-FFF2-40B4-BE49-F238E27FC236}">
-                <a16:creationId xmlns:a16="http://schemas.microsoft.com/office/drawing/2014/main" id="{03618670-D1E4-466C-BDB5-FC890AC31457}"/>
+                <a16:creationId xmlns:a16="http://schemas.microsoft.com/office/drawing/2014/main" xmlns="" id="{03618670-D1E4-466C-BDB5-FC890AC31457}"/>
               </a:ext>
             </a:extLst>
           </p:cNvPr>
@@ -18381,7 +18382,7 @@
           <p:cNvPr id="11" name="Rectangle 10">
             <a:extLst>
               <a:ext uri="{FF2B5EF4-FFF2-40B4-BE49-F238E27FC236}">
-                <a16:creationId xmlns:a16="http://schemas.microsoft.com/office/drawing/2014/main" id="{EB3E033F-4449-40FA-BC85-BD2712D313DD}"/>
+                <a16:creationId xmlns:a16="http://schemas.microsoft.com/office/drawing/2014/main" xmlns="" id="{EB3E033F-4449-40FA-BC85-BD2712D313DD}"/>
               </a:ext>
             </a:extLst>
           </p:cNvPr>
@@ -18435,7 +18436,7 @@
           <p:cNvPr id="10" name="Freeform: Shape 9">
             <a:extLst>
               <a:ext uri="{FF2B5EF4-FFF2-40B4-BE49-F238E27FC236}">
-                <a16:creationId xmlns:a16="http://schemas.microsoft.com/office/drawing/2014/main" id="{63D26743-0505-444C-80B3-E88EE87DF72B}"/>
+                <a16:creationId xmlns:a16="http://schemas.microsoft.com/office/drawing/2014/main" xmlns="" id="{63D26743-0505-444C-80B3-E88EE87DF72B}"/>
               </a:ext>
             </a:extLst>
           </p:cNvPr>
@@ -18558,7 +18559,7 @@
           <p:cNvPr id="18" name="Freeform: Shape 17">
             <a:extLst>
               <a:ext uri="{FF2B5EF4-FFF2-40B4-BE49-F238E27FC236}">
-                <a16:creationId xmlns:a16="http://schemas.microsoft.com/office/drawing/2014/main" id="{E37145E9-AC61-47D5-9288-8789940F81B6}"/>
+                <a16:creationId xmlns:a16="http://schemas.microsoft.com/office/drawing/2014/main" xmlns="" id="{E37145E9-AC61-47D5-9288-8789940F81B6}"/>
               </a:ext>
             </a:extLst>
           </p:cNvPr>
@@ -18710,7 +18711,7 @@
           <p:cNvPr id="12" name="Freeform: Shape 11">
             <a:extLst>
               <a:ext uri="{FF2B5EF4-FFF2-40B4-BE49-F238E27FC236}">
-                <a16:creationId xmlns:a16="http://schemas.microsoft.com/office/drawing/2014/main" id="{A5E2B3ED-9A49-40A7-B8A3-62595FE513F9}"/>
+                <a16:creationId xmlns:a16="http://schemas.microsoft.com/office/drawing/2014/main" xmlns="" id="{A5E2B3ED-9A49-40A7-B8A3-62595FE513F9}"/>
               </a:ext>
             </a:extLst>
           </p:cNvPr>
@@ -18860,7 +18861,7 @@
           <p:cNvPr id="8" name="Freeform: Shape 7">
             <a:extLst>
               <a:ext uri="{FF2B5EF4-FFF2-40B4-BE49-F238E27FC236}">
-                <a16:creationId xmlns:a16="http://schemas.microsoft.com/office/drawing/2014/main" id="{1599AF7E-3E34-4597-AA72-9373A7FDB020}"/>
+                <a16:creationId xmlns:a16="http://schemas.microsoft.com/office/drawing/2014/main" xmlns="" id="{1599AF7E-3E34-4597-AA72-9373A7FDB020}"/>
               </a:ext>
             </a:extLst>
           </p:cNvPr>
@@ -19006,7 +19007,7 @@
           <p:cNvPr id="2" name="Title 1">
             <a:extLst>
               <a:ext uri="{FF2B5EF4-FFF2-40B4-BE49-F238E27FC236}">
-                <a16:creationId xmlns:a16="http://schemas.microsoft.com/office/drawing/2014/main" id="{4A2DF563-7FAC-46B3-B24C-7E45CD89DA2B}"/>
+                <a16:creationId xmlns:a16="http://schemas.microsoft.com/office/drawing/2014/main" xmlns="" id="{4A2DF563-7FAC-46B3-B24C-7E45CD89DA2B}"/>
               </a:ext>
             </a:extLst>
           </p:cNvPr>
@@ -19051,7 +19052,7 @@
           <p:cNvPr id="15" name="Group 14">
             <a:extLst>
               <a:ext uri="{FF2B5EF4-FFF2-40B4-BE49-F238E27FC236}">
-                <a16:creationId xmlns:a16="http://schemas.microsoft.com/office/drawing/2014/main" id="{7732E1E7-45E3-4264-8F26-66758696DD1E}"/>
+                <a16:creationId xmlns:a16="http://schemas.microsoft.com/office/drawing/2014/main" xmlns="" id="{7732E1E7-45E3-4264-8F26-66758696DD1E}"/>
               </a:ext>
             </a:extLst>
           </p:cNvPr>
@@ -19071,7 +19072,7 @@
             <p:cNvPr id="16" name="Freeform: Shape 15">
               <a:extLst>
                 <a:ext uri="{FF2B5EF4-FFF2-40B4-BE49-F238E27FC236}">
-                  <a16:creationId xmlns:a16="http://schemas.microsoft.com/office/drawing/2014/main" id="{2E3DF883-8093-49FA-81E1-E5D77F086A25}"/>
+                  <a16:creationId xmlns:a16="http://schemas.microsoft.com/office/drawing/2014/main" xmlns="" id="{2E3DF883-8093-49FA-81E1-E5D77F086A25}"/>
                 </a:ext>
               </a:extLst>
             </p:cNvPr>
@@ -19161,7 +19162,7 @@
             <p:cNvPr id="17" name="Freeform: Shape 16">
               <a:extLst>
                 <a:ext uri="{FF2B5EF4-FFF2-40B4-BE49-F238E27FC236}">
-                  <a16:creationId xmlns:a16="http://schemas.microsoft.com/office/drawing/2014/main" id="{18944C90-37E5-4BBE-89FF-060627168050}"/>
+                  <a16:creationId xmlns:a16="http://schemas.microsoft.com/office/drawing/2014/main" xmlns="" id="{18944C90-37E5-4BBE-89FF-060627168050}"/>
                 </a:ext>
               </a:extLst>
             </p:cNvPr>
@@ -19260,7 +19261,7 @@
           <p:cNvPr id="6" name="Group 5">
             <a:extLst>
               <a:ext uri="{FF2B5EF4-FFF2-40B4-BE49-F238E27FC236}">
-                <a16:creationId xmlns:a16="http://schemas.microsoft.com/office/drawing/2014/main" id="{D9EBF8BB-A805-4DDB-B459-082F99815B95}"/>
+                <a16:creationId xmlns:a16="http://schemas.microsoft.com/office/drawing/2014/main" xmlns="" id="{D9EBF8BB-A805-4DDB-B459-082F99815B95}"/>
               </a:ext>
             </a:extLst>
           </p:cNvPr>
@@ -19280,7 +19281,7 @@
             <p:cNvPr id="19" name="Rectangle: Single Corner Snipped 18">
               <a:extLst>
                 <a:ext uri="{FF2B5EF4-FFF2-40B4-BE49-F238E27FC236}">
-                  <a16:creationId xmlns:a16="http://schemas.microsoft.com/office/drawing/2014/main" id="{5D638788-DD47-45E7-939A-FA108A818173}"/>
+                  <a16:creationId xmlns:a16="http://schemas.microsoft.com/office/drawing/2014/main" xmlns="" id="{5D638788-DD47-45E7-939A-FA108A818173}"/>
                 </a:ext>
               </a:extLst>
             </p:cNvPr>
@@ -19346,7 +19347,7 @@
             <p:cNvPr id="3" name="Rectangle: Single Corner Snipped 2">
               <a:extLst>
                 <a:ext uri="{FF2B5EF4-FFF2-40B4-BE49-F238E27FC236}">
-                  <a16:creationId xmlns:a16="http://schemas.microsoft.com/office/drawing/2014/main" id="{74BDECEF-EEFE-4332-B3B2-BDE4F82C10FC}"/>
+                  <a16:creationId xmlns:a16="http://schemas.microsoft.com/office/drawing/2014/main" xmlns="" id="{74BDECEF-EEFE-4332-B3B2-BDE4F82C10FC}"/>
                 </a:ext>
               </a:extLst>
             </p:cNvPr>
@@ -19403,7 +19404,7 @@
           <p:cNvPr id="24" name="Freeform: Shape 23">
             <a:extLst>
               <a:ext uri="{FF2B5EF4-FFF2-40B4-BE49-F238E27FC236}">
-                <a16:creationId xmlns:a16="http://schemas.microsoft.com/office/drawing/2014/main" id="{18103E00-7E4A-44CD-81AC-06433CAE1110}"/>
+                <a16:creationId xmlns:a16="http://schemas.microsoft.com/office/drawing/2014/main" xmlns="" id="{18103E00-7E4A-44CD-81AC-06433CAE1110}"/>
               </a:ext>
             </a:extLst>
           </p:cNvPr>
@@ -19498,7 +19499,7 @@
           <p:cNvPr id="5" name="Slide Number Placeholder 4">
             <a:extLst>
               <a:ext uri="{FF2B5EF4-FFF2-40B4-BE49-F238E27FC236}">
-                <a16:creationId xmlns:a16="http://schemas.microsoft.com/office/drawing/2014/main" id="{87B51822-97FF-47A7-8E4E-A0F79B4EB237}"/>
+                <a16:creationId xmlns:a16="http://schemas.microsoft.com/office/drawing/2014/main" xmlns="" id="{87B51822-97FF-47A7-8E4E-A0F79B4EB237}"/>
               </a:ext>
             </a:extLst>
           </p:cNvPr>
@@ -19580,7 +19581,7 @@
           <p:cNvPr id="11" name="Rectangle 10">
             <a:extLst>
               <a:ext uri="{FF2B5EF4-FFF2-40B4-BE49-F238E27FC236}">
-                <a16:creationId xmlns:a16="http://schemas.microsoft.com/office/drawing/2014/main" id="{EB3E033F-4449-40FA-BC85-BD2712D313DD}"/>
+                <a16:creationId xmlns:a16="http://schemas.microsoft.com/office/drawing/2014/main" xmlns="" id="{EB3E033F-4449-40FA-BC85-BD2712D313DD}"/>
               </a:ext>
             </a:extLst>
           </p:cNvPr>
@@ -19634,7 +19635,7 @@
           <p:cNvPr id="10" name="Freeform: Shape 9">
             <a:extLst>
               <a:ext uri="{FF2B5EF4-FFF2-40B4-BE49-F238E27FC236}">
-                <a16:creationId xmlns:a16="http://schemas.microsoft.com/office/drawing/2014/main" id="{63D26743-0505-444C-80B3-E88EE87DF72B}"/>
+                <a16:creationId xmlns:a16="http://schemas.microsoft.com/office/drawing/2014/main" xmlns="" id="{63D26743-0505-444C-80B3-E88EE87DF72B}"/>
               </a:ext>
             </a:extLst>
           </p:cNvPr>
@@ -19757,7 +19758,7 @@
           <p:cNvPr id="18" name="Freeform: Shape 17">
             <a:extLst>
               <a:ext uri="{FF2B5EF4-FFF2-40B4-BE49-F238E27FC236}">
-                <a16:creationId xmlns:a16="http://schemas.microsoft.com/office/drawing/2014/main" id="{E37145E9-AC61-47D5-9288-8789940F81B6}"/>
+                <a16:creationId xmlns:a16="http://schemas.microsoft.com/office/drawing/2014/main" xmlns="" id="{E37145E9-AC61-47D5-9288-8789940F81B6}"/>
               </a:ext>
             </a:extLst>
           </p:cNvPr>
@@ -19909,7 +19910,7 @@
           <p:cNvPr id="12" name="Freeform: Shape 11">
             <a:extLst>
               <a:ext uri="{FF2B5EF4-FFF2-40B4-BE49-F238E27FC236}">
-                <a16:creationId xmlns:a16="http://schemas.microsoft.com/office/drawing/2014/main" id="{A5E2B3ED-9A49-40A7-B8A3-62595FE513F9}"/>
+                <a16:creationId xmlns:a16="http://schemas.microsoft.com/office/drawing/2014/main" xmlns="" id="{A5E2B3ED-9A49-40A7-B8A3-62595FE513F9}"/>
               </a:ext>
             </a:extLst>
           </p:cNvPr>
@@ -20059,7 +20060,7 @@
           <p:cNvPr id="8" name="Freeform: Shape 7">
             <a:extLst>
               <a:ext uri="{FF2B5EF4-FFF2-40B4-BE49-F238E27FC236}">
-                <a16:creationId xmlns:a16="http://schemas.microsoft.com/office/drawing/2014/main" id="{1599AF7E-3E34-4597-AA72-9373A7FDB020}"/>
+                <a16:creationId xmlns:a16="http://schemas.microsoft.com/office/drawing/2014/main" xmlns="" id="{1599AF7E-3E34-4597-AA72-9373A7FDB020}"/>
               </a:ext>
             </a:extLst>
           </p:cNvPr>
@@ -20205,7 +20206,7 @@
           <p:cNvPr id="2" name="Title 1">
             <a:extLst>
               <a:ext uri="{FF2B5EF4-FFF2-40B4-BE49-F238E27FC236}">
-                <a16:creationId xmlns:a16="http://schemas.microsoft.com/office/drawing/2014/main" id="{4A2DF563-7FAC-46B3-B24C-7E45CD89DA2B}"/>
+                <a16:creationId xmlns:a16="http://schemas.microsoft.com/office/drawing/2014/main" xmlns="" id="{4A2DF563-7FAC-46B3-B24C-7E45CD89DA2B}"/>
               </a:ext>
             </a:extLst>
           </p:cNvPr>
@@ -20250,7 +20251,7 @@
           <p:cNvPr id="15" name="Group 14">
             <a:extLst>
               <a:ext uri="{FF2B5EF4-FFF2-40B4-BE49-F238E27FC236}">
-                <a16:creationId xmlns:a16="http://schemas.microsoft.com/office/drawing/2014/main" id="{7732E1E7-45E3-4264-8F26-66758696DD1E}"/>
+                <a16:creationId xmlns:a16="http://schemas.microsoft.com/office/drawing/2014/main" xmlns="" id="{7732E1E7-45E3-4264-8F26-66758696DD1E}"/>
               </a:ext>
             </a:extLst>
           </p:cNvPr>
@@ -20270,7 +20271,7 @@
             <p:cNvPr id="16" name="Freeform: Shape 15">
               <a:extLst>
                 <a:ext uri="{FF2B5EF4-FFF2-40B4-BE49-F238E27FC236}">
-                  <a16:creationId xmlns:a16="http://schemas.microsoft.com/office/drawing/2014/main" id="{2E3DF883-8093-49FA-81E1-E5D77F086A25}"/>
+                  <a16:creationId xmlns:a16="http://schemas.microsoft.com/office/drawing/2014/main" xmlns="" id="{2E3DF883-8093-49FA-81E1-E5D77F086A25}"/>
                 </a:ext>
               </a:extLst>
             </p:cNvPr>
@@ -20360,7 +20361,7 @@
             <p:cNvPr id="17" name="Freeform: Shape 16">
               <a:extLst>
                 <a:ext uri="{FF2B5EF4-FFF2-40B4-BE49-F238E27FC236}">
-                  <a16:creationId xmlns:a16="http://schemas.microsoft.com/office/drawing/2014/main" id="{18944C90-37E5-4BBE-89FF-060627168050}"/>
+                  <a16:creationId xmlns:a16="http://schemas.microsoft.com/office/drawing/2014/main" xmlns="" id="{18944C90-37E5-4BBE-89FF-060627168050}"/>
                 </a:ext>
               </a:extLst>
             </p:cNvPr>
@@ -20459,7 +20460,7 @@
           <p:cNvPr id="6" name="Group 5">
             <a:extLst>
               <a:ext uri="{FF2B5EF4-FFF2-40B4-BE49-F238E27FC236}">
-                <a16:creationId xmlns:a16="http://schemas.microsoft.com/office/drawing/2014/main" id="{D9EBF8BB-A805-4DDB-B459-082F99815B95}"/>
+                <a16:creationId xmlns:a16="http://schemas.microsoft.com/office/drawing/2014/main" xmlns="" id="{D9EBF8BB-A805-4DDB-B459-082F99815B95}"/>
               </a:ext>
             </a:extLst>
           </p:cNvPr>
@@ -20479,7 +20480,7 @@
             <p:cNvPr id="19" name="Rectangle: Single Corner Snipped 18">
               <a:extLst>
                 <a:ext uri="{FF2B5EF4-FFF2-40B4-BE49-F238E27FC236}">
-                  <a16:creationId xmlns:a16="http://schemas.microsoft.com/office/drawing/2014/main" id="{5D638788-DD47-45E7-939A-FA108A818173}"/>
+                  <a16:creationId xmlns:a16="http://schemas.microsoft.com/office/drawing/2014/main" xmlns="" id="{5D638788-DD47-45E7-939A-FA108A818173}"/>
                 </a:ext>
               </a:extLst>
             </p:cNvPr>
@@ -20545,7 +20546,7 @@
             <p:cNvPr id="3" name="Rectangle: Single Corner Snipped 2">
               <a:extLst>
                 <a:ext uri="{FF2B5EF4-FFF2-40B4-BE49-F238E27FC236}">
-                  <a16:creationId xmlns:a16="http://schemas.microsoft.com/office/drawing/2014/main" id="{74BDECEF-EEFE-4332-B3B2-BDE4F82C10FC}"/>
+                  <a16:creationId xmlns:a16="http://schemas.microsoft.com/office/drawing/2014/main" xmlns="" id="{74BDECEF-EEFE-4332-B3B2-BDE4F82C10FC}"/>
                 </a:ext>
               </a:extLst>
             </p:cNvPr>
@@ -20602,7 +20603,7 @@
           <p:cNvPr id="24" name="Freeform: Shape 23">
             <a:extLst>
               <a:ext uri="{FF2B5EF4-FFF2-40B4-BE49-F238E27FC236}">
-                <a16:creationId xmlns:a16="http://schemas.microsoft.com/office/drawing/2014/main" id="{18103E00-7E4A-44CD-81AC-06433CAE1110}"/>
+                <a16:creationId xmlns:a16="http://schemas.microsoft.com/office/drawing/2014/main" xmlns="" id="{18103E00-7E4A-44CD-81AC-06433CAE1110}"/>
               </a:ext>
             </a:extLst>
           </p:cNvPr>
@@ -20697,7 +20698,7 @@
           <p:cNvPr id="5" name="Slide Number Placeholder 4">
             <a:extLst>
               <a:ext uri="{FF2B5EF4-FFF2-40B4-BE49-F238E27FC236}">
-                <a16:creationId xmlns:a16="http://schemas.microsoft.com/office/drawing/2014/main" id="{87B51822-97FF-47A7-8E4E-A0F79B4EB237}"/>
+                <a16:creationId xmlns:a16="http://schemas.microsoft.com/office/drawing/2014/main" xmlns="" id="{87B51822-97FF-47A7-8E4E-A0F79B4EB237}"/>
               </a:ext>
             </a:extLst>
           </p:cNvPr>
@@ -20741,7 +20742,7 @@
           <p:cNvPr id="7" name="Text Placeholder 6">
             <a:extLst>
               <a:ext uri="{FF2B5EF4-FFF2-40B4-BE49-F238E27FC236}">
-                <a16:creationId xmlns:a16="http://schemas.microsoft.com/office/drawing/2014/main" id="{7E0C167E-2626-40DB-AACF-D02543E29BB3}"/>
+                <a16:creationId xmlns:a16="http://schemas.microsoft.com/office/drawing/2014/main" xmlns="" id="{7E0C167E-2626-40DB-AACF-D02543E29BB3}"/>
               </a:ext>
             </a:extLst>
           </p:cNvPr>
@@ -20824,7 +20825,7 @@
           <p:cNvPr id="11" name="Rectangle 10">
             <a:extLst>
               <a:ext uri="{FF2B5EF4-FFF2-40B4-BE49-F238E27FC236}">
-                <a16:creationId xmlns:a16="http://schemas.microsoft.com/office/drawing/2014/main" id="{EB3E033F-4449-40FA-BC85-BD2712D313DD}"/>
+                <a16:creationId xmlns:a16="http://schemas.microsoft.com/office/drawing/2014/main" xmlns="" id="{EB3E033F-4449-40FA-BC85-BD2712D313DD}"/>
               </a:ext>
             </a:extLst>
           </p:cNvPr>
@@ -20878,7 +20879,7 @@
           <p:cNvPr id="10" name="Freeform: Shape 9">
             <a:extLst>
               <a:ext uri="{FF2B5EF4-FFF2-40B4-BE49-F238E27FC236}">
-                <a16:creationId xmlns:a16="http://schemas.microsoft.com/office/drawing/2014/main" id="{63D26743-0505-444C-80B3-E88EE87DF72B}"/>
+                <a16:creationId xmlns:a16="http://schemas.microsoft.com/office/drawing/2014/main" xmlns="" id="{63D26743-0505-444C-80B3-E88EE87DF72B}"/>
               </a:ext>
             </a:extLst>
           </p:cNvPr>
@@ -21001,7 +21002,7 @@
           <p:cNvPr id="18" name="Freeform: Shape 17">
             <a:extLst>
               <a:ext uri="{FF2B5EF4-FFF2-40B4-BE49-F238E27FC236}">
-                <a16:creationId xmlns:a16="http://schemas.microsoft.com/office/drawing/2014/main" id="{E37145E9-AC61-47D5-9288-8789940F81B6}"/>
+                <a16:creationId xmlns:a16="http://schemas.microsoft.com/office/drawing/2014/main" xmlns="" id="{E37145E9-AC61-47D5-9288-8789940F81B6}"/>
               </a:ext>
             </a:extLst>
           </p:cNvPr>
@@ -21153,7 +21154,7 @@
           <p:cNvPr id="12" name="Freeform: Shape 11">
             <a:extLst>
               <a:ext uri="{FF2B5EF4-FFF2-40B4-BE49-F238E27FC236}">
-                <a16:creationId xmlns:a16="http://schemas.microsoft.com/office/drawing/2014/main" id="{A5E2B3ED-9A49-40A7-B8A3-62595FE513F9}"/>
+                <a16:creationId xmlns:a16="http://schemas.microsoft.com/office/drawing/2014/main" xmlns="" id="{A5E2B3ED-9A49-40A7-B8A3-62595FE513F9}"/>
               </a:ext>
             </a:extLst>
           </p:cNvPr>
@@ -21303,7 +21304,7 @@
           <p:cNvPr id="8" name="Freeform: Shape 7">
             <a:extLst>
               <a:ext uri="{FF2B5EF4-FFF2-40B4-BE49-F238E27FC236}">
-                <a16:creationId xmlns:a16="http://schemas.microsoft.com/office/drawing/2014/main" id="{1599AF7E-3E34-4597-AA72-9373A7FDB020}"/>
+                <a16:creationId xmlns:a16="http://schemas.microsoft.com/office/drawing/2014/main" xmlns="" id="{1599AF7E-3E34-4597-AA72-9373A7FDB020}"/>
               </a:ext>
             </a:extLst>
           </p:cNvPr>
@@ -21449,7 +21450,7 @@
           <p:cNvPr id="2" name="Title 1">
             <a:extLst>
               <a:ext uri="{FF2B5EF4-FFF2-40B4-BE49-F238E27FC236}">
-                <a16:creationId xmlns:a16="http://schemas.microsoft.com/office/drawing/2014/main" id="{4A2DF563-7FAC-46B3-B24C-7E45CD89DA2B}"/>
+                <a16:creationId xmlns:a16="http://schemas.microsoft.com/office/drawing/2014/main" xmlns="" id="{4A2DF563-7FAC-46B3-B24C-7E45CD89DA2B}"/>
               </a:ext>
             </a:extLst>
           </p:cNvPr>
@@ -21494,7 +21495,7 @@
           <p:cNvPr id="15" name="Group 14">
             <a:extLst>
               <a:ext uri="{FF2B5EF4-FFF2-40B4-BE49-F238E27FC236}">
-                <a16:creationId xmlns:a16="http://schemas.microsoft.com/office/drawing/2014/main" id="{7732E1E7-45E3-4264-8F26-66758696DD1E}"/>
+                <a16:creationId xmlns:a16="http://schemas.microsoft.com/office/drawing/2014/main" xmlns="" id="{7732E1E7-45E3-4264-8F26-66758696DD1E}"/>
               </a:ext>
             </a:extLst>
           </p:cNvPr>
@@ -21514,7 +21515,7 @@
             <p:cNvPr id="16" name="Freeform: Shape 15">
               <a:extLst>
                 <a:ext uri="{FF2B5EF4-FFF2-40B4-BE49-F238E27FC236}">
-                  <a16:creationId xmlns:a16="http://schemas.microsoft.com/office/drawing/2014/main" id="{2E3DF883-8093-49FA-81E1-E5D77F086A25}"/>
+                  <a16:creationId xmlns:a16="http://schemas.microsoft.com/office/drawing/2014/main" xmlns="" id="{2E3DF883-8093-49FA-81E1-E5D77F086A25}"/>
                 </a:ext>
               </a:extLst>
             </p:cNvPr>
@@ -21604,7 +21605,7 @@
             <p:cNvPr id="17" name="Freeform: Shape 16">
               <a:extLst>
                 <a:ext uri="{FF2B5EF4-FFF2-40B4-BE49-F238E27FC236}">
-                  <a16:creationId xmlns:a16="http://schemas.microsoft.com/office/drawing/2014/main" id="{18944C90-37E5-4BBE-89FF-060627168050}"/>
+                  <a16:creationId xmlns:a16="http://schemas.microsoft.com/office/drawing/2014/main" xmlns="" id="{18944C90-37E5-4BBE-89FF-060627168050}"/>
                 </a:ext>
               </a:extLst>
             </p:cNvPr>
@@ -21703,7 +21704,7 @@
           <p:cNvPr id="6" name="Group 5">
             <a:extLst>
               <a:ext uri="{FF2B5EF4-FFF2-40B4-BE49-F238E27FC236}">
-                <a16:creationId xmlns:a16="http://schemas.microsoft.com/office/drawing/2014/main" id="{D9EBF8BB-A805-4DDB-B459-082F99815B95}"/>
+                <a16:creationId xmlns:a16="http://schemas.microsoft.com/office/drawing/2014/main" xmlns="" id="{D9EBF8BB-A805-4DDB-B459-082F99815B95}"/>
               </a:ext>
             </a:extLst>
           </p:cNvPr>
@@ -21723,7 +21724,7 @@
             <p:cNvPr id="19" name="Rectangle: Single Corner Snipped 18">
               <a:extLst>
                 <a:ext uri="{FF2B5EF4-FFF2-40B4-BE49-F238E27FC236}">
-                  <a16:creationId xmlns:a16="http://schemas.microsoft.com/office/drawing/2014/main" id="{5D638788-DD47-45E7-939A-FA108A818173}"/>
+                  <a16:creationId xmlns:a16="http://schemas.microsoft.com/office/drawing/2014/main" xmlns="" id="{5D638788-DD47-45E7-939A-FA108A818173}"/>
                 </a:ext>
               </a:extLst>
             </p:cNvPr>
@@ -21789,7 +21790,7 @@
             <p:cNvPr id="3" name="Rectangle: Single Corner Snipped 2">
               <a:extLst>
                 <a:ext uri="{FF2B5EF4-FFF2-40B4-BE49-F238E27FC236}">
-                  <a16:creationId xmlns:a16="http://schemas.microsoft.com/office/drawing/2014/main" id="{74BDECEF-EEFE-4332-B3B2-BDE4F82C10FC}"/>
+                  <a16:creationId xmlns:a16="http://schemas.microsoft.com/office/drawing/2014/main" xmlns="" id="{74BDECEF-EEFE-4332-B3B2-BDE4F82C10FC}"/>
                 </a:ext>
               </a:extLst>
             </p:cNvPr>
@@ -21846,7 +21847,7 @@
           <p:cNvPr id="24" name="Freeform: Shape 23">
             <a:extLst>
               <a:ext uri="{FF2B5EF4-FFF2-40B4-BE49-F238E27FC236}">
-                <a16:creationId xmlns:a16="http://schemas.microsoft.com/office/drawing/2014/main" id="{18103E00-7E4A-44CD-81AC-06433CAE1110}"/>
+                <a16:creationId xmlns:a16="http://schemas.microsoft.com/office/drawing/2014/main" xmlns="" id="{18103E00-7E4A-44CD-81AC-06433CAE1110}"/>
               </a:ext>
             </a:extLst>
           </p:cNvPr>
@@ -21941,7 +21942,7 @@
           <p:cNvPr id="5" name="Slide Number Placeholder 4">
             <a:extLst>
               <a:ext uri="{FF2B5EF4-FFF2-40B4-BE49-F238E27FC236}">
-                <a16:creationId xmlns:a16="http://schemas.microsoft.com/office/drawing/2014/main" id="{87B51822-97FF-47A7-8E4E-A0F79B4EB237}"/>
+                <a16:creationId xmlns:a16="http://schemas.microsoft.com/office/drawing/2014/main" xmlns="" id="{87B51822-97FF-47A7-8E4E-A0F79B4EB237}"/>
               </a:ext>
             </a:extLst>
           </p:cNvPr>
@@ -21985,7 +21986,7 @@
           <p:cNvPr id="20" name="Content Placeholder 2">
             <a:extLst>
               <a:ext uri="{FF2B5EF4-FFF2-40B4-BE49-F238E27FC236}">
-                <a16:creationId xmlns:a16="http://schemas.microsoft.com/office/drawing/2014/main" id="{0103A49C-32FF-49E6-86F3-FC2E19517BD5}"/>
+                <a16:creationId xmlns:a16="http://schemas.microsoft.com/office/drawing/2014/main" xmlns="" id="{0103A49C-32FF-49E6-86F3-FC2E19517BD5}"/>
               </a:ext>
             </a:extLst>
           </p:cNvPr>
@@ -22121,7 +22122,7 @@
           <p:cNvPr id="11" name="Rectangle 10">
             <a:extLst>
               <a:ext uri="{FF2B5EF4-FFF2-40B4-BE49-F238E27FC236}">
-                <a16:creationId xmlns:a16="http://schemas.microsoft.com/office/drawing/2014/main" id="{EB3E033F-4449-40FA-BC85-BD2712D313DD}"/>
+                <a16:creationId xmlns:a16="http://schemas.microsoft.com/office/drawing/2014/main" xmlns="" id="{EB3E033F-4449-40FA-BC85-BD2712D313DD}"/>
               </a:ext>
             </a:extLst>
           </p:cNvPr>
@@ -22175,7 +22176,7 @@
           <p:cNvPr id="10" name="Freeform: Shape 9">
             <a:extLst>
               <a:ext uri="{FF2B5EF4-FFF2-40B4-BE49-F238E27FC236}">
-                <a16:creationId xmlns:a16="http://schemas.microsoft.com/office/drawing/2014/main" id="{63D26743-0505-444C-80B3-E88EE87DF72B}"/>
+                <a16:creationId xmlns:a16="http://schemas.microsoft.com/office/drawing/2014/main" xmlns="" id="{63D26743-0505-444C-80B3-E88EE87DF72B}"/>
               </a:ext>
             </a:extLst>
           </p:cNvPr>
@@ -22298,7 +22299,7 @@
           <p:cNvPr id="18" name="Freeform: Shape 17">
             <a:extLst>
               <a:ext uri="{FF2B5EF4-FFF2-40B4-BE49-F238E27FC236}">
-                <a16:creationId xmlns:a16="http://schemas.microsoft.com/office/drawing/2014/main" id="{E37145E9-AC61-47D5-9288-8789940F81B6}"/>
+                <a16:creationId xmlns:a16="http://schemas.microsoft.com/office/drawing/2014/main" xmlns="" id="{E37145E9-AC61-47D5-9288-8789940F81B6}"/>
               </a:ext>
             </a:extLst>
           </p:cNvPr>
@@ -22450,7 +22451,7 @@
           <p:cNvPr id="12" name="Freeform: Shape 11">
             <a:extLst>
               <a:ext uri="{FF2B5EF4-FFF2-40B4-BE49-F238E27FC236}">
-                <a16:creationId xmlns:a16="http://schemas.microsoft.com/office/drawing/2014/main" id="{A5E2B3ED-9A49-40A7-B8A3-62595FE513F9}"/>
+                <a16:creationId xmlns:a16="http://schemas.microsoft.com/office/drawing/2014/main" xmlns="" id="{A5E2B3ED-9A49-40A7-B8A3-62595FE513F9}"/>
               </a:ext>
             </a:extLst>
           </p:cNvPr>
@@ -22600,7 +22601,7 @@
           <p:cNvPr id="8" name="Freeform: Shape 7">
             <a:extLst>
               <a:ext uri="{FF2B5EF4-FFF2-40B4-BE49-F238E27FC236}">
-                <a16:creationId xmlns:a16="http://schemas.microsoft.com/office/drawing/2014/main" id="{1599AF7E-3E34-4597-AA72-9373A7FDB020}"/>
+                <a16:creationId xmlns:a16="http://schemas.microsoft.com/office/drawing/2014/main" xmlns="" id="{1599AF7E-3E34-4597-AA72-9373A7FDB020}"/>
               </a:ext>
             </a:extLst>
           </p:cNvPr>
@@ -22746,7 +22747,7 @@
           <p:cNvPr id="2" name="Title 1">
             <a:extLst>
               <a:ext uri="{FF2B5EF4-FFF2-40B4-BE49-F238E27FC236}">
-                <a16:creationId xmlns:a16="http://schemas.microsoft.com/office/drawing/2014/main" id="{4A2DF563-7FAC-46B3-B24C-7E45CD89DA2B}"/>
+                <a16:creationId xmlns:a16="http://schemas.microsoft.com/office/drawing/2014/main" xmlns="" id="{4A2DF563-7FAC-46B3-B24C-7E45CD89DA2B}"/>
               </a:ext>
             </a:extLst>
           </p:cNvPr>
@@ -22791,7 +22792,7 @@
           <p:cNvPr id="15" name="Group 14">
             <a:extLst>
               <a:ext uri="{FF2B5EF4-FFF2-40B4-BE49-F238E27FC236}">
-                <a16:creationId xmlns:a16="http://schemas.microsoft.com/office/drawing/2014/main" id="{7732E1E7-45E3-4264-8F26-66758696DD1E}"/>
+                <a16:creationId xmlns:a16="http://schemas.microsoft.com/office/drawing/2014/main" xmlns="" id="{7732E1E7-45E3-4264-8F26-66758696DD1E}"/>
               </a:ext>
             </a:extLst>
           </p:cNvPr>
@@ -22811,7 +22812,7 @@
             <p:cNvPr id="16" name="Freeform: Shape 15">
               <a:extLst>
                 <a:ext uri="{FF2B5EF4-FFF2-40B4-BE49-F238E27FC236}">
-                  <a16:creationId xmlns:a16="http://schemas.microsoft.com/office/drawing/2014/main" id="{2E3DF883-8093-49FA-81E1-E5D77F086A25}"/>
+                  <a16:creationId xmlns:a16="http://schemas.microsoft.com/office/drawing/2014/main" xmlns="" id="{2E3DF883-8093-49FA-81E1-E5D77F086A25}"/>
                 </a:ext>
               </a:extLst>
             </p:cNvPr>
@@ -22901,7 +22902,7 @@
             <p:cNvPr id="17" name="Freeform: Shape 16">
               <a:extLst>
                 <a:ext uri="{FF2B5EF4-FFF2-40B4-BE49-F238E27FC236}">
-                  <a16:creationId xmlns:a16="http://schemas.microsoft.com/office/drawing/2014/main" id="{18944C90-37E5-4BBE-89FF-060627168050}"/>
+                  <a16:creationId xmlns:a16="http://schemas.microsoft.com/office/drawing/2014/main" xmlns="" id="{18944C90-37E5-4BBE-89FF-060627168050}"/>
                 </a:ext>
               </a:extLst>
             </p:cNvPr>
@@ -23000,7 +23001,7 @@
           <p:cNvPr id="6" name="Group 5">
             <a:extLst>
               <a:ext uri="{FF2B5EF4-FFF2-40B4-BE49-F238E27FC236}">
-                <a16:creationId xmlns:a16="http://schemas.microsoft.com/office/drawing/2014/main" id="{D9EBF8BB-A805-4DDB-B459-082F99815B95}"/>
+                <a16:creationId xmlns:a16="http://schemas.microsoft.com/office/drawing/2014/main" xmlns="" id="{D9EBF8BB-A805-4DDB-B459-082F99815B95}"/>
               </a:ext>
             </a:extLst>
           </p:cNvPr>
@@ -23020,7 +23021,7 @@
             <p:cNvPr id="19" name="Rectangle: Single Corner Snipped 18">
               <a:extLst>
                 <a:ext uri="{FF2B5EF4-FFF2-40B4-BE49-F238E27FC236}">
-                  <a16:creationId xmlns:a16="http://schemas.microsoft.com/office/drawing/2014/main" id="{5D638788-DD47-45E7-939A-FA108A818173}"/>
+                  <a16:creationId xmlns:a16="http://schemas.microsoft.com/office/drawing/2014/main" xmlns="" id="{5D638788-DD47-45E7-939A-FA108A818173}"/>
                 </a:ext>
               </a:extLst>
             </p:cNvPr>
@@ -23086,7 +23087,7 @@
             <p:cNvPr id="3" name="Rectangle: Single Corner Snipped 2">
               <a:extLst>
                 <a:ext uri="{FF2B5EF4-FFF2-40B4-BE49-F238E27FC236}">
-                  <a16:creationId xmlns:a16="http://schemas.microsoft.com/office/drawing/2014/main" id="{74BDECEF-EEFE-4332-B3B2-BDE4F82C10FC}"/>
+                  <a16:creationId xmlns:a16="http://schemas.microsoft.com/office/drawing/2014/main" xmlns="" id="{74BDECEF-EEFE-4332-B3B2-BDE4F82C10FC}"/>
                 </a:ext>
               </a:extLst>
             </p:cNvPr>
@@ -23143,7 +23144,7 @@
           <p:cNvPr id="24" name="Freeform: Shape 23">
             <a:extLst>
               <a:ext uri="{FF2B5EF4-FFF2-40B4-BE49-F238E27FC236}">
-                <a16:creationId xmlns:a16="http://schemas.microsoft.com/office/drawing/2014/main" id="{18103E00-7E4A-44CD-81AC-06433CAE1110}"/>
+                <a16:creationId xmlns:a16="http://schemas.microsoft.com/office/drawing/2014/main" xmlns="" id="{18103E00-7E4A-44CD-81AC-06433CAE1110}"/>
               </a:ext>
             </a:extLst>
           </p:cNvPr>
@@ -23238,7 +23239,7 @@
           <p:cNvPr id="5" name="Slide Number Placeholder 4">
             <a:extLst>
               <a:ext uri="{FF2B5EF4-FFF2-40B4-BE49-F238E27FC236}">
-                <a16:creationId xmlns:a16="http://schemas.microsoft.com/office/drawing/2014/main" id="{87B51822-97FF-47A7-8E4E-A0F79B4EB237}"/>
+                <a16:creationId xmlns:a16="http://schemas.microsoft.com/office/drawing/2014/main" xmlns="" id="{87B51822-97FF-47A7-8E4E-A0F79B4EB237}"/>
               </a:ext>
             </a:extLst>
           </p:cNvPr>
@@ -23282,7 +23283,7 @@
           <p:cNvPr id="25" name="Text Placeholder 2">
             <a:extLst>
               <a:ext uri="{FF2B5EF4-FFF2-40B4-BE49-F238E27FC236}">
-                <a16:creationId xmlns:a16="http://schemas.microsoft.com/office/drawing/2014/main" id="{7FA80A70-18DE-4DB9-9982-BA75BE54CF93}"/>
+                <a16:creationId xmlns:a16="http://schemas.microsoft.com/office/drawing/2014/main" xmlns="" id="{7FA80A70-18DE-4DB9-9982-BA75BE54CF93}"/>
               </a:ext>
             </a:extLst>
           </p:cNvPr>
@@ -23360,7 +23361,7 @@
           <p:cNvPr id="26" name="Text Placeholder 4">
             <a:extLst>
               <a:ext uri="{FF2B5EF4-FFF2-40B4-BE49-F238E27FC236}">
-                <a16:creationId xmlns:a16="http://schemas.microsoft.com/office/drawing/2014/main" id="{2801C0EF-C078-44B0-AD01-4850E9A65EE0}"/>
+                <a16:creationId xmlns:a16="http://schemas.microsoft.com/office/drawing/2014/main" xmlns="" id="{2801C0EF-C078-44B0-AD01-4850E9A65EE0}"/>
               </a:ext>
             </a:extLst>
           </p:cNvPr>
@@ -23438,7 +23439,7 @@
           <p:cNvPr id="27" name="Content Placeholder 3">
             <a:extLst>
               <a:ext uri="{FF2B5EF4-FFF2-40B4-BE49-F238E27FC236}">
-                <a16:creationId xmlns:a16="http://schemas.microsoft.com/office/drawing/2014/main" id="{7C9DED91-45F6-4308-A085-1EFACA6468CF}"/>
+                <a16:creationId xmlns:a16="http://schemas.microsoft.com/office/drawing/2014/main" xmlns="" id="{7C9DED91-45F6-4308-A085-1EFACA6468CF}"/>
               </a:ext>
             </a:extLst>
           </p:cNvPr>
@@ -23538,7 +23539,7 @@
           <p:cNvPr id="28" name="Content Placeholder 5">
             <a:extLst>
               <a:ext uri="{FF2B5EF4-FFF2-40B4-BE49-F238E27FC236}">
-                <a16:creationId xmlns:a16="http://schemas.microsoft.com/office/drawing/2014/main" id="{0574B5E7-B666-439B-9278-67BE1EA6EBC5}"/>
+                <a16:creationId xmlns:a16="http://schemas.microsoft.com/office/drawing/2014/main" xmlns="" id="{0574B5E7-B666-439B-9278-67BE1EA6EBC5}"/>
               </a:ext>
             </a:extLst>
           </p:cNvPr>
@@ -23673,7 +23674,7 @@
           <p:cNvPr id="2" name="Title Placeholder 1">
             <a:extLst>
               <a:ext uri="{FF2B5EF4-FFF2-40B4-BE49-F238E27FC236}">
-                <a16:creationId xmlns:a16="http://schemas.microsoft.com/office/drawing/2014/main" id="{761B0E15-6FC5-434E-8780-B186D9DB0CD0}"/>
+                <a16:creationId xmlns:a16="http://schemas.microsoft.com/office/drawing/2014/main" xmlns="" id="{761B0E15-6FC5-434E-8780-B186D9DB0CD0}"/>
               </a:ext>
             </a:extLst>
           </p:cNvPr>
@@ -23711,7 +23712,7 @@
           <p:cNvPr id="3" name="Text Placeholder 2">
             <a:extLst>
               <a:ext uri="{FF2B5EF4-FFF2-40B4-BE49-F238E27FC236}">
-                <a16:creationId xmlns:a16="http://schemas.microsoft.com/office/drawing/2014/main" id="{A9C7B128-34F3-405C-B601-8BAFDB43499C}"/>
+                <a16:creationId xmlns:a16="http://schemas.microsoft.com/office/drawing/2014/main" xmlns="" id="{A9C7B128-34F3-405C-B601-8BAFDB43499C}"/>
               </a:ext>
             </a:extLst>
           </p:cNvPr>
@@ -23778,7 +23779,7 @@
           <p:cNvPr id="6" name="Slide Number Placeholder 5">
             <a:extLst>
               <a:ext uri="{FF2B5EF4-FFF2-40B4-BE49-F238E27FC236}">
-                <a16:creationId xmlns:a16="http://schemas.microsoft.com/office/drawing/2014/main" id="{9F5A7754-E8C7-438B-922D-9027C6CF58E2}"/>
+                <a16:creationId xmlns:a16="http://schemas.microsoft.com/office/drawing/2014/main" xmlns="" id="{9F5A7754-E8C7-438B-922D-9027C6CF58E2}"/>
               </a:ext>
             </a:extLst>
           </p:cNvPr>
@@ -23825,7 +23826,7 @@
           <p:cNvPr id="5" name="Rectangle 4">
             <a:extLst>
               <a:ext uri="{FF2B5EF4-FFF2-40B4-BE49-F238E27FC236}">
-                <a16:creationId xmlns:a16="http://schemas.microsoft.com/office/drawing/2014/main" id="{7CDDDB7D-9189-9548-A2B9-81DC62C3C1A3}"/>
+                <a16:creationId xmlns:a16="http://schemas.microsoft.com/office/drawing/2014/main" xmlns="" id="{7CDDDB7D-9189-9548-A2B9-81DC62C3C1A3}"/>
               </a:ext>
             </a:extLst>
           </p:cNvPr>
@@ -23879,7 +23880,7 @@
           <p:cNvPr id="7" name="Freeform: Shape 9">
             <a:extLst>
               <a:ext uri="{FF2B5EF4-FFF2-40B4-BE49-F238E27FC236}">
-                <a16:creationId xmlns:a16="http://schemas.microsoft.com/office/drawing/2014/main" id="{096D8877-6B4A-4540-8927-767DD7401718}"/>
+                <a16:creationId xmlns:a16="http://schemas.microsoft.com/office/drawing/2014/main" xmlns="" id="{096D8877-6B4A-4540-8927-767DD7401718}"/>
               </a:ext>
             </a:extLst>
           </p:cNvPr>
@@ -24002,7 +24003,7 @@
           <p:cNvPr id="8" name="Freeform: Shape 17">
             <a:extLst>
               <a:ext uri="{FF2B5EF4-FFF2-40B4-BE49-F238E27FC236}">
-                <a16:creationId xmlns:a16="http://schemas.microsoft.com/office/drawing/2014/main" id="{5AF2E123-FE0F-8541-8E36-5030C450AA7E}"/>
+                <a16:creationId xmlns:a16="http://schemas.microsoft.com/office/drawing/2014/main" xmlns="" id="{5AF2E123-FE0F-8541-8E36-5030C450AA7E}"/>
               </a:ext>
             </a:extLst>
           </p:cNvPr>
@@ -24154,7 +24155,7 @@
           <p:cNvPr id="9" name="Freeform: Shape 11">
             <a:extLst>
               <a:ext uri="{FF2B5EF4-FFF2-40B4-BE49-F238E27FC236}">
-                <a16:creationId xmlns:a16="http://schemas.microsoft.com/office/drawing/2014/main" id="{E5519D99-3B68-924A-9CD0-14B911711CA8}"/>
+                <a16:creationId xmlns:a16="http://schemas.microsoft.com/office/drawing/2014/main" xmlns="" id="{E5519D99-3B68-924A-9CD0-14B911711CA8}"/>
               </a:ext>
             </a:extLst>
           </p:cNvPr>
@@ -24304,7 +24305,7 @@
           <p:cNvPr id="10" name="Freeform: Shape 7">
             <a:extLst>
               <a:ext uri="{FF2B5EF4-FFF2-40B4-BE49-F238E27FC236}">
-                <a16:creationId xmlns:a16="http://schemas.microsoft.com/office/drawing/2014/main" id="{A09E21A9-FBEF-144C-A152-FE484F3C55C1}"/>
+                <a16:creationId xmlns:a16="http://schemas.microsoft.com/office/drawing/2014/main" xmlns="" id="{A09E21A9-FBEF-144C-A152-FE484F3C55C1}"/>
               </a:ext>
             </a:extLst>
           </p:cNvPr>
@@ -24450,7 +24451,7 @@
           <p:cNvPr id="11" name="Title 1">
             <a:extLst>
               <a:ext uri="{FF2B5EF4-FFF2-40B4-BE49-F238E27FC236}">
-                <a16:creationId xmlns:a16="http://schemas.microsoft.com/office/drawing/2014/main" id="{70C7F2CB-A8CE-1545-A08D-93592C4BAEEA}"/>
+                <a16:creationId xmlns:a16="http://schemas.microsoft.com/office/drawing/2014/main" xmlns="" id="{70C7F2CB-A8CE-1545-A08D-93592C4BAEEA}"/>
               </a:ext>
             </a:extLst>
           </p:cNvPr>
@@ -24506,7 +24507,7 @@
           <p:cNvPr id="12" name="Group 11">
             <a:extLst>
               <a:ext uri="{FF2B5EF4-FFF2-40B4-BE49-F238E27FC236}">
-                <a16:creationId xmlns:a16="http://schemas.microsoft.com/office/drawing/2014/main" id="{7068FCE4-1B47-3C4B-B091-013120A97D09}"/>
+                <a16:creationId xmlns:a16="http://schemas.microsoft.com/office/drawing/2014/main" xmlns="" id="{7068FCE4-1B47-3C4B-B091-013120A97D09}"/>
               </a:ext>
             </a:extLst>
           </p:cNvPr>
@@ -24526,7 +24527,7 @@
             <p:cNvPr id="13" name="Freeform: Shape 15">
               <a:extLst>
                 <a:ext uri="{FF2B5EF4-FFF2-40B4-BE49-F238E27FC236}">
-                  <a16:creationId xmlns:a16="http://schemas.microsoft.com/office/drawing/2014/main" id="{FEC3FDE7-F27E-5E4E-8752-287CAB7792D4}"/>
+                  <a16:creationId xmlns:a16="http://schemas.microsoft.com/office/drawing/2014/main" xmlns="" id="{FEC3FDE7-F27E-5E4E-8752-287CAB7792D4}"/>
                 </a:ext>
               </a:extLst>
             </p:cNvPr>
@@ -24616,7 +24617,7 @@
             <p:cNvPr id="14" name="Freeform: Shape 16">
               <a:extLst>
                 <a:ext uri="{FF2B5EF4-FFF2-40B4-BE49-F238E27FC236}">
-                  <a16:creationId xmlns:a16="http://schemas.microsoft.com/office/drawing/2014/main" id="{81C902DB-0D21-5044-82B6-9E7A70A1BF62}"/>
+                  <a16:creationId xmlns:a16="http://schemas.microsoft.com/office/drawing/2014/main" xmlns="" id="{81C902DB-0D21-5044-82B6-9E7A70A1BF62}"/>
                 </a:ext>
               </a:extLst>
             </p:cNvPr>
@@ -24715,7 +24716,7 @@
           <p:cNvPr id="15" name="Group 14">
             <a:extLst>
               <a:ext uri="{FF2B5EF4-FFF2-40B4-BE49-F238E27FC236}">
-                <a16:creationId xmlns:a16="http://schemas.microsoft.com/office/drawing/2014/main" id="{BE1E08A0-195D-694F-947B-986A76FBB93E}"/>
+                <a16:creationId xmlns:a16="http://schemas.microsoft.com/office/drawing/2014/main" xmlns="" id="{BE1E08A0-195D-694F-947B-986A76FBB93E}"/>
               </a:ext>
             </a:extLst>
           </p:cNvPr>
@@ -24735,7 +24736,7 @@
             <p:cNvPr id="16" name="Rectangle: Single Corner Snipped 18">
               <a:extLst>
                 <a:ext uri="{FF2B5EF4-FFF2-40B4-BE49-F238E27FC236}">
-                  <a16:creationId xmlns:a16="http://schemas.microsoft.com/office/drawing/2014/main" id="{ED5DFFCD-1EE3-E64E-B51F-BD7D72413E0B}"/>
+                  <a16:creationId xmlns:a16="http://schemas.microsoft.com/office/drawing/2014/main" xmlns="" id="{ED5DFFCD-1EE3-E64E-B51F-BD7D72413E0B}"/>
                 </a:ext>
               </a:extLst>
             </p:cNvPr>
@@ -24801,7 +24802,7 @@
             <p:cNvPr id="17" name="Rectangle: Single Corner Snipped 2">
               <a:extLst>
                 <a:ext uri="{FF2B5EF4-FFF2-40B4-BE49-F238E27FC236}">
-                  <a16:creationId xmlns:a16="http://schemas.microsoft.com/office/drawing/2014/main" id="{C12DB3CA-8E64-AA43-BFBE-A2CA9A816DBE}"/>
+                  <a16:creationId xmlns:a16="http://schemas.microsoft.com/office/drawing/2014/main" xmlns="" id="{C12DB3CA-8E64-AA43-BFBE-A2CA9A816DBE}"/>
                 </a:ext>
               </a:extLst>
             </p:cNvPr>
@@ -24858,7 +24859,7 @@
           <p:cNvPr id="18" name="Freeform: Shape 23">
             <a:extLst>
               <a:ext uri="{FF2B5EF4-FFF2-40B4-BE49-F238E27FC236}">
-                <a16:creationId xmlns:a16="http://schemas.microsoft.com/office/drawing/2014/main" id="{A587DEFD-D470-4142-8E0D-A71DDB147C92}"/>
+                <a16:creationId xmlns:a16="http://schemas.microsoft.com/office/drawing/2014/main" xmlns="" id="{A587DEFD-D470-4142-8E0D-A71DDB147C92}"/>
               </a:ext>
             </a:extLst>
           </p:cNvPr>
@@ -24953,7 +24954,7 @@
           <p:cNvPr id="19" name="Slide Number Placeholder 4">
             <a:extLst>
               <a:ext uri="{FF2B5EF4-FFF2-40B4-BE49-F238E27FC236}">
-                <a16:creationId xmlns:a16="http://schemas.microsoft.com/office/drawing/2014/main" id="{7D9BF857-7910-734D-A217-5E3344220AA2}"/>
+                <a16:creationId xmlns:a16="http://schemas.microsoft.com/office/drawing/2014/main" xmlns="" id="{7D9BF857-7910-734D-A217-5E3344220AA2}"/>
               </a:ext>
             </a:extLst>
           </p:cNvPr>
@@ -25471,7 +25472,7 @@
           <p:cNvPr id="2" name="Title 1">
             <a:extLst>
               <a:ext uri="{FF2B5EF4-FFF2-40B4-BE49-F238E27FC236}">
-                <a16:creationId xmlns:a16="http://schemas.microsoft.com/office/drawing/2014/main" id="{632BE5BF-9922-45FB-8F3F-4446D40A051B}"/>
+                <a16:creationId xmlns:a16="http://schemas.microsoft.com/office/drawing/2014/main" xmlns="" id="{632BE5BF-9922-45FB-8F3F-4446D40A051B}"/>
               </a:ext>
             </a:extLst>
           </p:cNvPr>
@@ -25518,7 +25519,7 @@
           <p:cNvPr id="3" name="Subtitle 2">
             <a:extLst>
               <a:ext uri="{FF2B5EF4-FFF2-40B4-BE49-F238E27FC236}">
-                <a16:creationId xmlns:a16="http://schemas.microsoft.com/office/drawing/2014/main" id="{0D537F64-4C96-4AA8-BB21-E8053A3186DD}"/>
+                <a16:creationId xmlns:a16="http://schemas.microsoft.com/office/drawing/2014/main" xmlns="" id="{0D537F64-4C96-4AA8-BB21-E8053A3186DD}"/>
               </a:ext>
             </a:extLst>
           </p:cNvPr>
@@ -25592,7 +25593,7 @@
           <p:cNvPr id="7" name="Title 6">
             <a:extLst>
               <a:ext uri="{FF2B5EF4-FFF2-40B4-BE49-F238E27FC236}">
-                <a16:creationId xmlns:a16="http://schemas.microsoft.com/office/drawing/2014/main" id="{7875C19A-1AAE-476A-A316-A2CF92D763D3}"/>
+                <a16:creationId xmlns:a16="http://schemas.microsoft.com/office/drawing/2014/main" xmlns="" id="{7875C19A-1AAE-476A-A316-A2CF92D763D3}"/>
               </a:ext>
             </a:extLst>
           </p:cNvPr>
@@ -25628,7 +25629,7 @@
           <p:cNvPr id="10" name="Text Placeholder 9">
             <a:extLst>
               <a:ext uri="{FF2B5EF4-FFF2-40B4-BE49-F238E27FC236}">
-                <a16:creationId xmlns:a16="http://schemas.microsoft.com/office/drawing/2014/main" id="{EF2BC084-E6DB-4DE7-B309-042A85EBA700}"/>
+                <a16:creationId xmlns:a16="http://schemas.microsoft.com/office/drawing/2014/main" xmlns="" id="{EF2BC084-E6DB-4DE7-B309-042A85EBA700}"/>
               </a:ext>
             </a:extLst>
           </p:cNvPr>
@@ -25732,7 +25733,7 @@
           <p:cNvPr id="2" name="Slide Number Placeholder 1">
             <a:extLst>
               <a:ext uri="{FF2B5EF4-FFF2-40B4-BE49-F238E27FC236}">
-                <a16:creationId xmlns:a16="http://schemas.microsoft.com/office/drawing/2014/main" id="{BE9800F6-D571-48C4-8466-12AA1ADB6599}"/>
+                <a16:creationId xmlns:a16="http://schemas.microsoft.com/office/drawing/2014/main" xmlns="" id="{BE9800F6-D571-48C4-8466-12AA1ADB6599}"/>
               </a:ext>
             </a:extLst>
           </p:cNvPr>
@@ -25804,7 +25805,7 @@
           <p:cNvPr id="4" name="Title 3">
             <a:extLst>
               <a:ext uri="{FF2B5EF4-FFF2-40B4-BE49-F238E27FC236}">
-                <a16:creationId xmlns:a16="http://schemas.microsoft.com/office/drawing/2014/main" id="{315E3981-F0D7-482C-A8E0-6A57700BECA7}"/>
+                <a16:creationId xmlns:a16="http://schemas.microsoft.com/office/drawing/2014/main" xmlns="" id="{315E3981-F0D7-482C-A8E0-6A57700BECA7}"/>
               </a:ext>
             </a:extLst>
           </p:cNvPr>
@@ -25835,7 +25836,7 @@
           <p:cNvPr id="2" name="Slide Number Placeholder 1">
             <a:extLst>
               <a:ext uri="{FF2B5EF4-FFF2-40B4-BE49-F238E27FC236}">
-                <a16:creationId xmlns:a16="http://schemas.microsoft.com/office/drawing/2014/main" id="{520FC4EE-F318-4344-9E3C-B950ADB63865}"/>
+                <a16:creationId xmlns:a16="http://schemas.microsoft.com/office/drawing/2014/main" xmlns="" id="{520FC4EE-F318-4344-9E3C-B950ADB63865}"/>
               </a:ext>
             </a:extLst>
           </p:cNvPr>
@@ -25865,7 +25866,7 @@
           <p:cNvPr id="7" name="Text Placeholder 6">
             <a:extLst>
               <a:ext uri="{FF2B5EF4-FFF2-40B4-BE49-F238E27FC236}">
-                <a16:creationId xmlns:a16="http://schemas.microsoft.com/office/drawing/2014/main" id="{B74126B4-1E6C-4FFF-9282-40E18A85A07F}"/>
+                <a16:creationId xmlns:a16="http://schemas.microsoft.com/office/drawing/2014/main" xmlns="" id="{B74126B4-1E6C-4FFF-9282-40E18A85A07F}"/>
               </a:ext>
             </a:extLst>
           </p:cNvPr>
@@ -25907,7 +25908,7 @@
           <p:cNvPr id="5" name="Text Placeholder 4">
             <a:extLst>
               <a:ext uri="{FF2B5EF4-FFF2-40B4-BE49-F238E27FC236}">
-                <a16:creationId xmlns:a16="http://schemas.microsoft.com/office/drawing/2014/main" id="{E0C87788-476B-4620-8002-A5C1177AD6C1}"/>
+                <a16:creationId xmlns:a16="http://schemas.microsoft.com/office/drawing/2014/main" xmlns="" id="{E0C87788-476B-4620-8002-A5C1177AD6C1}"/>
               </a:ext>
             </a:extLst>
           </p:cNvPr>
@@ -25949,7 +25950,7 @@
           <p:cNvPr id="8" name="Text Placeholder 7">
             <a:extLst>
               <a:ext uri="{FF2B5EF4-FFF2-40B4-BE49-F238E27FC236}">
-                <a16:creationId xmlns:a16="http://schemas.microsoft.com/office/drawing/2014/main" id="{47DC4E62-1A34-4F98-A451-214F1808519C}"/>
+                <a16:creationId xmlns:a16="http://schemas.microsoft.com/office/drawing/2014/main" xmlns="" id="{47DC4E62-1A34-4F98-A451-214F1808519C}"/>
               </a:ext>
             </a:extLst>
           </p:cNvPr>
@@ -26053,7 +26054,7 @@
           <p:cNvPr id="6" name="Text Placeholder 5">
             <a:extLst>
               <a:ext uri="{FF2B5EF4-FFF2-40B4-BE49-F238E27FC236}">
-                <a16:creationId xmlns:a16="http://schemas.microsoft.com/office/drawing/2014/main" id="{000A9570-5EF6-4AFB-9FCA-7C8998E3FEB1}"/>
+                <a16:creationId xmlns:a16="http://schemas.microsoft.com/office/drawing/2014/main" xmlns="" id="{000A9570-5EF6-4AFB-9FCA-7C8998E3FEB1}"/>
               </a:ext>
             </a:extLst>
           </p:cNvPr>
@@ -26157,7 +26158,7 @@
           <p:cNvPr id="7" name="Title 6">
             <a:extLst>
               <a:ext uri="{FF2B5EF4-FFF2-40B4-BE49-F238E27FC236}">
-                <a16:creationId xmlns:a16="http://schemas.microsoft.com/office/drawing/2014/main" id="{7875C19A-1AAE-476A-A316-A2CF92D763D3}"/>
+                <a16:creationId xmlns:a16="http://schemas.microsoft.com/office/drawing/2014/main" xmlns="" id="{7875C19A-1AAE-476A-A316-A2CF92D763D3}"/>
               </a:ext>
             </a:extLst>
           </p:cNvPr>
@@ -26197,7 +26198,7 @@
           <p:cNvPr id="10" name="Text Placeholder 9">
             <a:extLst>
               <a:ext uri="{FF2B5EF4-FFF2-40B4-BE49-F238E27FC236}">
-                <a16:creationId xmlns:a16="http://schemas.microsoft.com/office/drawing/2014/main" id="{EF2BC084-E6DB-4DE7-B309-042A85EBA700}"/>
+                <a16:creationId xmlns:a16="http://schemas.microsoft.com/office/drawing/2014/main" xmlns="" id="{EF2BC084-E6DB-4DE7-B309-042A85EBA700}"/>
               </a:ext>
             </a:extLst>
           </p:cNvPr>
@@ -26305,7 +26306,7 @@
           <p:cNvPr id="2" name="Slide Number Placeholder 1">
             <a:extLst>
               <a:ext uri="{FF2B5EF4-FFF2-40B4-BE49-F238E27FC236}">
-                <a16:creationId xmlns:a16="http://schemas.microsoft.com/office/drawing/2014/main" id="{BE9800F6-D571-48C4-8466-12AA1ADB6599}"/>
+                <a16:creationId xmlns:a16="http://schemas.microsoft.com/office/drawing/2014/main" xmlns="" id="{BE9800F6-D571-48C4-8466-12AA1ADB6599}"/>
               </a:ext>
             </a:extLst>
           </p:cNvPr>
@@ -26377,7 +26378,7 @@
           <p:cNvPr id="7" name="Title 6">
             <a:extLst>
               <a:ext uri="{FF2B5EF4-FFF2-40B4-BE49-F238E27FC236}">
-                <a16:creationId xmlns:a16="http://schemas.microsoft.com/office/drawing/2014/main" id="{7875C19A-1AAE-476A-A316-A2CF92D763D3}"/>
+                <a16:creationId xmlns:a16="http://schemas.microsoft.com/office/drawing/2014/main" xmlns="" id="{7875C19A-1AAE-476A-A316-A2CF92D763D3}"/>
               </a:ext>
             </a:extLst>
           </p:cNvPr>
@@ -26417,7 +26418,7 @@
           <p:cNvPr id="2" name="Slide Number Placeholder 1">
             <a:extLst>
               <a:ext uri="{FF2B5EF4-FFF2-40B4-BE49-F238E27FC236}">
-                <a16:creationId xmlns:a16="http://schemas.microsoft.com/office/drawing/2014/main" id="{BE9800F6-D571-48C4-8466-12AA1ADB6599}"/>
+                <a16:creationId xmlns:a16="http://schemas.microsoft.com/office/drawing/2014/main" xmlns="" id="{BE9800F6-D571-48C4-8466-12AA1ADB6599}"/>
               </a:ext>
             </a:extLst>
           </p:cNvPr>
@@ -26918,6 +26919,102 @@
           <a:chExt cx="0" cy="0"/>
         </a:xfrm>
       </p:grpSpPr>
+      <p:sp>
+        <p:nvSpPr>
+          <p:cNvPr id="2" name="Title 1"/>
+          <p:cNvSpPr>
+            <a:spLocks noGrp="1"/>
+          </p:cNvSpPr>
+          <p:nvPr>
+            <p:ph type="title"/>
+          </p:nvPr>
+        </p:nvSpPr>
+        <p:spPr/>
+        <p:txBody>
+          <a:bodyPr/>
+          <a:lstStyle/>
+          <a:p>
+            <a:r>
+              <a:rPr lang="nl-NL" dirty="0" smtClean="0"/>
+              <a:t>DEMO</a:t>
+            </a:r>
+            <a:endParaRPr lang="en-US" dirty="0"/>
+          </a:p>
+        </p:txBody>
+      </p:sp>
+      <p:sp>
+        <p:nvSpPr>
+          <p:cNvPr id="3" name="Slide Number Placeholder 2"/>
+          <p:cNvSpPr>
+            <a:spLocks noGrp="1"/>
+          </p:cNvSpPr>
+          <p:nvPr>
+            <p:ph type="sldNum" sz="quarter" idx="12"/>
+          </p:nvPr>
+        </p:nvSpPr>
+        <p:spPr/>
+        <p:txBody>
+          <a:bodyPr/>
+          <a:lstStyle/>
+          <a:p>
+            <a:fld id="{C263D6C4-4840-40CC-AC84-17E24B3B7BDE}" type="slidenum">
+              <a:rPr lang="en-US" noProof="0" smtClean="0"/>
+              <a:pPr/>
+              <a:t>16</a:t>
+            </a:fld>
+            <a:endParaRPr lang="en-US" noProof="0" dirty="0"/>
+          </a:p>
+        </p:txBody>
+      </p:sp>
+      <p:sp>
+        <p:nvSpPr>
+          <p:cNvPr id="4" name="Text Placeholder 3"/>
+          <p:cNvSpPr>
+            <a:spLocks noGrp="1"/>
+          </p:cNvSpPr>
+          <p:nvPr>
+            <p:ph type="body" sz="quarter" idx="13"/>
+          </p:nvPr>
+        </p:nvSpPr>
+        <p:spPr/>
+        <p:txBody>
+          <a:bodyPr/>
+          <a:lstStyle/>
+          <a:p>
+            <a:endParaRPr lang="en-US"/>
+          </a:p>
+        </p:txBody>
+      </p:sp>
+    </p:spTree>
+    <p:extLst>
+      <p:ext uri="{BB962C8B-B14F-4D97-AF65-F5344CB8AC3E}">
+        <p14:creationId xmlns:p14="http://schemas.microsoft.com/office/powerpoint/2010/main" val="90449092"/>
+      </p:ext>
+    </p:extLst>
+  </p:cSld>
+  <p:clrMapOvr>
+    <a:masterClrMapping/>
+  </p:clrMapOvr>
+</p:sld>
+</file>
+
+<file path=ppt/slides/slide17.xml><?xml version="1.0" encoding="utf-8"?>
+<p:sld xmlns:a="http://schemas.openxmlformats.org/drawingml/2006/main" xmlns:r="http://schemas.openxmlformats.org/officeDocument/2006/relationships" xmlns:p="http://schemas.openxmlformats.org/presentationml/2006/main">
+  <p:cSld>
+    <p:spTree>
+      <p:nvGrpSpPr>
+        <p:cNvPr id="1" name=""/>
+        <p:cNvGrpSpPr/>
+        <p:nvPr/>
+      </p:nvGrpSpPr>
+      <p:grpSpPr>
+        <a:xfrm>
+          <a:off x="0" y="0"/>
+          <a:ext cx="0" cy="0"/>
+          <a:chOff x="0" y="0"/>
+          <a:chExt cx="0" cy="0"/>
+        </a:xfrm>
+      </p:grpSpPr>
       <p:pic>
         <p:nvPicPr>
           <p:cNvPr id="3" name="Picture 2"/>
@@ -26986,7 +27083,7 @@
           <p:cNvPr id="4" name="Title 3">
             <a:extLst>
               <a:ext uri="{FF2B5EF4-FFF2-40B4-BE49-F238E27FC236}">
-                <a16:creationId xmlns:a16="http://schemas.microsoft.com/office/drawing/2014/main" id="{E3BD8413-C238-49D7-A4E1-E8FEF1811A0E}"/>
+                <a16:creationId xmlns:a16="http://schemas.microsoft.com/office/drawing/2014/main" xmlns="" id="{E3BD8413-C238-49D7-A4E1-E8FEF1811A0E}"/>
               </a:ext>
             </a:extLst>
           </p:cNvPr>
@@ -27022,6 +27119,13 @@
                 <a:cs typeface="Times New Roman" panose="02020603050405020304" pitchFamily="18" charset="0"/>
               </a:rPr>
               <a:t>SpecFlow</a:t>
+            </a:r>
+            <a:r>
+              <a:rPr lang="en-US" sz="3000" b="0" dirty="0">
+                <a:latin typeface="Times New Roman" panose="02020603050405020304" pitchFamily="18" charset="0"/>
+                <a:cs typeface="Times New Roman" panose="02020603050405020304" pitchFamily="18" charset="0"/>
+              </a:rPr>
+              <a:t/>
             </a:r>
             <a:br>
               <a:rPr lang="en-US" sz="3000" b="0" dirty="0">
@@ -27134,6 +27238,13 @@
               </a:rPr>
               <a:t>SpecFlow</a:t>
             </a:r>
+            <a:r>
+              <a:rPr lang="en-US" sz="3000" b="0" dirty="0">
+                <a:latin typeface="Times New Roman" panose="02020603050405020304" pitchFamily="18" charset="0"/>
+                <a:cs typeface="Times New Roman" panose="02020603050405020304" pitchFamily="18" charset="0"/>
+              </a:rPr>
+              <a:t/>
+            </a:r>
             <a:br>
               <a:rPr lang="en-US" sz="3000" b="0" dirty="0">
                 <a:latin typeface="Times New Roman" panose="02020603050405020304" pitchFamily="18" charset="0"/>
@@ -27165,7 +27276,7 @@
           <p:cNvPr id="2" name="Slide Number Placeholder 1">
             <a:extLst>
               <a:ext uri="{FF2B5EF4-FFF2-40B4-BE49-F238E27FC236}">
-                <a16:creationId xmlns:a16="http://schemas.microsoft.com/office/drawing/2014/main" id="{0B24BF10-2B55-43AB-9F77-F1A1410384A9}"/>
+                <a16:creationId xmlns:a16="http://schemas.microsoft.com/office/drawing/2014/main" xmlns="" id="{0B24BF10-2B55-43AB-9F77-F1A1410384A9}"/>
               </a:ext>
             </a:extLst>
           </p:cNvPr>
@@ -27237,7 +27348,7 @@
           <p:cNvPr id="7" name="Title 6">
             <a:extLst>
               <a:ext uri="{FF2B5EF4-FFF2-40B4-BE49-F238E27FC236}">
-                <a16:creationId xmlns:a16="http://schemas.microsoft.com/office/drawing/2014/main" id="{7875C19A-1AAE-476A-A316-A2CF92D763D3}"/>
+                <a16:creationId xmlns:a16="http://schemas.microsoft.com/office/drawing/2014/main" xmlns="" id="{7875C19A-1AAE-476A-A316-A2CF92D763D3}"/>
               </a:ext>
             </a:extLst>
           </p:cNvPr>
@@ -27279,7 +27390,7 @@
           <p:cNvPr id="10" name="Text Placeholder 9">
             <a:extLst>
               <a:ext uri="{FF2B5EF4-FFF2-40B4-BE49-F238E27FC236}">
-                <a16:creationId xmlns:a16="http://schemas.microsoft.com/office/drawing/2014/main" id="{EF2BC084-E6DB-4DE7-B309-042A85EBA700}"/>
+                <a16:creationId xmlns:a16="http://schemas.microsoft.com/office/drawing/2014/main" xmlns="" id="{EF2BC084-E6DB-4DE7-B309-042A85EBA700}"/>
               </a:ext>
             </a:extLst>
           </p:cNvPr>
@@ -27393,7 +27504,7 @@
           <p:cNvPr id="2" name="Slide Number Placeholder 1">
             <a:extLst>
               <a:ext uri="{FF2B5EF4-FFF2-40B4-BE49-F238E27FC236}">
-                <a16:creationId xmlns:a16="http://schemas.microsoft.com/office/drawing/2014/main" id="{BE9800F6-D571-48C4-8466-12AA1ADB6599}"/>
+                <a16:creationId xmlns:a16="http://schemas.microsoft.com/office/drawing/2014/main" xmlns="" id="{BE9800F6-D571-48C4-8466-12AA1ADB6599}"/>
               </a:ext>
             </a:extLst>
           </p:cNvPr>
@@ -27465,7 +27576,7 @@
           <p:cNvPr id="4" name="Title 3">
             <a:extLst>
               <a:ext uri="{FF2B5EF4-FFF2-40B4-BE49-F238E27FC236}">
-                <a16:creationId xmlns:a16="http://schemas.microsoft.com/office/drawing/2014/main" id="{315E3981-F0D7-482C-A8E0-6A57700BECA7}"/>
+                <a16:creationId xmlns:a16="http://schemas.microsoft.com/office/drawing/2014/main" xmlns="" id="{315E3981-F0D7-482C-A8E0-6A57700BECA7}"/>
               </a:ext>
             </a:extLst>
           </p:cNvPr>
@@ -27496,7 +27607,7 @@
           <p:cNvPr id="2" name="Slide Number Placeholder 1">
             <a:extLst>
               <a:ext uri="{FF2B5EF4-FFF2-40B4-BE49-F238E27FC236}">
-                <a16:creationId xmlns:a16="http://schemas.microsoft.com/office/drawing/2014/main" id="{520FC4EE-F318-4344-9E3C-B950ADB63865}"/>
+                <a16:creationId xmlns:a16="http://schemas.microsoft.com/office/drawing/2014/main" xmlns="" id="{520FC4EE-F318-4344-9E3C-B950ADB63865}"/>
               </a:ext>
             </a:extLst>
           </p:cNvPr>
@@ -27526,7 +27637,7 @@
           <p:cNvPr id="7" name="Text Placeholder 6">
             <a:extLst>
               <a:ext uri="{FF2B5EF4-FFF2-40B4-BE49-F238E27FC236}">
-                <a16:creationId xmlns:a16="http://schemas.microsoft.com/office/drawing/2014/main" id="{B74126B4-1E6C-4FFF-9282-40E18A85A07F}"/>
+                <a16:creationId xmlns:a16="http://schemas.microsoft.com/office/drawing/2014/main" xmlns="" id="{B74126B4-1E6C-4FFF-9282-40E18A85A07F}"/>
               </a:ext>
             </a:extLst>
           </p:cNvPr>
@@ -27568,7 +27679,7 @@
           <p:cNvPr id="5" name="Text Placeholder 4">
             <a:extLst>
               <a:ext uri="{FF2B5EF4-FFF2-40B4-BE49-F238E27FC236}">
-                <a16:creationId xmlns:a16="http://schemas.microsoft.com/office/drawing/2014/main" id="{E0C87788-476B-4620-8002-A5C1177AD6C1}"/>
+                <a16:creationId xmlns:a16="http://schemas.microsoft.com/office/drawing/2014/main" xmlns="" id="{E0C87788-476B-4620-8002-A5C1177AD6C1}"/>
               </a:ext>
             </a:extLst>
           </p:cNvPr>
@@ -27610,7 +27721,7 @@
           <p:cNvPr id="8" name="Text Placeholder 7">
             <a:extLst>
               <a:ext uri="{FF2B5EF4-FFF2-40B4-BE49-F238E27FC236}">
-                <a16:creationId xmlns:a16="http://schemas.microsoft.com/office/drawing/2014/main" id="{47DC4E62-1A34-4F98-A451-214F1808519C}"/>
+                <a16:creationId xmlns:a16="http://schemas.microsoft.com/office/drawing/2014/main" xmlns="" id="{47DC4E62-1A34-4F98-A451-214F1808519C}"/>
               </a:ext>
             </a:extLst>
           </p:cNvPr>
@@ -27682,7 +27793,7 @@
           <p:cNvPr id="6" name="Text Placeholder 5">
             <a:extLst>
               <a:ext uri="{FF2B5EF4-FFF2-40B4-BE49-F238E27FC236}">
-                <a16:creationId xmlns:a16="http://schemas.microsoft.com/office/drawing/2014/main" id="{000A9570-5EF6-4AFB-9FCA-7C8998E3FEB1}"/>
+                <a16:creationId xmlns:a16="http://schemas.microsoft.com/office/drawing/2014/main" xmlns="" id="{000A9570-5EF6-4AFB-9FCA-7C8998E3FEB1}"/>
               </a:ext>
             </a:extLst>
           </p:cNvPr>
@@ -27824,28 +27935,28 @@
       </p:sp>
       <p:pic>
         <p:nvPicPr>
-          <p:cNvPr id="5" name="Picture 4">
-            <a:extLst>
-              <a:ext uri="{FF2B5EF4-FFF2-40B4-BE49-F238E27FC236}">
-                <a16:creationId xmlns:a16="http://schemas.microsoft.com/office/drawing/2014/main" id="{C096AD44-E593-4491-8A04-26CDB48AAC41}"/>
-              </a:ext>
-            </a:extLst>
-          </p:cNvPr>
+          <p:cNvPr id="6" name="Picture 5"/>
           <p:cNvPicPr>
             <a:picLocks noChangeAspect="1"/>
           </p:cNvPicPr>
           <p:nvPr/>
         </p:nvPicPr>
         <p:blipFill>
-          <a:blip r:embed="rId2"/>
+          <a:blip r:embed="rId2">
+            <a:extLst>
+              <a:ext uri="{28A0092B-C50C-407E-A947-70E740481C1C}">
+                <a14:useLocalDpi xmlns:a14="http://schemas.microsoft.com/office/drawing/2010/main" val="0"/>
+              </a:ext>
+            </a:extLst>
+          </a:blip>
           <a:stretch>
             <a:fillRect/>
           </a:stretch>
         </p:blipFill>
         <p:spPr>
           <a:xfrm>
-            <a:off x="1219200" y="1298096"/>
-            <a:ext cx="9753600" cy="5124450"/>
+            <a:off x="2303953" y="1804086"/>
+            <a:ext cx="7725853" cy="4077730"/>
           </a:xfrm>
           <a:prstGeom prst="rect">
             <a:avLst/>
@@ -27887,7 +27998,7 @@
           <p:cNvPr id="7" name="Title 6">
             <a:extLst>
               <a:ext uri="{FF2B5EF4-FFF2-40B4-BE49-F238E27FC236}">
-                <a16:creationId xmlns:a16="http://schemas.microsoft.com/office/drawing/2014/main" id="{7875C19A-1AAE-476A-A316-A2CF92D763D3}"/>
+                <a16:creationId xmlns:a16="http://schemas.microsoft.com/office/drawing/2014/main" xmlns="" id="{7875C19A-1AAE-476A-A316-A2CF92D763D3}"/>
               </a:ext>
             </a:extLst>
           </p:cNvPr>
@@ -27915,7 +28026,7 @@
           <p:cNvPr id="10" name="Text Placeholder 9">
             <a:extLst>
               <a:ext uri="{FF2B5EF4-FFF2-40B4-BE49-F238E27FC236}">
-                <a16:creationId xmlns:a16="http://schemas.microsoft.com/office/drawing/2014/main" id="{EF2BC084-E6DB-4DE7-B309-042A85EBA700}"/>
+                <a16:creationId xmlns:a16="http://schemas.microsoft.com/office/drawing/2014/main" xmlns="" id="{EF2BC084-E6DB-4DE7-B309-042A85EBA700}"/>
               </a:ext>
             </a:extLst>
           </p:cNvPr>
@@ -27964,7 +28075,7 @@
           <p:cNvPr id="2" name="Slide Number Placeholder 1">
             <a:extLst>
               <a:ext uri="{FF2B5EF4-FFF2-40B4-BE49-F238E27FC236}">
-                <a16:creationId xmlns:a16="http://schemas.microsoft.com/office/drawing/2014/main" id="{BE9800F6-D571-48C4-8466-12AA1ADB6599}"/>
+                <a16:creationId xmlns:a16="http://schemas.microsoft.com/office/drawing/2014/main" xmlns="" id="{BE9800F6-D571-48C4-8466-12AA1ADB6599}"/>
               </a:ext>
             </a:extLst>
           </p:cNvPr>
@@ -28036,7 +28147,7 @@
           <p:cNvPr id="7" name="Title 6">
             <a:extLst>
               <a:ext uri="{FF2B5EF4-FFF2-40B4-BE49-F238E27FC236}">
-                <a16:creationId xmlns:a16="http://schemas.microsoft.com/office/drawing/2014/main" id="{7875C19A-1AAE-476A-A316-A2CF92D763D3}"/>
+                <a16:creationId xmlns:a16="http://schemas.microsoft.com/office/drawing/2014/main" xmlns="" id="{7875C19A-1AAE-476A-A316-A2CF92D763D3}"/>
               </a:ext>
             </a:extLst>
           </p:cNvPr>
@@ -28073,7 +28184,7 @@
           <p:cNvPr id="10" name="Text Placeholder 9">
             <a:extLst>
               <a:ext uri="{FF2B5EF4-FFF2-40B4-BE49-F238E27FC236}">
-                <a16:creationId xmlns:a16="http://schemas.microsoft.com/office/drawing/2014/main" id="{EF2BC084-E6DB-4DE7-B309-042A85EBA700}"/>
+                <a16:creationId xmlns:a16="http://schemas.microsoft.com/office/drawing/2014/main" xmlns="" id="{EF2BC084-E6DB-4DE7-B309-042A85EBA700}"/>
               </a:ext>
             </a:extLst>
           </p:cNvPr>
@@ -28122,7 +28233,7 @@
           <p:cNvPr id="2" name="Slide Number Placeholder 1">
             <a:extLst>
               <a:ext uri="{FF2B5EF4-FFF2-40B4-BE49-F238E27FC236}">
-                <a16:creationId xmlns:a16="http://schemas.microsoft.com/office/drawing/2014/main" id="{BE9800F6-D571-48C4-8466-12AA1ADB6599}"/>
+                <a16:creationId xmlns:a16="http://schemas.microsoft.com/office/drawing/2014/main" xmlns="" id="{BE9800F6-D571-48C4-8466-12AA1ADB6599}"/>
               </a:ext>
             </a:extLst>
           </p:cNvPr>
@@ -28194,7 +28305,7 @@
           <p:cNvPr id="7" name="Title 6">
             <a:extLst>
               <a:ext uri="{FF2B5EF4-FFF2-40B4-BE49-F238E27FC236}">
-                <a16:creationId xmlns:a16="http://schemas.microsoft.com/office/drawing/2014/main" id="{7875C19A-1AAE-476A-A316-A2CF92D763D3}"/>
+                <a16:creationId xmlns:a16="http://schemas.microsoft.com/office/drawing/2014/main" xmlns="" id="{7875C19A-1AAE-476A-A316-A2CF92D763D3}"/>
               </a:ext>
             </a:extLst>
           </p:cNvPr>
@@ -28237,7 +28348,7 @@
           <p:cNvPr id="10" name="Text Placeholder 9">
             <a:extLst>
               <a:ext uri="{FF2B5EF4-FFF2-40B4-BE49-F238E27FC236}">
-                <a16:creationId xmlns:a16="http://schemas.microsoft.com/office/drawing/2014/main" id="{EF2BC084-E6DB-4DE7-B309-042A85EBA700}"/>
+                <a16:creationId xmlns:a16="http://schemas.microsoft.com/office/drawing/2014/main" xmlns="" id="{EF2BC084-E6DB-4DE7-B309-042A85EBA700}"/>
               </a:ext>
             </a:extLst>
           </p:cNvPr>
@@ -28274,7 +28385,7 @@
           <p:cNvPr id="2" name="Slide Number Placeholder 1">
             <a:extLst>
               <a:ext uri="{FF2B5EF4-FFF2-40B4-BE49-F238E27FC236}">
-                <a16:creationId xmlns:a16="http://schemas.microsoft.com/office/drawing/2014/main" id="{BE9800F6-D571-48C4-8466-12AA1ADB6599}"/>
+                <a16:creationId xmlns:a16="http://schemas.microsoft.com/office/drawing/2014/main" xmlns="" id="{BE9800F6-D571-48C4-8466-12AA1ADB6599}"/>
               </a:ext>
             </a:extLst>
           </p:cNvPr>
@@ -28376,7 +28487,7 @@
           <p:cNvPr id="7" name="Title 6">
             <a:extLst>
               <a:ext uri="{FF2B5EF4-FFF2-40B4-BE49-F238E27FC236}">
-                <a16:creationId xmlns:a16="http://schemas.microsoft.com/office/drawing/2014/main" id="{7875C19A-1AAE-476A-A316-A2CF92D763D3}"/>
+                <a16:creationId xmlns:a16="http://schemas.microsoft.com/office/drawing/2014/main" xmlns="" id="{7875C19A-1AAE-476A-A316-A2CF92D763D3}"/>
               </a:ext>
             </a:extLst>
           </p:cNvPr>
@@ -28413,7 +28524,7 @@
           <p:cNvPr id="2" name="Slide Number Placeholder 1">
             <a:extLst>
               <a:ext uri="{FF2B5EF4-FFF2-40B4-BE49-F238E27FC236}">
-                <a16:creationId xmlns:a16="http://schemas.microsoft.com/office/drawing/2014/main" id="{BE9800F6-D571-48C4-8466-12AA1ADB6599}"/>
+                <a16:creationId xmlns:a16="http://schemas.microsoft.com/office/drawing/2014/main" xmlns="" id="{BE9800F6-D571-48C4-8466-12AA1ADB6599}"/>
               </a:ext>
             </a:extLst>
           </p:cNvPr>
@@ -29285,20 +29396,20 @@
 </file>
 
 <file path=customXml/item1.xml><?xml version="1.0" encoding="utf-8"?>
-<p:properties xmlns:p="http://schemas.microsoft.com/office/2006/metadata/properties" xmlns:xsi="http://www.w3.org/2001/XMLSchema-instance" xmlns:pc="http://schemas.microsoft.com/office/infopath/2007/PartnerControls">
-  <documentManagement>
-    <MediaServiceKeyPoints xmlns="71af3243-3dd4-4a8d-8c0d-dd76da1f02a5" xsi:nil="true"/>
-  </documentManagement>
-</p:properties>
-</file>
-
-<file path=customXml/item2.xml><?xml version="1.0" encoding="utf-8"?>
 <?mso-contentType ?>
 <FormTemplates xmlns="http://schemas.microsoft.com/sharepoint/v3/contenttype/forms">
   <Display>DocumentLibraryForm</Display>
   <Edit>DocumentLibraryForm</Edit>
   <New>DocumentLibraryForm</New>
 </FormTemplates>
+</file>
+
+<file path=customXml/item2.xml><?xml version="1.0" encoding="utf-8"?>
+<p:properties xmlns:p="http://schemas.microsoft.com/office/2006/metadata/properties" xmlns:xsi="http://www.w3.org/2001/XMLSchema-instance" xmlns:pc="http://schemas.microsoft.com/office/infopath/2007/PartnerControls">
+  <documentManagement>
+    <MediaServiceKeyPoints xmlns="71af3243-3dd4-4a8d-8c0d-dd76da1f02a5" xsi:nil="true"/>
+  </documentManagement>
+</p:properties>
 </file>
 
 <file path=customXml/item3.xml><?xml version="1.0" encoding="utf-8"?>
@@ -29513,6 +29624,14 @@
 </file>
 
 <file path=customXml/itemProps1.xml><?xml version="1.0" encoding="utf-8"?>
+<ds:datastoreItem xmlns:ds="http://schemas.openxmlformats.org/officeDocument/2006/customXml" ds:itemID="{5B26E0C9-B2AA-42E6-97B6-E1B7D9EAF129}">
+  <ds:schemaRefs>
+    <ds:schemaRef ds:uri="http://schemas.microsoft.com/sharepoint/v3/contenttype/forms"/>
+  </ds:schemaRefs>
+</ds:datastoreItem>
+</file>
+
+<file path=customXml/itemProps2.xml><?xml version="1.0" encoding="utf-8"?>
 <ds:datastoreItem xmlns:ds="http://schemas.openxmlformats.org/officeDocument/2006/customXml" ds:itemID="{F5757914-1161-4661-9696-421FD6935CDD}">
   <ds:schemaRefs>
     <ds:schemaRef ds:uri="http://purl.org/dc/elements/1.1/"/>
@@ -29525,14 +29644,6 @@
     <ds:schemaRef ds:uri="71af3243-3dd4-4a8d-8c0d-dd76da1f02a5"/>
     <ds:schemaRef ds:uri="http://www.w3.org/XML/1998/namespace"/>
     <ds:schemaRef ds:uri="http://purl.org/dc/dcmitype/"/>
-  </ds:schemaRefs>
-</ds:datastoreItem>
-</file>
-
-<file path=customXml/itemProps2.xml><?xml version="1.0" encoding="utf-8"?>
-<ds:datastoreItem xmlns:ds="http://schemas.openxmlformats.org/officeDocument/2006/customXml" ds:itemID="{5B26E0C9-B2AA-42E6-97B6-E1B7D9EAF129}">
-  <ds:schemaRefs>
-    <ds:schemaRef ds:uri="http://schemas.microsoft.com/sharepoint/v3/contenttype/forms"/>
   </ds:schemaRefs>
 </ds:datastoreItem>
 </file>

--- a/Selenium/Specflow/Specflow.pptx
+++ b/Selenium/Specflow/Specflow.pptx
@@ -175,7 +175,7 @@
           <p:cNvPr id="2" name="Header Placeholder 1">
             <a:extLst>
               <a:ext uri="{FF2B5EF4-FFF2-40B4-BE49-F238E27FC236}">
-                <a16:creationId xmlns:a16="http://schemas.microsoft.com/office/drawing/2014/main" xmlns="" id="{E62FF6B6-4F8A-40F7-B5F4-FC3996824D73}"/>
+                <a16:creationId xmlns="" xmlns:a16="http://schemas.microsoft.com/office/drawing/2014/main" id="{E62FF6B6-4F8A-40F7-B5F4-FC3996824D73}"/>
               </a:ext>
             </a:extLst>
           </p:cNvPr>
@@ -212,7 +212,7 @@
           <p:cNvPr id="3" name="Date Placeholder 2">
             <a:extLst>
               <a:ext uri="{FF2B5EF4-FFF2-40B4-BE49-F238E27FC236}">
-                <a16:creationId xmlns:a16="http://schemas.microsoft.com/office/drawing/2014/main" xmlns="" id="{8910A999-F365-48DF-976A-0517FE045440}"/>
+                <a16:creationId xmlns="" xmlns:a16="http://schemas.microsoft.com/office/drawing/2014/main" id="{8910A999-F365-48DF-976A-0517FE045440}"/>
               </a:ext>
             </a:extLst>
           </p:cNvPr>
@@ -253,7 +253,7 @@
           <p:cNvPr id="4" name="Footer Placeholder 3">
             <a:extLst>
               <a:ext uri="{FF2B5EF4-FFF2-40B4-BE49-F238E27FC236}">
-                <a16:creationId xmlns:a16="http://schemas.microsoft.com/office/drawing/2014/main" xmlns="" id="{F8735C90-ADBF-4B9E-BE88-E1C8F83EB4D2}"/>
+                <a16:creationId xmlns="" xmlns:a16="http://schemas.microsoft.com/office/drawing/2014/main" id="{F8735C90-ADBF-4B9E-BE88-E1C8F83EB4D2}"/>
               </a:ext>
             </a:extLst>
           </p:cNvPr>
@@ -290,7 +290,7 @@
           <p:cNvPr id="5" name="Slide Number Placeholder 4">
             <a:extLst>
               <a:ext uri="{FF2B5EF4-FFF2-40B4-BE49-F238E27FC236}">
-                <a16:creationId xmlns:a16="http://schemas.microsoft.com/office/drawing/2014/main" xmlns="" id="{82506A01-6D0A-45EF-A584-05A3361D66F7}"/>
+                <a16:creationId xmlns="" xmlns:a16="http://schemas.microsoft.com/office/drawing/2014/main" id="{82506A01-6D0A-45EF-A584-05A3361D66F7}"/>
               </a:ext>
             </a:extLst>
           </p:cNvPr>
@@ -708,7 +708,7 @@
           <p:cNvPr id="21" name="Rectangle 20">
             <a:extLst>
               <a:ext uri="{FF2B5EF4-FFF2-40B4-BE49-F238E27FC236}">
-                <a16:creationId xmlns:a16="http://schemas.microsoft.com/office/drawing/2014/main" xmlns="" id="{6E739168-A5E8-443A-B392-7AD4CF8977AD}"/>
+                <a16:creationId xmlns="" xmlns:a16="http://schemas.microsoft.com/office/drawing/2014/main" id="{6E739168-A5E8-443A-B392-7AD4CF8977AD}"/>
               </a:ext>
             </a:extLst>
           </p:cNvPr>
@@ -760,7 +760,7 @@
           <p:cNvPr id="7" name="Group 6">
             <a:extLst>
               <a:ext uri="{FF2B5EF4-FFF2-40B4-BE49-F238E27FC236}">
-                <a16:creationId xmlns:a16="http://schemas.microsoft.com/office/drawing/2014/main" xmlns="" id="{4CA15AFD-4983-47DD-9ED0-D3B27E5A096F}"/>
+                <a16:creationId xmlns="" xmlns:a16="http://schemas.microsoft.com/office/drawing/2014/main" id="{4CA15AFD-4983-47DD-9ED0-D3B27E5A096F}"/>
               </a:ext>
             </a:extLst>
           </p:cNvPr>
@@ -780,7 +780,7 @@
             <p:cNvPr id="8" name="Group 7">
               <a:extLst>
                 <a:ext uri="{FF2B5EF4-FFF2-40B4-BE49-F238E27FC236}">
-                  <a16:creationId xmlns:a16="http://schemas.microsoft.com/office/drawing/2014/main" xmlns="" id="{2222D5E2-E9B4-4180-98B8-4E514C9ADB28}"/>
+                  <a16:creationId xmlns="" xmlns:a16="http://schemas.microsoft.com/office/drawing/2014/main" id="{2222D5E2-E9B4-4180-98B8-4E514C9ADB28}"/>
                 </a:ext>
               </a:extLst>
             </p:cNvPr>
@@ -800,7 +800,7 @@
               <p:cNvPr id="15" name="Freeform: Shape 14">
                 <a:extLst>
                   <a:ext uri="{FF2B5EF4-FFF2-40B4-BE49-F238E27FC236}">
-                    <a16:creationId xmlns:a16="http://schemas.microsoft.com/office/drawing/2014/main" xmlns="" id="{41E10E1E-5268-4F03-BA64-07E19DE26739}"/>
+                    <a16:creationId xmlns="" xmlns:a16="http://schemas.microsoft.com/office/drawing/2014/main" id="{41E10E1E-5268-4F03-BA64-07E19DE26739}"/>
                   </a:ext>
                 </a:extLst>
               </p:cNvPr>
@@ -937,7 +937,7 @@
               <p:cNvPr id="16" name="Freeform: Shape 15">
                 <a:extLst>
                   <a:ext uri="{FF2B5EF4-FFF2-40B4-BE49-F238E27FC236}">
-                    <a16:creationId xmlns:a16="http://schemas.microsoft.com/office/drawing/2014/main" xmlns="" id="{B989C45D-BDFF-418F-BE79-03FF70015770}"/>
+                    <a16:creationId xmlns="" xmlns:a16="http://schemas.microsoft.com/office/drawing/2014/main" id="{B989C45D-BDFF-418F-BE79-03FF70015770}"/>
                   </a:ext>
                 </a:extLst>
               </p:cNvPr>
@@ -1101,7 +1101,7 @@
               <p:cNvPr id="17" name="Right Triangle 16">
                 <a:extLst>
                   <a:ext uri="{FF2B5EF4-FFF2-40B4-BE49-F238E27FC236}">
-                    <a16:creationId xmlns:a16="http://schemas.microsoft.com/office/drawing/2014/main" xmlns="" id="{8DCD5806-2A2F-4ABF-8057-245681C498E6}"/>
+                    <a16:creationId xmlns="" xmlns:a16="http://schemas.microsoft.com/office/drawing/2014/main" id="{8DCD5806-2A2F-4ABF-8057-245681C498E6}"/>
                   </a:ext>
                 </a:extLst>
               </p:cNvPr>
@@ -1155,7 +1155,7 @@
               <p:cNvPr id="18" name="Right Triangle 17">
                 <a:extLst>
                   <a:ext uri="{FF2B5EF4-FFF2-40B4-BE49-F238E27FC236}">
-                    <a16:creationId xmlns:a16="http://schemas.microsoft.com/office/drawing/2014/main" xmlns="" id="{3A93038F-E9E4-4FFD-B3DF-28DB7C2C1490}"/>
+                    <a16:creationId xmlns="" xmlns:a16="http://schemas.microsoft.com/office/drawing/2014/main" id="{3A93038F-E9E4-4FFD-B3DF-28DB7C2C1490}"/>
                   </a:ext>
                 </a:extLst>
               </p:cNvPr>
@@ -1212,7 +1212,7 @@
               <p:cNvPr id="19" name="Right Triangle 18">
                 <a:extLst>
                   <a:ext uri="{FF2B5EF4-FFF2-40B4-BE49-F238E27FC236}">
-                    <a16:creationId xmlns:a16="http://schemas.microsoft.com/office/drawing/2014/main" xmlns="" id="{5DEA1E02-BBD0-4AE3-AF22-433B90272178}"/>
+                    <a16:creationId xmlns="" xmlns:a16="http://schemas.microsoft.com/office/drawing/2014/main" id="{5DEA1E02-BBD0-4AE3-AF22-433B90272178}"/>
                   </a:ext>
                 </a:extLst>
               </p:cNvPr>
@@ -1266,7 +1266,7 @@
               <p:cNvPr id="20" name="Freeform: Shape 19">
                 <a:extLst>
                   <a:ext uri="{FF2B5EF4-FFF2-40B4-BE49-F238E27FC236}">
-                    <a16:creationId xmlns:a16="http://schemas.microsoft.com/office/drawing/2014/main" xmlns="" id="{0027A677-9ACB-4264-B148-4806678FB83F}"/>
+                    <a16:creationId xmlns="" xmlns:a16="http://schemas.microsoft.com/office/drawing/2014/main" id="{0027A677-9ACB-4264-B148-4806678FB83F}"/>
                   </a:ext>
                 </a:extLst>
               </p:cNvPr>
@@ -1429,7 +1429,7 @@
             <p:cNvPr id="9" name="Freeform: Shape 12">
               <a:extLst>
                 <a:ext uri="{FF2B5EF4-FFF2-40B4-BE49-F238E27FC236}">
-                  <a16:creationId xmlns:a16="http://schemas.microsoft.com/office/drawing/2014/main" xmlns="" id="{E3AAB79D-382D-4A95-965E-526B6A681DA7}"/>
+                  <a16:creationId xmlns="" xmlns:a16="http://schemas.microsoft.com/office/drawing/2014/main" id="{E3AAB79D-382D-4A95-965E-526B6A681DA7}"/>
                 </a:ext>
               </a:extLst>
             </p:cNvPr>
@@ -1519,7 +1519,7 @@
             <p:cNvPr id="10" name="Freeform: Shape 9">
               <a:extLst>
                 <a:ext uri="{FF2B5EF4-FFF2-40B4-BE49-F238E27FC236}">
-                  <a16:creationId xmlns:a16="http://schemas.microsoft.com/office/drawing/2014/main" xmlns="" id="{C0A22127-2B4A-4B15-B0A9-F019A30347A1}"/>
+                  <a16:creationId xmlns="" xmlns:a16="http://schemas.microsoft.com/office/drawing/2014/main" id="{C0A22127-2B4A-4B15-B0A9-F019A30347A1}"/>
                 </a:ext>
               </a:extLst>
             </p:cNvPr>
@@ -1622,7 +1622,7 @@
             <p:cNvPr id="11" name="Freeform: Shape 12">
               <a:extLst>
                 <a:ext uri="{FF2B5EF4-FFF2-40B4-BE49-F238E27FC236}">
-                  <a16:creationId xmlns:a16="http://schemas.microsoft.com/office/drawing/2014/main" xmlns="" id="{F04D9FDC-1B67-4254-9535-CD32E81F0C3E}"/>
+                  <a16:creationId xmlns="" xmlns:a16="http://schemas.microsoft.com/office/drawing/2014/main" id="{F04D9FDC-1B67-4254-9535-CD32E81F0C3E}"/>
                 </a:ext>
               </a:extLst>
             </p:cNvPr>
@@ -1720,7 +1720,7 @@
             <p:cNvPr id="12" name="Group 11">
               <a:extLst>
                 <a:ext uri="{FF2B5EF4-FFF2-40B4-BE49-F238E27FC236}">
-                  <a16:creationId xmlns:a16="http://schemas.microsoft.com/office/drawing/2014/main" xmlns="" id="{0A86C4EA-4CF8-4531-845D-4FCB1E2F7422}"/>
+                  <a16:creationId xmlns="" xmlns:a16="http://schemas.microsoft.com/office/drawing/2014/main" id="{0A86C4EA-4CF8-4531-845D-4FCB1E2F7422}"/>
                 </a:ext>
               </a:extLst>
             </p:cNvPr>
@@ -1740,7 +1740,7 @@
               <p:cNvPr id="13" name="Freeform: Shape 12">
                 <a:extLst>
                   <a:ext uri="{FF2B5EF4-FFF2-40B4-BE49-F238E27FC236}">
-                    <a16:creationId xmlns:a16="http://schemas.microsoft.com/office/drawing/2014/main" xmlns="" id="{1101B195-C112-4D20-8D19-4D22479B150D}"/>
+                    <a16:creationId xmlns="" xmlns:a16="http://schemas.microsoft.com/office/drawing/2014/main" id="{1101B195-C112-4D20-8D19-4D22479B150D}"/>
                   </a:ext>
                 </a:extLst>
               </p:cNvPr>
@@ -1830,7 +1830,7 @@
               <p:cNvPr id="14" name="Freeform: Shape 12">
                 <a:extLst>
                   <a:ext uri="{FF2B5EF4-FFF2-40B4-BE49-F238E27FC236}">
-                    <a16:creationId xmlns:a16="http://schemas.microsoft.com/office/drawing/2014/main" xmlns="" id="{CA755F1F-9955-4CBB-8F34-F7801CA44CE7}"/>
+                    <a16:creationId xmlns="" xmlns:a16="http://schemas.microsoft.com/office/drawing/2014/main" id="{CA755F1F-9955-4CBB-8F34-F7801CA44CE7}"/>
                   </a:ext>
                 </a:extLst>
               </p:cNvPr>
@@ -1930,7 +1930,7 @@
           <p:cNvPr id="2" name="Title 1">
             <a:extLst>
               <a:ext uri="{FF2B5EF4-FFF2-40B4-BE49-F238E27FC236}">
-                <a16:creationId xmlns:a16="http://schemas.microsoft.com/office/drawing/2014/main" xmlns="" id="{9E597736-C478-4C26-9BAF-205FE31E977C}"/>
+                <a16:creationId xmlns="" xmlns:a16="http://schemas.microsoft.com/office/drawing/2014/main" id="{9E597736-C478-4C26-9BAF-205FE31E977C}"/>
               </a:ext>
             </a:extLst>
           </p:cNvPr>
@@ -1977,7 +1977,7 @@
           <p:cNvPr id="3" name="Subtitle 2">
             <a:extLst>
               <a:ext uri="{FF2B5EF4-FFF2-40B4-BE49-F238E27FC236}">
-                <a16:creationId xmlns:a16="http://schemas.microsoft.com/office/drawing/2014/main" xmlns="" id="{C3D2DEF0-A0B0-4CFE-B67D-A9D75E2368DC}"/>
+                <a16:creationId xmlns="" xmlns:a16="http://schemas.microsoft.com/office/drawing/2014/main" id="{C3D2DEF0-A0B0-4CFE-B67D-A9D75E2368DC}"/>
               </a:ext>
             </a:extLst>
           </p:cNvPr>
@@ -2062,7 +2062,7 @@
           <p:cNvPr id="11" name="Rectangle 10">
             <a:extLst>
               <a:ext uri="{FF2B5EF4-FFF2-40B4-BE49-F238E27FC236}">
-                <a16:creationId xmlns:a16="http://schemas.microsoft.com/office/drawing/2014/main" xmlns="" id="{EB3E033F-4449-40FA-BC85-BD2712D313DD}"/>
+                <a16:creationId xmlns="" xmlns:a16="http://schemas.microsoft.com/office/drawing/2014/main" id="{EB3E033F-4449-40FA-BC85-BD2712D313DD}"/>
               </a:ext>
             </a:extLst>
           </p:cNvPr>
@@ -2116,7 +2116,7 @@
           <p:cNvPr id="10" name="Freeform: Shape 9">
             <a:extLst>
               <a:ext uri="{FF2B5EF4-FFF2-40B4-BE49-F238E27FC236}">
-                <a16:creationId xmlns:a16="http://schemas.microsoft.com/office/drawing/2014/main" xmlns="" id="{63D26743-0505-444C-80B3-E88EE87DF72B}"/>
+                <a16:creationId xmlns="" xmlns:a16="http://schemas.microsoft.com/office/drawing/2014/main" id="{63D26743-0505-444C-80B3-E88EE87DF72B}"/>
               </a:ext>
             </a:extLst>
           </p:cNvPr>
@@ -2239,7 +2239,7 @@
           <p:cNvPr id="18" name="Freeform: Shape 17">
             <a:extLst>
               <a:ext uri="{FF2B5EF4-FFF2-40B4-BE49-F238E27FC236}">
-                <a16:creationId xmlns:a16="http://schemas.microsoft.com/office/drawing/2014/main" xmlns="" id="{E37145E9-AC61-47D5-9288-8789940F81B6}"/>
+                <a16:creationId xmlns="" xmlns:a16="http://schemas.microsoft.com/office/drawing/2014/main" id="{E37145E9-AC61-47D5-9288-8789940F81B6}"/>
               </a:ext>
             </a:extLst>
           </p:cNvPr>
@@ -2391,7 +2391,7 @@
           <p:cNvPr id="12" name="Freeform: Shape 11">
             <a:extLst>
               <a:ext uri="{FF2B5EF4-FFF2-40B4-BE49-F238E27FC236}">
-                <a16:creationId xmlns:a16="http://schemas.microsoft.com/office/drawing/2014/main" xmlns="" id="{A5E2B3ED-9A49-40A7-B8A3-62595FE513F9}"/>
+                <a16:creationId xmlns="" xmlns:a16="http://schemas.microsoft.com/office/drawing/2014/main" id="{A5E2B3ED-9A49-40A7-B8A3-62595FE513F9}"/>
               </a:ext>
             </a:extLst>
           </p:cNvPr>
@@ -2541,7 +2541,7 @@
           <p:cNvPr id="8" name="Freeform: Shape 7">
             <a:extLst>
               <a:ext uri="{FF2B5EF4-FFF2-40B4-BE49-F238E27FC236}">
-                <a16:creationId xmlns:a16="http://schemas.microsoft.com/office/drawing/2014/main" xmlns="" id="{1599AF7E-3E34-4597-AA72-9373A7FDB020}"/>
+                <a16:creationId xmlns="" xmlns:a16="http://schemas.microsoft.com/office/drawing/2014/main" id="{1599AF7E-3E34-4597-AA72-9373A7FDB020}"/>
               </a:ext>
             </a:extLst>
           </p:cNvPr>
@@ -2687,7 +2687,7 @@
           <p:cNvPr id="2" name="Title 1">
             <a:extLst>
               <a:ext uri="{FF2B5EF4-FFF2-40B4-BE49-F238E27FC236}">
-                <a16:creationId xmlns:a16="http://schemas.microsoft.com/office/drawing/2014/main" xmlns="" id="{4A2DF563-7FAC-46B3-B24C-7E45CD89DA2B}"/>
+                <a16:creationId xmlns="" xmlns:a16="http://schemas.microsoft.com/office/drawing/2014/main" id="{4A2DF563-7FAC-46B3-B24C-7E45CD89DA2B}"/>
               </a:ext>
             </a:extLst>
           </p:cNvPr>
@@ -2732,7 +2732,7 @@
           <p:cNvPr id="15" name="Group 14">
             <a:extLst>
               <a:ext uri="{FF2B5EF4-FFF2-40B4-BE49-F238E27FC236}">
-                <a16:creationId xmlns:a16="http://schemas.microsoft.com/office/drawing/2014/main" xmlns="" id="{7732E1E7-45E3-4264-8F26-66758696DD1E}"/>
+                <a16:creationId xmlns="" xmlns:a16="http://schemas.microsoft.com/office/drawing/2014/main" id="{7732E1E7-45E3-4264-8F26-66758696DD1E}"/>
               </a:ext>
             </a:extLst>
           </p:cNvPr>
@@ -2752,7 +2752,7 @@
             <p:cNvPr id="16" name="Freeform: Shape 15">
               <a:extLst>
                 <a:ext uri="{FF2B5EF4-FFF2-40B4-BE49-F238E27FC236}">
-                  <a16:creationId xmlns:a16="http://schemas.microsoft.com/office/drawing/2014/main" xmlns="" id="{2E3DF883-8093-49FA-81E1-E5D77F086A25}"/>
+                  <a16:creationId xmlns="" xmlns:a16="http://schemas.microsoft.com/office/drawing/2014/main" id="{2E3DF883-8093-49FA-81E1-E5D77F086A25}"/>
                 </a:ext>
               </a:extLst>
             </p:cNvPr>
@@ -2842,7 +2842,7 @@
             <p:cNvPr id="17" name="Freeform: Shape 16">
               <a:extLst>
                 <a:ext uri="{FF2B5EF4-FFF2-40B4-BE49-F238E27FC236}">
-                  <a16:creationId xmlns:a16="http://schemas.microsoft.com/office/drawing/2014/main" xmlns="" id="{18944C90-37E5-4BBE-89FF-060627168050}"/>
+                  <a16:creationId xmlns="" xmlns:a16="http://schemas.microsoft.com/office/drawing/2014/main" id="{18944C90-37E5-4BBE-89FF-060627168050}"/>
                 </a:ext>
               </a:extLst>
             </p:cNvPr>
@@ -2941,7 +2941,7 @@
           <p:cNvPr id="6" name="Group 5">
             <a:extLst>
               <a:ext uri="{FF2B5EF4-FFF2-40B4-BE49-F238E27FC236}">
-                <a16:creationId xmlns:a16="http://schemas.microsoft.com/office/drawing/2014/main" xmlns="" id="{D9EBF8BB-A805-4DDB-B459-082F99815B95}"/>
+                <a16:creationId xmlns="" xmlns:a16="http://schemas.microsoft.com/office/drawing/2014/main" id="{D9EBF8BB-A805-4DDB-B459-082F99815B95}"/>
               </a:ext>
             </a:extLst>
           </p:cNvPr>
@@ -2961,7 +2961,7 @@
             <p:cNvPr id="19" name="Rectangle: Single Corner Snipped 18">
               <a:extLst>
                 <a:ext uri="{FF2B5EF4-FFF2-40B4-BE49-F238E27FC236}">
-                  <a16:creationId xmlns:a16="http://schemas.microsoft.com/office/drawing/2014/main" xmlns="" id="{5D638788-DD47-45E7-939A-FA108A818173}"/>
+                  <a16:creationId xmlns="" xmlns:a16="http://schemas.microsoft.com/office/drawing/2014/main" id="{5D638788-DD47-45E7-939A-FA108A818173}"/>
                 </a:ext>
               </a:extLst>
             </p:cNvPr>
@@ -3027,7 +3027,7 @@
             <p:cNvPr id="3" name="Rectangle: Single Corner Snipped 2">
               <a:extLst>
                 <a:ext uri="{FF2B5EF4-FFF2-40B4-BE49-F238E27FC236}">
-                  <a16:creationId xmlns:a16="http://schemas.microsoft.com/office/drawing/2014/main" xmlns="" id="{74BDECEF-EEFE-4332-B3B2-BDE4F82C10FC}"/>
+                  <a16:creationId xmlns="" xmlns:a16="http://schemas.microsoft.com/office/drawing/2014/main" id="{74BDECEF-EEFE-4332-B3B2-BDE4F82C10FC}"/>
                 </a:ext>
               </a:extLst>
             </p:cNvPr>
@@ -3084,7 +3084,7 @@
           <p:cNvPr id="24" name="Freeform: Shape 23">
             <a:extLst>
               <a:ext uri="{FF2B5EF4-FFF2-40B4-BE49-F238E27FC236}">
-                <a16:creationId xmlns:a16="http://schemas.microsoft.com/office/drawing/2014/main" xmlns="" id="{18103E00-7E4A-44CD-81AC-06433CAE1110}"/>
+                <a16:creationId xmlns="" xmlns:a16="http://schemas.microsoft.com/office/drawing/2014/main" id="{18103E00-7E4A-44CD-81AC-06433CAE1110}"/>
               </a:ext>
             </a:extLst>
           </p:cNvPr>
@@ -3179,7 +3179,7 @@
           <p:cNvPr id="5" name="Slide Number Placeholder 4">
             <a:extLst>
               <a:ext uri="{FF2B5EF4-FFF2-40B4-BE49-F238E27FC236}">
-                <a16:creationId xmlns:a16="http://schemas.microsoft.com/office/drawing/2014/main" xmlns="" id="{87B51822-97FF-47A7-8E4E-A0F79B4EB237}"/>
+                <a16:creationId xmlns="" xmlns:a16="http://schemas.microsoft.com/office/drawing/2014/main" id="{87B51822-97FF-47A7-8E4E-A0F79B4EB237}"/>
               </a:ext>
             </a:extLst>
           </p:cNvPr>
@@ -3223,7 +3223,7 @@
           <p:cNvPr id="20" name="Content Placeholder 2">
             <a:extLst>
               <a:ext uri="{FF2B5EF4-FFF2-40B4-BE49-F238E27FC236}">
-                <a16:creationId xmlns:a16="http://schemas.microsoft.com/office/drawing/2014/main" xmlns="" id="{FE796BFF-6E5F-4DE7-B193-F501FC094D63}"/>
+                <a16:creationId xmlns="" xmlns:a16="http://schemas.microsoft.com/office/drawing/2014/main" id="{FE796BFF-6E5F-4DE7-B193-F501FC094D63}"/>
               </a:ext>
             </a:extLst>
           </p:cNvPr>
@@ -3333,7 +3333,7 @@
           <p:cNvPr id="21" name="Content Placeholder 3">
             <a:extLst>
               <a:ext uri="{FF2B5EF4-FFF2-40B4-BE49-F238E27FC236}">
-                <a16:creationId xmlns:a16="http://schemas.microsoft.com/office/drawing/2014/main" xmlns="" id="{78622754-CA4D-4C27-A37F-B26E7B4C9CA2}"/>
+                <a16:creationId xmlns="" xmlns:a16="http://schemas.microsoft.com/office/drawing/2014/main" id="{78622754-CA4D-4C27-A37F-B26E7B4C9CA2}"/>
               </a:ext>
             </a:extLst>
           </p:cNvPr>
@@ -3471,7 +3471,7 @@
           <p:cNvPr id="11" name="Rectangle 10">
             <a:extLst>
               <a:ext uri="{FF2B5EF4-FFF2-40B4-BE49-F238E27FC236}">
-                <a16:creationId xmlns:a16="http://schemas.microsoft.com/office/drawing/2014/main" xmlns="" id="{EB3E033F-4449-40FA-BC85-BD2712D313DD}"/>
+                <a16:creationId xmlns="" xmlns:a16="http://schemas.microsoft.com/office/drawing/2014/main" id="{EB3E033F-4449-40FA-BC85-BD2712D313DD}"/>
               </a:ext>
             </a:extLst>
           </p:cNvPr>
@@ -3525,7 +3525,7 @@
           <p:cNvPr id="10" name="Freeform: Shape 9">
             <a:extLst>
               <a:ext uri="{FF2B5EF4-FFF2-40B4-BE49-F238E27FC236}">
-                <a16:creationId xmlns:a16="http://schemas.microsoft.com/office/drawing/2014/main" xmlns="" id="{63D26743-0505-444C-80B3-E88EE87DF72B}"/>
+                <a16:creationId xmlns="" xmlns:a16="http://schemas.microsoft.com/office/drawing/2014/main" id="{63D26743-0505-444C-80B3-E88EE87DF72B}"/>
               </a:ext>
             </a:extLst>
           </p:cNvPr>
@@ -3648,7 +3648,7 @@
           <p:cNvPr id="18" name="Freeform: Shape 17">
             <a:extLst>
               <a:ext uri="{FF2B5EF4-FFF2-40B4-BE49-F238E27FC236}">
-                <a16:creationId xmlns:a16="http://schemas.microsoft.com/office/drawing/2014/main" xmlns="" id="{E37145E9-AC61-47D5-9288-8789940F81B6}"/>
+                <a16:creationId xmlns="" xmlns:a16="http://schemas.microsoft.com/office/drawing/2014/main" id="{E37145E9-AC61-47D5-9288-8789940F81B6}"/>
               </a:ext>
             </a:extLst>
           </p:cNvPr>
@@ -3800,7 +3800,7 @@
           <p:cNvPr id="12" name="Freeform: Shape 11">
             <a:extLst>
               <a:ext uri="{FF2B5EF4-FFF2-40B4-BE49-F238E27FC236}">
-                <a16:creationId xmlns:a16="http://schemas.microsoft.com/office/drawing/2014/main" xmlns="" id="{A5E2B3ED-9A49-40A7-B8A3-62595FE513F9}"/>
+                <a16:creationId xmlns="" xmlns:a16="http://schemas.microsoft.com/office/drawing/2014/main" id="{A5E2B3ED-9A49-40A7-B8A3-62595FE513F9}"/>
               </a:ext>
             </a:extLst>
           </p:cNvPr>
@@ -3950,7 +3950,7 @@
           <p:cNvPr id="8" name="Freeform: Shape 7">
             <a:extLst>
               <a:ext uri="{FF2B5EF4-FFF2-40B4-BE49-F238E27FC236}">
-                <a16:creationId xmlns:a16="http://schemas.microsoft.com/office/drawing/2014/main" xmlns="" id="{1599AF7E-3E34-4597-AA72-9373A7FDB020}"/>
+                <a16:creationId xmlns="" xmlns:a16="http://schemas.microsoft.com/office/drawing/2014/main" id="{1599AF7E-3E34-4597-AA72-9373A7FDB020}"/>
               </a:ext>
             </a:extLst>
           </p:cNvPr>
@@ -4096,7 +4096,7 @@
           <p:cNvPr id="2" name="Title 1">
             <a:extLst>
               <a:ext uri="{FF2B5EF4-FFF2-40B4-BE49-F238E27FC236}">
-                <a16:creationId xmlns:a16="http://schemas.microsoft.com/office/drawing/2014/main" xmlns="" id="{4A2DF563-7FAC-46B3-B24C-7E45CD89DA2B}"/>
+                <a16:creationId xmlns="" xmlns:a16="http://schemas.microsoft.com/office/drawing/2014/main" id="{4A2DF563-7FAC-46B3-B24C-7E45CD89DA2B}"/>
               </a:ext>
             </a:extLst>
           </p:cNvPr>
@@ -4141,7 +4141,7 @@
           <p:cNvPr id="15" name="Group 14">
             <a:extLst>
               <a:ext uri="{FF2B5EF4-FFF2-40B4-BE49-F238E27FC236}">
-                <a16:creationId xmlns:a16="http://schemas.microsoft.com/office/drawing/2014/main" xmlns="" id="{7732E1E7-45E3-4264-8F26-66758696DD1E}"/>
+                <a16:creationId xmlns="" xmlns:a16="http://schemas.microsoft.com/office/drawing/2014/main" id="{7732E1E7-45E3-4264-8F26-66758696DD1E}"/>
               </a:ext>
             </a:extLst>
           </p:cNvPr>
@@ -4161,7 +4161,7 @@
             <p:cNvPr id="16" name="Freeform: Shape 15">
               <a:extLst>
                 <a:ext uri="{FF2B5EF4-FFF2-40B4-BE49-F238E27FC236}">
-                  <a16:creationId xmlns:a16="http://schemas.microsoft.com/office/drawing/2014/main" xmlns="" id="{2E3DF883-8093-49FA-81E1-E5D77F086A25}"/>
+                  <a16:creationId xmlns="" xmlns:a16="http://schemas.microsoft.com/office/drawing/2014/main" id="{2E3DF883-8093-49FA-81E1-E5D77F086A25}"/>
                 </a:ext>
               </a:extLst>
             </p:cNvPr>
@@ -4251,7 +4251,7 @@
             <p:cNvPr id="17" name="Freeform: Shape 16">
               <a:extLst>
                 <a:ext uri="{FF2B5EF4-FFF2-40B4-BE49-F238E27FC236}">
-                  <a16:creationId xmlns:a16="http://schemas.microsoft.com/office/drawing/2014/main" xmlns="" id="{18944C90-37E5-4BBE-89FF-060627168050}"/>
+                  <a16:creationId xmlns="" xmlns:a16="http://schemas.microsoft.com/office/drawing/2014/main" id="{18944C90-37E5-4BBE-89FF-060627168050}"/>
                 </a:ext>
               </a:extLst>
             </p:cNvPr>
@@ -4350,7 +4350,7 @@
           <p:cNvPr id="6" name="Group 5">
             <a:extLst>
               <a:ext uri="{FF2B5EF4-FFF2-40B4-BE49-F238E27FC236}">
-                <a16:creationId xmlns:a16="http://schemas.microsoft.com/office/drawing/2014/main" xmlns="" id="{D9EBF8BB-A805-4DDB-B459-082F99815B95}"/>
+                <a16:creationId xmlns="" xmlns:a16="http://schemas.microsoft.com/office/drawing/2014/main" id="{D9EBF8BB-A805-4DDB-B459-082F99815B95}"/>
               </a:ext>
             </a:extLst>
           </p:cNvPr>
@@ -4370,7 +4370,7 @@
             <p:cNvPr id="19" name="Rectangle: Single Corner Snipped 18">
               <a:extLst>
                 <a:ext uri="{FF2B5EF4-FFF2-40B4-BE49-F238E27FC236}">
-                  <a16:creationId xmlns:a16="http://schemas.microsoft.com/office/drawing/2014/main" xmlns="" id="{5D638788-DD47-45E7-939A-FA108A818173}"/>
+                  <a16:creationId xmlns="" xmlns:a16="http://schemas.microsoft.com/office/drawing/2014/main" id="{5D638788-DD47-45E7-939A-FA108A818173}"/>
                 </a:ext>
               </a:extLst>
             </p:cNvPr>
@@ -4431,7 +4431,7 @@
             <p:cNvPr id="3" name="Rectangle: Single Corner Snipped 2">
               <a:extLst>
                 <a:ext uri="{FF2B5EF4-FFF2-40B4-BE49-F238E27FC236}">
-                  <a16:creationId xmlns:a16="http://schemas.microsoft.com/office/drawing/2014/main" xmlns="" id="{74BDECEF-EEFE-4332-B3B2-BDE4F82C10FC}"/>
+                  <a16:creationId xmlns="" xmlns:a16="http://schemas.microsoft.com/office/drawing/2014/main" id="{74BDECEF-EEFE-4332-B3B2-BDE4F82C10FC}"/>
                 </a:ext>
               </a:extLst>
             </p:cNvPr>
@@ -4488,7 +4488,7 @@
           <p:cNvPr id="20" name="Picture Placeholder 8">
             <a:extLst>
               <a:ext uri="{FF2B5EF4-FFF2-40B4-BE49-F238E27FC236}">
-                <a16:creationId xmlns:a16="http://schemas.microsoft.com/office/drawing/2014/main" xmlns="" id="{6D00E6B4-1CBE-404E-B943-5F1832320C1C}"/>
+                <a16:creationId xmlns="" xmlns:a16="http://schemas.microsoft.com/office/drawing/2014/main" id="{6D00E6B4-1CBE-404E-B943-5F1832320C1C}"/>
               </a:ext>
             </a:extLst>
           </p:cNvPr>
@@ -4551,7 +4551,7 @@
           <p:cNvPr id="21" name="Picture Placeholder 8">
             <a:extLst>
               <a:ext uri="{FF2B5EF4-FFF2-40B4-BE49-F238E27FC236}">
-                <a16:creationId xmlns:a16="http://schemas.microsoft.com/office/drawing/2014/main" xmlns="" id="{7CD59BFD-62BE-4E33-92A5-B84A2A9A8D3B}"/>
+                <a16:creationId xmlns="" xmlns:a16="http://schemas.microsoft.com/office/drawing/2014/main" id="{7CD59BFD-62BE-4E33-92A5-B84A2A9A8D3B}"/>
               </a:ext>
             </a:extLst>
           </p:cNvPr>
@@ -4614,7 +4614,7 @@
           <p:cNvPr id="22" name="Picture Placeholder 8">
             <a:extLst>
               <a:ext uri="{FF2B5EF4-FFF2-40B4-BE49-F238E27FC236}">
-                <a16:creationId xmlns:a16="http://schemas.microsoft.com/office/drawing/2014/main" xmlns="" id="{60DC5978-55B8-421D-91B4-29F8210A7B2C}"/>
+                <a16:creationId xmlns="" xmlns:a16="http://schemas.microsoft.com/office/drawing/2014/main" id="{60DC5978-55B8-421D-91B4-29F8210A7B2C}"/>
               </a:ext>
             </a:extLst>
           </p:cNvPr>
@@ -4677,7 +4677,7 @@
           <p:cNvPr id="23" name="Picture Placeholder 8">
             <a:extLst>
               <a:ext uri="{FF2B5EF4-FFF2-40B4-BE49-F238E27FC236}">
-                <a16:creationId xmlns:a16="http://schemas.microsoft.com/office/drawing/2014/main" xmlns="" id="{BE3FB8C3-2C7E-4C59-8BD5-53FA2772DB56}"/>
+                <a16:creationId xmlns="" xmlns:a16="http://schemas.microsoft.com/office/drawing/2014/main" id="{BE3FB8C3-2C7E-4C59-8BD5-53FA2772DB56}"/>
               </a:ext>
             </a:extLst>
           </p:cNvPr>
@@ -4740,7 +4740,7 @@
           <p:cNvPr id="24" name="Picture Placeholder 8">
             <a:extLst>
               <a:ext uri="{FF2B5EF4-FFF2-40B4-BE49-F238E27FC236}">
-                <a16:creationId xmlns:a16="http://schemas.microsoft.com/office/drawing/2014/main" xmlns="" id="{FD8FA9DA-C36B-4889-B88F-28B5829E53E2}"/>
+                <a16:creationId xmlns="" xmlns:a16="http://schemas.microsoft.com/office/drawing/2014/main" id="{FD8FA9DA-C36B-4889-B88F-28B5829E53E2}"/>
               </a:ext>
             </a:extLst>
           </p:cNvPr>
@@ -4803,7 +4803,7 @@
           <p:cNvPr id="26" name="Text Placeholder 22">
             <a:extLst>
               <a:ext uri="{FF2B5EF4-FFF2-40B4-BE49-F238E27FC236}">
-                <a16:creationId xmlns:a16="http://schemas.microsoft.com/office/drawing/2014/main" xmlns="" id="{2A19101D-7C37-42BF-8167-5391EA65EC3A}"/>
+                <a16:creationId xmlns="" xmlns:a16="http://schemas.microsoft.com/office/drawing/2014/main" id="{2A19101D-7C37-42BF-8167-5391EA65EC3A}"/>
               </a:ext>
             </a:extLst>
           </p:cNvPr>
@@ -4913,7 +4913,7 @@
           <p:cNvPr id="27" name="Text Placeholder 22">
             <a:extLst>
               <a:ext uri="{FF2B5EF4-FFF2-40B4-BE49-F238E27FC236}">
-                <a16:creationId xmlns:a16="http://schemas.microsoft.com/office/drawing/2014/main" xmlns="" id="{05F72315-51A9-431C-B80A-45E4FB1D6BD6}"/>
+                <a16:creationId xmlns="" xmlns:a16="http://schemas.microsoft.com/office/drawing/2014/main" id="{05F72315-51A9-431C-B80A-45E4FB1D6BD6}"/>
               </a:ext>
             </a:extLst>
           </p:cNvPr>
@@ -5023,7 +5023,7 @@
           <p:cNvPr id="28" name="Text Placeholder 22">
             <a:extLst>
               <a:ext uri="{FF2B5EF4-FFF2-40B4-BE49-F238E27FC236}">
-                <a16:creationId xmlns:a16="http://schemas.microsoft.com/office/drawing/2014/main" xmlns="" id="{883D1F0C-34F1-46E1-B178-E4AB82B14631}"/>
+                <a16:creationId xmlns="" xmlns:a16="http://schemas.microsoft.com/office/drawing/2014/main" id="{883D1F0C-34F1-46E1-B178-E4AB82B14631}"/>
               </a:ext>
             </a:extLst>
           </p:cNvPr>
@@ -5133,7 +5133,7 @@
           <p:cNvPr id="29" name="Text Placeholder 22">
             <a:extLst>
               <a:ext uri="{FF2B5EF4-FFF2-40B4-BE49-F238E27FC236}">
-                <a16:creationId xmlns:a16="http://schemas.microsoft.com/office/drawing/2014/main" xmlns="" id="{7202A849-DF14-40E7-B38D-1185F72603EC}"/>
+                <a16:creationId xmlns="" xmlns:a16="http://schemas.microsoft.com/office/drawing/2014/main" id="{7202A849-DF14-40E7-B38D-1185F72603EC}"/>
               </a:ext>
             </a:extLst>
           </p:cNvPr>
@@ -5243,7 +5243,7 @@
           <p:cNvPr id="30" name="Text Placeholder 22">
             <a:extLst>
               <a:ext uri="{FF2B5EF4-FFF2-40B4-BE49-F238E27FC236}">
-                <a16:creationId xmlns:a16="http://schemas.microsoft.com/office/drawing/2014/main" xmlns="" id="{CCFC1ADF-AC11-4CCD-AC2D-478B6FFEA5EA}"/>
+                <a16:creationId xmlns="" xmlns:a16="http://schemas.microsoft.com/office/drawing/2014/main" id="{CCFC1ADF-AC11-4CCD-AC2D-478B6FFEA5EA}"/>
               </a:ext>
             </a:extLst>
           </p:cNvPr>
@@ -5353,7 +5353,7 @@
           <p:cNvPr id="7" name="Straight Connector 6">
             <a:extLst>
               <a:ext uri="{FF2B5EF4-FFF2-40B4-BE49-F238E27FC236}">
-                <a16:creationId xmlns:a16="http://schemas.microsoft.com/office/drawing/2014/main" xmlns="" id="{2B4CB326-DA0E-488E-B236-7017E8438FBB}"/>
+                <a16:creationId xmlns="" xmlns:a16="http://schemas.microsoft.com/office/drawing/2014/main" id="{2B4CB326-DA0E-488E-B236-7017E8438FBB}"/>
               </a:ext>
             </a:extLst>
           </p:cNvPr>
@@ -5394,7 +5394,7 @@
           <p:cNvPr id="31" name="Straight Connector 30">
             <a:extLst>
               <a:ext uri="{FF2B5EF4-FFF2-40B4-BE49-F238E27FC236}">
-                <a16:creationId xmlns:a16="http://schemas.microsoft.com/office/drawing/2014/main" xmlns="" id="{9366B533-7212-4A36-9CE2-D6302E721F8F}"/>
+                <a16:creationId xmlns="" xmlns:a16="http://schemas.microsoft.com/office/drawing/2014/main" id="{9366B533-7212-4A36-9CE2-D6302E721F8F}"/>
               </a:ext>
             </a:extLst>
           </p:cNvPr>
@@ -5435,7 +5435,7 @@
           <p:cNvPr id="32" name="Straight Connector 31">
             <a:extLst>
               <a:ext uri="{FF2B5EF4-FFF2-40B4-BE49-F238E27FC236}">
-                <a16:creationId xmlns:a16="http://schemas.microsoft.com/office/drawing/2014/main" xmlns="" id="{AD7474CD-E230-4E14-8274-5E20F673F401}"/>
+                <a16:creationId xmlns="" xmlns:a16="http://schemas.microsoft.com/office/drawing/2014/main" id="{AD7474CD-E230-4E14-8274-5E20F673F401}"/>
               </a:ext>
             </a:extLst>
           </p:cNvPr>
@@ -5476,7 +5476,7 @@
           <p:cNvPr id="33" name="Straight Connector 32">
             <a:extLst>
               <a:ext uri="{FF2B5EF4-FFF2-40B4-BE49-F238E27FC236}">
-                <a16:creationId xmlns:a16="http://schemas.microsoft.com/office/drawing/2014/main" xmlns="" id="{6BF71FCE-6F39-4D2F-82BE-7D9F1D2ED59F}"/>
+                <a16:creationId xmlns="" xmlns:a16="http://schemas.microsoft.com/office/drawing/2014/main" id="{6BF71FCE-6F39-4D2F-82BE-7D9F1D2ED59F}"/>
               </a:ext>
             </a:extLst>
           </p:cNvPr>
@@ -5517,7 +5517,7 @@
           <p:cNvPr id="34" name="Straight Connector 33">
             <a:extLst>
               <a:ext uri="{FF2B5EF4-FFF2-40B4-BE49-F238E27FC236}">
-                <a16:creationId xmlns:a16="http://schemas.microsoft.com/office/drawing/2014/main" xmlns="" id="{AE97AC7A-17D9-4F42-9DD0-94FE4FC6BF19}"/>
+                <a16:creationId xmlns="" xmlns:a16="http://schemas.microsoft.com/office/drawing/2014/main" id="{AE97AC7A-17D9-4F42-9DD0-94FE4FC6BF19}"/>
               </a:ext>
             </a:extLst>
           </p:cNvPr>
@@ -5558,7 +5558,7 @@
           <p:cNvPr id="35" name="Freeform: Shape 34">
             <a:extLst>
               <a:ext uri="{FF2B5EF4-FFF2-40B4-BE49-F238E27FC236}">
-                <a16:creationId xmlns:a16="http://schemas.microsoft.com/office/drawing/2014/main" xmlns="" id="{62EEBF51-DCAD-4335-85E9-52801031A1BF}"/>
+                <a16:creationId xmlns="" xmlns:a16="http://schemas.microsoft.com/office/drawing/2014/main" id="{62EEBF51-DCAD-4335-85E9-52801031A1BF}"/>
               </a:ext>
             </a:extLst>
           </p:cNvPr>
@@ -5653,7 +5653,7 @@
           <p:cNvPr id="5" name="Slide Number Placeholder 4">
             <a:extLst>
               <a:ext uri="{FF2B5EF4-FFF2-40B4-BE49-F238E27FC236}">
-                <a16:creationId xmlns:a16="http://schemas.microsoft.com/office/drawing/2014/main" xmlns="" id="{87B51822-97FF-47A7-8E4E-A0F79B4EB237}"/>
+                <a16:creationId xmlns="" xmlns:a16="http://schemas.microsoft.com/office/drawing/2014/main" id="{87B51822-97FF-47A7-8E4E-A0F79B4EB237}"/>
               </a:ext>
             </a:extLst>
           </p:cNvPr>
@@ -5735,7 +5735,7 @@
           <p:cNvPr id="11" name="Rectangle 10">
             <a:extLst>
               <a:ext uri="{FF2B5EF4-FFF2-40B4-BE49-F238E27FC236}">
-                <a16:creationId xmlns:a16="http://schemas.microsoft.com/office/drawing/2014/main" xmlns="" id="{EB3E033F-4449-40FA-BC85-BD2712D313DD}"/>
+                <a16:creationId xmlns="" xmlns:a16="http://schemas.microsoft.com/office/drawing/2014/main" id="{EB3E033F-4449-40FA-BC85-BD2712D313DD}"/>
               </a:ext>
             </a:extLst>
           </p:cNvPr>
@@ -5789,7 +5789,7 @@
           <p:cNvPr id="10" name="Freeform: Shape 9">
             <a:extLst>
               <a:ext uri="{FF2B5EF4-FFF2-40B4-BE49-F238E27FC236}">
-                <a16:creationId xmlns:a16="http://schemas.microsoft.com/office/drawing/2014/main" xmlns="" id="{63D26743-0505-444C-80B3-E88EE87DF72B}"/>
+                <a16:creationId xmlns="" xmlns:a16="http://schemas.microsoft.com/office/drawing/2014/main" id="{63D26743-0505-444C-80B3-E88EE87DF72B}"/>
               </a:ext>
             </a:extLst>
           </p:cNvPr>
@@ -5912,7 +5912,7 @@
           <p:cNvPr id="18" name="Freeform: Shape 17">
             <a:extLst>
               <a:ext uri="{FF2B5EF4-FFF2-40B4-BE49-F238E27FC236}">
-                <a16:creationId xmlns:a16="http://schemas.microsoft.com/office/drawing/2014/main" xmlns="" id="{E37145E9-AC61-47D5-9288-8789940F81B6}"/>
+                <a16:creationId xmlns="" xmlns:a16="http://schemas.microsoft.com/office/drawing/2014/main" id="{E37145E9-AC61-47D5-9288-8789940F81B6}"/>
               </a:ext>
             </a:extLst>
           </p:cNvPr>
@@ -6064,7 +6064,7 @@
           <p:cNvPr id="12" name="Freeform: Shape 11">
             <a:extLst>
               <a:ext uri="{FF2B5EF4-FFF2-40B4-BE49-F238E27FC236}">
-                <a16:creationId xmlns:a16="http://schemas.microsoft.com/office/drawing/2014/main" xmlns="" id="{A5E2B3ED-9A49-40A7-B8A3-62595FE513F9}"/>
+                <a16:creationId xmlns="" xmlns:a16="http://schemas.microsoft.com/office/drawing/2014/main" id="{A5E2B3ED-9A49-40A7-B8A3-62595FE513F9}"/>
               </a:ext>
             </a:extLst>
           </p:cNvPr>
@@ -6214,7 +6214,7 @@
           <p:cNvPr id="8" name="Freeform: Shape 7">
             <a:extLst>
               <a:ext uri="{FF2B5EF4-FFF2-40B4-BE49-F238E27FC236}">
-                <a16:creationId xmlns:a16="http://schemas.microsoft.com/office/drawing/2014/main" xmlns="" id="{1599AF7E-3E34-4597-AA72-9373A7FDB020}"/>
+                <a16:creationId xmlns="" xmlns:a16="http://schemas.microsoft.com/office/drawing/2014/main" id="{1599AF7E-3E34-4597-AA72-9373A7FDB020}"/>
               </a:ext>
             </a:extLst>
           </p:cNvPr>
@@ -6360,7 +6360,7 @@
           <p:cNvPr id="2" name="Title 1">
             <a:extLst>
               <a:ext uri="{FF2B5EF4-FFF2-40B4-BE49-F238E27FC236}">
-                <a16:creationId xmlns:a16="http://schemas.microsoft.com/office/drawing/2014/main" xmlns="" id="{4A2DF563-7FAC-46B3-B24C-7E45CD89DA2B}"/>
+                <a16:creationId xmlns="" xmlns:a16="http://schemas.microsoft.com/office/drawing/2014/main" id="{4A2DF563-7FAC-46B3-B24C-7E45CD89DA2B}"/>
               </a:ext>
             </a:extLst>
           </p:cNvPr>
@@ -6405,7 +6405,7 @@
           <p:cNvPr id="15" name="Group 14">
             <a:extLst>
               <a:ext uri="{FF2B5EF4-FFF2-40B4-BE49-F238E27FC236}">
-                <a16:creationId xmlns:a16="http://schemas.microsoft.com/office/drawing/2014/main" xmlns="" id="{7732E1E7-45E3-4264-8F26-66758696DD1E}"/>
+                <a16:creationId xmlns="" xmlns:a16="http://schemas.microsoft.com/office/drawing/2014/main" id="{7732E1E7-45E3-4264-8F26-66758696DD1E}"/>
               </a:ext>
             </a:extLst>
           </p:cNvPr>
@@ -6425,7 +6425,7 @@
             <p:cNvPr id="16" name="Freeform: Shape 15">
               <a:extLst>
                 <a:ext uri="{FF2B5EF4-FFF2-40B4-BE49-F238E27FC236}">
-                  <a16:creationId xmlns:a16="http://schemas.microsoft.com/office/drawing/2014/main" xmlns="" id="{2E3DF883-8093-49FA-81E1-E5D77F086A25}"/>
+                  <a16:creationId xmlns="" xmlns:a16="http://schemas.microsoft.com/office/drawing/2014/main" id="{2E3DF883-8093-49FA-81E1-E5D77F086A25}"/>
                 </a:ext>
               </a:extLst>
             </p:cNvPr>
@@ -6515,7 +6515,7 @@
             <p:cNvPr id="17" name="Freeform: Shape 16">
               <a:extLst>
                 <a:ext uri="{FF2B5EF4-FFF2-40B4-BE49-F238E27FC236}">
-                  <a16:creationId xmlns:a16="http://schemas.microsoft.com/office/drawing/2014/main" xmlns="" id="{18944C90-37E5-4BBE-89FF-060627168050}"/>
+                  <a16:creationId xmlns="" xmlns:a16="http://schemas.microsoft.com/office/drawing/2014/main" id="{18944C90-37E5-4BBE-89FF-060627168050}"/>
                 </a:ext>
               </a:extLst>
             </p:cNvPr>
@@ -6614,7 +6614,7 @@
           <p:cNvPr id="6" name="Group 5">
             <a:extLst>
               <a:ext uri="{FF2B5EF4-FFF2-40B4-BE49-F238E27FC236}">
-                <a16:creationId xmlns:a16="http://schemas.microsoft.com/office/drawing/2014/main" xmlns="" id="{D9EBF8BB-A805-4DDB-B459-082F99815B95}"/>
+                <a16:creationId xmlns="" xmlns:a16="http://schemas.microsoft.com/office/drawing/2014/main" id="{D9EBF8BB-A805-4DDB-B459-082F99815B95}"/>
               </a:ext>
             </a:extLst>
           </p:cNvPr>
@@ -6634,7 +6634,7 @@
             <p:cNvPr id="19" name="Rectangle: Single Corner Snipped 18">
               <a:extLst>
                 <a:ext uri="{FF2B5EF4-FFF2-40B4-BE49-F238E27FC236}">
-                  <a16:creationId xmlns:a16="http://schemas.microsoft.com/office/drawing/2014/main" xmlns="" id="{5D638788-DD47-45E7-939A-FA108A818173}"/>
+                  <a16:creationId xmlns="" xmlns:a16="http://schemas.microsoft.com/office/drawing/2014/main" id="{5D638788-DD47-45E7-939A-FA108A818173}"/>
                 </a:ext>
               </a:extLst>
             </p:cNvPr>
@@ -6695,7 +6695,7 @@
             <p:cNvPr id="3" name="Rectangle: Single Corner Snipped 2">
               <a:extLst>
                 <a:ext uri="{FF2B5EF4-FFF2-40B4-BE49-F238E27FC236}">
-                  <a16:creationId xmlns:a16="http://schemas.microsoft.com/office/drawing/2014/main" xmlns="" id="{74BDECEF-EEFE-4332-B3B2-BDE4F82C10FC}"/>
+                  <a16:creationId xmlns="" xmlns:a16="http://schemas.microsoft.com/office/drawing/2014/main" id="{74BDECEF-EEFE-4332-B3B2-BDE4F82C10FC}"/>
                 </a:ext>
               </a:extLst>
             </p:cNvPr>
@@ -6752,7 +6752,7 @@
           <p:cNvPr id="26" name="Text Placeholder 22">
             <a:extLst>
               <a:ext uri="{FF2B5EF4-FFF2-40B4-BE49-F238E27FC236}">
-                <a16:creationId xmlns:a16="http://schemas.microsoft.com/office/drawing/2014/main" xmlns="" id="{2A19101D-7C37-42BF-8167-5391EA65EC3A}"/>
+                <a16:creationId xmlns="" xmlns:a16="http://schemas.microsoft.com/office/drawing/2014/main" id="{2A19101D-7C37-42BF-8167-5391EA65EC3A}"/>
               </a:ext>
             </a:extLst>
           </p:cNvPr>
@@ -6862,7 +6862,7 @@
           <p:cNvPr id="35" name="Freeform: Shape 34">
             <a:extLst>
               <a:ext uri="{FF2B5EF4-FFF2-40B4-BE49-F238E27FC236}">
-                <a16:creationId xmlns:a16="http://schemas.microsoft.com/office/drawing/2014/main" xmlns="" id="{62EEBF51-DCAD-4335-85E9-52801031A1BF}"/>
+                <a16:creationId xmlns="" xmlns:a16="http://schemas.microsoft.com/office/drawing/2014/main" id="{62EEBF51-DCAD-4335-85E9-52801031A1BF}"/>
               </a:ext>
             </a:extLst>
           </p:cNvPr>
@@ -6957,7 +6957,7 @@
           <p:cNvPr id="5" name="Slide Number Placeholder 4">
             <a:extLst>
               <a:ext uri="{FF2B5EF4-FFF2-40B4-BE49-F238E27FC236}">
-                <a16:creationId xmlns:a16="http://schemas.microsoft.com/office/drawing/2014/main" xmlns="" id="{87B51822-97FF-47A7-8E4E-A0F79B4EB237}"/>
+                <a16:creationId xmlns="" xmlns:a16="http://schemas.microsoft.com/office/drawing/2014/main" id="{87B51822-97FF-47A7-8E4E-A0F79B4EB237}"/>
               </a:ext>
             </a:extLst>
           </p:cNvPr>
@@ -7001,7 +7001,7 @@
           <p:cNvPr id="13" name="Picture Placeholder 12">
             <a:extLst>
               <a:ext uri="{FF2B5EF4-FFF2-40B4-BE49-F238E27FC236}">
-                <a16:creationId xmlns:a16="http://schemas.microsoft.com/office/drawing/2014/main" xmlns="" id="{231B97CF-FD24-4932-8459-893B1AC73D33}"/>
+                <a16:creationId xmlns="" xmlns:a16="http://schemas.microsoft.com/office/drawing/2014/main" id="{231B97CF-FD24-4932-8459-893B1AC73D33}"/>
               </a:ext>
             </a:extLst>
           </p:cNvPr>
@@ -7046,7 +7046,7 @@
           <p:cNvPr id="36" name="Text Placeholder 22">
             <a:extLst>
               <a:ext uri="{FF2B5EF4-FFF2-40B4-BE49-F238E27FC236}">
-                <a16:creationId xmlns:a16="http://schemas.microsoft.com/office/drawing/2014/main" xmlns="" id="{642D3CE0-C3B4-4F3F-A650-AB452B3AD4BA}"/>
+                <a16:creationId xmlns="" xmlns:a16="http://schemas.microsoft.com/office/drawing/2014/main" id="{642D3CE0-C3B4-4F3F-A650-AB452B3AD4BA}"/>
               </a:ext>
             </a:extLst>
           </p:cNvPr>
@@ -7156,7 +7156,7 @@
           <p:cNvPr id="37" name="Text Placeholder 22">
             <a:extLst>
               <a:ext uri="{FF2B5EF4-FFF2-40B4-BE49-F238E27FC236}">
-                <a16:creationId xmlns:a16="http://schemas.microsoft.com/office/drawing/2014/main" xmlns="" id="{DBED2BB0-CDAD-40EE-8B35-C66DF45EE29D}"/>
+                <a16:creationId xmlns="" xmlns:a16="http://schemas.microsoft.com/office/drawing/2014/main" id="{DBED2BB0-CDAD-40EE-8B35-C66DF45EE29D}"/>
               </a:ext>
             </a:extLst>
           </p:cNvPr>
@@ -7304,7 +7304,7 @@
           <p:cNvPr id="11" name="Rectangle 10">
             <a:extLst>
               <a:ext uri="{FF2B5EF4-FFF2-40B4-BE49-F238E27FC236}">
-                <a16:creationId xmlns:a16="http://schemas.microsoft.com/office/drawing/2014/main" xmlns="" id="{EB3E033F-4449-40FA-BC85-BD2712D313DD}"/>
+                <a16:creationId xmlns="" xmlns:a16="http://schemas.microsoft.com/office/drawing/2014/main" id="{EB3E033F-4449-40FA-BC85-BD2712D313DD}"/>
               </a:ext>
             </a:extLst>
           </p:cNvPr>
@@ -7358,7 +7358,7 @@
           <p:cNvPr id="10" name="Freeform: Shape 9">
             <a:extLst>
               <a:ext uri="{FF2B5EF4-FFF2-40B4-BE49-F238E27FC236}">
-                <a16:creationId xmlns:a16="http://schemas.microsoft.com/office/drawing/2014/main" xmlns="" id="{63D26743-0505-444C-80B3-E88EE87DF72B}"/>
+                <a16:creationId xmlns="" xmlns:a16="http://schemas.microsoft.com/office/drawing/2014/main" id="{63D26743-0505-444C-80B3-E88EE87DF72B}"/>
               </a:ext>
             </a:extLst>
           </p:cNvPr>
@@ -7481,7 +7481,7 @@
           <p:cNvPr id="18" name="Freeform: Shape 17">
             <a:extLst>
               <a:ext uri="{FF2B5EF4-FFF2-40B4-BE49-F238E27FC236}">
-                <a16:creationId xmlns:a16="http://schemas.microsoft.com/office/drawing/2014/main" xmlns="" id="{E37145E9-AC61-47D5-9288-8789940F81B6}"/>
+                <a16:creationId xmlns="" xmlns:a16="http://schemas.microsoft.com/office/drawing/2014/main" id="{E37145E9-AC61-47D5-9288-8789940F81B6}"/>
               </a:ext>
             </a:extLst>
           </p:cNvPr>
@@ -7633,7 +7633,7 @@
           <p:cNvPr id="12" name="Freeform: Shape 11">
             <a:extLst>
               <a:ext uri="{FF2B5EF4-FFF2-40B4-BE49-F238E27FC236}">
-                <a16:creationId xmlns:a16="http://schemas.microsoft.com/office/drawing/2014/main" xmlns="" id="{A5E2B3ED-9A49-40A7-B8A3-62595FE513F9}"/>
+                <a16:creationId xmlns="" xmlns:a16="http://schemas.microsoft.com/office/drawing/2014/main" id="{A5E2B3ED-9A49-40A7-B8A3-62595FE513F9}"/>
               </a:ext>
             </a:extLst>
           </p:cNvPr>
@@ -7783,7 +7783,7 @@
           <p:cNvPr id="8" name="Freeform: Shape 7">
             <a:extLst>
               <a:ext uri="{FF2B5EF4-FFF2-40B4-BE49-F238E27FC236}">
-                <a16:creationId xmlns:a16="http://schemas.microsoft.com/office/drawing/2014/main" xmlns="" id="{1599AF7E-3E34-4597-AA72-9373A7FDB020}"/>
+                <a16:creationId xmlns="" xmlns:a16="http://schemas.microsoft.com/office/drawing/2014/main" id="{1599AF7E-3E34-4597-AA72-9373A7FDB020}"/>
               </a:ext>
             </a:extLst>
           </p:cNvPr>
@@ -7929,7 +7929,7 @@
           <p:cNvPr id="2" name="Title 1">
             <a:extLst>
               <a:ext uri="{FF2B5EF4-FFF2-40B4-BE49-F238E27FC236}">
-                <a16:creationId xmlns:a16="http://schemas.microsoft.com/office/drawing/2014/main" xmlns="" id="{4A2DF563-7FAC-46B3-B24C-7E45CD89DA2B}"/>
+                <a16:creationId xmlns="" xmlns:a16="http://schemas.microsoft.com/office/drawing/2014/main" id="{4A2DF563-7FAC-46B3-B24C-7E45CD89DA2B}"/>
               </a:ext>
             </a:extLst>
           </p:cNvPr>
@@ -7974,7 +7974,7 @@
           <p:cNvPr id="15" name="Group 14">
             <a:extLst>
               <a:ext uri="{FF2B5EF4-FFF2-40B4-BE49-F238E27FC236}">
-                <a16:creationId xmlns:a16="http://schemas.microsoft.com/office/drawing/2014/main" xmlns="" id="{7732E1E7-45E3-4264-8F26-66758696DD1E}"/>
+                <a16:creationId xmlns="" xmlns:a16="http://schemas.microsoft.com/office/drawing/2014/main" id="{7732E1E7-45E3-4264-8F26-66758696DD1E}"/>
               </a:ext>
             </a:extLst>
           </p:cNvPr>
@@ -7994,7 +7994,7 @@
             <p:cNvPr id="16" name="Freeform: Shape 15">
               <a:extLst>
                 <a:ext uri="{FF2B5EF4-FFF2-40B4-BE49-F238E27FC236}">
-                  <a16:creationId xmlns:a16="http://schemas.microsoft.com/office/drawing/2014/main" xmlns="" id="{2E3DF883-8093-49FA-81E1-E5D77F086A25}"/>
+                  <a16:creationId xmlns="" xmlns:a16="http://schemas.microsoft.com/office/drawing/2014/main" id="{2E3DF883-8093-49FA-81E1-E5D77F086A25}"/>
                 </a:ext>
               </a:extLst>
             </p:cNvPr>
@@ -8084,7 +8084,7 @@
             <p:cNvPr id="17" name="Freeform: Shape 16">
               <a:extLst>
                 <a:ext uri="{FF2B5EF4-FFF2-40B4-BE49-F238E27FC236}">
-                  <a16:creationId xmlns:a16="http://schemas.microsoft.com/office/drawing/2014/main" xmlns="" id="{18944C90-37E5-4BBE-89FF-060627168050}"/>
+                  <a16:creationId xmlns="" xmlns:a16="http://schemas.microsoft.com/office/drawing/2014/main" id="{18944C90-37E5-4BBE-89FF-060627168050}"/>
                 </a:ext>
               </a:extLst>
             </p:cNvPr>
@@ -8183,7 +8183,7 @@
           <p:cNvPr id="6" name="Group 5">
             <a:extLst>
               <a:ext uri="{FF2B5EF4-FFF2-40B4-BE49-F238E27FC236}">
-                <a16:creationId xmlns:a16="http://schemas.microsoft.com/office/drawing/2014/main" xmlns="" id="{D9EBF8BB-A805-4DDB-B459-082F99815B95}"/>
+                <a16:creationId xmlns="" xmlns:a16="http://schemas.microsoft.com/office/drawing/2014/main" id="{D9EBF8BB-A805-4DDB-B459-082F99815B95}"/>
               </a:ext>
             </a:extLst>
           </p:cNvPr>
@@ -8203,7 +8203,7 @@
             <p:cNvPr id="19" name="Rectangle: Single Corner Snipped 18">
               <a:extLst>
                 <a:ext uri="{FF2B5EF4-FFF2-40B4-BE49-F238E27FC236}">
-                  <a16:creationId xmlns:a16="http://schemas.microsoft.com/office/drawing/2014/main" xmlns="" id="{5D638788-DD47-45E7-939A-FA108A818173}"/>
+                  <a16:creationId xmlns="" xmlns:a16="http://schemas.microsoft.com/office/drawing/2014/main" id="{5D638788-DD47-45E7-939A-FA108A818173}"/>
                 </a:ext>
               </a:extLst>
             </p:cNvPr>
@@ -8264,7 +8264,7 @@
             <p:cNvPr id="3" name="Rectangle: Single Corner Snipped 2">
               <a:extLst>
                 <a:ext uri="{FF2B5EF4-FFF2-40B4-BE49-F238E27FC236}">
-                  <a16:creationId xmlns:a16="http://schemas.microsoft.com/office/drawing/2014/main" xmlns="" id="{74BDECEF-EEFE-4332-B3B2-BDE4F82C10FC}"/>
+                  <a16:creationId xmlns="" xmlns:a16="http://schemas.microsoft.com/office/drawing/2014/main" id="{74BDECEF-EEFE-4332-B3B2-BDE4F82C10FC}"/>
                 </a:ext>
               </a:extLst>
             </p:cNvPr>
@@ -8321,7 +8321,7 @@
           <p:cNvPr id="26" name="Text Placeholder 22">
             <a:extLst>
               <a:ext uri="{FF2B5EF4-FFF2-40B4-BE49-F238E27FC236}">
-                <a16:creationId xmlns:a16="http://schemas.microsoft.com/office/drawing/2014/main" xmlns="" id="{2A19101D-7C37-42BF-8167-5391EA65EC3A}"/>
+                <a16:creationId xmlns="" xmlns:a16="http://schemas.microsoft.com/office/drawing/2014/main" id="{2A19101D-7C37-42BF-8167-5391EA65EC3A}"/>
               </a:ext>
             </a:extLst>
           </p:cNvPr>
@@ -8431,7 +8431,7 @@
           <p:cNvPr id="35" name="Freeform: Shape 34">
             <a:extLst>
               <a:ext uri="{FF2B5EF4-FFF2-40B4-BE49-F238E27FC236}">
-                <a16:creationId xmlns:a16="http://schemas.microsoft.com/office/drawing/2014/main" xmlns="" id="{62EEBF51-DCAD-4335-85E9-52801031A1BF}"/>
+                <a16:creationId xmlns="" xmlns:a16="http://schemas.microsoft.com/office/drawing/2014/main" id="{62EEBF51-DCAD-4335-85E9-52801031A1BF}"/>
               </a:ext>
             </a:extLst>
           </p:cNvPr>
@@ -8526,7 +8526,7 @@
           <p:cNvPr id="5" name="Slide Number Placeholder 4">
             <a:extLst>
               <a:ext uri="{FF2B5EF4-FFF2-40B4-BE49-F238E27FC236}">
-                <a16:creationId xmlns:a16="http://schemas.microsoft.com/office/drawing/2014/main" xmlns="" id="{87B51822-97FF-47A7-8E4E-A0F79B4EB237}"/>
+                <a16:creationId xmlns="" xmlns:a16="http://schemas.microsoft.com/office/drawing/2014/main" id="{87B51822-97FF-47A7-8E4E-A0F79B4EB237}"/>
               </a:ext>
             </a:extLst>
           </p:cNvPr>
@@ -8570,7 +8570,7 @@
           <p:cNvPr id="13" name="Picture Placeholder 12">
             <a:extLst>
               <a:ext uri="{FF2B5EF4-FFF2-40B4-BE49-F238E27FC236}">
-                <a16:creationId xmlns:a16="http://schemas.microsoft.com/office/drawing/2014/main" xmlns="" id="{231B97CF-FD24-4932-8459-893B1AC73D33}"/>
+                <a16:creationId xmlns="" xmlns:a16="http://schemas.microsoft.com/office/drawing/2014/main" id="{231B97CF-FD24-4932-8459-893B1AC73D33}"/>
               </a:ext>
             </a:extLst>
           </p:cNvPr>
@@ -8653,7 +8653,7 @@
           <p:cNvPr id="11" name="Rectangle 10">
             <a:extLst>
               <a:ext uri="{FF2B5EF4-FFF2-40B4-BE49-F238E27FC236}">
-                <a16:creationId xmlns:a16="http://schemas.microsoft.com/office/drawing/2014/main" xmlns="" id="{EB3E033F-4449-40FA-BC85-BD2712D313DD}"/>
+                <a16:creationId xmlns="" xmlns:a16="http://schemas.microsoft.com/office/drawing/2014/main" id="{EB3E033F-4449-40FA-BC85-BD2712D313DD}"/>
               </a:ext>
             </a:extLst>
           </p:cNvPr>
@@ -8707,7 +8707,7 @@
           <p:cNvPr id="10" name="Freeform: Shape 9">
             <a:extLst>
               <a:ext uri="{FF2B5EF4-FFF2-40B4-BE49-F238E27FC236}">
-                <a16:creationId xmlns:a16="http://schemas.microsoft.com/office/drawing/2014/main" xmlns="" id="{63D26743-0505-444C-80B3-E88EE87DF72B}"/>
+                <a16:creationId xmlns="" xmlns:a16="http://schemas.microsoft.com/office/drawing/2014/main" id="{63D26743-0505-444C-80B3-E88EE87DF72B}"/>
               </a:ext>
             </a:extLst>
           </p:cNvPr>
@@ -8830,7 +8830,7 @@
           <p:cNvPr id="18" name="Freeform: Shape 17">
             <a:extLst>
               <a:ext uri="{FF2B5EF4-FFF2-40B4-BE49-F238E27FC236}">
-                <a16:creationId xmlns:a16="http://schemas.microsoft.com/office/drawing/2014/main" xmlns="" id="{E37145E9-AC61-47D5-9288-8789940F81B6}"/>
+                <a16:creationId xmlns="" xmlns:a16="http://schemas.microsoft.com/office/drawing/2014/main" id="{E37145E9-AC61-47D5-9288-8789940F81B6}"/>
               </a:ext>
             </a:extLst>
           </p:cNvPr>
@@ -8982,7 +8982,7 @@
           <p:cNvPr id="12" name="Freeform: Shape 11">
             <a:extLst>
               <a:ext uri="{FF2B5EF4-FFF2-40B4-BE49-F238E27FC236}">
-                <a16:creationId xmlns:a16="http://schemas.microsoft.com/office/drawing/2014/main" xmlns="" id="{A5E2B3ED-9A49-40A7-B8A3-62595FE513F9}"/>
+                <a16:creationId xmlns="" xmlns:a16="http://schemas.microsoft.com/office/drawing/2014/main" id="{A5E2B3ED-9A49-40A7-B8A3-62595FE513F9}"/>
               </a:ext>
             </a:extLst>
           </p:cNvPr>
@@ -9132,7 +9132,7 @@
           <p:cNvPr id="8" name="Freeform: Shape 7">
             <a:extLst>
               <a:ext uri="{FF2B5EF4-FFF2-40B4-BE49-F238E27FC236}">
-                <a16:creationId xmlns:a16="http://schemas.microsoft.com/office/drawing/2014/main" xmlns="" id="{1599AF7E-3E34-4597-AA72-9373A7FDB020}"/>
+                <a16:creationId xmlns="" xmlns:a16="http://schemas.microsoft.com/office/drawing/2014/main" id="{1599AF7E-3E34-4597-AA72-9373A7FDB020}"/>
               </a:ext>
             </a:extLst>
           </p:cNvPr>
@@ -9278,7 +9278,7 @@
           <p:cNvPr id="2" name="Title 1">
             <a:extLst>
               <a:ext uri="{FF2B5EF4-FFF2-40B4-BE49-F238E27FC236}">
-                <a16:creationId xmlns:a16="http://schemas.microsoft.com/office/drawing/2014/main" xmlns="" id="{4A2DF563-7FAC-46B3-B24C-7E45CD89DA2B}"/>
+                <a16:creationId xmlns="" xmlns:a16="http://schemas.microsoft.com/office/drawing/2014/main" id="{4A2DF563-7FAC-46B3-B24C-7E45CD89DA2B}"/>
               </a:ext>
             </a:extLst>
           </p:cNvPr>
@@ -9323,7 +9323,7 @@
           <p:cNvPr id="15" name="Group 14">
             <a:extLst>
               <a:ext uri="{FF2B5EF4-FFF2-40B4-BE49-F238E27FC236}">
-                <a16:creationId xmlns:a16="http://schemas.microsoft.com/office/drawing/2014/main" xmlns="" id="{7732E1E7-45E3-4264-8F26-66758696DD1E}"/>
+                <a16:creationId xmlns="" xmlns:a16="http://schemas.microsoft.com/office/drawing/2014/main" id="{7732E1E7-45E3-4264-8F26-66758696DD1E}"/>
               </a:ext>
             </a:extLst>
           </p:cNvPr>
@@ -9343,7 +9343,7 @@
             <p:cNvPr id="16" name="Freeform: Shape 15">
               <a:extLst>
                 <a:ext uri="{FF2B5EF4-FFF2-40B4-BE49-F238E27FC236}">
-                  <a16:creationId xmlns:a16="http://schemas.microsoft.com/office/drawing/2014/main" xmlns="" id="{2E3DF883-8093-49FA-81E1-E5D77F086A25}"/>
+                  <a16:creationId xmlns="" xmlns:a16="http://schemas.microsoft.com/office/drawing/2014/main" id="{2E3DF883-8093-49FA-81E1-E5D77F086A25}"/>
                 </a:ext>
               </a:extLst>
             </p:cNvPr>
@@ -9433,7 +9433,7 @@
             <p:cNvPr id="17" name="Freeform: Shape 16">
               <a:extLst>
                 <a:ext uri="{FF2B5EF4-FFF2-40B4-BE49-F238E27FC236}">
-                  <a16:creationId xmlns:a16="http://schemas.microsoft.com/office/drawing/2014/main" xmlns="" id="{18944C90-37E5-4BBE-89FF-060627168050}"/>
+                  <a16:creationId xmlns="" xmlns:a16="http://schemas.microsoft.com/office/drawing/2014/main" id="{18944C90-37E5-4BBE-89FF-060627168050}"/>
                 </a:ext>
               </a:extLst>
             </p:cNvPr>
@@ -9532,7 +9532,7 @@
           <p:cNvPr id="6" name="Group 5">
             <a:extLst>
               <a:ext uri="{FF2B5EF4-FFF2-40B4-BE49-F238E27FC236}">
-                <a16:creationId xmlns:a16="http://schemas.microsoft.com/office/drawing/2014/main" xmlns="" id="{D9EBF8BB-A805-4DDB-B459-082F99815B95}"/>
+                <a16:creationId xmlns="" xmlns:a16="http://schemas.microsoft.com/office/drawing/2014/main" id="{D9EBF8BB-A805-4DDB-B459-082F99815B95}"/>
               </a:ext>
             </a:extLst>
           </p:cNvPr>
@@ -9552,7 +9552,7 @@
             <p:cNvPr id="19" name="Rectangle: Single Corner Snipped 18">
               <a:extLst>
                 <a:ext uri="{FF2B5EF4-FFF2-40B4-BE49-F238E27FC236}">
-                  <a16:creationId xmlns:a16="http://schemas.microsoft.com/office/drawing/2014/main" xmlns="" id="{5D638788-DD47-45E7-939A-FA108A818173}"/>
+                  <a16:creationId xmlns="" xmlns:a16="http://schemas.microsoft.com/office/drawing/2014/main" id="{5D638788-DD47-45E7-939A-FA108A818173}"/>
                 </a:ext>
               </a:extLst>
             </p:cNvPr>
@@ -9613,7 +9613,7 @@
             <p:cNvPr id="3" name="Rectangle: Single Corner Snipped 2">
               <a:extLst>
                 <a:ext uri="{FF2B5EF4-FFF2-40B4-BE49-F238E27FC236}">
-                  <a16:creationId xmlns:a16="http://schemas.microsoft.com/office/drawing/2014/main" xmlns="" id="{74BDECEF-EEFE-4332-B3B2-BDE4F82C10FC}"/>
+                  <a16:creationId xmlns="" xmlns:a16="http://schemas.microsoft.com/office/drawing/2014/main" id="{74BDECEF-EEFE-4332-B3B2-BDE4F82C10FC}"/>
                 </a:ext>
               </a:extLst>
             </p:cNvPr>
@@ -9670,7 +9670,7 @@
           <p:cNvPr id="35" name="Freeform: Shape 34">
             <a:extLst>
               <a:ext uri="{FF2B5EF4-FFF2-40B4-BE49-F238E27FC236}">
-                <a16:creationId xmlns:a16="http://schemas.microsoft.com/office/drawing/2014/main" xmlns="" id="{62EEBF51-DCAD-4335-85E9-52801031A1BF}"/>
+                <a16:creationId xmlns="" xmlns:a16="http://schemas.microsoft.com/office/drawing/2014/main" id="{62EEBF51-DCAD-4335-85E9-52801031A1BF}"/>
               </a:ext>
             </a:extLst>
           </p:cNvPr>
@@ -9765,7 +9765,7 @@
           <p:cNvPr id="5" name="Slide Number Placeholder 4">
             <a:extLst>
               <a:ext uri="{FF2B5EF4-FFF2-40B4-BE49-F238E27FC236}">
-                <a16:creationId xmlns:a16="http://schemas.microsoft.com/office/drawing/2014/main" xmlns="" id="{87B51822-97FF-47A7-8E4E-A0F79B4EB237}"/>
+                <a16:creationId xmlns="" xmlns:a16="http://schemas.microsoft.com/office/drawing/2014/main" id="{87B51822-97FF-47A7-8E4E-A0F79B4EB237}"/>
               </a:ext>
             </a:extLst>
           </p:cNvPr>
@@ -9809,7 +9809,7 @@
           <p:cNvPr id="20" name="Picture Placeholder 2">
             <a:extLst>
               <a:ext uri="{FF2B5EF4-FFF2-40B4-BE49-F238E27FC236}">
-                <a16:creationId xmlns:a16="http://schemas.microsoft.com/office/drawing/2014/main" xmlns="" id="{30B3A574-7940-4E35-857E-5CA35A5910E5}"/>
+                <a16:creationId xmlns="" xmlns:a16="http://schemas.microsoft.com/office/drawing/2014/main" id="{30B3A574-7940-4E35-857E-5CA35A5910E5}"/>
               </a:ext>
             </a:extLst>
           </p:cNvPr>
@@ -9886,7 +9886,7 @@
           <p:cNvPr id="21" name="Text Placeholder 3">
             <a:extLst>
               <a:ext uri="{FF2B5EF4-FFF2-40B4-BE49-F238E27FC236}">
-                <a16:creationId xmlns:a16="http://schemas.microsoft.com/office/drawing/2014/main" xmlns="" id="{912B51EA-3E6F-4BF6-BE48-62128AF32B85}"/>
+                <a16:creationId xmlns="" xmlns:a16="http://schemas.microsoft.com/office/drawing/2014/main" id="{912B51EA-3E6F-4BF6-BE48-62128AF32B85}"/>
               </a:ext>
             </a:extLst>
           </p:cNvPr>
@@ -10000,7 +10000,7 @@
           <p:cNvPr id="11" name="Rectangle 10">
             <a:extLst>
               <a:ext uri="{FF2B5EF4-FFF2-40B4-BE49-F238E27FC236}">
-                <a16:creationId xmlns:a16="http://schemas.microsoft.com/office/drawing/2014/main" xmlns="" id="{EB3E033F-4449-40FA-BC85-BD2712D313DD}"/>
+                <a16:creationId xmlns="" xmlns:a16="http://schemas.microsoft.com/office/drawing/2014/main" id="{EB3E033F-4449-40FA-BC85-BD2712D313DD}"/>
               </a:ext>
             </a:extLst>
           </p:cNvPr>
@@ -10054,7 +10054,7 @@
           <p:cNvPr id="10" name="Freeform: Shape 9">
             <a:extLst>
               <a:ext uri="{FF2B5EF4-FFF2-40B4-BE49-F238E27FC236}">
-                <a16:creationId xmlns:a16="http://schemas.microsoft.com/office/drawing/2014/main" xmlns="" id="{63D26743-0505-444C-80B3-E88EE87DF72B}"/>
+                <a16:creationId xmlns="" xmlns:a16="http://schemas.microsoft.com/office/drawing/2014/main" id="{63D26743-0505-444C-80B3-E88EE87DF72B}"/>
               </a:ext>
             </a:extLst>
           </p:cNvPr>
@@ -10177,7 +10177,7 @@
           <p:cNvPr id="18" name="Freeform: Shape 17">
             <a:extLst>
               <a:ext uri="{FF2B5EF4-FFF2-40B4-BE49-F238E27FC236}">
-                <a16:creationId xmlns:a16="http://schemas.microsoft.com/office/drawing/2014/main" xmlns="" id="{E37145E9-AC61-47D5-9288-8789940F81B6}"/>
+                <a16:creationId xmlns="" xmlns:a16="http://schemas.microsoft.com/office/drawing/2014/main" id="{E37145E9-AC61-47D5-9288-8789940F81B6}"/>
               </a:ext>
             </a:extLst>
           </p:cNvPr>
@@ -10329,7 +10329,7 @@
           <p:cNvPr id="12" name="Freeform: Shape 11">
             <a:extLst>
               <a:ext uri="{FF2B5EF4-FFF2-40B4-BE49-F238E27FC236}">
-                <a16:creationId xmlns:a16="http://schemas.microsoft.com/office/drawing/2014/main" xmlns="" id="{A5E2B3ED-9A49-40A7-B8A3-62595FE513F9}"/>
+                <a16:creationId xmlns="" xmlns:a16="http://schemas.microsoft.com/office/drawing/2014/main" id="{A5E2B3ED-9A49-40A7-B8A3-62595FE513F9}"/>
               </a:ext>
             </a:extLst>
           </p:cNvPr>
@@ -10479,7 +10479,7 @@
           <p:cNvPr id="8" name="Freeform: Shape 7">
             <a:extLst>
               <a:ext uri="{FF2B5EF4-FFF2-40B4-BE49-F238E27FC236}">
-                <a16:creationId xmlns:a16="http://schemas.microsoft.com/office/drawing/2014/main" xmlns="" id="{1599AF7E-3E34-4597-AA72-9373A7FDB020}"/>
+                <a16:creationId xmlns="" xmlns:a16="http://schemas.microsoft.com/office/drawing/2014/main" id="{1599AF7E-3E34-4597-AA72-9373A7FDB020}"/>
               </a:ext>
             </a:extLst>
           </p:cNvPr>
@@ -10625,7 +10625,7 @@
           <p:cNvPr id="2" name="Title 1">
             <a:extLst>
               <a:ext uri="{FF2B5EF4-FFF2-40B4-BE49-F238E27FC236}">
-                <a16:creationId xmlns:a16="http://schemas.microsoft.com/office/drawing/2014/main" xmlns="" id="{4A2DF563-7FAC-46B3-B24C-7E45CD89DA2B}"/>
+                <a16:creationId xmlns="" xmlns:a16="http://schemas.microsoft.com/office/drawing/2014/main" id="{4A2DF563-7FAC-46B3-B24C-7E45CD89DA2B}"/>
               </a:ext>
             </a:extLst>
           </p:cNvPr>
@@ -10670,7 +10670,7 @@
           <p:cNvPr id="15" name="Group 14">
             <a:extLst>
               <a:ext uri="{FF2B5EF4-FFF2-40B4-BE49-F238E27FC236}">
-                <a16:creationId xmlns:a16="http://schemas.microsoft.com/office/drawing/2014/main" xmlns="" id="{7732E1E7-45E3-4264-8F26-66758696DD1E}"/>
+                <a16:creationId xmlns="" xmlns:a16="http://schemas.microsoft.com/office/drawing/2014/main" id="{7732E1E7-45E3-4264-8F26-66758696DD1E}"/>
               </a:ext>
             </a:extLst>
           </p:cNvPr>
@@ -10690,7 +10690,7 @@
             <p:cNvPr id="16" name="Freeform: Shape 15">
               <a:extLst>
                 <a:ext uri="{FF2B5EF4-FFF2-40B4-BE49-F238E27FC236}">
-                  <a16:creationId xmlns:a16="http://schemas.microsoft.com/office/drawing/2014/main" xmlns="" id="{2E3DF883-8093-49FA-81E1-E5D77F086A25}"/>
+                  <a16:creationId xmlns="" xmlns:a16="http://schemas.microsoft.com/office/drawing/2014/main" id="{2E3DF883-8093-49FA-81E1-E5D77F086A25}"/>
                 </a:ext>
               </a:extLst>
             </p:cNvPr>
@@ -10780,7 +10780,7 @@
             <p:cNvPr id="17" name="Freeform: Shape 16">
               <a:extLst>
                 <a:ext uri="{FF2B5EF4-FFF2-40B4-BE49-F238E27FC236}">
-                  <a16:creationId xmlns:a16="http://schemas.microsoft.com/office/drawing/2014/main" xmlns="" id="{18944C90-37E5-4BBE-89FF-060627168050}"/>
+                  <a16:creationId xmlns="" xmlns:a16="http://schemas.microsoft.com/office/drawing/2014/main" id="{18944C90-37E5-4BBE-89FF-060627168050}"/>
                 </a:ext>
               </a:extLst>
             </p:cNvPr>
@@ -10879,7 +10879,7 @@
           <p:cNvPr id="6" name="Group 5">
             <a:extLst>
               <a:ext uri="{FF2B5EF4-FFF2-40B4-BE49-F238E27FC236}">
-                <a16:creationId xmlns:a16="http://schemas.microsoft.com/office/drawing/2014/main" xmlns="" id="{D9EBF8BB-A805-4DDB-B459-082F99815B95}"/>
+                <a16:creationId xmlns="" xmlns:a16="http://schemas.microsoft.com/office/drawing/2014/main" id="{D9EBF8BB-A805-4DDB-B459-082F99815B95}"/>
               </a:ext>
             </a:extLst>
           </p:cNvPr>
@@ -10899,7 +10899,7 @@
             <p:cNvPr id="19" name="Rectangle: Single Corner Snipped 18">
               <a:extLst>
                 <a:ext uri="{FF2B5EF4-FFF2-40B4-BE49-F238E27FC236}">
-                  <a16:creationId xmlns:a16="http://schemas.microsoft.com/office/drawing/2014/main" xmlns="" id="{5D638788-DD47-45E7-939A-FA108A818173}"/>
+                  <a16:creationId xmlns="" xmlns:a16="http://schemas.microsoft.com/office/drawing/2014/main" id="{5D638788-DD47-45E7-939A-FA108A818173}"/>
                 </a:ext>
               </a:extLst>
             </p:cNvPr>
@@ -10960,7 +10960,7 @@
             <p:cNvPr id="3" name="Rectangle: Single Corner Snipped 2">
               <a:extLst>
                 <a:ext uri="{FF2B5EF4-FFF2-40B4-BE49-F238E27FC236}">
-                  <a16:creationId xmlns:a16="http://schemas.microsoft.com/office/drawing/2014/main" xmlns="" id="{74BDECEF-EEFE-4332-B3B2-BDE4F82C10FC}"/>
+                  <a16:creationId xmlns="" xmlns:a16="http://schemas.microsoft.com/office/drawing/2014/main" id="{74BDECEF-EEFE-4332-B3B2-BDE4F82C10FC}"/>
                 </a:ext>
               </a:extLst>
             </p:cNvPr>
@@ -11017,7 +11017,7 @@
           <p:cNvPr id="35" name="Freeform: Shape 34">
             <a:extLst>
               <a:ext uri="{FF2B5EF4-FFF2-40B4-BE49-F238E27FC236}">
-                <a16:creationId xmlns:a16="http://schemas.microsoft.com/office/drawing/2014/main" xmlns="" id="{62EEBF51-DCAD-4335-85E9-52801031A1BF}"/>
+                <a16:creationId xmlns="" xmlns:a16="http://schemas.microsoft.com/office/drawing/2014/main" id="{62EEBF51-DCAD-4335-85E9-52801031A1BF}"/>
               </a:ext>
             </a:extLst>
           </p:cNvPr>
@@ -11112,7 +11112,7 @@
           <p:cNvPr id="5" name="Slide Number Placeholder 4">
             <a:extLst>
               <a:ext uri="{FF2B5EF4-FFF2-40B4-BE49-F238E27FC236}">
-                <a16:creationId xmlns:a16="http://schemas.microsoft.com/office/drawing/2014/main" xmlns="" id="{87B51822-97FF-47A7-8E4E-A0F79B4EB237}"/>
+                <a16:creationId xmlns="" xmlns:a16="http://schemas.microsoft.com/office/drawing/2014/main" id="{87B51822-97FF-47A7-8E4E-A0F79B4EB237}"/>
               </a:ext>
             </a:extLst>
           </p:cNvPr>
@@ -11156,7 +11156,7 @@
           <p:cNvPr id="21" name="Text Placeholder 3">
             <a:extLst>
               <a:ext uri="{FF2B5EF4-FFF2-40B4-BE49-F238E27FC236}">
-                <a16:creationId xmlns:a16="http://schemas.microsoft.com/office/drawing/2014/main" xmlns="" id="{912B51EA-3E6F-4BF6-BE48-62128AF32B85}"/>
+                <a16:creationId xmlns="" xmlns:a16="http://schemas.microsoft.com/office/drawing/2014/main" id="{912B51EA-3E6F-4BF6-BE48-62128AF32B85}"/>
               </a:ext>
             </a:extLst>
           </p:cNvPr>
@@ -11232,7 +11232,7 @@
           <p:cNvPr id="22" name="Content Placeholder 2">
             <a:extLst>
               <a:ext uri="{FF2B5EF4-FFF2-40B4-BE49-F238E27FC236}">
-                <a16:creationId xmlns:a16="http://schemas.microsoft.com/office/drawing/2014/main" xmlns="" id="{A015C605-1D30-48BC-A0D6-3B11AF56CC53}"/>
+                <a16:creationId xmlns="" xmlns:a16="http://schemas.microsoft.com/office/drawing/2014/main" id="{A015C605-1D30-48BC-A0D6-3B11AF56CC53}"/>
               </a:ext>
             </a:extLst>
           </p:cNvPr>
@@ -11374,7 +11374,7 @@
           <p:cNvPr id="18" name="Rectangle 17">
             <a:extLst>
               <a:ext uri="{FF2B5EF4-FFF2-40B4-BE49-F238E27FC236}">
-                <a16:creationId xmlns:a16="http://schemas.microsoft.com/office/drawing/2014/main" xmlns="" id="{D4494CD2-CCDD-0248-96F8-741002C44255}"/>
+                <a16:creationId xmlns="" xmlns:a16="http://schemas.microsoft.com/office/drawing/2014/main" id="{D4494CD2-CCDD-0248-96F8-741002C44255}"/>
               </a:ext>
             </a:extLst>
           </p:cNvPr>
@@ -11428,7 +11428,7 @@
           <p:cNvPr id="19" name="Freeform: Shape 9">
             <a:extLst>
               <a:ext uri="{FF2B5EF4-FFF2-40B4-BE49-F238E27FC236}">
-                <a16:creationId xmlns:a16="http://schemas.microsoft.com/office/drawing/2014/main" xmlns="" id="{07077B00-C1EE-7241-B441-7814F92A7EDF}"/>
+                <a16:creationId xmlns="" xmlns:a16="http://schemas.microsoft.com/office/drawing/2014/main" id="{07077B00-C1EE-7241-B441-7814F92A7EDF}"/>
               </a:ext>
             </a:extLst>
           </p:cNvPr>
@@ -11551,7 +11551,7 @@
           <p:cNvPr id="20" name="Freeform: Shape 17">
             <a:extLst>
               <a:ext uri="{FF2B5EF4-FFF2-40B4-BE49-F238E27FC236}">
-                <a16:creationId xmlns:a16="http://schemas.microsoft.com/office/drawing/2014/main" xmlns="" id="{3A1AEBC4-637E-F64C-9192-69AC4BB26D0C}"/>
+                <a16:creationId xmlns="" xmlns:a16="http://schemas.microsoft.com/office/drawing/2014/main" id="{3A1AEBC4-637E-F64C-9192-69AC4BB26D0C}"/>
               </a:ext>
             </a:extLst>
           </p:cNvPr>
@@ -11703,7 +11703,7 @@
           <p:cNvPr id="21" name="Freeform: Shape 11">
             <a:extLst>
               <a:ext uri="{FF2B5EF4-FFF2-40B4-BE49-F238E27FC236}">
-                <a16:creationId xmlns:a16="http://schemas.microsoft.com/office/drawing/2014/main" xmlns="" id="{669A7039-C54C-8E46-9A8B-DDB2547D989C}"/>
+                <a16:creationId xmlns="" xmlns:a16="http://schemas.microsoft.com/office/drawing/2014/main" id="{669A7039-C54C-8E46-9A8B-DDB2547D989C}"/>
               </a:ext>
             </a:extLst>
           </p:cNvPr>
@@ -11853,7 +11853,7 @@
           <p:cNvPr id="22" name="Freeform: Shape 7">
             <a:extLst>
               <a:ext uri="{FF2B5EF4-FFF2-40B4-BE49-F238E27FC236}">
-                <a16:creationId xmlns:a16="http://schemas.microsoft.com/office/drawing/2014/main" xmlns="" id="{4F173B32-87BB-9A40-8C91-4C1EED2B7ABF}"/>
+                <a16:creationId xmlns="" xmlns:a16="http://schemas.microsoft.com/office/drawing/2014/main" id="{4F173B32-87BB-9A40-8C91-4C1EED2B7ABF}"/>
               </a:ext>
             </a:extLst>
           </p:cNvPr>
@@ -11999,7 +11999,7 @@
           <p:cNvPr id="24" name="Group 23">
             <a:extLst>
               <a:ext uri="{FF2B5EF4-FFF2-40B4-BE49-F238E27FC236}">
-                <a16:creationId xmlns:a16="http://schemas.microsoft.com/office/drawing/2014/main" xmlns="" id="{4AC87F4E-12B5-1B42-AFD2-4DB39B7645C9}"/>
+                <a16:creationId xmlns="" xmlns:a16="http://schemas.microsoft.com/office/drawing/2014/main" id="{4AC87F4E-12B5-1B42-AFD2-4DB39B7645C9}"/>
               </a:ext>
             </a:extLst>
           </p:cNvPr>
@@ -12019,7 +12019,7 @@
             <p:cNvPr id="25" name="Freeform: Shape 15">
               <a:extLst>
                 <a:ext uri="{FF2B5EF4-FFF2-40B4-BE49-F238E27FC236}">
-                  <a16:creationId xmlns:a16="http://schemas.microsoft.com/office/drawing/2014/main" xmlns="" id="{03DD8765-59DF-A045-ADB5-E39FAEE153A0}"/>
+                  <a16:creationId xmlns="" xmlns:a16="http://schemas.microsoft.com/office/drawing/2014/main" id="{03DD8765-59DF-A045-ADB5-E39FAEE153A0}"/>
                 </a:ext>
               </a:extLst>
             </p:cNvPr>
@@ -12109,7 +12109,7 @@
             <p:cNvPr id="26" name="Freeform: Shape 16">
               <a:extLst>
                 <a:ext uri="{FF2B5EF4-FFF2-40B4-BE49-F238E27FC236}">
-                  <a16:creationId xmlns:a16="http://schemas.microsoft.com/office/drawing/2014/main" xmlns="" id="{B34B796C-A407-7B4D-B4F0-E58A44FE8DB4}"/>
+                  <a16:creationId xmlns="" xmlns:a16="http://schemas.microsoft.com/office/drawing/2014/main" id="{B34B796C-A407-7B4D-B4F0-E58A44FE8DB4}"/>
                 </a:ext>
               </a:extLst>
             </p:cNvPr>
@@ -12208,7 +12208,7 @@
           <p:cNvPr id="30" name="Freeform: Shape 23">
             <a:extLst>
               <a:ext uri="{FF2B5EF4-FFF2-40B4-BE49-F238E27FC236}">
-                <a16:creationId xmlns:a16="http://schemas.microsoft.com/office/drawing/2014/main" xmlns="" id="{CBE3FDC9-67CB-FA42-B127-A36BFF4678BB}"/>
+                <a16:creationId xmlns="" xmlns:a16="http://schemas.microsoft.com/office/drawing/2014/main" id="{CBE3FDC9-67CB-FA42-B127-A36BFF4678BB}"/>
               </a:ext>
             </a:extLst>
           </p:cNvPr>
@@ -12303,7 +12303,7 @@
           <p:cNvPr id="31" name="Slide Number Placeholder 4">
             <a:extLst>
               <a:ext uri="{FF2B5EF4-FFF2-40B4-BE49-F238E27FC236}">
-                <a16:creationId xmlns:a16="http://schemas.microsoft.com/office/drawing/2014/main" xmlns="" id="{1E902BFF-CA8F-D745-A819-A7BB38B30ED9}"/>
+                <a16:creationId xmlns="" xmlns:a16="http://schemas.microsoft.com/office/drawing/2014/main" id="{1E902BFF-CA8F-D745-A819-A7BB38B30ED9}"/>
               </a:ext>
             </a:extLst>
           </p:cNvPr>
@@ -12377,7 +12377,7 @@
           <p:cNvPr id="21" name="Rectangle 20">
             <a:extLst>
               <a:ext uri="{FF2B5EF4-FFF2-40B4-BE49-F238E27FC236}">
-                <a16:creationId xmlns:a16="http://schemas.microsoft.com/office/drawing/2014/main" xmlns="" id="{6E739168-A5E8-443A-B392-7AD4CF8977AD}"/>
+                <a16:creationId xmlns="" xmlns:a16="http://schemas.microsoft.com/office/drawing/2014/main" id="{6E739168-A5E8-443A-B392-7AD4CF8977AD}"/>
               </a:ext>
             </a:extLst>
           </p:cNvPr>
@@ -12429,7 +12429,7 @@
           <p:cNvPr id="15" name="Freeform: Shape 14">
             <a:extLst>
               <a:ext uri="{FF2B5EF4-FFF2-40B4-BE49-F238E27FC236}">
-                <a16:creationId xmlns:a16="http://schemas.microsoft.com/office/drawing/2014/main" xmlns="" id="{41E10E1E-5268-4F03-BA64-07E19DE26739}"/>
+                <a16:creationId xmlns="" xmlns:a16="http://schemas.microsoft.com/office/drawing/2014/main" id="{41E10E1E-5268-4F03-BA64-07E19DE26739}"/>
               </a:ext>
             </a:extLst>
           </p:cNvPr>
@@ -12566,7 +12566,7 @@
           <p:cNvPr id="16" name="Freeform: Shape 15">
             <a:extLst>
               <a:ext uri="{FF2B5EF4-FFF2-40B4-BE49-F238E27FC236}">
-                <a16:creationId xmlns:a16="http://schemas.microsoft.com/office/drawing/2014/main" xmlns="" id="{B989C45D-BDFF-418F-BE79-03FF70015770}"/>
+                <a16:creationId xmlns="" xmlns:a16="http://schemas.microsoft.com/office/drawing/2014/main" id="{B989C45D-BDFF-418F-BE79-03FF70015770}"/>
               </a:ext>
             </a:extLst>
           </p:cNvPr>
@@ -12730,7 +12730,7 @@
           <p:cNvPr id="20" name="Freeform: Shape 19">
             <a:extLst>
               <a:ext uri="{FF2B5EF4-FFF2-40B4-BE49-F238E27FC236}">
-                <a16:creationId xmlns:a16="http://schemas.microsoft.com/office/drawing/2014/main" xmlns="" id="{0027A677-9ACB-4264-B148-4806678FB83F}"/>
+                <a16:creationId xmlns="" xmlns:a16="http://schemas.microsoft.com/office/drawing/2014/main" id="{0027A677-9ACB-4264-B148-4806678FB83F}"/>
               </a:ext>
             </a:extLst>
           </p:cNvPr>
@@ -12892,7 +12892,7 @@
           <p:cNvPr id="6" name="Group 5">
             <a:extLst>
               <a:ext uri="{FF2B5EF4-FFF2-40B4-BE49-F238E27FC236}">
-                <a16:creationId xmlns:a16="http://schemas.microsoft.com/office/drawing/2014/main" xmlns="" id="{EA7FF9D7-8545-4547-AC77-A0421EEB9B99}"/>
+                <a16:creationId xmlns="" xmlns:a16="http://schemas.microsoft.com/office/drawing/2014/main" id="{EA7FF9D7-8545-4547-AC77-A0421EEB9B99}"/>
               </a:ext>
             </a:extLst>
           </p:cNvPr>
@@ -12912,7 +12912,7 @@
             <p:cNvPr id="17" name="Right Triangle 16">
               <a:extLst>
                 <a:ext uri="{FF2B5EF4-FFF2-40B4-BE49-F238E27FC236}">
-                  <a16:creationId xmlns:a16="http://schemas.microsoft.com/office/drawing/2014/main" xmlns="" id="{8DCD5806-2A2F-4ABF-8057-245681C498E6}"/>
+                  <a16:creationId xmlns="" xmlns:a16="http://schemas.microsoft.com/office/drawing/2014/main" id="{8DCD5806-2A2F-4ABF-8057-245681C498E6}"/>
                 </a:ext>
               </a:extLst>
             </p:cNvPr>
@@ -12966,7 +12966,7 @@
             <p:cNvPr id="18" name="Right Triangle 17">
               <a:extLst>
                 <a:ext uri="{FF2B5EF4-FFF2-40B4-BE49-F238E27FC236}">
-                  <a16:creationId xmlns:a16="http://schemas.microsoft.com/office/drawing/2014/main" xmlns="" id="{3A93038F-E9E4-4FFD-B3DF-28DB7C2C1490}"/>
+                  <a16:creationId xmlns="" xmlns:a16="http://schemas.microsoft.com/office/drawing/2014/main" id="{3A93038F-E9E4-4FFD-B3DF-28DB7C2C1490}"/>
                 </a:ext>
               </a:extLst>
             </p:cNvPr>
@@ -13023,7 +13023,7 @@
             <p:cNvPr id="19" name="Right Triangle 18">
               <a:extLst>
                 <a:ext uri="{FF2B5EF4-FFF2-40B4-BE49-F238E27FC236}">
-                  <a16:creationId xmlns:a16="http://schemas.microsoft.com/office/drawing/2014/main" xmlns="" id="{5DEA1E02-BBD0-4AE3-AF22-433B90272178}"/>
+                  <a16:creationId xmlns="" xmlns:a16="http://schemas.microsoft.com/office/drawing/2014/main" id="{5DEA1E02-BBD0-4AE3-AF22-433B90272178}"/>
                 </a:ext>
               </a:extLst>
             </p:cNvPr>
@@ -13078,7 +13078,7 @@
           <p:cNvPr id="2" name="Title 1">
             <a:extLst>
               <a:ext uri="{FF2B5EF4-FFF2-40B4-BE49-F238E27FC236}">
-                <a16:creationId xmlns:a16="http://schemas.microsoft.com/office/drawing/2014/main" xmlns="" id="{9E597736-C478-4C26-9BAF-205FE31E977C}"/>
+                <a16:creationId xmlns="" xmlns:a16="http://schemas.microsoft.com/office/drawing/2014/main" id="{9E597736-C478-4C26-9BAF-205FE31E977C}"/>
               </a:ext>
             </a:extLst>
           </p:cNvPr>
@@ -13155,7 +13155,7 @@
           <p:cNvPr id="21" name="Rectangle 20">
             <a:extLst>
               <a:ext uri="{FF2B5EF4-FFF2-40B4-BE49-F238E27FC236}">
-                <a16:creationId xmlns:a16="http://schemas.microsoft.com/office/drawing/2014/main" xmlns="" id="{6E739168-A5E8-443A-B392-7AD4CF8977AD}"/>
+                <a16:creationId xmlns="" xmlns:a16="http://schemas.microsoft.com/office/drawing/2014/main" id="{6E739168-A5E8-443A-B392-7AD4CF8977AD}"/>
               </a:ext>
             </a:extLst>
           </p:cNvPr>
@@ -13207,7 +13207,7 @@
           <p:cNvPr id="15" name="Freeform: Shape 14">
             <a:extLst>
               <a:ext uri="{FF2B5EF4-FFF2-40B4-BE49-F238E27FC236}">
-                <a16:creationId xmlns:a16="http://schemas.microsoft.com/office/drawing/2014/main" xmlns="" id="{41E10E1E-5268-4F03-BA64-07E19DE26739}"/>
+                <a16:creationId xmlns="" xmlns:a16="http://schemas.microsoft.com/office/drawing/2014/main" id="{41E10E1E-5268-4F03-BA64-07E19DE26739}"/>
               </a:ext>
             </a:extLst>
           </p:cNvPr>
@@ -13344,7 +13344,7 @@
           <p:cNvPr id="16" name="Freeform: Shape 15">
             <a:extLst>
               <a:ext uri="{FF2B5EF4-FFF2-40B4-BE49-F238E27FC236}">
-                <a16:creationId xmlns:a16="http://schemas.microsoft.com/office/drawing/2014/main" xmlns="" id="{B989C45D-BDFF-418F-BE79-03FF70015770}"/>
+                <a16:creationId xmlns="" xmlns:a16="http://schemas.microsoft.com/office/drawing/2014/main" id="{B989C45D-BDFF-418F-BE79-03FF70015770}"/>
               </a:ext>
             </a:extLst>
           </p:cNvPr>
@@ -13508,7 +13508,7 @@
           <p:cNvPr id="20" name="Freeform: Shape 19">
             <a:extLst>
               <a:ext uri="{FF2B5EF4-FFF2-40B4-BE49-F238E27FC236}">
-                <a16:creationId xmlns:a16="http://schemas.microsoft.com/office/drawing/2014/main" xmlns="" id="{0027A677-9ACB-4264-B148-4806678FB83F}"/>
+                <a16:creationId xmlns="" xmlns:a16="http://schemas.microsoft.com/office/drawing/2014/main" id="{0027A677-9ACB-4264-B148-4806678FB83F}"/>
               </a:ext>
             </a:extLst>
           </p:cNvPr>
@@ -13670,7 +13670,7 @@
           <p:cNvPr id="2" name="Title 1">
             <a:extLst>
               <a:ext uri="{FF2B5EF4-FFF2-40B4-BE49-F238E27FC236}">
-                <a16:creationId xmlns:a16="http://schemas.microsoft.com/office/drawing/2014/main" xmlns="" id="{9E597736-C478-4C26-9BAF-205FE31E977C}"/>
+                <a16:creationId xmlns="" xmlns:a16="http://schemas.microsoft.com/office/drawing/2014/main" id="{9E597736-C478-4C26-9BAF-205FE31E977C}"/>
               </a:ext>
             </a:extLst>
           </p:cNvPr>
@@ -13717,7 +13717,7 @@
           <p:cNvPr id="35" name="Freeform: Shape 34">
             <a:extLst>
               <a:ext uri="{FF2B5EF4-FFF2-40B4-BE49-F238E27FC236}">
-                <a16:creationId xmlns:a16="http://schemas.microsoft.com/office/drawing/2014/main" xmlns="" id="{C024DCDB-C6BF-455E-AAB8-EAF9DAB302A1}"/>
+                <a16:creationId xmlns="" xmlns:a16="http://schemas.microsoft.com/office/drawing/2014/main" id="{C024DCDB-C6BF-455E-AAB8-EAF9DAB302A1}"/>
               </a:ext>
             </a:extLst>
           </p:cNvPr>
@@ -13825,7 +13825,7 @@
           <p:cNvPr id="32" name="Freeform: Shape 31">
             <a:extLst>
               <a:ext uri="{FF2B5EF4-FFF2-40B4-BE49-F238E27FC236}">
-                <a16:creationId xmlns:a16="http://schemas.microsoft.com/office/drawing/2014/main" xmlns="" id="{26AFB47A-5D51-4F9C-B01B-977CE5E3C093}"/>
+                <a16:creationId xmlns="" xmlns:a16="http://schemas.microsoft.com/office/drawing/2014/main" id="{26AFB47A-5D51-4F9C-B01B-977CE5E3C093}"/>
               </a:ext>
             </a:extLst>
           </p:cNvPr>
@@ -13941,7 +13941,7 @@
           <p:cNvPr id="30" name="Freeform: Shape 29">
             <a:extLst>
               <a:ext uri="{FF2B5EF4-FFF2-40B4-BE49-F238E27FC236}">
-                <a16:creationId xmlns:a16="http://schemas.microsoft.com/office/drawing/2014/main" xmlns="" id="{6997A4FF-7390-4173-8ACD-6CF7145AACEC}"/>
+                <a16:creationId xmlns="" xmlns:a16="http://schemas.microsoft.com/office/drawing/2014/main" id="{6997A4FF-7390-4173-8ACD-6CF7145AACEC}"/>
               </a:ext>
             </a:extLst>
           </p:cNvPr>
@@ -14080,7 +14080,7 @@
           <p:cNvPr id="7" name="Rectangle 6">
             <a:extLst>
               <a:ext uri="{FF2B5EF4-FFF2-40B4-BE49-F238E27FC236}">
-                <a16:creationId xmlns:a16="http://schemas.microsoft.com/office/drawing/2014/main" xmlns="" id="{B2838D16-809E-4EB1-8C0C-0E63D8139112}"/>
+                <a16:creationId xmlns="" xmlns:a16="http://schemas.microsoft.com/office/drawing/2014/main" id="{B2838D16-809E-4EB1-8C0C-0E63D8139112}"/>
               </a:ext>
             </a:extLst>
           </p:cNvPr>
@@ -14132,7 +14132,7 @@
           <p:cNvPr id="8" name="Freeform: Shape 7">
             <a:extLst>
               <a:ext uri="{FF2B5EF4-FFF2-40B4-BE49-F238E27FC236}">
-                <a16:creationId xmlns:a16="http://schemas.microsoft.com/office/drawing/2014/main" xmlns="" id="{01FEB333-94B4-4E53-9019-D584810903BB}"/>
+                <a16:creationId xmlns="" xmlns:a16="http://schemas.microsoft.com/office/drawing/2014/main" id="{01FEB333-94B4-4E53-9019-D584810903BB}"/>
               </a:ext>
             </a:extLst>
           </p:cNvPr>
@@ -14253,7 +14253,7 @@
           <p:cNvPr id="9" name="Freeform: Shape 8">
             <a:extLst>
               <a:ext uri="{FF2B5EF4-FFF2-40B4-BE49-F238E27FC236}">
-                <a16:creationId xmlns:a16="http://schemas.microsoft.com/office/drawing/2014/main" xmlns="" id="{A59B9489-0CD9-4DB7-AC82-6E7867F91403}"/>
+                <a16:creationId xmlns="" xmlns:a16="http://schemas.microsoft.com/office/drawing/2014/main" id="{A59B9489-0CD9-4DB7-AC82-6E7867F91403}"/>
               </a:ext>
             </a:extLst>
           </p:cNvPr>
@@ -14393,7 +14393,7 @@
           <p:cNvPr id="10" name="Right Triangle 9">
             <a:extLst>
               <a:ext uri="{FF2B5EF4-FFF2-40B4-BE49-F238E27FC236}">
-                <a16:creationId xmlns:a16="http://schemas.microsoft.com/office/drawing/2014/main" xmlns="" id="{A55D1C76-C591-4FA5-9780-87AB6B37C0FA}"/>
+                <a16:creationId xmlns="" xmlns:a16="http://schemas.microsoft.com/office/drawing/2014/main" id="{A55D1C76-C591-4FA5-9780-87AB6B37C0FA}"/>
               </a:ext>
             </a:extLst>
           </p:cNvPr>
@@ -14447,7 +14447,7 @@
           <p:cNvPr id="11" name="Freeform: Shape 10">
             <a:extLst>
               <a:ext uri="{FF2B5EF4-FFF2-40B4-BE49-F238E27FC236}">
-                <a16:creationId xmlns:a16="http://schemas.microsoft.com/office/drawing/2014/main" xmlns="" id="{A7DC1D12-670F-4235-8791-FA8C2B330871}"/>
+                <a16:creationId xmlns="" xmlns:a16="http://schemas.microsoft.com/office/drawing/2014/main" id="{A7DC1D12-670F-4235-8791-FA8C2B330871}"/>
               </a:ext>
             </a:extLst>
           </p:cNvPr>
@@ -14593,7 +14593,7 @@
           <p:cNvPr id="12" name="Freeform: Shape 11">
             <a:extLst>
               <a:ext uri="{FF2B5EF4-FFF2-40B4-BE49-F238E27FC236}">
-                <a16:creationId xmlns:a16="http://schemas.microsoft.com/office/drawing/2014/main" xmlns="" id="{859569CF-FDAC-47C4-A0F5-296F7117C398}"/>
+                <a16:creationId xmlns="" xmlns:a16="http://schemas.microsoft.com/office/drawing/2014/main" id="{859569CF-FDAC-47C4-A0F5-296F7117C398}"/>
               </a:ext>
             </a:extLst>
           </p:cNvPr>
@@ -14693,7 +14693,7 @@
           <p:cNvPr id="13" name="Freeform: Shape 12">
             <a:extLst>
               <a:ext uri="{FF2B5EF4-FFF2-40B4-BE49-F238E27FC236}">
-                <a16:creationId xmlns:a16="http://schemas.microsoft.com/office/drawing/2014/main" xmlns="" id="{D68D0C72-2B2C-4C85-A091-157853C71784}"/>
+                <a16:creationId xmlns="" xmlns:a16="http://schemas.microsoft.com/office/drawing/2014/main" id="{D68D0C72-2B2C-4C85-A091-157853C71784}"/>
               </a:ext>
             </a:extLst>
           </p:cNvPr>
@@ -14801,7 +14801,7 @@
           <p:cNvPr id="14" name="Freeform: Shape 13">
             <a:extLst>
               <a:ext uri="{FF2B5EF4-FFF2-40B4-BE49-F238E27FC236}">
-                <a16:creationId xmlns:a16="http://schemas.microsoft.com/office/drawing/2014/main" xmlns="" id="{8E25334A-5FE3-4DDA-8D32-4796CCFCAA74}"/>
+                <a16:creationId xmlns="" xmlns:a16="http://schemas.microsoft.com/office/drawing/2014/main" id="{8E25334A-5FE3-4DDA-8D32-4796CCFCAA74}"/>
               </a:ext>
             </a:extLst>
           </p:cNvPr>
@@ -14893,7 +14893,7 @@
           <p:cNvPr id="15" name="Freeform: Shape 14">
             <a:extLst>
               <a:ext uri="{FF2B5EF4-FFF2-40B4-BE49-F238E27FC236}">
-                <a16:creationId xmlns:a16="http://schemas.microsoft.com/office/drawing/2014/main" xmlns="" id="{18818DF1-D7FD-4C0F-875D-7A07E8F75C06}"/>
+                <a16:creationId xmlns="" xmlns:a16="http://schemas.microsoft.com/office/drawing/2014/main" id="{18818DF1-D7FD-4C0F-875D-7A07E8F75C06}"/>
               </a:ext>
             </a:extLst>
           </p:cNvPr>
@@ -14993,7 +14993,7 @@
           <p:cNvPr id="16" name="Group 15">
             <a:extLst>
               <a:ext uri="{FF2B5EF4-FFF2-40B4-BE49-F238E27FC236}">
-                <a16:creationId xmlns:a16="http://schemas.microsoft.com/office/drawing/2014/main" xmlns="" id="{8F9BB384-9E14-4CEA-82C1-21837229D3EF}"/>
+                <a16:creationId xmlns="" xmlns:a16="http://schemas.microsoft.com/office/drawing/2014/main" id="{8F9BB384-9E14-4CEA-82C1-21837229D3EF}"/>
               </a:ext>
             </a:extLst>
           </p:cNvPr>
@@ -15013,7 +15013,7 @@
             <p:cNvPr id="17" name="Freeform: Shape 16">
               <a:extLst>
                 <a:ext uri="{FF2B5EF4-FFF2-40B4-BE49-F238E27FC236}">
-                  <a16:creationId xmlns:a16="http://schemas.microsoft.com/office/drawing/2014/main" xmlns="" id="{0862A81A-959D-4EAB-90ED-DB20759BB397}"/>
+                  <a16:creationId xmlns="" xmlns:a16="http://schemas.microsoft.com/office/drawing/2014/main" id="{0862A81A-959D-4EAB-90ED-DB20759BB397}"/>
                 </a:ext>
               </a:extLst>
             </p:cNvPr>
@@ -15103,7 +15103,7 @@
             <p:cNvPr id="18" name="Freeform: Shape 17">
               <a:extLst>
                 <a:ext uri="{FF2B5EF4-FFF2-40B4-BE49-F238E27FC236}">
-                  <a16:creationId xmlns:a16="http://schemas.microsoft.com/office/drawing/2014/main" xmlns="" id="{AAB9E28C-9422-42BD-AECE-29B44B5D63E2}"/>
+                  <a16:creationId xmlns="" xmlns:a16="http://schemas.microsoft.com/office/drawing/2014/main" id="{AAB9E28C-9422-42BD-AECE-29B44B5D63E2}"/>
                 </a:ext>
               </a:extLst>
             </p:cNvPr>
@@ -15202,7 +15202,7 @@
           <p:cNvPr id="19" name="Group 18">
             <a:extLst>
               <a:ext uri="{FF2B5EF4-FFF2-40B4-BE49-F238E27FC236}">
-                <a16:creationId xmlns:a16="http://schemas.microsoft.com/office/drawing/2014/main" xmlns="" id="{2772239B-C46D-4458-BB4B-DDB12FAB0172}"/>
+                <a16:creationId xmlns="" xmlns:a16="http://schemas.microsoft.com/office/drawing/2014/main" id="{2772239B-C46D-4458-BB4B-DDB12FAB0172}"/>
               </a:ext>
             </a:extLst>
           </p:cNvPr>
@@ -15222,7 +15222,7 @@
             <p:cNvPr id="20" name="Freeform: Shape 19">
               <a:extLst>
                 <a:ext uri="{FF2B5EF4-FFF2-40B4-BE49-F238E27FC236}">
-                  <a16:creationId xmlns:a16="http://schemas.microsoft.com/office/drawing/2014/main" xmlns="" id="{3C8A2A1A-1FB9-4CA1-B74E-B293187E51AA}"/>
+                  <a16:creationId xmlns="" xmlns:a16="http://schemas.microsoft.com/office/drawing/2014/main" id="{3C8A2A1A-1FB9-4CA1-B74E-B293187E51AA}"/>
                 </a:ext>
               </a:extLst>
             </p:cNvPr>
@@ -15312,7 +15312,7 @@
             <p:cNvPr id="21" name="Freeform: Shape 20">
               <a:extLst>
                 <a:ext uri="{FF2B5EF4-FFF2-40B4-BE49-F238E27FC236}">
-                  <a16:creationId xmlns:a16="http://schemas.microsoft.com/office/drawing/2014/main" xmlns="" id="{DF2B18BA-6B43-40FA-A23B-D894D6AB468B}"/>
+                  <a16:creationId xmlns="" xmlns:a16="http://schemas.microsoft.com/office/drawing/2014/main" id="{DF2B18BA-6B43-40FA-A23B-D894D6AB468B}"/>
                 </a:ext>
               </a:extLst>
             </p:cNvPr>
@@ -15411,7 +15411,7 @@
           <p:cNvPr id="3" name="Text Placeholder 2">
             <a:extLst>
               <a:ext uri="{FF2B5EF4-FFF2-40B4-BE49-F238E27FC236}">
-                <a16:creationId xmlns:a16="http://schemas.microsoft.com/office/drawing/2014/main" xmlns="" id="{5E194264-A3F5-42E2-9A63-DCCED0457E1B}"/>
+                <a16:creationId xmlns="" xmlns:a16="http://schemas.microsoft.com/office/drawing/2014/main" id="{5E194264-A3F5-42E2-9A63-DCCED0457E1B}"/>
               </a:ext>
             </a:extLst>
           </p:cNvPr>
@@ -15461,7 +15461,7 @@
           <p:cNvPr id="22" name="Slide Number Placeholder 4">
             <a:extLst>
               <a:ext uri="{FF2B5EF4-FFF2-40B4-BE49-F238E27FC236}">
-                <a16:creationId xmlns:a16="http://schemas.microsoft.com/office/drawing/2014/main" xmlns="" id="{0F332671-6296-47C8-BF26-B2D962F5D03D}"/>
+                <a16:creationId xmlns="" xmlns:a16="http://schemas.microsoft.com/office/drawing/2014/main" id="{0F332671-6296-47C8-BF26-B2D962F5D03D}"/>
               </a:ext>
             </a:extLst>
           </p:cNvPr>
@@ -15505,7 +15505,7 @@
           <p:cNvPr id="23" name="Title 1">
             <a:extLst>
               <a:ext uri="{FF2B5EF4-FFF2-40B4-BE49-F238E27FC236}">
-                <a16:creationId xmlns:a16="http://schemas.microsoft.com/office/drawing/2014/main" xmlns="" id="{7772A652-7229-2B42-B87B-298C31D6F0CB}"/>
+                <a16:creationId xmlns="" xmlns:a16="http://schemas.microsoft.com/office/drawing/2014/main" id="{7772A652-7229-2B42-B87B-298C31D6F0CB}"/>
               </a:ext>
             </a:extLst>
           </p:cNvPr>
@@ -15580,7 +15580,7 @@
           <p:cNvPr id="22" name="Rectangle 21">
             <a:extLst>
               <a:ext uri="{FF2B5EF4-FFF2-40B4-BE49-F238E27FC236}">
-                <a16:creationId xmlns:a16="http://schemas.microsoft.com/office/drawing/2014/main" xmlns="" id="{2CDBB6E5-B91E-4946-9390-E8693855103A}"/>
+                <a16:creationId xmlns="" xmlns:a16="http://schemas.microsoft.com/office/drawing/2014/main" id="{2CDBB6E5-B91E-4946-9390-E8693855103A}"/>
               </a:ext>
             </a:extLst>
           </p:cNvPr>
@@ -15634,7 +15634,7 @@
           <p:cNvPr id="34" name="Freeform: Shape 33">
             <a:extLst>
               <a:ext uri="{FF2B5EF4-FFF2-40B4-BE49-F238E27FC236}">
-                <a16:creationId xmlns:a16="http://schemas.microsoft.com/office/drawing/2014/main" xmlns="" id="{0C3CC1C9-1FA0-4FE4-8984-4A8B3728D674}"/>
+                <a16:creationId xmlns="" xmlns:a16="http://schemas.microsoft.com/office/drawing/2014/main" id="{0C3CC1C9-1FA0-4FE4-8984-4A8B3728D674}"/>
               </a:ext>
             </a:extLst>
           </p:cNvPr>
@@ -15779,7 +15779,7 @@
           <p:cNvPr id="24" name="Freeform: Shape 23">
             <a:extLst>
               <a:ext uri="{FF2B5EF4-FFF2-40B4-BE49-F238E27FC236}">
-                <a16:creationId xmlns:a16="http://schemas.microsoft.com/office/drawing/2014/main" xmlns="" id="{8E049265-431E-48DE-B7F7-4959930171DC}"/>
+                <a16:creationId xmlns="" xmlns:a16="http://schemas.microsoft.com/office/drawing/2014/main" id="{8E049265-431E-48DE-B7F7-4959930171DC}"/>
               </a:ext>
             </a:extLst>
           </p:cNvPr>
@@ -15919,7 +15919,7 @@
           <p:cNvPr id="25" name="Freeform: Shape 24">
             <a:extLst>
               <a:ext uri="{FF2B5EF4-FFF2-40B4-BE49-F238E27FC236}">
-                <a16:creationId xmlns:a16="http://schemas.microsoft.com/office/drawing/2014/main" xmlns="" id="{173E5F2D-1F8E-4DCC-857F-932C6C6539BB}"/>
+                <a16:creationId xmlns="" xmlns:a16="http://schemas.microsoft.com/office/drawing/2014/main" id="{173E5F2D-1F8E-4DCC-857F-932C6C6539BB}"/>
               </a:ext>
             </a:extLst>
           </p:cNvPr>
@@ -16065,7 +16065,7 @@
           <p:cNvPr id="26" name="Group 25">
             <a:extLst>
               <a:ext uri="{FF2B5EF4-FFF2-40B4-BE49-F238E27FC236}">
-                <a16:creationId xmlns:a16="http://schemas.microsoft.com/office/drawing/2014/main" xmlns="" id="{E9318B2B-E019-4078-9EF0-C9D6281AE31B}"/>
+                <a16:creationId xmlns="" xmlns:a16="http://schemas.microsoft.com/office/drawing/2014/main" id="{E9318B2B-E019-4078-9EF0-C9D6281AE31B}"/>
               </a:ext>
             </a:extLst>
           </p:cNvPr>
@@ -16085,7 +16085,7 @@
             <p:cNvPr id="27" name="Freeform: Shape 26">
               <a:extLst>
                 <a:ext uri="{FF2B5EF4-FFF2-40B4-BE49-F238E27FC236}">
-                  <a16:creationId xmlns:a16="http://schemas.microsoft.com/office/drawing/2014/main" xmlns="" id="{D3E625C0-9656-421F-861F-67C8F93362ED}"/>
+                  <a16:creationId xmlns="" xmlns:a16="http://schemas.microsoft.com/office/drawing/2014/main" id="{D3E625C0-9656-421F-861F-67C8F93362ED}"/>
                 </a:ext>
               </a:extLst>
             </p:cNvPr>
@@ -16185,7 +16185,7 @@
             <p:cNvPr id="28" name="Freeform: Shape 27">
               <a:extLst>
                 <a:ext uri="{FF2B5EF4-FFF2-40B4-BE49-F238E27FC236}">
-                  <a16:creationId xmlns:a16="http://schemas.microsoft.com/office/drawing/2014/main" xmlns="" id="{49F8E490-C6E3-4D00-866F-CD85DD88996E}"/>
+                  <a16:creationId xmlns="" xmlns:a16="http://schemas.microsoft.com/office/drawing/2014/main" id="{49F8E490-C6E3-4D00-866F-CD85DD88996E}"/>
                 </a:ext>
               </a:extLst>
             </p:cNvPr>
@@ -16294,7 +16294,7 @@
           <p:cNvPr id="29" name="Freeform: Shape 28">
             <a:extLst>
               <a:ext uri="{FF2B5EF4-FFF2-40B4-BE49-F238E27FC236}">
-                <a16:creationId xmlns:a16="http://schemas.microsoft.com/office/drawing/2014/main" xmlns="" id="{EE8F5B31-1523-46AE-9455-C33DFC1BDDE0}"/>
+                <a16:creationId xmlns="" xmlns:a16="http://schemas.microsoft.com/office/drawing/2014/main" id="{EE8F5B31-1523-46AE-9455-C33DFC1BDDE0}"/>
               </a:ext>
             </a:extLst>
           </p:cNvPr>
@@ -16386,7 +16386,7 @@
           <p:cNvPr id="30" name="Freeform: Shape 29">
             <a:extLst>
               <a:ext uri="{FF2B5EF4-FFF2-40B4-BE49-F238E27FC236}">
-                <a16:creationId xmlns:a16="http://schemas.microsoft.com/office/drawing/2014/main" xmlns="" id="{5D17048F-C2E1-4775-BC32-50BD6219F89D}"/>
+                <a16:creationId xmlns="" xmlns:a16="http://schemas.microsoft.com/office/drawing/2014/main" id="{5D17048F-C2E1-4775-BC32-50BD6219F89D}"/>
               </a:ext>
             </a:extLst>
           </p:cNvPr>
@@ -16486,7 +16486,7 @@
           <p:cNvPr id="31" name="Group 30">
             <a:extLst>
               <a:ext uri="{FF2B5EF4-FFF2-40B4-BE49-F238E27FC236}">
-                <a16:creationId xmlns:a16="http://schemas.microsoft.com/office/drawing/2014/main" xmlns="" id="{EAB002AA-4848-49C8-A834-036F860C79A3}"/>
+                <a16:creationId xmlns="" xmlns:a16="http://schemas.microsoft.com/office/drawing/2014/main" id="{EAB002AA-4848-49C8-A834-036F860C79A3}"/>
               </a:ext>
             </a:extLst>
           </p:cNvPr>
@@ -16506,7 +16506,7 @@
             <p:cNvPr id="32" name="Freeform: Shape 31">
               <a:extLst>
                 <a:ext uri="{FF2B5EF4-FFF2-40B4-BE49-F238E27FC236}">
-                  <a16:creationId xmlns:a16="http://schemas.microsoft.com/office/drawing/2014/main" xmlns="" id="{14B187A8-7F8D-469D-A03B-4F835A5746DE}"/>
+                  <a16:creationId xmlns="" xmlns:a16="http://schemas.microsoft.com/office/drawing/2014/main" id="{14B187A8-7F8D-469D-A03B-4F835A5746DE}"/>
                 </a:ext>
               </a:extLst>
             </p:cNvPr>
@@ -16596,7 +16596,7 @@
             <p:cNvPr id="33" name="Freeform: Shape 32">
               <a:extLst>
                 <a:ext uri="{FF2B5EF4-FFF2-40B4-BE49-F238E27FC236}">
-                  <a16:creationId xmlns:a16="http://schemas.microsoft.com/office/drawing/2014/main" xmlns="" id="{03D871D1-A11A-48FB-82A8-8D61AB5CB85C}"/>
+                  <a16:creationId xmlns="" xmlns:a16="http://schemas.microsoft.com/office/drawing/2014/main" id="{03D871D1-A11A-48FB-82A8-8D61AB5CB85C}"/>
                 </a:ext>
               </a:extLst>
             </p:cNvPr>
@@ -16695,7 +16695,7 @@
           <p:cNvPr id="2" name="Title 1">
             <a:extLst>
               <a:ext uri="{FF2B5EF4-FFF2-40B4-BE49-F238E27FC236}">
-                <a16:creationId xmlns:a16="http://schemas.microsoft.com/office/drawing/2014/main" xmlns="" id="{42374B20-3E42-44AF-BEF1-8AB33067395C}"/>
+                <a16:creationId xmlns="" xmlns:a16="http://schemas.microsoft.com/office/drawing/2014/main" id="{42374B20-3E42-44AF-BEF1-8AB33067395C}"/>
               </a:ext>
             </a:extLst>
           </p:cNvPr>
@@ -16740,7 +16740,7 @@
           <p:cNvPr id="3" name="Text Placeholder 2">
             <a:extLst>
               <a:ext uri="{FF2B5EF4-FFF2-40B4-BE49-F238E27FC236}">
-                <a16:creationId xmlns:a16="http://schemas.microsoft.com/office/drawing/2014/main" xmlns="" id="{5E194264-A3F5-42E2-9A63-DCCED0457E1B}"/>
+                <a16:creationId xmlns="" xmlns:a16="http://schemas.microsoft.com/office/drawing/2014/main" id="{5E194264-A3F5-42E2-9A63-DCCED0457E1B}"/>
               </a:ext>
             </a:extLst>
           </p:cNvPr>
@@ -16790,7 +16790,7 @@
           <p:cNvPr id="35" name="Slide Number Placeholder 4">
             <a:extLst>
               <a:ext uri="{FF2B5EF4-FFF2-40B4-BE49-F238E27FC236}">
-                <a16:creationId xmlns:a16="http://schemas.microsoft.com/office/drawing/2014/main" xmlns="" id="{6F73F836-940E-4B65-A29C-D0869263C935}"/>
+                <a16:creationId xmlns="" xmlns:a16="http://schemas.microsoft.com/office/drawing/2014/main" id="{6F73F836-940E-4B65-A29C-D0869263C935}"/>
               </a:ext>
             </a:extLst>
           </p:cNvPr>
@@ -16864,7 +16864,7 @@
           <p:cNvPr id="22" name="Rectangle 21">
             <a:extLst>
               <a:ext uri="{FF2B5EF4-FFF2-40B4-BE49-F238E27FC236}">
-                <a16:creationId xmlns:a16="http://schemas.microsoft.com/office/drawing/2014/main" xmlns="" id="{2CDBB6E5-B91E-4946-9390-E8693855103A}"/>
+                <a16:creationId xmlns="" xmlns:a16="http://schemas.microsoft.com/office/drawing/2014/main" id="{2CDBB6E5-B91E-4946-9390-E8693855103A}"/>
               </a:ext>
             </a:extLst>
           </p:cNvPr>
@@ -16918,7 +16918,7 @@
           <p:cNvPr id="34" name="Freeform: Shape 33">
             <a:extLst>
               <a:ext uri="{FF2B5EF4-FFF2-40B4-BE49-F238E27FC236}">
-                <a16:creationId xmlns:a16="http://schemas.microsoft.com/office/drawing/2014/main" xmlns="" id="{0C3CC1C9-1FA0-4FE4-8984-4A8B3728D674}"/>
+                <a16:creationId xmlns="" xmlns:a16="http://schemas.microsoft.com/office/drawing/2014/main" id="{0C3CC1C9-1FA0-4FE4-8984-4A8B3728D674}"/>
               </a:ext>
             </a:extLst>
           </p:cNvPr>
@@ -17063,7 +17063,7 @@
           <p:cNvPr id="24" name="Freeform: Shape 23">
             <a:extLst>
               <a:ext uri="{FF2B5EF4-FFF2-40B4-BE49-F238E27FC236}">
-                <a16:creationId xmlns:a16="http://schemas.microsoft.com/office/drawing/2014/main" xmlns="" id="{8E049265-431E-48DE-B7F7-4959930171DC}"/>
+                <a16:creationId xmlns="" xmlns:a16="http://schemas.microsoft.com/office/drawing/2014/main" id="{8E049265-431E-48DE-B7F7-4959930171DC}"/>
               </a:ext>
             </a:extLst>
           </p:cNvPr>
@@ -17203,7 +17203,7 @@
           <p:cNvPr id="25" name="Freeform: Shape 24">
             <a:extLst>
               <a:ext uri="{FF2B5EF4-FFF2-40B4-BE49-F238E27FC236}">
-                <a16:creationId xmlns:a16="http://schemas.microsoft.com/office/drawing/2014/main" xmlns="" id="{173E5F2D-1F8E-4DCC-857F-932C6C6539BB}"/>
+                <a16:creationId xmlns="" xmlns:a16="http://schemas.microsoft.com/office/drawing/2014/main" id="{173E5F2D-1F8E-4DCC-857F-932C6C6539BB}"/>
               </a:ext>
             </a:extLst>
           </p:cNvPr>
@@ -17349,7 +17349,7 @@
           <p:cNvPr id="4" name="Oval 3">
             <a:extLst>
               <a:ext uri="{FF2B5EF4-FFF2-40B4-BE49-F238E27FC236}">
-                <a16:creationId xmlns:a16="http://schemas.microsoft.com/office/drawing/2014/main" xmlns="" id="{ECB4C115-EFF9-405C-98BE-F4077B9730D0}"/>
+                <a16:creationId xmlns="" xmlns:a16="http://schemas.microsoft.com/office/drawing/2014/main" id="{ECB4C115-EFF9-405C-98BE-F4077B9730D0}"/>
               </a:ext>
             </a:extLst>
           </p:cNvPr>
@@ -17407,7 +17407,7 @@
           <p:cNvPr id="18" name="Title 1">
             <a:extLst>
               <a:ext uri="{FF2B5EF4-FFF2-40B4-BE49-F238E27FC236}">
-                <a16:creationId xmlns:a16="http://schemas.microsoft.com/office/drawing/2014/main" xmlns="" id="{C9A300DD-BB54-44ED-A7E4-01CD41EC930F}"/>
+                <a16:creationId xmlns="" xmlns:a16="http://schemas.microsoft.com/office/drawing/2014/main" id="{C9A300DD-BB54-44ED-A7E4-01CD41EC930F}"/>
               </a:ext>
             </a:extLst>
           </p:cNvPr>
@@ -17470,7 +17470,7 @@
           <p:cNvPr id="2" name="Title 1">
             <a:extLst>
               <a:ext uri="{FF2B5EF4-FFF2-40B4-BE49-F238E27FC236}">
-                <a16:creationId xmlns:a16="http://schemas.microsoft.com/office/drawing/2014/main" xmlns="" id="{42374B20-3E42-44AF-BEF1-8AB33067395C}"/>
+                <a16:creationId xmlns="" xmlns:a16="http://schemas.microsoft.com/office/drawing/2014/main" id="{42374B20-3E42-44AF-BEF1-8AB33067395C}"/>
               </a:ext>
             </a:extLst>
           </p:cNvPr>
@@ -17518,7 +17518,7 @@
           <p:cNvPr id="19" name="Slide Number Placeholder 4">
             <a:extLst>
               <a:ext uri="{FF2B5EF4-FFF2-40B4-BE49-F238E27FC236}">
-                <a16:creationId xmlns:a16="http://schemas.microsoft.com/office/drawing/2014/main" xmlns="" id="{A4E6C1FF-5925-42B3-B7F9-0A0031BDAD30}"/>
+                <a16:creationId xmlns="" xmlns:a16="http://schemas.microsoft.com/office/drawing/2014/main" id="{A4E6C1FF-5925-42B3-B7F9-0A0031BDAD30}"/>
               </a:ext>
             </a:extLst>
           </p:cNvPr>
@@ -17600,7 +17600,7 @@
           <p:cNvPr id="11" name="Rectangle 10">
             <a:extLst>
               <a:ext uri="{FF2B5EF4-FFF2-40B4-BE49-F238E27FC236}">
-                <a16:creationId xmlns:a16="http://schemas.microsoft.com/office/drawing/2014/main" xmlns="" id="{EB3E033F-4449-40FA-BC85-BD2712D313DD}"/>
+                <a16:creationId xmlns="" xmlns:a16="http://schemas.microsoft.com/office/drawing/2014/main" id="{EB3E033F-4449-40FA-BC85-BD2712D313DD}"/>
               </a:ext>
             </a:extLst>
           </p:cNvPr>
@@ -17654,7 +17654,7 @@
           <p:cNvPr id="10" name="Freeform: Shape 9">
             <a:extLst>
               <a:ext uri="{FF2B5EF4-FFF2-40B4-BE49-F238E27FC236}">
-                <a16:creationId xmlns:a16="http://schemas.microsoft.com/office/drawing/2014/main" xmlns="" id="{63D26743-0505-444C-80B3-E88EE87DF72B}"/>
+                <a16:creationId xmlns="" xmlns:a16="http://schemas.microsoft.com/office/drawing/2014/main" id="{63D26743-0505-444C-80B3-E88EE87DF72B}"/>
               </a:ext>
             </a:extLst>
           </p:cNvPr>
@@ -17777,7 +17777,7 @@
           <p:cNvPr id="8" name="Freeform: Shape 7">
             <a:extLst>
               <a:ext uri="{FF2B5EF4-FFF2-40B4-BE49-F238E27FC236}">
-                <a16:creationId xmlns:a16="http://schemas.microsoft.com/office/drawing/2014/main" xmlns="" id="{1599AF7E-3E34-4597-AA72-9373A7FDB020}"/>
+                <a16:creationId xmlns="" xmlns:a16="http://schemas.microsoft.com/office/drawing/2014/main" id="{1599AF7E-3E34-4597-AA72-9373A7FDB020}"/>
               </a:ext>
             </a:extLst>
           </p:cNvPr>
@@ -17923,7 +17923,7 @@
           <p:cNvPr id="2" name="Title 1">
             <a:extLst>
               <a:ext uri="{FF2B5EF4-FFF2-40B4-BE49-F238E27FC236}">
-                <a16:creationId xmlns:a16="http://schemas.microsoft.com/office/drawing/2014/main" xmlns="" id="{4A2DF563-7FAC-46B3-B24C-7E45CD89DA2B}"/>
+                <a16:creationId xmlns="" xmlns:a16="http://schemas.microsoft.com/office/drawing/2014/main" id="{4A2DF563-7FAC-46B3-B24C-7E45CD89DA2B}"/>
               </a:ext>
             </a:extLst>
           </p:cNvPr>
@@ -17968,7 +17968,7 @@
           <p:cNvPr id="5" name="Slide Number Placeholder 4">
             <a:extLst>
               <a:ext uri="{FF2B5EF4-FFF2-40B4-BE49-F238E27FC236}">
-                <a16:creationId xmlns:a16="http://schemas.microsoft.com/office/drawing/2014/main" xmlns="" id="{87B51822-97FF-47A7-8E4E-A0F79B4EB237}"/>
+                <a16:creationId xmlns="" xmlns:a16="http://schemas.microsoft.com/office/drawing/2014/main" id="{87B51822-97FF-47A7-8E4E-A0F79B4EB237}"/>
               </a:ext>
             </a:extLst>
           </p:cNvPr>
@@ -18012,7 +18012,7 @@
           <p:cNvPr id="15" name="Group 14">
             <a:extLst>
               <a:ext uri="{FF2B5EF4-FFF2-40B4-BE49-F238E27FC236}">
-                <a16:creationId xmlns:a16="http://schemas.microsoft.com/office/drawing/2014/main" xmlns="" id="{7732E1E7-45E3-4264-8F26-66758696DD1E}"/>
+                <a16:creationId xmlns="" xmlns:a16="http://schemas.microsoft.com/office/drawing/2014/main" id="{7732E1E7-45E3-4264-8F26-66758696DD1E}"/>
               </a:ext>
             </a:extLst>
           </p:cNvPr>
@@ -18032,7 +18032,7 @@
             <p:cNvPr id="16" name="Freeform: Shape 15">
               <a:extLst>
                 <a:ext uri="{FF2B5EF4-FFF2-40B4-BE49-F238E27FC236}">
-                  <a16:creationId xmlns:a16="http://schemas.microsoft.com/office/drawing/2014/main" xmlns="" id="{2E3DF883-8093-49FA-81E1-E5D77F086A25}"/>
+                  <a16:creationId xmlns="" xmlns:a16="http://schemas.microsoft.com/office/drawing/2014/main" id="{2E3DF883-8093-49FA-81E1-E5D77F086A25}"/>
                 </a:ext>
               </a:extLst>
             </p:cNvPr>
@@ -18122,7 +18122,7 @@
             <p:cNvPr id="17" name="Freeform: Shape 16">
               <a:extLst>
                 <a:ext uri="{FF2B5EF4-FFF2-40B4-BE49-F238E27FC236}">
-                  <a16:creationId xmlns:a16="http://schemas.microsoft.com/office/drawing/2014/main" xmlns="" id="{18944C90-37E5-4BBE-89FF-060627168050}"/>
+                  <a16:creationId xmlns="" xmlns:a16="http://schemas.microsoft.com/office/drawing/2014/main" id="{18944C90-37E5-4BBE-89FF-060627168050}"/>
                 </a:ext>
               </a:extLst>
             </p:cNvPr>
@@ -18221,7 +18221,7 @@
           <p:cNvPr id="23" name="Text Placeholder 22">
             <a:extLst>
               <a:ext uri="{FF2B5EF4-FFF2-40B4-BE49-F238E27FC236}">
-                <a16:creationId xmlns:a16="http://schemas.microsoft.com/office/drawing/2014/main" xmlns="" id="{03618670-D1E4-466C-BDB5-FC890AC31457}"/>
+                <a16:creationId xmlns="" xmlns:a16="http://schemas.microsoft.com/office/drawing/2014/main" id="{03618670-D1E4-466C-BDB5-FC890AC31457}"/>
               </a:ext>
             </a:extLst>
           </p:cNvPr>
@@ -18382,7 +18382,7 @@
           <p:cNvPr id="11" name="Rectangle 10">
             <a:extLst>
               <a:ext uri="{FF2B5EF4-FFF2-40B4-BE49-F238E27FC236}">
-                <a16:creationId xmlns:a16="http://schemas.microsoft.com/office/drawing/2014/main" xmlns="" id="{EB3E033F-4449-40FA-BC85-BD2712D313DD}"/>
+                <a16:creationId xmlns="" xmlns:a16="http://schemas.microsoft.com/office/drawing/2014/main" id="{EB3E033F-4449-40FA-BC85-BD2712D313DD}"/>
               </a:ext>
             </a:extLst>
           </p:cNvPr>
@@ -18436,7 +18436,7 @@
           <p:cNvPr id="10" name="Freeform: Shape 9">
             <a:extLst>
               <a:ext uri="{FF2B5EF4-FFF2-40B4-BE49-F238E27FC236}">
-                <a16:creationId xmlns:a16="http://schemas.microsoft.com/office/drawing/2014/main" xmlns="" id="{63D26743-0505-444C-80B3-E88EE87DF72B}"/>
+                <a16:creationId xmlns="" xmlns:a16="http://schemas.microsoft.com/office/drawing/2014/main" id="{63D26743-0505-444C-80B3-E88EE87DF72B}"/>
               </a:ext>
             </a:extLst>
           </p:cNvPr>
@@ -18559,7 +18559,7 @@
           <p:cNvPr id="18" name="Freeform: Shape 17">
             <a:extLst>
               <a:ext uri="{FF2B5EF4-FFF2-40B4-BE49-F238E27FC236}">
-                <a16:creationId xmlns:a16="http://schemas.microsoft.com/office/drawing/2014/main" xmlns="" id="{E37145E9-AC61-47D5-9288-8789940F81B6}"/>
+                <a16:creationId xmlns="" xmlns:a16="http://schemas.microsoft.com/office/drawing/2014/main" id="{E37145E9-AC61-47D5-9288-8789940F81B6}"/>
               </a:ext>
             </a:extLst>
           </p:cNvPr>
@@ -18711,7 +18711,7 @@
           <p:cNvPr id="12" name="Freeform: Shape 11">
             <a:extLst>
               <a:ext uri="{FF2B5EF4-FFF2-40B4-BE49-F238E27FC236}">
-                <a16:creationId xmlns:a16="http://schemas.microsoft.com/office/drawing/2014/main" xmlns="" id="{A5E2B3ED-9A49-40A7-B8A3-62595FE513F9}"/>
+                <a16:creationId xmlns="" xmlns:a16="http://schemas.microsoft.com/office/drawing/2014/main" id="{A5E2B3ED-9A49-40A7-B8A3-62595FE513F9}"/>
               </a:ext>
             </a:extLst>
           </p:cNvPr>
@@ -18861,7 +18861,7 @@
           <p:cNvPr id="8" name="Freeform: Shape 7">
             <a:extLst>
               <a:ext uri="{FF2B5EF4-FFF2-40B4-BE49-F238E27FC236}">
-                <a16:creationId xmlns:a16="http://schemas.microsoft.com/office/drawing/2014/main" xmlns="" id="{1599AF7E-3E34-4597-AA72-9373A7FDB020}"/>
+                <a16:creationId xmlns="" xmlns:a16="http://schemas.microsoft.com/office/drawing/2014/main" id="{1599AF7E-3E34-4597-AA72-9373A7FDB020}"/>
               </a:ext>
             </a:extLst>
           </p:cNvPr>
@@ -19007,7 +19007,7 @@
           <p:cNvPr id="2" name="Title 1">
             <a:extLst>
               <a:ext uri="{FF2B5EF4-FFF2-40B4-BE49-F238E27FC236}">
-                <a16:creationId xmlns:a16="http://schemas.microsoft.com/office/drawing/2014/main" xmlns="" id="{4A2DF563-7FAC-46B3-B24C-7E45CD89DA2B}"/>
+                <a16:creationId xmlns="" xmlns:a16="http://schemas.microsoft.com/office/drawing/2014/main" id="{4A2DF563-7FAC-46B3-B24C-7E45CD89DA2B}"/>
               </a:ext>
             </a:extLst>
           </p:cNvPr>
@@ -19052,7 +19052,7 @@
           <p:cNvPr id="15" name="Group 14">
             <a:extLst>
               <a:ext uri="{FF2B5EF4-FFF2-40B4-BE49-F238E27FC236}">
-                <a16:creationId xmlns:a16="http://schemas.microsoft.com/office/drawing/2014/main" xmlns="" id="{7732E1E7-45E3-4264-8F26-66758696DD1E}"/>
+                <a16:creationId xmlns="" xmlns:a16="http://schemas.microsoft.com/office/drawing/2014/main" id="{7732E1E7-45E3-4264-8F26-66758696DD1E}"/>
               </a:ext>
             </a:extLst>
           </p:cNvPr>
@@ -19072,7 +19072,7 @@
             <p:cNvPr id="16" name="Freeform: Shape 15">
               <a:extLst>
                 <a:ext uri="{FF2B5EF4-FFF2-40B4-BE49-F238E27FC236}">
-                  <a16:creationId xmlns:a16="http://schemas.microsoft.com/office/drawing/2014/main" xmlns="" id="{2E3DF883-8093-49FA-81E1-E5D77F086A25}"/>
+                  <a16:creationId xmlns="" xmlns:a16="http://schemas.microsoft.com/office/drawing/2014/main" id="{2E3DF883-8093-49FA-81E1-E5D77F086A25}"/>
                 </a:ext>
               </a:extLst>
             </p:cNvPr>
@@ -19162,7 +19162,7 @@
             <p:cNvPr id="17" name="Freeform: Shape 16">
               <a:extLst>
                 <a:ext uri="{FF2B5EF4-FFF2-40B4-BE49-F238E27FC236}">
-                  <a16:creationId xmlns:a16="http://schemas.microsoft.com/office/drawing/2014/main" xmlns="" id="{18944C90-37E5-4BBE-89FF-060627168050}"/>
+                  <a16:creationId xmlns="" xmlns:a16="http://schemas.microsoft.com/office/drawing/2014/main" id="{18944C90-37E5-4BBE-89FF-060627168050}"/>
                 </a:ext>
               </a:extLst>
             </p:cNvPr>
@@ -19261,7 +19261,7 @@
           <p:cNvPr id="6" name="Group 5">
             <a:extLst>
               <a:ext uri="{FF2B5EF4-FFF2-40B4-BE49-F238E27FC236}">
-                <a16:creationId xmlns:a16="http://schemas.microsoft.com/office/drawing/2014/main" xmlns="" id="{D9EBF8BB-A805-4DDB-B459-082F99815B95}"/>
+                <a16:creationId xmlns="" xmlns:a16="http://schemas.microsoft.com/office/drawing/2014/main" id="{D9EBF8BB-A805-4DDB-B459-082F99815B95}"/>
               </a:ext>
             </a:extLst>
           </p:cNvPr>
@@ -19281,7 +19281,7 @@
             <p:cNvPr id="19" name="Rectangle: Single Corner Snipped 18">
               <a:extLst>
                 <a:ext uri="{FF2B5EF4-FFF2-40B4-BE49-F238E27FC236}">
-                  <a16:creationId xmlns:a16="http://schemas.microsoft.com/office/drawing/2014/main" xmlns="" id="{5D638788-DD47-45E7-939A-FA108A818173}"/>
+                  <a16:creationId xmlns="" xmlns:a16="http://schemas.microsoft.com/office/drawing/2014/main" id="{5D638788-DD47-45E7-939A-FA108A818173}"/>
                 </a:ext>
               </a:extLst>
             </p:cNvPr>
@@ -19347,7 +19347,7 @@
             <p:cNvPr id="3" name="Rectangle: Single Corner Snipped 2">
               <a:extLst>
                 <a:ext uri="{FF2B5EF4-FFF2-40B4-BE49-F238E27FC236}">
-                  <a16:creationId xmlns:a16="http://schemas.microsoft.com/office/drawing/2014/main" xmlns="" id="{74BDECEF-EEFE-4332-B3B2-BDE4F82C10FC}"/>
+                  <a16:creationId xmlns="" xmlns:a16="http://schemas.microsoft.com/office/drawing/2014/main" id="{74BDECEF-EEFE-4332-B3B2-BDE4F82C10FC}"/>
                 </a:ext>
               </a:extLst>
             </p:cNvPr>
@@ -19404,7 +19404,7 @@
           <p:cNvPr id="24" name="Freeform: Shape 23">
             <a:extLst>
               <a:ext uri="{FF2B5EF4-FFF2-40B4-BE49-F238E27FC236}">
-                <a16:creationId xmlns:a16="http://schemas.microsoft.com/office/drawing/2014/main" xmlns="" id="{18103E00-7E4A-44CD-81AC-06433CAE1110}"/>
+                <a16:creationId xmlns="" xmlns:a16="http://schemas.microsoft.com/office/drawing/2014/main" id="{18103E00-7E4A-44CD-81AC-06433CAE1110}"/>
               </a:ext>
             </a:extLst>
           </p:cNvPr>
@@ -19499,7 +19499,7 @@
           <p:cNvPr id="5" name="Slide Number Placeholder 4">
             <a:extLst>
               <a:ext uri="{FF2B5EF4-FFF2-40B4-BE49-F238E27FC236}">
-                <a16:creationId xmlns:a16="http://schemas.microsoft.com/office/drawing/2014/main" xmlns="" id="{87B51822-97FF-47A7-8E4E-A0F79B4EB237}"/>
+                <a16:creationId xmlns="" xmlns:a16="http://schemas.microsoft.com/office/drawing/2014/main" id="{87B51822-97FF-47A7-8E4E-A0F79B4EB237}"/>
               </a:ext>
             </a:extLst>
           </p:cNvPr>
@@ -19581,7 +19581,7 @@
           <p:cNvPr id="11" name="Rectangle 10">
             <a:extLst>
               <a:ext uri="{FF2B5EF4-FFF2-40B4-BE49-F238E27FC236}">
-                <a16:creationId xmlns:a16="http://schemas.microsoft.com/office/drawing/2014/main" xmlns="" id="{EB3E033F-4449-40FA-BC85-BD2712D313DD}"/>
+                <a16:creationId xmlns="" xmlns:a16="http://schemas.microsoft.com/office/drawing/2014/main" id="{EB3E033F-4449-40FA-BC85-BD2712D313DD}"/>
               </a:ext>
             </a:extLst>
           </p:cNvPr>
@@ -19635,7 +19635,7 @@
           <p:cNvPr id="10" name="Freeform: Shape 9">
             <a:extLst>
               <a:ext uri="{FF2B5EF4-FFF2-40B4-BE49-F238E27FC236}">
-                <a16:creationId xmlns:a16="http://schemas.microsoft.com/office/drawing/2014/main" xmlns="" id="{63D26743-0505-444C-80B3-E88EE87DF72B}"/>
+                <a16:creationId xmlns="" xmlns:a16="http://schemas.microsoft.com/office/drawing/2014/main" id="{63D26743-0505-444C-80B3-E88EE87DF72B}"/>
               </a:ext>
             </a:extLst>
           </p:cNvPr>
@@ -19758,7 +19758,7 @@
           <p:cNvPr id="18" name="Freeform: Shape 17">
             <a:extLst>
               <a:ext uri="{FF2B5EF4-FFF2-40B4-BE49-F238E27FC236}">
-                <a16:creationId xmlns:a16="http://schemas.microsoft.com/office/drawing/2014/main" xmlns="" id="{E37145E9-AC61-47D5-9288-8789940F81B6}"/>
+                <a16:creationId xmlns="" xmlns:a16="http://schemas.microsoft.com/office/drawing/2014/main" id="{E37145E9-AC61-47D5-9288-8789940F81B6}"/>
               </a:ext>
             </a:extLst>
           </p:cNvPr>
@@ -19910,7 +19910,7 @@
           <p:cNvPr id="12" name="Freeform: Shape 11">
             <a:extLst>
               <a:ext uri="{FF2B5EF4-FFF2-40B4-BE49-F238E27FC236}">
-                <a16:creationId xmlns:a16="http://schemas.microsoft.com/office/drawing/2014/main" xmlns="" id="{A5E2B3ED-9A49-40A7-B8A3-62595FE513F9}"/>
+                <a16:creationId xmlns="" xmlns:a16="http://schemas.microsoft.com/office/drawing/2014/main" id="{A5E2B3ED-9A49-40A7-B8A3-62595FE513F9}"/>
               </a:ext>
             </a:extLst>
           </p:cNvPr>
@@ -20060,7 +20060,7 @@
           <p:cNvPr id="8" name="Freeform: Shape 7">
             <a:extLst>
               <a:ext uri="{FF2B5EF4-FFF2-40B4-BE49-F238E27FC236}">
-                <a16:creationId xmlns:a16="http://schemas.microsoft.com/office/drawing/2014/main" xmlns="" id="{1599AF7E-3E34-4597-AA72-9373A7FDB020}"/>
+                <a16:creationId xmlns="" xmlns:a16="http://schemas.microsoft.com/office/drawing/2014/main" id="{1599AF7E-3E34-4597-AA72-9373A7FDB020}"/>
               </a:ext>
             </a:extLst>
           </p:cNvPr>
@@ -20206,7 +20206,7 @@
           <p:cNvPr id="2" name="Title 1">
             <a:extLst>
               <a:ext uri="{FF2B5EF4-FFF2-40B4-BE49-F238E27FC236}">
-                <a16:creationId xmlns:a16="http://schemas.microsoft.com/office/drawing/2014/main" xmlns="" id="{4A2DF563-7FAC-46B3-B24C-7E45CD89DA2B}"/>
+                <a16:creationId xmlns="" xmlns:a16="http://schemas.microsoft.com/office/drawing/2014/main" id="{4A2DF563-7FAC-46B3-B24C-7E45CD89DA2B}"/>
               </a:ext>
             </a:extLst>
           </p:cNvPr>
@@ -20251,7 +20251,7 @@
           <p:cNvPr id="15" name="Group 14">
             <a:extLst>
               <a:ext uri="{FF2B5EF4-FFF2-40B4-BE49-F238E27FC236}">
-                <a16:creationId xmlns:a16="http://schemas.microsoft.com/office/drawing/2014/main" xmlns="" id="{7732E1E7-45E3-4264-8F26-66758696DD1E}"/>
+                <a16:creationId xmlns="" xmlns:a16="http://schemas.microsoft.com/office/drawing/2014/main" id="{7732E1E7-45E3-4264-8F26-66758696DD1E}"/>
               </a:ext>
             </a:extLst>
           </p:cNvPr>
@@ -20271,7 +20271,7 @@
             <p:cNvPr id="16" name="Freeform: Shape 15">
               <a:extLst>
                 <a:ext uri="{FF2B5EF4-FFF2-40B4-BE49-F238E27FC236}">
-                  <a16:creationId xmlns:a16="http://schemas.microsoft.com/office/drawing/2014/main" xmlns="" id="{2E3DF883-8093-49FA-81E1-E5D77F086A25}"/>
+                  <a16:creationId xmlns="" xmlns:a16="http://schemas.microsoft.com/office/drawing/2014/main" id="{2E3DF883-8093-49FA-81E1-E5D77F086A25}"/>
                 </a:ext>
               </a:extLst>
             </p:cNvPr>
@@ -20361,7 +20361,7 @@
             <p:cNvPr id="17" name="Freeform: Shape 16">
               <a:extLst>
                 <a:ext uri="{FF2B5EF4-FFF2-40B4-BE49-F238E27FC236}">
-                  <a16:creationId xmlns:a16="http://schemas.microsoft.com/office/drawing/2014/main" xmlns="" id="{18944C90-37E5-4BBE-89FF-060627168050}"/>
+                  <a16:creationId xmlns="" xmlns:a16="http://schemas.microsoft.com/office/drawing/2014/main" id="{18944C90-37E5-4BBE-89FF-060627168050}"/>
                 </a:ext>
               </a:extLst>
             </p:cNvPr>
@@ -20460,7 +20460,7 @@
           <p:cNvPr id="6" name="Group 5">
             <a:extLst>
               <a:ext uri="{FF2B5EF4-FFF2-40B4-BE49-F238E27FC236}">
-                <a16:creationId xmlns:a16="http://schemas.microsoft.com/office/drawing/2014/main" xmlns="" id="{D9EBF8BB-A805-4DDB-B459-082F99815B95}"/>
+                <a16:creationId xmlns="" xmlns:a16="http://schemas.microsoft.com/office/drawing/2014/main" id="{D9EBF8BB-A805-4DDB-B459-082F99815B95}"/>
               </a:ext>
             </a:extLst>
           </p:cNvPr>
@@ -20480,7 +20480,7 @@
             <p:cNvPr id="19" name="Rectangle: Single Corner Snipped 18">
               <a:extLst>
                 <a:ext uri="{FF2B5EF4-FFF2-40B4-BE49-F238E27FC236}">
-                  <a16:creationId xmlns:a16="http://schemas.microsoft.com/office/drawing/2014/main" xmlns="" id="{5D638788-DD47-45E7-939A-FA108A818173}"/>
+                  <a16:creationId xmlns="" xmlns:a16="http://schemas.microsoft.com/office/drawing/2014/main" id="{5D638788-DD47-45E7-939A-FA108A818173}"/>
                 </a:ext>
               </a:extLst>
             </p:cNvPr>
@@ -20546,7 +20546,7 @@
             <p:cNvPr id="3" name="Rectangle: Single Corner Snipped 2">
               <a:extLst>
                 <a:ext uri="{FF2B5EF4-FFF2-40B4-BE49-F238E27FC236}">
-                  <a16:creationId xmlns:a16="http://schemas.microsoft.com/office/drawing/2014/main" xmlns="" id="{74BDECEF-EEFE-4332-B3B2-BDE4F82C10FC}"/>
+                  <a16:creationId xmlns="" xmlns:a16="http://schemas.microsoft.com/office/drawing/2014/main" id="{74BDECEF-EEFE-4332-B3B2-BDE4F82C10FC}"/>
                 </a:ext>
               </a:extLst>
             </p:cNvPr>
@@ -20603,7 +20603,7 @@
           <p:cNvPr id="24" name="Freeform: Shape 23">
             <a:extLst>
               <a:ext uri="{FF2B5EF4-FFF2-40B4-BE49-F238E27FC236}">
-                <a16:creationId xmlns:a16="http://schemas.microsoft.com/office/drawing/2014/main" xmlns="" id="{18103E00-7E4A-44CD-81AC-06433CAE1110}"/>
+                <a16:creationId xmlns="" xmlns:a16="http://schemas.microsoft.com/office/drawing/2014/main" id="{18103E00-7E4A-44CD-81AC-06433CAE1110}"/>
               </a:ext>
             </a:extLst>
           </p:cNvPr>
@@ -20698,7 +20698,7 @@
           <p:cNvPr id="5" name="Slide Number Placeholder 4">
             <a:extLst>
               <a:ext uri="{FF2B5EF4-FFF2-40B4-BE49-F238E27FC236}">
-                <a16:creationId xmlns:a16="http://schemas.microsoft.com/office/drawing/2014/main" xmlns="" id="{87B51822-97FF-47A7-8E4E-A0F79B4EB237}"/>
+                <a16:creationId xmlns="" xmlns:a16="http://schemas.microsoft.com/office/drawing/2014/main" id="{87B51822-97FF-47A7-8E4E-A0F79B4EB237}"/>
               </a:ext>
             </a:extLst>
           </p:cNvPr>
@@ -20742,7 +20742,7 @@
           <p:cNvPr id="7" name="Text Placeholder 6">
             <a:extLst>
               <a:ext uri="{FF2B5EF4-FFF2-40B4-BE49-F238E27FC236}">
-                <a16:creationId xmlns:a16="http://schemas.microsoft.com/office/drawing/2014/main" xmlns="" id="{7E0C167E-2626-40DB-AACF-D02543E29BB3}"/>
+                <a16:creationId xmlns="" xmlns:a16="http://schemas.microsoft.com/office/drawing/2014/main" id="{7E0C167E-2626-40DB-AACF-D02543E29BB3}"/>
               </a:ext>
             </a:extLst>
           </p:cNvPr>
@@ -20825,7 +20825,7 @@
           <p:cNvPr id="11" name="Rectangle 10">
             <a:extLst>
               <a:ext uri="{FF2B5EF4-FFF2-40B4-BE49-F238E27FC236}">
-                <a16:creationId xmlns:a16="http://schemas.microsoft.com/office/drawing/2014/main" xmlns="" id="{EB3E033F-4449-40FA-BC85-BD2712D313DD}"/>
+                <a16:creationId xmlns="" xmlns:a16="http://schemas.microsoft.com/office/drawing/2014/main" id="{EB3E033F-4449-40FA-BC85-BD2712D313DD}"/>
               </a:ext>
             </a:extLst>
           </p:cNvPr>
@@ -20879,7 +20879,7 @@
           <p:cNvPr id="10" name="Freeform: Shape 9">
             <a:extLst>
               <a:ext uri="{FF2B5EF4-FFF2-40B4-BE49-F238E27FC236}">
-                <a16:creationId xmlns:a16="http://schemas.microsoft.com/office/drawing/2014/main" xmlns="" id="{63D26743-0505-444C-80B3-E88EE87DF72B}"/>
+                <a16:creationId xmlns="" xmlns:a16="http://schemas.microsoft.com/office/drawing/2014/main" id="{63D26743-0505-444C-80B3-E88EE87DF72B}"/>
               </a:ext>
             </a:extLst>
           </p:cNvPr>
@@ -21002,7 +21002,7 @@
           <p:cNvPr id="18" name="Freeform: Shape 17">
             <a:extLst>
               <a:ext uri="{FF2B5EF4-FFF2-40B4-BE49-F238E27FC236}">
-                <a16:creationId xmlns:a16="http://schemas.microsoft.com/office/drawing/2014/main" xmlns="" id="{E37145E9-AC61-47D5-9288-8789940F81B6}"/>
+                <a16:creationId xmlns="" xmlns:a16="http://schemas.microsoft.com/office/drawing/2014/main" id="{E37145E9-AC61-47D5-9288-8789940F81B6}"/>
               </a:ext>
             </a:extLst>
           </p:cNvPr>
@@ -21154,7 +21154,7 @@
           <p:cNvPr id="12" name="Freeform: Shape 11">
             <a:extLst>
               <a:ext uri="{FF2B5EF4-FFF2-40B4-BE49-F238E27FC236}">
-                <a16:creationId xmlns:a16="http://schemas.microsoft.com/office/drawing/2014/main" xmlns="" id="{A5E2B3ED-9A49-40A7-B8A3-62595FE513F9}"/>
+                <a16:creationId xmlns="" xmlns:a16="http://schemas.microsoft.com/office/drawing/2014/main" id="{A5E2B3ED-9A49-40A7-B8A3-62595FE513F9}"/>
               </a:ext>
             </a:extLst>
           </p:cNvPr>
@@ -21304,7 +21304,7 @@
           <p:cNvPr id="8" name="Freeform: Shape 7">
             <a:extLst>
               <a:ext uri="{FF2B5EF4-FFF2-40B4-BE49-F238E27FC236}">
-                <a16:creationId xmlns:a16="http://schemas.microsoft.com/office/drawing/2014/main" xmlns="" id="{1599AF7E-3E34-4597-AA72-9373A7FDB020}"/>
+                <a16:creationId xmlns="" xmlns:a16="http://schemas.microsoft.com/office/drawing/2014/main" id="{1599AF7E-3E34-4597-AA72-9373A7FDB020}"/>
               </a:ext>
             </a:extLst>
           </p:cNvPr>
@@ -21450,7 +21450,7 @@
           <p:cNvPr id="2" name="Title 1">
             <a:extLst>
               <a:ext uri="{FF2B5EF4-FFF2-40B4-BE49-F238E27FC236}">
-                <a16:creationId xmlns:a16="http://schemas.microsoft.com/office/drawing/2014/main" xmlns="" id="{4A2DF563-7FAC-46B3-B24C-7E45CD89DA2B}"/>
+                <a16:creationId xmlns="" xmlns:a16="http://schemas.microsoft.com/office/drawing/2014/main" id="{4A2DF563-7FAC-46B3-B24C-7E45CD89DA2B}"/>
               </a:ext>
             </a:extLst>
           </p:cNvPr>
@@ -21495,7 +21495,7 @@
           <p:cNvPr id="15" name="Group 14">
             <a:extLst>
               <a:ext uri="{FF2B5EF4-FFF2-40B4-BE49-F238E27FC236}">
-                <a16:creationId xmlns:a16="http://schemas.microsoft.com/office/drawing/2014/main" xmlns="" id="{7732E1E7-45E3-4264-8F26-66758696DD1E}"/>
+                <a16:creationId xmlns="" xmlns:a16="http://schemas.microsoft.com/office/drawing/2014/main" id="{7732E1E7-45E3-4264-8F26-66758696DD1E}"/>
               </a:ext>
             </a:extLst>
           </p:cNvPr>
@@ -21515,7 +21515,7 @@
             <p:cNvPr id="16" name="Freeform: Shape 15">
               <a:extLst>
                 <a:ext uri="{FF2B5EF4-FFF2-40B4-BE49-F238E27FC236}">
-                  <a16:creationId xmlns:a16="http://schemas.microsoft.com/office/drawing/2014/main" xmlns="" id="{2E3DF883-8093-49FA-81E1-E5D77F086A25}"/>
+                  <a16:creationId xmlns="" xmlns:a16="http://schemas.microsoft.com/office/drawing/2014/main" id="{2E3DF883-8093-49FA-81E1-E5D77F086A25}"/>
                 </a:ext>
               </a:extLst>
             </p:cNvPr>
@@ -21605,7 +21605,7 @@
             <p:cNvPr id="17" name="Freeform: Shape 16">
               <a:extLst>
                 <a:ext uri="{FF2B5EF4-FFF2-40B4-BE49-F238E27FC236}">
-                  <a16:creationId xmlns:a16="http://schemas.microsoft.com/office/drawing/2014/main" xmlns="" id="{18944C90-37E5-4BBE-89FF-060627168050}"/>
+                  <a16:creationId xmlns="" xmlns:a16="http://schemas.microsoft.com/office/drawing/2014/main" id="{18944C90-37E5-4BBE-89FF-060627168050}"/>
                 </a:ext>
               </a:extLst>
             </p:cNvPr>
@@ -21704,7 +21704,7 @@
           <p:cNvPr id="6" name="Group 5">
             <a:extLst>
               <a:ext uri="{FF2B5EF4-FFF2-40B4-BE49-F238E27FC236}">
-                <a16:creationId xmlns:a16="http://schemas.microsoft.com/office/drawing/2014/main" xmlns="" id="{D9EBF8BB-A805-4DDB-B459-082F99815B95}"/>
+                <a16:creationId xmlns="" xmlns:a16="http://schemas.microsoft.com/office/drawing/2014/main" id="{D9EBF8BB-A805-4DDB-B459-082F99815B95}"/>
               </a:ext>
             </a:extLst>
           </p:cNvPr>
@@ -21724,7 +21724,7 @@
             <p:cNvPr id="19" name="Rectangle: Single Corner Snipped 18">
               <a:extLst>
                 <a:ext uri="{FF2B5EF4-FFF2-40B4-BE49-F238E27FC236}">
-                  <a16:creationId xmlns:a16="http://schemas.microsoft.com/office/drawing/2014/main" xmlns="" id="{5D638788-DD47-45E7-939A-FA108A818173}"/>
+                  <a16:creationId xmlns="" xmlns:a16="http://schemas.microsoft.com/office/drawing/2014/main" id="{5D638788-DD47-45E7-939A-FA108A818173}"/>
                 </a:ext>
               </a:extLst>
             </p:cNvPr>
@@ -21790,7 +21790,7 @@
             <p:cNvPr id="3" name="Rectangle: Single Corner Snipped 2">
               <a:extLst>
                 <a:ext uri="{FF2B5EF4-FFF2-40B4-BE49-F238E27FC236}">
-                  <a16:creationId xmlns:a16="http://schemas.microsoft.com/office/drawing/2014/main" xmlns="" id="{74BDECEF-EEFE-4332-B3B2-BDE4F82C10FC}"/>
+                  <a16:creationId xmlns="" xmlns:a16="http://schemas.microsoft.com/office/drawing/2014/main" id="{74BDECEF-EEFE-4332-B3B2-BDE4F82C10FC}"/>
                 </a:ext>
               </a:extLst>
             </p:cNvPr>
@@ -21847,7 +21847,7 @@
           <p:cNvPr id="24" name="Freeform: Shape 23">
             <a:extLst>
               <a:ext uri="{FF2B5EF4-FFF2-40B4-BE49-F238E27FC236}">
-                <a16:creationId xmlns:a16="http://schemas.microsoft.com/office/drawing/2014/main" xmlns="" id="{18103E00-7E4A-44CD-81AC-06433CAE1110}"/>
+                <a16:creationId xmlns="" xmlns:a16="http://schemas.microsoft.com/office/drawing/2014/main" id="{18103E00-7E4A-44CD-81AC-06433CAE1110}"/>
               </a:ext>
             </a:extLst>
           </p:cNvPr>
@@ -21942,7 +21942,7 @@
           <p:cNvPr id="5" name="Slide Number Placeholder 4">
             <a:extLst>
               <a:ext uri="{FF2B5EF4-FFF2-40B4-BE49-F238E27FC236}">
-                <a16:creationId xmlns:a16="http://schemas.microsoft.com/office/drawing/2014/main" xmlns="" id="{87B51822-97FF-47A7-8E4E-A0F79B4EB237}"/>
+                <a16:creationId xmlns="" xmlns:a16="http://schemas.microsoft.com/office/drawing/2014/main" id="{87B51822-97FF-47A7-8E4E-A0F79B4EB237}"/>
               </a:ext>
             </a:extLst>
           </p:cNvPr>
@@ -21986,7 +21986,7 @@
           <p:cNvPr id="20" name="Content Placeholder 2">
             <a:extLst>
               <a:ext uri="{FF2B5EF4-FFF2-40B4-BE49-F238E27FC236}">
-                <a16:creationId xmlns:a16="http://schemas.microsoft.com/office/drawing/2014/main" xmlns="" id="{0103A49C-32FF-49E6-86F3-FC2E19517BD5}"/>
+                <a16:creationId xmlns="" xmlns:a16="http://schemas.microsoft.com/office/drawing/2014/main" id="{0103A49C-32FF-49E6-86F3-FC2E19517BD5}"/>
               </a:ext>
             </a:extLst>
           </p:cNvPr>
@@ -22122,7 +22122,7 @@
           <p:cNvPr id="11" name="Rectangle 10">
             <a:extLst>
               <a:ext uri="{FF2B5EF4-FFF2-40B4-BE49-F238E27FC236}">
-                <a16:creationId xmlns:a16="http://schemas.microsoft.com/office/drawing/2014/main" xmlns="" id="{EB3E033F-4449-40FA-BC85-BD2712D313DD}"/>
+                <a16:creationId xmlns="" xmlns:a16="http://schemas.microsoft.com/office/drawing/2014/main" id="{EB3E033F-4449-40FA-BC85-BD2712D313DD}"/>
               </a:ext>
             </a:extLst>
           </p:cNvPr>
@@ -22176,7 +22176,7 @@
           <p:cNvPr id="10" name="Freeform: Shape 9">
             <a:extLst>
               <a:ext uri="{FF2B5EF4-FFF2-40B4-BE49-F238E27FC236}">
-                <a16:creationId xmlns:a16="http://schemas.microsoft.com/office/drawing/2014/main" xmlns="" id="{63D26743-0505-444C-80B3-E88EE87DF72B}"/>
+                <a16:creationId xmlns="" xmlns:a16="http://schemas.microsoft.com/office/drawing/2014/main" id="{63D26743-0505-444C-80B3-E88EE87DF72B}"/>
               </a:ext>
             </a:extLst>
           </p:cNvPr>
@@ -22299,7 +22299,7 @@
           <p:cNvPr id="18" name="Freeform: Shape 17">
             <a:extLst>
               <a:ext uri="{FF2B5EF4-FFF2-40B4-BE49-F238E27FC236}">
-                <a16:creationId xmlns:a16="http://schemas.microsoft.com/office/drawing/2014/main" xmlns="" id="{E37145E9-AC61-47D5-9288-8789940F81B6}"/>
+                <a16:creationId xmlns="" xmlns:a16="http://schemas.microsoft.com/office/drawing/2014/main" id="{E37145E9-AC61-47D5-9288-8789940F81B6}"/>
               </a:ext>
             </a:extLst>
           </p:cNvPr>
@@ -22451,7 +22451,7 @@
           <p:cNvPr id="12" name="Freeform: Shape 11">
             <a:extLst>
               <a:ext uri="{FF2B5EF4-FFF2-40B4-BE49-F238E27FC236}">
-                <a16:creationId xmlns:a16="http://schemas.microsoft.com/office/drawing/2014/main" xmlns="" id="{A5E2B3ED-9A49-40A7-B8A3-62595FE513F9}"/>
+                <a16:creationId xmlns="" xmlns:a16="http://schemas.microsoft.com/office/drawing/2014/main" id="{A5E2B3ED-9A49-40A7-B8A3-62595FE513F9}"/>
               </a:ext>
             </a:extLst>
           </p:cNvPr>
@@ -22601,7 +22601,7 @@
           <p:cNvPr id="8" name="Freeform: Shape 7">
             <a:extLst>
               <a:ext uri="{FF2B5EF4-FFF2-40B4-BE49-F238E27FC236}">
-                <a16:creationId xmlns:a16="http://schemas.microsoft.com/office/drawing/2014/main" xmlns="" id="{1599AF7E-3E34-4597-AA72-9373A7FDB020}"/>
+                <a16:creationId xmlns="" xmlns:a16="http://schemas.microsoft.com/office/drawing/2014/main" id="{1599AF7E-3E34-4597-AA72-9373A7FDB020}"/>
               </a:ext>
             </a:extLst>
           </p:cNvPr>
@@ -22747,7 +22747,7 @@
           <p:cNvPr id="2" name="Title 1">
             <a:extLst>
               <a:ext uri="{FF2B5EF4-FFF2-40B4-BE49-F238E27FC236}">
-                <a16:creationId xmlns:a16="http://schemas.microsoft.com/office/drawing/2014/main" xmlns="" id="{4A2DF563-7FAC-46B3-B24C-7E45CD89DA2B}"/>
+                <a16:creationId xmlns="" xmlns:a16="http://schemas.microsoft.com/office/drawing/2014/main" id="{4A2DF563-7FAC-46B3-B24C-7E45CD89DA2B}"/>
               </a:ext>
             </a:extLst>
           </p:cNvPr>
@@ -22792,7 +22792,7 @@
           <p:cNvPr id="15" name="Group 14">
             <a:extLst>
               <a:ext uri="{FF2B5EF4-FFF2-40B4-BE49-F238E27FC236}">
-                <a16:creationId xmlns:a16="http://schemas.microsoft.com/office/drawing/2014/main" xmlns="" id="{7732E1E7-45E3-4264-8F26-66758696DD1E}"/>
+                <a16:creationId xmlns="" xmlns:a16="http://schemas.microsoft.com/office/drawing/2014/main" id="{7732E1E7-45E3-4264-8F26-66758696DD1E}"/>
               </a:ext>
             </a:extLst>
           </p:cNvPr>
@@ -22812,7 +22812,7 @@
             <p:cNvPr id="16" name="Freeform: Shape 15">
               <a:extLst>
                 <a:ext uri="{FF2B5EF4-FFF2-40B4-BE49-F238E27FC236}">
-                  <a16:creationId xmlns:a16="http://schemas.microsoft.com/office/drawing/2014/main" xmlns="" id="{2E3DF883-8093-49FA-81E1-E5D77F086A25}"/>
+                  <a16:creationId xmlns="" xmlns:a16="http://schemas.microsoft.com/office/drawing/2014/main" id="{2E3DF883-8093-49FA-81E1-E5D77F086A25}"/>
                 </a:ext>
               </a:extLst>
             </p:cNvPr>
@@ -22902,7 +22902,7 @@
             <p:cNvPr id="17" name="Freeform: Shape 16">
               <a:extLst>
                 <a:ext uri="{FF2B5EF4-FFF2-40B4-BE49-F238E27FC236}">
-                  <a16:creationId xmlns:a16="http://schemas.microsoft.com/office/drawing/2014/main" xmlns="" id="{18944C90-37E5-4BBE-89FF-060627168050}"/>
+                  <a16:creationId xmlns="" xmlns:a16="http://schemas.microsoft.com/office/drawing/2014/main" id="{18944C90-37E5-4BBE-89FF-060627168050}"/>
                 </a:ext>
               </a:extLst>
             </p:cNvPr>
@@ -23001,7 +23001,7 @@
           <p:cNvPr id="6" name="Group 5">
             <a:extLst>
               <a:ext uri="{FF2B5EF4-FFF2-40B4-BE49-F238E27FC236}">
-                <a16:creationId xmlns:a16="http://schemas.microsoft.com/office/drawing/2014/main" xmlns="" id="{D9EBF8BB-A805-4DDB-B459-082F99815B95}"/>
+                <a16:creationId xmlns="" xmlns:a16="http://schemas.microsoft.com/office/drawing/2014/main" id="{D9EBF8BB-A805-4DDB-B459-082F99815B95}"/>
               </a:ext>
             </a:extLst>
           </p:cNvPr>
@@ -23021,7 +23021,7 @@
             <p:cNvPr id="19" name="Rectangle: Single Corner Snipped 18">
               <a:extLst>
                 <a:ext uri="{FF2B5EF4-FFF2-40B4-BE49-F238E27FC236}">
-                  <a16:creationId xmlns:a16="http://schemas.microsoft.com/office/drawing/2014/main" xmlns="" id="{5D638788-DD47-45E7-939A-FA108A818173}"/>
+                  <a16:creationId xmlns="" xmlns:a16="http://schemas.microsoft.com/office/drawing/2014/main" id="{5D638788-DD47-45E7-939A-FA108A818173}"/>
                 </a:ext>
               </a:extLst>
             </p:cNvPr>
@@ -23087,7 +23087,7 @@
             <p:cNvPr id="3" name="Rectangle: Single Corner Snipped 2">
               <a:extLst>
                 <a:ext uri="{FF2B5EF4-FFF2-40B4-BE49-F238E27FC236}">
-                  <a16:creationId xmlns:a16="http://schemas.microsoft.com/office/drawing/2014/main" xmlns="" id="{74BDECEF-EEFE-4332-B3B2-BDE4F82C10FC}"/>
+                  <a16:creationId xmlns="" xmlns:a16="http://schemas.microsoft.com/office/drawing/2014/main" id="{74BDECEF-EEFE-4332-B3B2-BDE4F82C10FC}"/>
                 </a:ext>
               </a:extLst>
             </p:cNvPr>
@@ -23144,7 +23144,7 @@
           <p:cNvPr id="24" name="Freeform: Shape 23">
             <a:extLst>
               <a:ext uri="{FF2B5EF4-FFF2-40B4-BE49-F238E27FC236}">
-                <a16:creationId xmlns:a16="http://schemas.microsoft.com/office/drawing/2014/main" xmlns="" id="{18103E00-7E4A-44CD-81AC-06433CAE1110}"/>
+                <a16:creationId xmlns="" xmlns:a16="http://schemas.microsoft.com/office/drawing/2014/main" id="{18103E00-7E4A-44CD-81AC-06433CAE1110}"/>
               </a:ext>
             </a:extLst>
           </p:cNvPr>
@@ -23239,7 +23239,7 @@
           <p:cNvPr id="5" name="Slide Number Placeholder 4">
             <a:extLst>
               <a:ext uri="{FF2B5EF4-FFF2-40B4-BE49-F238E27FC236}">
-                <a16:creationId xmlns:a16="http://schemas.microsoft.com/office/drawing/2014/main" xmlns="" id="{87B51822-97FF-47A7-8E4E-A0F79B4EB237}"/>
+                <a16:creationId xmlns="" xmlns:a16="http://schemas.microsoft.com/office/drawing/2014/main" id="{87B51822-97FF-47A7-8E4E-A0F79B4EB237}"/>
               </a:ext>
             </a:extLst>
           </p:cNvPr>
@@ -23283,7 +23283,7 @@
           <p:cNvPr id="25" name="Text Placeholder 2">
             <a:extLst>
               <a:ext uri="{FF2B5EF4-FFF2-40B4-BE49-F238E27FC236}">
-                <a16:creationId xmlns:a16="http://schemas.microsoft.com/office/drawing/2014/main" xmlns="" id="{7FA80A70-18DE-4DB9-9982-BA75BE54CF93}"/>
+                <a16:creationId xmlns="" xmlns:a16="http://schemas.microsoft.com/office/drawing/2014/main" id="{7FA80A70-18DE-4DB9-9982-BA75BE54CF93}"/>
               </a:ext>
             </a:extLst>
           </p:cNvPr>
@@ -23361,7 +23361,7 @@
           <p:cNvPr id="26" name="Text Placeholder 4">
             <a:extLst>
               <a:ext uri="{FF2B5EF4-FFF2-40B4-BE49-F238E27FC236}">
-                <a16:creationId xmlns:a16="http://schemas.microsoft.com/office/drawing/2014/main" xmlns="" id="{2801C0EF-C078-44B0-AD01-4850E9A65EE0}"/>
+                <a16:creationId xmlns="" xmlns:a16="http://schemas.microsoft.com/office/drawing/2014/main" id="{2801C0EF-C078-44B0-AD01-4850E9A65EE0}"/>
               </a:ext>
             </a:extLst>
           </p:cNvPr>
@@ -23439,7 +23439,7 @@
           <p:cNvPr id="27" name="Content Placeholder 3">
             <a:extLst>
               <a:ext uri="{FF2B5EF4-FFF2-40B4-BE49-F238E27FC236}">
-                <a16:creationId xmlns:a16="http://schemas.microsoft.com/office/drawing/2014/main" xmlns="" id="{7C9DED91-45F6-4308-A085-1EFACA6468CF}"/>
+                <a16:creationId xmlns="" xmlns:a16="http://schemas.microsoft.com/office/drawing/2014/main" id="{7C9DED91-45F6-4308-A085-1EFACA6468CF}"/>
               </a:ext>
             </a:extLst>
           </p:cNvPr>
@@ -23539,7 +23539,7 @@
           <p:cNvPr id="28" name="Content Placeholder 5">
             <a:extLst>
               <a:ext uri="{FF2B5EF4-FFF2-40B4-BE49-F238E27FC236}">
-                <a16:creationId xmlns:a16="http://schemas.microsoft.com/office/drawing/2014/main" xmlns="" id="{0574B5E7-B666-439B-9278-67BE1EA6EBC5}"/>
+                <a16:creationId xmlns="" xmlns:a16="http://schemas.microsoft.com/office/drawing/2014/main" id="{0574B5E7-B666-439B-9278-67BE1EA6EBC5}"/>
               </a:ext>
             </a:extLst>
           </p:cNvPr>
@@ -23674,7 +23674,7 @@
           <p:cNvPr id="2" name="Title Placeholder 1">
             <a:extLst>
               <a:ext uri="{FF2B5EF4-FFF2-40B4-BE49-F238E27FC236}">
-                <a16:creationId xmlns:a16="http://schemas.microsoft.com/office/drawing/2014/main" xmlns="" id="{761B0E15-6FC5-434E-8780-B186D9DB0CD0}"/>
+                <a16:creationId xmlns="" xmlns:a16="http://schemas.microsoft.com/office/drawing/2014/main" id="{761B0E15-6FC5-434E-8780-B186D9DB0CD0}"/>
               </a:ext>
             </a:extLst>
           </p:cNvPr>
@@ -23712,7 +23712,7 @@
           <p:cNvPr id="3" name="Text Placeholder 2">
             <a:extLst>
               <a:ext uri="{FF2B5EF4-FFF2-40B4-BE49-F238E27FC236}">
-                <a16:creationId xmlns:a16="http://schemas.microsoft.com/office/drawing/2014/main" xmlns="" id="{A9C7B128-34F3-405C-B601-8BAFDB43499C}"/>
+                <a16:creationId xmlns="" xmlns:a16="http://schemas.microsoft.com/office/drawing/2014/main" id="{A9C7B128-34F3-405C-B601-8BAFDB43499C}"/>
               </a:ext>
             </a:extLst>
           </p:cNvPr>
@@ -23779,7 +23779,7 @@
           <p:cNvPr id="6" name="Slide Number Placeholder 5">
             <a:extLst>
               <a:ext uri="{FF2B5EF4-FFF2-40B4-BE49-F238E27FC236}">
-                <a16:creationId xmlns:a16="http://schemas.microsoft.com/office/drawing/2014/main" xmlns="" id="{9F5A7754-E8C7-438B-922D-9027C6CF58E2}"/>
+                <a16:creationId xmlns="" xmlns:a16="http://schemas.microsoft.com/office/drawing/2014/main" id="{9F5A7754-E8C7-438B-922D-9027C6CF58E2}"/>
               </a:ext>
             </a:extLst>
           </p:cNvPr>
@@ -23826,7 +23826,7 @@
           <p:cNvPr id="5" name="Rectangle 4">
             <a:extLst>
               <a:ext uri="{FF2B5EF4-FFF2-40B4-BE49-F238E27FC236}">
-                <a16:creationId xmlns:a16="http://schemas.microsoft.com/office/drawing/2014/main" xmlns="" id="{7CDDDB7D-9189-9548-A2B9-81DC62C3C1A3}"/>
+                <a16:creationId xmlns="" xmlns:a16="http://schemas.microsoft.com/office/drawing/2014/main" id="{7CDDDB7D-9189-9548-A2B9-81DC62C3C1A3}"/>
               </a:ext>
             </a:extLst>
           </p:cNvPr>
@@ -23880,7 +23880,7 @@
           <p:cNvPr id="7" name="Freeform: Shape 9">
             <a:extLst>
               <a:ext uri="{FF2B5EF4-FFF2-40B4-BE49-F238E27FC236}">
-                <a16:creationId xmlns:a16="http://schemas.microsoft.com/office/drawing/2014/main" xmlns="" id="{096D8877-6B4A-4540-8927-767DD7401718}"/>
+                <a16:creationId xmlns="" xmlns:a16="http://schemas.microsoft.com/office/drawing/2014/main" id="{096D8877-6B4A-4540-8927-767DD7401718}"/>
               </a:ext>
             </a:extLst>
           </p:cNvPr>
@@ -24003,7 +24003,7 @@
           <p:cNvPr id="8" name="Freeform: Shape 17">
             <a:extLst>
               <a:ext uri="{FF2B5EF4-FFF2-40B4-BE49-F238E27FC236}">
-                <a16:creationId xmlns:a16="http://schemas.microsoft.com/office/drawing/2014/main" xmlns="" id="{5AF2E123-FE0F-8541-8E36-5030C450AA7E}"/>
+                <a16:creationId xmlns="" xmlns:a16="http://schemas.microsoft.com/office/drawing/2014/main" id="{5AF2E123-FE0F-8541-8E36-5030C450AA7E}"/>
               </a:ext>
             </a:extLst>
           </p:cNvPr>
@@ -24155,7 +24155,7 @@
           <p:cNvPr id="9" name="Freeform: Shape 11">
             <a:extLst>
               <a:ext uri="{FF2B5EF4-FFF2-40B4-BE49-F238E27FC236}">
-                <a16:creationId xmlns:a16="http://schemas.microsoft.com/office/drawing/2014/main" xmlns="" id="{E5519D99-3B68-924A-9CD0-14B911711CA8}"/>
+                <a16:creationId xmlns="" xmlns:a16="http://schemas.microsoft.com/office/drawing/2014/main" id="{E5519D99-3B68-924A-9CD0-14B911711CA8}"/>
               </a:ext>
             </a:extLst>
           </p:cNvPr>
@@ -24305,7 +24305,7 @@
           <p:cNvPr id="10" name="Freeform: Shape 7">
             <a:extLst>
               <a:ext uri="{FF2B5EF4-FFF2-40B4-BE49-F238E27FC236}">
-                <a16:creationId xmlns:a16="http://schemas.microsoft.com/office/drawing/2014/main" xmlns="" id="{A09E21A9-FBEF-144C-A152-FE484F3C55C1}"/>
+                <a16:creationId xmlns="" xmlns:a16="http://schemas.microsoft.com/office/drawing/2014/main" id="{A09E21A9-FBEF-144C-A152-FE484F3C55C1}"/>
               </a:ext>
             </a:extLst>
           </p:cNvPr>
@@ -24451,7 +24451,7 @@
           <p:cNvPr id="11" name="Title 1">
             <a:extLst>
               <a:ext uri="{FF2B5EF4-FFF2-40B4-BE49-F238E27FC236}">
-                <a16:creationId xmlns:a16="http://schemas.microsoft.com/office/drawing/2014/main" xmlns="" id="{70C7F2CB-A8CE-1545-A08D-93592C4BAEEA}"/>
+                <a16:creationId xmlns="" xmlns:a16="http://schemas.microsoft.com/office/drawing/2014/main" id="{70C7F2CB-A8CE-1545-A08D-93592C4BAEEA}"/>
               </a:ext>
             </a:extLst>
           </p:cNvPr>
@@ -24507,7 +24507,7 @@
           <p:cNvPr id="12" name="Group 11">
             <a:extLst>
               <a:ext uri="{FF2B5EF4-FFF2-40B4-BE49-F238E27FC236}">
-                <a16:creationId xmlns:a16="http://schemas.microsoft.com/office/drawing/2014/main" xmlns="" id="{7068FCE4-1B47-3C4B-B091-013120A97D09}"/>
+                <a16:creationId xmlns="" xmlns:a16="http://schemas.microsoft.com/office/drawing/2014/main" id="{7068FCE4-1B47-3C4B-B091-013120A97D09}"/>
               </a:ext>
             </a:extLst>
           </p:cNvPr>
@@ -24527,7 +24527,7 @@
             <p:cNvPr id="13" name="Freeform: Shape 15">
               <a:extLst>
                 <a:ext uri="{FF2B5EF4-FFF2-40B4-BE49-F238E27FC236}">
-                  <a16:creationId xmlns:a16="http://schemas.microsoft.com/office/drawing/2014/main" xmlns="" id="{FEC3FDE7-F27E-5E4E-8752-287CAB7792D4}"/>
+                  <a16:creationId xmlns="" xmlns:a16="http://schemas.microsoft.com/office/drawing/2014/main" id="{FEC3FDE7-F27E-5E4E-8752-287CAB7792D4}"/>
                 </a:ext>
               </a:extLst>
             </p:cNvPr>
@@ -24617,7 +24617,7 @@
             <p:cNvPr id="14" name="Freeform: Shape 16">
               <a:extLst>
                 <a:ext uri="{FF2B5EF4-FFF2-40B4-BE49-F238E27FC236}">
-                  <a16:creationId xmlns:a16="http://schemas.microsoft.com/office/drawing/2014/main" xmlns="" id="{81C902DB-0D21-5044-82B6-9E7A70A1BF62}"/>
+                  <a16:creationId xmlns="" xmlns:a16="http://schemas.microsoft.com/office/drawing/2014/main" id="{81C902DB-0D21-5044-82B6-9E7A70A1BF62}"/>
                 </a:ext>
               </a:extLst>
             </p:cNvPr>
@@ -24716,7 +24716,7 @@
           <p:cNvPr id="15" name="Group 14">
             <a:extLst>
               <a:ext uri="{FF2B5EF4-FFF2-40B4-BE49-F238E27FC236}">
-                <a16:creationId xmlns:a16="http://schemas.microsoft.com/office/drawing/2014/main" xmlns="" id="{BE1E08A0-195D-694F-947B-986A76FBB93E}"/>
+                <a16:creationId xmlns="" xmlns:a16="http://schemas.microsoft.com/office/drawing/2014/main" id="{BE1E08A0-195D-694F-947B-986A76FBB93E}"/>
               </a:ext>
             </a:extLst>
           </p:cNvPr>
@@ -24736,7 +24736,7 @@
             <p:cNvPr id="16" name="Rectangle: Single Corner Snipped 18">
               <a:extLst>
                 <a:ext uri="{FF2B5EF4-FFF2-40B4-BE49-F238E27FC236}">
-                  <a16:creationId xmlns:a16="http://schemas.microsoft.com/office/drawing/2014/main" xmlns="" id="{ED5DFFCD-1EE3-E64E-B51F-BD7D72413E0B}"/>
+                  <a16:creationId xmlns="" xmlns:a16="http://schemas.microsoft.com/office/drawing/2014/main" id="{ED5DFFCD-1EE3-E64E-B51F-BD7D72413E0B}"/>
                 </a:ext>
               </a:extLst>
             </p:cNvPr>
@@ -24802,7 +24802,7 @@
             <p:cNvPr id="17" name="Rectangle: Single Corner Snipped 2">
               <a:extLst>
                 <a:ext uri="{FF2B5EF4-FFF2-40B4-BE49-F238E27FC236}">
-                  <a16:creationId xmlns:a16="http://schemas.microsoft.com/office/drawing/2014/main" xmlns="" id="{C12DB3CA-8E64-AA43-BFBE-A2CA9A816DBE}"/>
+                  <a16:creationId xmlns="" xmlns:a16="http://schemas.microsoft.com/office/drawing/2014/main" id="{C12DB3CA-8E64-AA43-BFBE-A2CA9A816DBE}"/>
                 </a:ext>
               </a:extLst>
             </p:cNvPr>
@@ -24859,7 +24859,7 @@
           <p:cNvPr id="18" name="Freeform: Shape 23">
             <a:extLst>
               <a:ext uri="{FF2B5EF4-FFF2-40B4-BE49-F238E27FC236}">
-                <a16:creationId xmlns:a16="http://schemas.microsoft.com/office/drawing/2014/main" xmlns="" id="{A587DEFD-D470-4142-8E0D-A71DDB147C92}"/>
+                <a16:creationId xmlns="" xmlns:a16="http://schemas.microsoft.com/office/drawing/2014/main" id="{A587DEFD-D470-4142-8E0D-A71DDB147C92}"/>
               </a:ext>
             </a:extLst>
           </p:cNvPr>
@@ -24954,7 +24954,7 @@
           <p:cNvPr id="19" name="Slide Number Placeholder 4">
             <a:extLst>
               <a:ext uri="{FF2B5EF4-FFF2-40B4-BE49-F238E27FC236}">
-                <a16:creationId xmlns:a16="http://schemas.microsoft.com/office/drawing/2014/main" xmlns="" id="{7D9BF857-7910-734D-A217-5E3344220AA2}"/>
+                <a16:creationId xmlns="" xmlns:a16="http://schemas.microsoft.com/office/drawing/2014/main" id="{7D9BF857-7910-734D-A217-5E3344220AA2}"/>
               </a:ext>
             </a:extLst>
           </p:cNvPr>
@@ -25472,7 +25472,7 @@
           <p:cNvPr id="2" name="Title 1">
             <a:extLst>
               <a:ext uri="{FF2B5EF4-FFF2-40B4-BE49-F238E27FC236}">
-                <a16:creationId xmlns:a16="http://schemas.microsoft.com/office/drawing/2014/main" xmlns="" id="{632BE5BF-9922-45FB-8F3F-4446D40A051B}"/>
+                <a16:creationId xmlns="" xmlns:a16="http://schemas.microsoft.com/office/drawing/2014/main" id="{632BE5BF-9922-45FB-8F3F-4446D40A051B}"/>
               </a:ext>
             </a:extLst>
           </p:cNvPr>
@@ -25519,7 +25519,7 @@
           <p:cNvPr id="3" name="Subtitle 2">
             <a:extLst>
               <a:ext uri="{FF2B5EF4-FFF2-40B4-BE49-F238E27FC236}">
-                <a16:creationId xmlns:a16="http://schemas.microsoft.com/office/drawing/2014/main" xmlns="" id="{0D537F64-4C96-4AA8-BB21-E8053A3186DD}"/>
+                <a16:creationId xmlns="" xmlns:a16="http://schemas.microsoft.com/office/drawing/2014/main" id="{0D537F64-4C96-4AA8-BB21-E8053A3186DD}"/>
               </a:ext>
             </a:extLst>
           </p:cNvPr>
@@ -25593,7 +25593,7 @@
           <p:cNvPr id="7" name="Title 6">
             <a:extLst>
               <a:ext uri="{FF2B5EF4-FFF2-40B4-BE49-F238E27FC236}">
-                <a16:creationId xmlns:a16="http://schemas.microsoft.com/office/drawing/2014/main" xmlns="" id="{7875C19A-1AAE-476A-A316-A2CF92D763D3}"/>
+                <a16:creationId xmlns="" xmlns:a16="http://schemas.microsoft.com/office/drawing/2014/main" id="{7875C19A-1AAE-476A-A316-A2CF92D763D3}"/>
               </a:ext>
             </a:extLst>
           </p:cNvPr>
@@ -25629,7 +25629,7 @@
           <p:cNvPr id="10" name="Text Placeholder 9">
             <a:extLst>
               <a:ext uri="{FF2B5EF4-FFF2-40B4-BE49-F238E27FC236}">
-                <a16:creationId xmlns:a16="http://schemas.microsoft.com/office/drawing/2014/main" xmlns="" id="{EF2BC084-E6DB-4DE7-B309-042A85EBA700}"/>
+                <a16:creationId xmlns="" xmlns:a16="http://schemas.microsoft.com/office/drawing/2014/main" id="{EF2BC084-E6DB-4DE7-B309-042A85EBA700}"/>
               </a:ext>
             </a:extLst>
           </p:cNvPr>
@@ -25733,7 +25733,7 @@
           <p:cNvPr id="2" name="Slide Number Placeholder 1">
             <a:extLst>
               <a:ext uri="{FF2B5EF4-FFF2-40B4-BE49-F238E27FC236}">
-                <a16:creationId xmlns:a16="http://schemas.microsoft.com/office/drawing/2014/main" xmlns="" id="{BE9800F6-D571-48C4-8466-12AA1ADB6599}"/>
+                <a16:creationId xmlns="" xmlns:a16="http://schemas.microsoft.com/office/drawing/2014/main" id="{BE9800F6-D571-48C4-8466-12AA1ADB6599}"/>
               </a:ext>
             </a:extLst>
           </p:cNvPr>
@@ -25805,7 +25805,7 @@
           <p:cNvPr id="4" name="Title 3">
             <a:extLst>
               <a:ext uri="{FF2B5EF4-FFF2-40B4-BE49-F238E27FC236}">
-                <a16:creationId xmlns:a16="http://schemas.microsoft.com/office/drawing/2014/main" xmlns="" id="{315E3981-F0D7-482C-A8E0-6A57700BECA7}"/>
+                <a16:creationId xmlns="" xmlns:a16="http://schemas.microsoft.com/office/drawing/2014/main" id="{315E3981-F0D7-482C-A8E0-6A57700BECA7}"/>
               </a:ext>
             </a:extLst>
           </p:cNvPr>
@@ -25836,7 +25836,7 @@
           <p:cNvPr id="2" name="Slide Number Placeholder 1">
             <a:extLst>
               <a:ext uri="{FF2B5EF4-FFF2-40B4-BE49-F238E27FC236}">
-                <a16:creationId xmlns:a16="http://schemas.microsoft.com/office/drawing/2014/main" xmlns="" id="{520FC4EE-F318-4344-9E3C-B950ADB63865}"/>
+                <a16:creationId xmlns="" xmlns:a16="http://schemas.microsoft.com/office/drawing/2014/main" id="{520FC4EE-F318-4344-9E3C-B950ADB63865}"/>
               </a:ext>
             </a:extLst>
           </p:cNvPr>
@@ -25866,7 +25866,7 @@
           <p:cNvPr id="7" name="Text Placeholder 6">
             <a:extLst>
               <a:ext uri="{FF2B5EF4-FFF2-40B4-BE49-F238E27FC236}">
-                <a16:creationId xmlns:a16="http://schemas.microsoft.com/office/drawing/2014/main" xmlns="" id="{B74126B4-1E6C-4FFF-9282-40E18A85A07F}"/>
+                <a16:creationId xmlns="" xmlns:a16="http://schemas.microsoft.com/office/drawing/2014/main" id="{B74126B4-1E6C-4FFF-9282-40E18A85A07F}"/>
               </a:ext>
             </a:extLst>
           </p:cNvPr>
@@ -25908,7 +25908,7 @@
           <p:cNvPr id="5" name="Text Placeholder 4">
             <a:extLst>
               <a:ext uri="{FF2B5EF4-FFF2-40B4-BE49-F238E27FC236}">
-                <a16:creationId xmlns:a16="http://schemas.microsoft.com/office/drawing/2014/main" xmlns="" id="{E0C87788-476B-4620-8002-A5C1177AD6C1}"/>
+                <a16:creationId xmlns="" xmlns:a16="http://schemas.microsoft.com/office/drawing/2014/main" id="{E0C87788-476B-4620-8002-A5C1177AD6C1}"/>
               </a:ext>
             </a:extLst>
           </p:cNvPr>
@@ -25950,7 +25950,7 @@
           <p:cNvPr id="8" name="Text Placeholder 7">
             <a:extLst>
               <a:ext uri="{FF2B5EF4-FFF2-40B4-BE49-F238E27FC236}">
-                <a16:creationId xmlns:a16="http://schemas.microsoft.com/office/drawing/2014/main" xmlns="" id="{47DC4E62-1A34-4F98-A451-214F1808519C}"/>
+                <a16:creationId xmlns="" xmlns:a16="http://schemas.microsoft.com/office/drawing/2014/main" id="{47DC4E62-1A34-4F98-A451-214F1808519C}"/>
               </a:ext>
             </a:extLst>
           </p:cNvPr>
@@ -26054,7 +26054,7 @@
           <p:cNvPr id="6" name="Text Placeholder 5">
             <a:extLst>
               <a:ext uri="{FF2B5EF4-FFF2-40B4-BE49-F238E27FC236}">
-                <a16:creationId xmlns:a16="http://schemas.microsoft.com/office/drawing/2014/main" xmlns="" id="{000A9570-5EF6-4AFB-9FCA-7C8998E3FEB1}"/>
+                <a16:creationId xmlns="" xmlns:a16="http://schemas.microsoft.com/office/drawing/2014/main" id="{000A9570-5EF6-4AFB-9FCA-7C8998E3FEB1}"/>
               </a:ext>
             </a:extLst>
           </p:cNvPr>
@@ -26158,7 +26158,7 @@
           <p:cNvPr id="7" name="Title 6">
             <a:extLst>
               <a:ext uri="{FF2B5EF4-FFF2-40B4-BE49-F238E27FC236}">
-                <a16:creationId xmlns:a16="http://schemas.microsoft.com/office/drawing/2014/main" xmlns="" id="{7875C19A-1AAE-476A-A316-A2CF92D763D3}"/>
+                <a16:creationId xmlns="" xmlns:a16="http://schemas.microsoft.com/office/drawing/2014/main" id="{7875C19A-1AAE-476A-A316-A2CF92D763D3}"/>
               </a:ext>
             </a:extLst>
           </p:cNvPr>
@@ -26198,7 +26198,7 @@
           <p:cNvPr id="10" name="Text Placeholder 9">
             <a:extLst>
               <a:ext uri="{FF2B5EF4-FFF2-40B4-BE49-F238E27FC236}">
-                <a16:creationId xmlns:a16="http://schemas.microsoft.com/office/drawing/2014/main" xmlns="" id="{EF2BC084-E6DB-4DE7-B309-042A85EBA700}"/>
+                <a16:creationId xmlns="" xmlns:a16="http://schemas.microsoft.com/office/drawing/2014/main" id="{EF2BC084-E6DB-4DE7-B309-042A85EBA700}"/>
               </a:ext>
             </a:extLst>
           </p:cNvPr>
@@ -26306,7 +26306,7 @@
           <p:cNvPr id="2" name="Slide Number Placeholder 1">
             <a:extLst>
               <a:ext uri="{FF2B5EF4-FFF2-40B4-BE49-F238E27FC236}">
-                <a16:creationId xmlns:a16="http://schemas.microsoft.com/office/drawing/2014/main" xmlns="" id="{BE9800F6-D571-48C4-8466-12AA1ADB6599}"/>
+                <a16:creationId xmlns="" xmlns:a16="http://schemas.microsoft.com/office/drawing/2014/main" id="{BE9800F6-D571-48C4-8466-12AA1ADB6599}"/>
               </a:ext>
             </a:extLst>
           </p:cNvPr>
@@ -26378,7 +26378,7 @@
           <p:cNvPr id="7" name="Title 6">
             <a:extLst>
               <a:ext uri="{FF2B5EF4-FFF2-40B4-BE49-F238E27FC236}">
-                <a16:creationId xmlns:a16="http://schemas.microsoft.com/office/drawing/2014/main" xmlns="" id="{7875C19A-1AAE-476A-A316-A2CF92D763D3}"/>
+                <a16:creationId xmlns="" xmlns:a16="http://schemas.microsoft.com/office/drawing/2014/main" id="{7875C19A-1AAE-476A-A316-A2CF92D763D3}"/>
               </a:ext>
             </a:extLst>
           </p:cNvPr>
@@ -26418,7 +26418,7 @@
           <p:cNvPr id="2" name="Slide Number Placeholder 1">
             <a:extLst>
               <a:ext uri="{FF2B5EF4-FFF2-40B4-BE49-F238E27FC236}">
-                <a16:creationId xmlns:a16="http://schemas.microsoft.com/office/drawing/2014/main" xmlns="" id="{BE9800F6-D571-48C4-8466-12AA1ADB6599}"/>
+                <a16:creationId xmlns="" xmlns:a16="http://schemas.microsoft.com/office/drawing/2014/main" id="{BE9800F6-D571-48C4-8466-12AA1ADB6599}"/>
               </a:ext>
             </a:extLst>
           </p:cNvPr>
@@ -26935,10 +26935,16 @@
           <a:lstStyle/>
           <a:p>
             <a:r>
-              <a:rPr lang="nl-NL" dirty="0" smtClean="0"/>
+              <a:rPr lang="nl-NL" dirty="0" smtClean="0">
+                <a:latin typeface="Times New Roman" panose="02020603050405020304" pitchFamily="18" charset="0"/>
+                <a:cs typeface="Times New Roman" panose="02020603050405020304" pitchFamily="18" charset="0"/>
+              </a:rPr>
               <a:t>DEMO</a:t>
             </a:r>
-            <a:endParaRPr lang="en-US" dirty="0"/>
+            <a:endParaRPr lang="en-US" dirty="0">
+              <a:latin typeface="Times New Roman" panose="02020603050405020304" pitchFamily="18" charset="0"/>
+              <a:cs typeface="Times New Roman" panose="02020603050405020304" pitchFamily="18" charset="0"/>
+            </a:endParaRPr>
           </a:p>
         </p:txBody>
       </p:sp>
@@ -26963,25 +26969,6 @@
               <a:t>16</a:t>
             </a:fld>
             <a:endParaRPr lang="en-US" noProof="0" dirty="0"/>
-          </a:p>
-        </p:txBody>
-      </p:sp>
-      <p:sp>
-        <p:nvSpPr>
-          <p:cNvPr id="4" name="Text Placeholder 3"/>
-          <p:cNvSpPr>
-            <a:spLocks noGrp="1"/>
-          </p:cNvSpPr>
-          <p:nvPr>
-            <p:ph type="body" sz="quarter" idx="13"/>
-          </p:nvPr>
-        </p:nvSpPr>
-        <p:spPr/>
-        <p:txBody>
-          <a:bodyPr/>
-          <a:lstStyle/>
-          <a:p>
-            <a:endParaRPr lang="en-US"/>
           </a:p>
         </p:txBody>
       </p:sp>
@@ -27083,7 +27070,7 @@
           <p:cNvPr id="4" name="Title 3">
             <a:extLst>
               <a:ext uri="{FF2B5EF4-FFF2-40B4-BE49-F238E27FC236}">
-                <a16:creationId xmlns:a16="http://schemas.microsoft.com/office/drawing/2014/main" xmlns="" id="{E3BD8413-C238-49D7-A4E1-E8FEF1811A0E}"/>
+                <a16:creationId xmlns="" xmlns:a16="http://schemas.microsoft.com/office/drawing/2014/main" id="{E3BD8413-C238-49D7-A4E1-E8FEF1811A0E}"/>
               </a:ext>
             </a:extLst>
           </p:cNvPr>
@@ -27276,7 +27263,7 @@
           <p:cNvPr id="2" name="Slide Number Placeholder 1">
             <a:extLst>
               <a:ext uri="{FF2B5EF4-FFF2-40B4-BE49-F238E27FC236}">
-                <a16:creationId xmlns:a16="http://schemas.microsoft.com/office/drawing/2014/main" xmlns="" id="{0B24BF10-2B55-43AB-9F77-F1A1410384A9}"/>
+                <a16:creationId xmlns="" xmlns:a16="http://schemas.microsoft.com/office/drawing/2014/main" id="{0B24BF10-2B55-43AB-9F77-F1A1410384A9}"/>
               </a:ext>
             </a:extLst>
           </p:cNvPr>
@@ -27348,7 +27335,7 @@
           <p:cNvPr id="7" name="Title 6">
             <a:extLst>
               <a:ext uri="{FF2B5EF4-FFF2-40B4-BE49-F238E27FC236}">
-                <a16:creationId xmlns:a16="http://schemas.microsoft.com/office/drawing/2014/main" xmlns="" id="{7875C19A-1AAE-476A-A316-A2CF92D763D3}"/>
+                <a16:creationId xmlns="" xmlns:a16="http://schemas.microsoft.com/office/drawing/2014/main" id="{7875C19A-1AAE-476A-A316-A2CF92D763D3}"/>
               </a:ext>
             </a:extLst>
           </p:cNvPr>
@@ -27390,7 +27377,7 @@
           <p:cNvPr id="10" name="Text Placeholder 9">
             <a:extLst>
               <a:ext uri="{FF2B5EF4-FFF2-40B4-BE49-F238E27FC236}">
-                <a16:creationId xmlns:a16="http://schemas.microsoft.com/office/drawing/2014/main" xmlns="" id="{EF2BC084-E6DB-4DE7-B309-042A85EBA700}"/>
+                <a16:creationId xmlns="" xmlns:a16="http://schemas.microsoft.com/office/drawing/2014/main" id="{EF2BC084-E6DB-4DE7-B309-042A85EBA700}"/>
               </a:ext>
             </a:extLst>
           </p:cNvPr>
@@ -27504,7 +27491,7 @@
           <p:cNvPr id="2" name="Slide Number Placeholder 1">
             <a:extLst>
               <a:ext uri="{FF2B5EF4-FFF2-40B4-BE49-F238E27FC236}">
-                <a16:creationId xmlns:a16="http://schemas.microsoft.com/office/drawing/2014/main" xmlns="" id="{BE9800F6-D571-48C4-8466-12AA1ADB6599}"/>
+                <a16:creationId xmlns="" xmlns:a16="http://schemas.microsoft.com/office/drawing/2014/main" id="{BE9800F6-D571-48C4-8466-12AA1ADB6599}"/>
               </a:ext>
             </a:extLst>
           </p:cNvPr>
@@ -27576,7 +27563,7 @@
           <p:cNvPr id="4" name="Title 3">
             <a:extLst>
               <a:ext uri="{FF2B5EF4-FFF2-40B4-BE49-F238E27FC236}">
-                <a16:creationId xmlns:a16="http://schemas.microsoft.com/office/drawing/2014/main" xmlns="" id="{315E3981-F0D7-482C-A8E0-6A57700BECA7}"/>
+                <a16:creationId xmlns="" xmlns:a16="http://schemas.microsoft.com/office/drawing/2014/main" id="{315E3981-F0D7-482C-A8E0-6A57700BECA7}"/>
               </a:ext>
             </a:extLst>
           </p:cNvPr>
@@ -27607,7 +27594,7 @@
           <p:cNvPr id="2" name="Slide Number Placeholder 1">
             <a:extLst>
               <a:ext uri="{FF2B5EF4-FFF2-40B4-BE49-F238E27FC236}">
-                <a16:creationId xmlns:a16="http://schemas.microsoft.com/office/drawing/2014/main" xmlns="" id="{520FC4EE-F318-4344-9E3C-B950ADB63865}"/>
+                <a16:creationId xmlns="" xmlns:a16="http://schemas.microsoft.com/office/drawing/2014/main" id="{520FC4EE-F318-4344-9E3C-B950ADB63865}"/>
               </a:ext>
             </a:extLst>
           </p:cNvPr>
@@ -27637,7 +27624,7 @@
           <p:cNvPr id="7" name="Text Placeholder 6">
             <a:extLst>
               <a:ext uri="{FF2B5EF4-FFF2-40B4-BE49-F238E27FC236}">
-                <a16:creationId xmlns:a16="http://schemas.microsoft.com/office/drawing/2014/main" xmlns="" id="{B74126B4-1E6C-4FFF-9282-40E18A85A07F}"/>
+                <a16:creationId xmlns="" xmlns:a16="http://schemas.microsoft.com/office/drawing/2014/main" id="{B74126B4-1E6C-4FFF-9282-40E18A85A07F}"/>
               </a:ext>
             </a:extLst>
           </p:cNvPr>
@@ -27679,7 +27666,7 @@
           <p:cNvPr id="5" name="Text Placeholder 4">
             <a:extLst>
               <a:ext uri="{FF2B5EF4-FFF2-40B4-BE49-F238E27FC236}">
-                <a16:creationId xmlns:a16="http://schemas.microsoft.com/office/drawing/2014/main" xmlns="" id="{E0C87788-476B-4620-8002-A5C1177AD6C1}"/>
+                <a16:creationId xmlns="" xmlns:a16="http://schemas.microsoft.com/office/drawing/2014/main" id="{E0C87788-476B-4620-8002-A5C1177AD6C1}"/>
               </a:ext>
             </a:extLst>
           </p:cNvPr>
@@ -27721,7 +27708,7 @@
           <p:cNvPr id="8" name="Text Placeholder 7">
             <a:extLst>
               <a:ext uri="{FF2B5EF4-FFF2-40B4-BE49-F238E27FC236}">
-                <a16:creationId xmlns:a16="http://schemas.microsoft.com/office/drawing/2014/main" xmlns="" id="{47DC4E62-1A34-4F98-A451-214F1808519C}"/>
+                <a16:creationId xmlns="" xmlns:a16="http://schemas.microsoft.com/office/drawing/2014/main" id="{47DC4E62-1A34-4F98-A451-214F1808519C}"/>
               </a:ext>
             </a:extLst>
           </p:cNvPr>
@@ -27793,7 +27780,7 @@
           <p:cNvPr id="6" name="Text Placeholder 5">
             <a:extLst>
               <a:ext uri="{FF2B5EF4-FFF2-40B4-BE49-F238E27FC236}">
-                <a16:creationId xmlns:a16="http://schemas.microsoft.com/office/drawing/2014/main" xmlns="" id="{000A9570-5EF6-4AFB-9FCA-7C8998E3FEB1}"/>
+                <a16:creationId xmlns="" xmlns:a16="http://schemas.microsoft.com/office/drawing/2014/main" id="{000A9570-5EF6-4AFB-9FCA-7C8998E3FEB1}"/>
               </a:ext>
             </a:extLst>
           </p:cNvPr>
@@ -27998,7 +27985,7 @@
           <p:cNvPr id="7" name="Title 6">
             <a:extLst>
               <a:ext uri="{FF2B5EF4-FFF2-40B4-BE49-F238E27FC236}">
-                <a16:creationId xmlns:a16="http://schemas.microsoft.com/office/drawing/2014/main" xmlns="" id="{7875C19A-1AAE-476A-A316-A2CF92D763D3}"/>
+                <a16:creationId xmlns="" xmlns:a16="http://schemas.microsoft.com/office/drawing/2014/main" id="{7875C19A-1AAE-476A-A316-A2CF92D763D3}"/>
               </a:ext>
             </a:extLst>
           </p:cNvPr>
@@ -28026,7 +28013,7 @@
           <p:cNvPr id="10" name="Text Placeholder 9">
             <a:extLst>
               <a:ext uri="{FF2B5EF4-FFF2-40B4-BE49-F238E27FC236}">
-                <a16:creationId xmlns:a16="http://schemas.microsoft.com/office/drawing/2014/main" xmlns="" id="{EF2BC084-E6DB-4DE7-B309-042A85EBA700}"/>
+                <a16:creationId xmlns="" xmlns:a16="http://schemas.microsoft.com/office/drawing/2014/main" id="{EF2BC084-E6DB-4DE7-B309-042A85EBA700}"/>
               </a:ext>
             </a:extLst>
           </p:cNvPr>
@@ -28075,7 +28062,7 @@
           <p:cNvPr id="2" name="Slide Number Placeholder 1">
             <a:extLst>
               <a:ext uri="{FF2B5EF4-FFF2-40B4-BE49-F238E27FC236}">
-                <a16:creationId xmlns:a16="http://schemas.microsoft.com/office/drawing/2014/main" xmlns="" id="{BE9800F6-D571-48C4-8466-12AA1ADB6599}"/>
+                <a16:creationId xmlns="" xmlns:a16="http://schemas.microsoft.com/office/drawing/2014/main" id="{BE9800F6-D571-48C4-8466-12AA1ADB6599}"/>
               </a:ext>
             </a:extLst>
           </p:cNvPr>
@@ -28147,7 +28134,7 @@
           <p:cNvPr id="7" name="Title 6">
             <a:extLst>
               <a:ext uri="{FF2B5EF4-FFF2-40B4-BE49-F238E27FC236}">
-                <a16:creationId xmlns:a16="http://schemas.microsoft.com/office/drawing/2014/main" xmlns="" id="{7875C19A-1AAE-476A-A316-A2CF92D763D3}"/>
+                <a16:creationId xmlns="" xmlns:a16="http://schemas.microsoft.com/office/drawing/2014/main" id="{7875C19A-1AAE-476A-A316-A2CF92D763D3}"/>
               </a:ext>
             </a:extLst>
           </p:cNvPr>
@@ -28184,7 +28171,7 @@
           <p:cNvPr id="10" name="Text Placeholder 9">
             <a:extLst>
               <a:ext uri="{FF2B5EF4-FFF2-40B4-BE49-F238E27FC236}">
-                <a16:creationId xmlns:a16="http://schemas.microsoft.com/office/drawing/2014/main" xmlns="" id="{EF2BC084-E6DB-4DE7-B309-042A85EBA700}"/>
+                <a16:creationId xmlns="" xmlns:a16="http://schemas.microsoft.com/office/drawing/2014/main" id="{EF2BC084-E6DB-4DE7-B309-042A85EBA700}"/>
               </a:ext>
             </a:extLst>
           </p:cNvPr>
@@ -28233,7 +28220,7 @@
           <p:cNvPr id="2" name="Slide Number Placeholder 1">
             <a:extLst>
               <a:ext uri="{FF2B5EF4-FFF2-40B4-BE49-F238E27FC236}">
-                <a16:creationId xmlns:a16="http://schemas.microsoft.com/office/drawing/2014/main" xmlns="" id="{BE9800F6-D571-48C4-8466-12AA1ADB6599}"/>
+                <a16:creationId xmlns="" xmlns:a16="http://schemas.microsoft.com/office/drawing/2014/main" id="{BE9800F6-D571-48C4-8466-12AA1ADB6599}"/>
               </a:ext>
             </a:extLst>
           </p:cNvPr>
@@ -28305,7 +28292,7 @@
           <p:cNvPr id="7" name="Title 6">
             <a:extLst>
               <a:ext uri="{FF2B5EF4-FFF2-40B4-BE49-F238E27FC236}">
-                <a16:creationId xmlns:a16="http://schemas.microsoft.com/office/drawing/2014/main" xmlns="" id="{7875C19A-1AAE-476A-A316-A2CF92D763D3}"/>
+                <a16:creationId xmlns="" xmlns:a16="http://schemas.microsoft.com/office/drawing/2014/main" id="{7875C19A-1AAE-476A-A316-A2CF92D763D3}"/>
               </a:ext>
             </a:extLst>
           </p:cNvPr>
@@ -28348,7 +28335,7 @@
           <p:cNvPr id="10" name="Text Placeholder 9">
             <a:extLst>
               <a:ext uri="{FF2B5EF4-FFF2-40B4-BE49-F238E27FC236}">
-                <a16:creationId xmlns:a16="http://schemas.microsoft.com/office/drawing/2014/main" xmlns="" id="{EF2BC084-E6DB-4DE7-B309-042A85EBA700}"/>
+                <a16:creationId xmlns="" xmlns:a16="http://schemas.microsoft.com/office/drawing/2014/main" id="{EF2BC084-E6DB-4DE7-B309-042A85EBA700}"/>
               </a:ext>
             </a:extLst>
           </p:cNvPr>
@@ -28385,7 +28372,7 @@
           <p:cNvPr id="2" name="Slide Number Placeholder 1">
             <a:extLst>
               <a:ext uri="{FF2B5EF4-FFF2-40B4-BE49-F238E27FC236}">
-                <a16:creationId xmlns:a16="http://schemas.microsoft.com/office/drawing/2014/main" xmlns="" id="{BE9800F6-D571-48C4-8466-12AA1ADB6599}"/>
+                <a16:creationId xmlns="" xmlns:a16="http://schemas.microsoft.com/office/drawing/2014/main" id="{BE9800F6-D571-48C4-8466-12AA1ADB6599}"/>
               </a:ext>
             </a:extLst>
           </p:cNvPr>
@@ -28487,7 +28474,7 @@
           <p:cNvPr id="7" name="Title 6">
             <a:extLst>
               <a:ext uri="{FF2B5EF4-FFF2-40B4-BE49-F238E27FC236}">
-                <a16:creationId xmlns:a16="http://schemas.microsoft.com/office/drawing/2014/main" xmlns="" id="{7875C19A-1AAE-476A-A316-A2CF92D763D3}"/>
+                <a16:creationId xmlns="" xmlns:a16="http://schemas.microsoft.com/office/drawing/2014/main" id="{7875C19A-1AAE-476A-A316-A2CF92D763D3}"/>
               </a:ext>
             </a:extLst>
           </p:cNvPr>
@@ -28524,7 +28511,7 @@
           <p:cNvPr id="2" name="Slide Number Placeholder 1">
             <a:extLst>
               <a:ext uri="{FF2B5EF4-FFF2-40B4-BE49-F238E27FC236}">
-                <a16:creationId xmlns:a16="http://schemas.microsoft.com/office/drawing/2014/main" xmlns="" id="{BE9800F6-D571-48C4-8466-12AA1ADB6599}"/>
+                <a16:creationId xmlns="" xmlns:a16="http://schemas.microsoft.com/office/drawing/2014/main" id="{BE9800F6-D571-48C4-8466-12AA1ADB6599}"/>
               </a:ext>
             </a:extLst>
           </p:cNvPr>
@@ -29396,20 +29383,20 @@
 </file>
 
 <file path=customXml/item1.xml><?xml version="1.0" encoding="utf-8"?>
+<p:properties xmlns:p="http://schemas.microsoft.com/office/2006/metadata/properties" xmlns:xsi="http://www.w3.org/2001/XMLSchema-instance" xmlns:pc="http://schemas.microsoft.com/office/infopath/2007/PartnerControls">
+  <documentManagement>
+    <MediaServiceKeyPoints xmlns="71af3243-3dd4-4a8d-8c0d-dd76da1f02a5" xsi:nil="true"/>
+  </documentManagement>
+</p:properties>
+</file>
+
+<file path=customXml/item2.xml><?xml version="1.0" encoding="utf-8"?>
 <?mso-contentType ?>
 <FormTemplates xmlns="http://schemas.microsoft.com/sharepoint/v3/contenttype/forms">
   <Display>DocumentLibraryForm</Display>
   <Edit>DocumentLibraryForm</Edit>
   <New>DocumentLibraryForm</New>
 </FormTemplates>
-</file>
-
-<file path=customXml/item2.xml><?xml version="1.0" encoding="utf-8"?>
-<p:properties xmlns:p="http://schemas.microsoft.com/office/2006/metadata/properties" xmlns:xsi="http://www.w3.org/2001/XMLSchema-instance" xmlns:pc="http://schemas.microsoft.com/office/infopath/2007/PartnerControls">
-  <documentManagement>
-    <MediaServiceKeyPoints xmlns="71af3243-3dd4-4a8d-8c0d-dd76da1f02a5" xsi:nil="true"/>
-  </documentManagement>
-</p:properties>
 </file>
 
 <file path=customXml/item3.xml><?xml version="1.0" encoding="utf-8"?>
@@ -29624,14 +29611,6 @@
 </file>
 
 <file path=customXml/itemProps1.xml><?xml version="1.0" encoding="utf-8"?>
-<ds:datastoreItem xmlns:ds="http://schemas.openxmlformats.org/officeDocument/2006/customXml" ds:itemID="{5B26E0C9-B2AA-42E6-97B6-E1B7D9EAF129}">
-  <ds:schemaRefs>
-    <ds:schemaRef ds:uri="http://schemas.microsoft.com/sharepoint/v3/contenttype/forms"/>
-  </ds:schemaRefs>
-</ds:datastoreItem>
-</file>
-
-<file path=customXml/itemProps2.xml><?xml version="1.0" encoding="utf-8"?>
 <ds:datastoreItem xmlns:ds="http://schemas.openxmlformats.org/officeDocument/2006/customXml" ds:itemID="{F5757914-1161-4661-9696-421FD6935CDD}">
   <ds:schemaRefs>
     <ds:schemaRef ds:uri="http://purl.org/dc/elements/1.1/"/>
@@ -29644,6 +29623,14 @@
     <ds:schemaRef ds:uri="71af3243-3dd4-4a8d-8c0d-dd76da1f02a5"/>
     <ds:schemaRef ds:uri="http://www.w3.org/XML/1998/namespace"/>
     <ds:schemaRef ds:uri="http://purl.org/dc/dcmitype/"/>
+  </ds:schemaRefs>
+</ds:datastoreItem>
+</file>
+
+<file path=customXml/itemProps2.xml><?xml version="1.0" encoding="utf-8"?>
+<ds:datastoreItem xmlns:ds="http://schemas.openxmlformats.org/officeDocument/2006/customXml" ds:itemID="{5B26E0C9-B2AA-42E6-97B6-E1B7D9EAF129}">
+  <ds:schemaRefs>
+    <ds:schemaRef ds:uri="http://schemas.microsoft.com/sharepoint/v3/contenttype/forms"/>
   </ds:schemaRefs>
 </ds:datastoreItem>
 </file>
